--- a/論文/figures/Figures&Tables.pptx
+++ b/論文/figures/Figures&Tables.pptx
@@ -207,7 +207,7 @@
           <a:p>
             <a:fld id="{CF2BC990-631B-44C0-9708-8FFAA36D913C}" type="datetimeFigureOut">
               <a:rPr kumimoji="1" lang="ja-JP" altLang="en-US" smtClean="0"/>
-              <a:t>2019/7/8</a:t>
+              <a:t>2019/7/12</a:t>
             </a:fld>
             <a:endParaRPr kumimoji="1" lang="ja-JP" altLang="en-US"/>
           </a:p>
@@ -421,7 +421,7 @@
           <a:p>
             <a:fld id="{0BA0E0C8-02F0-4E03-83F6-93C841C817A4}" type="datetimeFigureOut">
               <a:rPr kumimoji="1" lang="ja-JP" altLang="en-US" smtClean="0"/>
-              <a:t>2019/7/8</a:t>
+              <a:t>2019/7/12</a:t>
             </a:fld>
             <a:endParaRPr kumimoji="1" lang="ja-JP" altLang="en-US"/>
           </a:p>
@@ -623,7 +623,7 @@
           <a:p>
             <a:fld id="{0BA0E0C8-02F0-4E03-83F6-93C841C817A4}" type="datetimeFigureOut">
               <a:rPr kumimoji="1" lang="ja-JP" altLang="en-US" smtClean="0"/>
-              <a:t>2019/7/8</a:t>
+              <a:t>2019/7/12</a:t>
             </a:fld>
             <a:endParaRPr kumimoji="1" lang="ja-JP" altLang="en-US"/>
           </a:p>
@@ -835,7 +835,7 @@
           <a:p>
             <a:fld id="{0BA0E0C8-02F0-4E03-83F6-93C841C817A4}" type="datetimeFigureOut">
               <a:rPr kumimoji="1" lang="ja-JP" altLang="en-US" smtClean="0"/>
-              <a:t>2019/7/8</a:t>
+              <a:t>2019/7/12</a:t>
             </a:fld>
             <a:endParaRPr kumimoji="1" lang="ja-JP" altLang="en-US"/>
           </a:p>
@@ -1037,7 +1037,7 @@
           <a:p>
             <a:fld id="{0BA0E0C8-02F0-4E03-83F6-93C841C817A4}" type="datetimeFigureOut">
               <a:rPr kumimoji="1" lang="ja-JP" altLang="en-US" smtClean="0"/>
-              <a:t>2019/7/8</a:t>
+              <a:t>2019/7/12</a:t>
             </a:fld>
             <a:endParaRPr kumimoji="1" lang="ja-JP" altLang="en-US"/>
           </a:p>
@@ -1281,7 +1281,7 @@
           <a:p>
             <a:fld id="{0BA0E0C8-02F0-4E03-83F6-93C841C817A4}" type="datetimeFigureOut">
               <a:rPr kumimoji="1" lang="ja-JP" altLang="en-US" smtClean="0"/>
-              <a:t>2019/7/8</a:t>
+              <a:t>2019/7/12</a:t>
             </a:fld>
             <a:endParaRPr kumimoji="1" lang="ja-JP" altLang="en-US"/>
           </a:p>
@@ -1577,7 +1577,7 @@
           <a:p>
             <a:fld id="{0BA0E0C8-02F0-4E03-83F6-93C841C817A4}" type="datetimeFigureOut">
               <a:rPr kumimoji="1" lang="ja-JP" altLang="en-US" smtClean="0"/>
-              <a:t>2019/7/8</a:t>
+              <a:t>2019/7/12</a:t>
             </a:fld>
             <a:endParaRPr kumimoji="1" lang="ja-JP" altLang="en-US"/>
           </a:p>
@@ -2008,7 +2008,7 @@
           <a:p>
             <a:fld id="{0BA0E0C8-02F0-4E03-83F6-93C841C817A4}" type="datetimeFigureOut">
               <a:rPr kumimoji="1" lang="ja-JP" altLang="en-US" smtClean="0"/>
-              <a:t>2019/7/8</a:t>
+              <a:t>2019/7/12</a:t>
             </a:fld>
             <a:endParaRPr kumimoji="1" lang="ja-JP" altLang="en-US"/>
           </a:p>
@@ -2126,7 +2126,7 @@
           <a:p>
             <a:fld id="{0BA0E0C8-02F0-4E03-83F6-93C841C817A4}" type="datetimeFigureOut">
               <a:rPr kumimoji="1" lang="ja-JP" altLang="en-US" smtClean="0"/>
-              <a:t>2019/7/8</a:t>
+              <a:t>2019/7/12</a:t>
             </a:fld>
             <a:endParaRPr kumimoji="1" lang="ja-JP" altLang="en-US"/>
           </a:p>
@@ -2221,7 +2221,7 @@
           <a:p>
             <a:fld id="{0BA0E0C8-02F0-4E03-83F6-93C841C817A4}" type="datetimeFigureOut">
               <a:rPr kumimoji="1" lang="ja-JP" altLang="en-US" smtClean="0"/>
-              <a:t>2019/7/8</a:t>
+              <a:t>2019/7/12</a:t>
             </a:fld>
             <a:endParaRPr kumimoji="1" lang="ja-JP" altLang="en-US"/>
           </a:p>
@@ -2530,7 +2530,7 @@
           <a:p>
             <a:fld id="{0BA0E0C8-02F0-4E03-83F6-93C841C817A4}" type="datetimeFigureOut">
               <a:rPr kumimoji="1" lang="ja-JP" altLang="en-US" smtClean="0"/>
-              <a:t>2019/7/8</a:t>
+              <a:t>2019/7/12</a:t>
             </a:fld>
             <a:endParaRPr kumimoji="1" lang="ja-JP" altLang="en-US"/>
           </a:p>
@@ -2787,7 +2787,7 @@
           <a:p>
             <a:fld id="{0BA0E0C8-02F0-4E03-83F6-93C841C817A4}" type="datetimeFigureOut">
               <a:rPr kumimoji="1" lang="ja-JP" altLang="en-US" smtClean="0"/>
-              <a:t>2019/7/8</a:t>
+              <a:t>2019/7/12</a:t>
             </a:fld>
             <a:endParaRPr kumimoji="1" lang="ja-JP" altLang="en-US"/>
           </a:p>
@@ -3032,7 +3032,7 @@
           <a:p>
             <a:fld id="{0BA0E0C8-02F0-4E03-83F6-93C841C817A4}" type="datetimeFigureOut">
               <a:rPr kumimoji="1" lang="ja-JP" altLang="en-US" smtClean="0"/>
-              <a:t>2019/7/8</a:t>
+              <a:t>2019/7/12</a:t>
             </a:fld>
             <a:endParaRPr kumimoji="1" lang="ja-JP" altLang="en-US"/>
           </a:p>
@@ -3586,11 +3586,25 @@
               <a:t>Figure </a:t>
             </a:r>
             <a:r>
+              <a:rPr kumimoji="1" lang="en-US" altLang="ja-JP" dirty="0" smtClean="0">
+                <a:latin typeface="Times New Roman" panose="02020603050405020304" pitchFamily="18" charset="0"/>
+                <a:cs typeface="Times New Roman" panose="02020603050405020304" pitchFamily="18" charset="0"/>
+              </a:rPr>
+              <a:t>8</a:t>
+            </a:r>
+            <a:r>
               <a:rPr lang="en-US" altLang="ja-JP" dirty="0" smtClean="0">
                 <a:latin typeface="Times New Roman" panose="02020603050405020304" pitchFamily="18" charset="0"/>
                 <a:cs typeface="Times New Roman" panose="02020603050405020304" pitchFamily="18" charset="0"/>
               </a:rPr>
-              <a:t>7. Pressure force</a:t>
+              <a:t>. </a:t>
+            </a:r>
+            <a:r>
+              <a:rPr lang="en-US" altLang="ja-JP" dirty="0" smtClean="0">
+                <a:latin typeface="Times New Roman" panose="02020603050405020304" pitchFamily="18" charset="0"/>
+                <a:cs typeface="Times New Roman" panose="02020603050405020304" pitchFamily="18" charset="0"/>
+              </a:rPr>
+              <a:t>Pressure force</a:t>
             </a:r>
             <a:endParaRPr kumimoji="1" lang="ja-JP" altLang="en-US" dirty="0">
               <a:latin typeface="Times New Roman" panose="02020603050405020304" pitchFamily="18" charset="0"/>
@@ -3683,18 +3697,32 @@
           <a:p>
             <a:pPr algn="ctr"/>
             <a:r>
-              <a:rPr kumimoji="1" lang="en-US" altLang="ja-JP" dirty="0" smtClean="0">
+              <a:rPr kumimoji="1" lang="en-US" altLang="ja-JP" smtClean="0">
                 <a:latin typeface="Times New Roman" panose="02020603050405020304" pitchFamily="18" charset="0"/>
                 <a:cs typeface="Times New Roman" panose="02020603050405020304" pitchFamily="18" charset="0"/>
               </a:rPr>
               <a:t>Figure </a:t>
             </a:r>
             <a:r>
+              <a:rPr lang="en-US" altLang="ja-JP" dirty="0">
+                <a:latin typeface="Times New Roman" panose="02020603050405020304" pitchFamily="18" charset="0"/>
+                <a:cs typeface="Times New Roman" panose="02020603050405020304" pitchFamily="18" charset="0"/>
+              </a:rPr>
+              <a:t>9</a:t>
+            </a:r>
+            <a:r>
+              <a:rPr lang="en-US" altLang="ja-JP" smtClean="0">
+                <a:latin typeface="Times New Roman" panose="02020603050405020304" pitchFamily="18" charset="0"/>
+                <a:cs typeface="Times New Roman" panose="02020603050405020304" pitchFamily="18" charset="0"/>
+              </a:rPr>
+              <a:t>. </a:t>
+            </a:r>
+            <a:r>
               <a:rPr lang="en-US" altLang="ja-JP" dirty="0" smtClean="0">
                 <a:latin typeface="Times New Roman" panose="02020603050405020304" pitchFamily="18" charset="0"/>
                 <a:cs typeface="Times New Roman" panose="02020603050405020304" pitchFamily="18" charset="0"/>
               </a:rPr>
-              <a:t>8. Air velocity</a:t>
+              <a:t>Air velocity</a:t>
             </a:r>
             <a:endParaRPr kumimoji="1" lang="ja-JP" altLang="en-US" dirty="0">
               <a:latin typeface="Times New Roman" panose="02020603050405020304" pitchFamily="18" charset="0"/>
@@ -5803,14 +5831,7 @@
                 <a:latin typeface="Times New Roman" panose="02020603050405020304" pitchFamily="18" charset="0"/>
                 <a:cs typeface="Times New Roman" panose="02020603050405020304" pitchFamily="18" charset="0"/>
               </a:rPr>
-              <a:t>Pressure </a:t>
-            </a:r>
-            <a:r>
-              <a:rPr lang="en-US" altLang="ja-JP" dirty="0" smtClean="0">
-                <a:latin typeface="Times New Roman" panose="02020603050405020304" pitchFamily="18" charset="0"/>
-                <a:cs typeface="Times New Roman" panose="02020603050405020304" pitchFamily="18" charset="0"/>
-              </a:rPr>
-              <a:t>force</a:t>
+              <a:t>Pressure force</a:t>
             </a:r>
             <a:endParaRPr kumimoji="1" lang="ja-JP" altLang="en-US" dirty="0">
               <a:latin typeface="Times New Roman" panose="02020603050405020304" pitchFamily="18" charset="0"/>
@@ -6003,11 +6024,11 @@
   <p:clrMapOvr>
     <a:masterClrMapping/>
   </p:clrMapOvr>
-  <mc:AlternateContent xmlns:mc="http://schemas.openxmlformats.org/markup-compatibility/2006">
-    <mc:Choice xmlns:p14="http://schemas.microsoft.com/office/powerpoint/2010/main" Requires="p14">
+  <mc:AlternateContent xmlns:mc="http://schemas.openxmlformats.org/markup-compatibility/2006" xmlns:p14="http://schemas.microsoft.com/office/powerpoint/2010/main">
+    <mc:Choice Requires="p14">
       <p:transition spd="slow" p14:dur="2000"/>
     </mc:Choice>
-    <mc:Fallback>
+    <mc:Fallback xmlns="">
       <p:transition spd="slow"/>
     </mc:Fallback>
   </mc:AlternateContent>
@@ -6393,11 +6414,11 @@
   <p:clrMapOvr>
     <a:masterClrMapping/>
   </p:clrMapOvr>
-  <mc:AlternateContent xmlns:mc="http://schemas.openxmlformats.org/markup-compatibility/2006">
-    <mc:Choice xmlns:p14="http://schemas.microsoft.com/office/powerpoint/2010/main" Requires="p14">
+  <mc:AlternateContent xmlns:mc="http://schemas.openxmlformats.org/markup-compatibility/2006" xmlns:p14="http://schemas.microsoft.com/office/powerpoint/2010/main">
+    <mc:Choice Requires="p14">
       <p:transition spd="slow" p14:dur="2000"/>
     </mc:Choice>
-    <mc:Fallback>
+    <mc:Fallback xmlns="">
       <p:transition spd="slow"/>
     </mc:Fallback>
   </mc:AlternateContent>
@@ -6783,11 +6804,11 @@
   <p:clrMapOvr>
     <a:masterClrMapping/>
   </p:clrMapOvr>
-  <mc:AlternateContent xmlns:mc="http://schemas.openxmlformats.org/markup-compatibility/2006">
-    <mc:Choice xmlns:p14="http://schemas.microsoft.com/office/powerpoint/2010/main" Requires="p14">
+  <mc:AlternateContent xmlns:mc="http://schemas.openxmlformats.org/markup-compatibility/2006" xmlns:p14="http://schemas.microsoft.com/office/powerpoint/2010/main">
+    <mc:Choice Requires="p14">
       <p:transition spd="slow" p14:dur="2000"/>
     </mc:Choice>
-    <mc:Fallback>
+    <mc:Fallback xmlns="">
       <p:transition spd="slow"/>
     </mc:Fallback>
   </mc:AlternateContent>

--- a/論文/figures/Figures&Tables.pptx
+++ b/論文/figures/Figures&Tables.pptx
@@ -11,9 +11,9 @@
     <p:sldId id="257" r:id="rId2"/>
     <p:sldId id="258" r:id="rId3"/>
     <p:sldId id="259" r:id="rId4"/>
-    <p:sldId id="266" r:id="rId5"/>
-    <p:sldId id="273" r:id="rId6"/>
-    <p:sldId id="267" r:id="rId7"/>
+    <p:sldId id="273" r:id="rId5"/>
+    <p:sldId id="274" r:id="rId6"/>
+    <p:sldId id="276" r:id="rId7"/>
     <p:sldId id="269" r:id="rId8"/>
     <p:sldId id="262" r:id="rId9"/>
     <p:sldId id="270" r:id="rId10"/>
@@ -207,7 +207,7 @@
           <a:p>
             <a:fld id="{CF2BC990-631B-44C0-9708-8FFAA36D913C}" type="datetimeFigureOut">
               <a:rPr kumimoji="1" lang="ja-JP" altLang="en-US" smtClean="0"/>
-              <a:t>2019/7/12</a:t>
+              <a:t>2019/8/14</a:t>
             </a:fld>
             <a:endParaRPr kumimoji="1" lang="ja-JP" altLang="en-US"/>
           </a:p>
@@ -421,7 +421,7 @@
           <a:p>
             <a:fld id="{0BA0E0C8-02F0-4E03-83F6-93C841C817A4}" type="datetimeFigureOut">
               <a:rPr kumimoji="1" lang="ja-JP" altLang="en-US" smtClean="0"/>
-              <a:t>2019/7/12</a:t>
+              <a:t>2019/8/14</a:t>
             </a:fld>
             <a:endParaRPr kumimoji="1" lang="ja-JP" altLang="en-US"/>
           </a:p>
@@ -623,7 +623,7 @@
           <a:p>
             <a:fld id="{0BA0E0C8-02F0-4E03-83F6-93C841C817A4}" type="datetimeFigureOut">
               <a:rPr kumimoji="1" lang="ja-JP" altLang="en-US" smtClean="0"/>
-              <a:t>2019/7/12</a:t>
+              <a:t>2019/8/14</a:t>
             </a:fld>
             <a:endParaRPr kumimoji="1" lang="ja-JP" altLang="en-US"/>
           </a:p>
@@ -835,7 +835,7 @@
           <a:p>
             <a:fld id="{0BA0E0C8-02F0-4E03-83F6-93C841C817A4}" type="datetimeFigureOut">
               <a:rPr kumimoji="1" lang="ja-JP" altLang="en-US" smtClean="0"/>
-              <a:t>2019/7/12</a:t>
+              <a:t>2019/8/14</a:t>
             </a:fld>
             <a:endParaRPr kumimoji="1" lang="ja-JP" altLang="en-US"/>
           </a:p>
@@ -1037,7 +1037,7 @@
           <a:p>
             <a:fld id="{0BA0E0C8-02F0-4E03-83F6-93C841C817A4}" type="datetimeFigureOut">
               <a:rPr kumimoji="1" lang="ja-JP" altLang="en-US" smtClean="0"/>
-              <a:t>2019/7/12</a:t>
+              <a:t>2019/8/14</a:t>
             </a:fld>
             <a:endParaRPr kumimoji="1" lang="ja-JP" altLang="en-US"/>
           </a:p>
@@ -1281,7 +1281,7 @@
           <a:p>
             <a:fld id="{0BA0E0C8-02F0-4E03-83F6-93C841C817A4}" type="datetimeFigureOut">
               <a:rPr kumimoji="1" lang="ja-JP" altLang="en-US" smtClean="0"/>
-              <a:t>2019/7/12</a:t>
+              <a:t>2019/8/14</a:t>
             </a:fld>
             <a:endParaRPr kumimoji="1" lang="ja-JP" altLang="en-US"/>
           </a:p>
@@ -1577,7 +1577,7 @@
           <a:p>
             <a:fld id="{0BA0E0C8-02F0-4E03-83F6-93C841C817A4}" type="datetimeFigureOut">
               <a:rPr kumimoji="1" lang="ja-JP" altLang="en-US" smtClean="0"/>
-              <a:t>2019/7/12</a:t>
+              <a:t>2019/8/14</a:t>
             </a:fld>
             <a:endParaRPr kumimoji="1" lang="ja-JP" altLang="en-US"/>
           </a:p>
@@ -2008,7 +2008,7 @@
           <a:p>
             <a:fld id="{0BA0E0C8-02F0-4E03-83F6-93C841C817A4}" type="datetimeFigureOut">
               <a:rPr kumimoji="1" lang="ja-JP" altLang="en-US" smtClean="0"/>
-              <a:t>2019/7/12</a:t>
+              <a:t>2019/8/14</a:t>
             </a:fld>
             <a:endParaRPr kumimoji="1" lang="ja-JP" altLang="en-US"/>
           </a:p>
@@ -2126,7 +2126,7 @@
           <a:p>
             <a:fld id="{0BA0E0C8-02F0-4E03-83F6-93C841C817A4}" type="datetimeFigureOut">
               <a:rPr kumimoji="1" lang="ja-JP" altLang="en-US" smtClean="0"/>
-              <a:t>2019/7/12</a:t>
+              <a:t>2019/8/14</a:t>
             </a:fld>
             <a:endParaRPr kumimoji="1" lang="ja-JP" altLang="en-US"/>
           </a:p>
@@ -2221,7 +2221,7 @@
           <a:p>
             <a:fld id="{0BA0E0C8-02F0-4E03-83F6-93C841C817A4}" type="datetimeFigureOut">
               <a:rPr kumimoji="1" lang="ja-JP" altLang="en-US" smtClean="0"/>
-              <a:t>2019/7/12</a:t>
+              <a:t>2019/8/14</a:t>
             </a:fld>
             <a:endParaRPr kumimoji="1" lang="ja-JP" altLang="en-US"/>
           </a:p>
@@ -2530,7 +2530,7 @@
           <a:p>
             <a:fld id="{0BA0E0C8-02F0-4E03-83F6-93C841C817A4}" type="datetimeFigureOut">
               <a:rPr kumimoji="1" lang="ja-JP" altLang="en-US" smtClean="0"/>
-              <a:t>2019/7/12</a:t>
+              <a:t>2019/8/14</a:t>
             </a:fld>
             <a:endParaRPr kumimoji="1" lang="ja-JP" altLang="en-US"/>
           </a:p>
@@ -2787,7 +2787,7 @@
           <a:p>
             <a:fld id="{0BA0E0C8-02F0-4E03-83F6-93C841C817A4}" type="datetimeFigureOut">
               <a:rPr kumimoji="1" lang="ja-JP" altLang="en-US" smtClean="0"/>
-              <a:t>2019/7/12</a:t>
+              <a:t>2019/8/14</a:t>
             </a:fld>
             <a:endParaRPr kumimoji="1" lang="ja-JP" altLang="en-US"/>
           </a:p>
@@ -3032,7 +3032,7 @@
           <a:p>
             <a:fld id="{0BA0E0C8-02F0-4E03-83F6-93C841C817A4}" type="datetimeFigureOut">
               <a:rPr kumimoji="1" lang="ja-JP" altLang="en-US" smtClean="0"/>
-              <a:t>2019/7/12</a:t>
+              <a:t>2019/8/14</a:t>
             </a:fld>
             <a:endParaRPr kumimoji="1" lang="ja-JP" altLang="en-US"/>
           </a:p>
@@ -3590,7 +3590,7 @@
                 <a:latin typeface="Times New Roman" panose="02020603050405020304" pitchFamily="18" charset="0"/>
                 <a:cs typeface="Times New Roman" panose="02020603050405020304" pitchFamily="18" charset="0"/>
               </a:rPr>
-              <a:t>8</a:t>
+              <a:t>11</a:t>
             </a:r>
             <a:r>
               <a:rPr lang="en-US" altLang="ja-JP" dirty="0" smtClean="0">
@@ -3673,67 +3673,9 @@
           <a:chExt cx="0" cy="0"/>
         </a:xfrm>
       </p:grpSpPr>
-      <p:sp>
-        <p:nvSpPr>
-          <p:cNvPr id="41" name="テキスト ボックス 40"/>
-          <p:cNvSpPr txBox="1"/>
-          <p:nvPr/>
-        </p:nvSpPr>
-        <p:spPr>
-          <a:xfrm>
-            <a:off x="540000" y="7718612"/>
-            <a:ext cx="5778000" cy="369332"/>
-          </a:xfrm>
-          <a:prstGeom prst="rect">
-            <a:avLst/>
-          </a:prstGeom>
-          <a:noFill/>
-        </p:spPr>
-        <p:txBody>
-          <a:bodyPr wrap="square" rtlCol="0">
-            <a:spAutoFit/>
-          </a:bodyPr>
-          <a:lstStyle/>
-          <a:p>
-            <a:pPr algn="ctr"/>
-            <a:r>
-              <a:rPr kumimoji="1" lang="en-US" altLang="ja-JP" smtClean="0">
-                <a:latin typeface="Times New Roman" panose="02020603050405020304" pitchFamily="18" charset="0"/>
-                <a:cs typeface="Times New Roman" panose="02020603050405020304" pitchFamily="18" charset="0"/>
-              </a:rPr>
-              <a:t>Figure </a:t>
-            </a:r>
-            <a:r>
-              <a:rPr lang="en-US" altLang="ja-JP" dirty="0">
-                <a:latin typeface="Times New Roman" panose="02020603050405020304" pitchFamily="18" charset="0"/>
-                <a:cs typeface="Times New Roman" panose="02020603050405020304" pitchFamily="18" charset="0"/>
-              </a:rPr>
-              <a:t>9</a:t>
-            </a:r>
-            <a:r>
-              <a:rPr lang="en-US" altLang="ja-JP" smtClean="0">
-                <a:latin typeface="Times New Roman" panose="02020603050405020304" pitchFamily="18" charset="0"/>
-                <a:cs typeface="Times New Roman" panose="02020603050405020304" pitchFamily="18" charset="0"/>
-              </a:rPr>
-              <a:t>. </a:t>
-            </a:r>
-            <a:r>
-              <a:rPr lang="en-US" altLang="ja-JP" dirty="0" smtClean="0">
-                <a:latin typeface="Times New Roman" panose="02020603050405020304" pitchFamily="18" charset="0"/>
-                <a:cs typeface="Times New Roman" panose="02020603050405020304" pitchFamily="18" charset="0"/>
-              </a:rPr>
-              <a:t>Air velocity</a:t>
-            </a:r>
-            <a:endParaRPr kumimoji="1" lang="ja-JP" altLang="en-US" dirty="0">
-              <a:latin typeface="Times New Roman" panose="02020603050405020304" pitchFamily="18" charset="0"/>
-              <a:cs typeface="Times New Roman" panose="02020603050405020304" pitchFamily="18" charset="0"/>
-            </a:endParaRPr>
-          </a:p>
-        </p:txBody>
-      </p:sp>
       <p:pic>
         <p:nvPicPr>
-          <p:cNvPr id="2" name="図 1"/>
+          <p:cNvPr id="4" name="図 3"/>
           <p:cNvPicPr>
             <a:picLocks noChangeAspect="1"/>
           </p:cNvPicPr>
@@ -3747,19 +3689,70 @@
               </a:ext>
             </a:extLst>
           </a:blip>
-          <a:srcRect l="21582"/>
+          <a:srcRect l="21205"/>
           <a:stretch/>
         </p:blipFill>
         <p:spPr>
           <a:xfrm>
-            <a:off x="887506" y="2111188"/>
-            <a:ext cx="4397189" cy="5607424"/>
+            <a:off x="890327" y="2111188"/>
+            <a:ext cx="4391545" cy="5573399"/>
           </a:xfrm>
           <a:prstGeom prst="rect">
             <a:avLst/>
           </a:prstGeom>
         </p:spPr>
       </p:pic>
+      <p:sp>
+        <p:nvSpPr>
+          <p:cNvPr id="41" name="テキスト ボックス 40"/>
+          <p:cNvSpPr txBox="1"/>
+          <p:nvPr/>
+        </p:nvSpPr>
+        <p:spPr>
+          <a:xfrm>
+            <a:off x="540000" y="7718612"/>
+            <a:ext cx="5778000" cy="369332"/>
+          </a:xfrm>
+          <a:prstGeom prst="rect">
+            <a:avLst/>
+          </a:prstGeom>
+          <a:noFill/>
+        </p:spPr>
+        <p:txBody>
+          <a:bodyPr wrap="square" rtlCol="0">
+            <a:spAutoFit/>
+          </a:bodyPr>
+          <a:lstStyle/>
+          <a:p>
+            <a:pPr algn="ctr"/>
+            <a:r>
+              <a:rPr kumimoji="1" lang="en-US" altLang="ja-JP" dirty="0" smtClean="0">
+                <a:latin typeface="Times New Roman" panose="02020603050405020304" pitchFamily="18" charset="0"/>
+                <a:cs typeface="Times New Roman" panose="02020603050405020304" pitchFamily="18" charset="0"/>
+              </a:rPr>
+              <a:t>Figure </a:t>
+            </a:r>
+            <a:r>
+              <a:rPr lang="en-US" altLang="ja-JP" dirty="0" smtClean="0">
+                <a:latin typeface="Times New Roman" panose="02020603050405020304" pitchFamily="18" charset="0"/>
+                <a:cs typeface="Times New Roman" panose="02020603050405020304" pitchFamily="18" charset="0"/>
+              </a:rPr>
+              <a:t>12</a:t>
+            </a:r>
+            <a:r>
+              <a:rPr lang="en-US" altLang="ja-JP" dirty="0" smtClean="0">
+                <a:latin typeface="Times New Roman" panose="02020603050405020304" pitchFamily="18" charset="0"/>
+                <a:cs typeface="Times New Roman" panose="02020603050405020304" pitchFamily="18" charset="0"/>
+              </a:rPr>
+              <a:t>. Bubble velocity</a:t>
+            </a:r>
+            <a:endParaRPr kumimoji="1" lang="ja-JP" altLang="en-US" dirty="0">
+              <a:latin typeface="Times New Roman" panose="02020603050405020304" pitchFamily="18" charset="0"/>
+              <a:cs typeface="Times New Roman" panose="02020603050405020304" pitchFamily="18" charset="0"/>
+            </a:endParaRPr>
+          </a:p>
+        </p:txBody>
+      </p:sp>
       <p:pic>
         <p:nvPicPr>
           <p:cNvPr id="3" name="図 2"/>
@@ -5289,7 +5282,7 @@
         <p:spPr>
           <a:xfrm>
             <a:off x="540000" y="8901953"/>
-            <a:ext cx="5778000" cy="369332"/>
+            <a:ext cx="5778000" cy="646331"/>
           </a:xfrm>
           <a:prstGeom prst="rect">
             <a:avLst/>
@@ -5329,7 +5322,24 @@
                 <a:latin typeface="Times New Roman" panose="02020603050405020304" pitchFamily="18" charset="0"/>
                 <a:cs typeface="Times New Roman" panose="02020603050405020304" pitchFamily="18" charset="0"/>
               </a:rPr>
-              <a:t>Powder velocity</a:t>
+              <a:t>Powder </a:t>
+            </a:r>
+            <a:r>
+              <a:rPr lang="en-US" altLang="ja-JP" dirty="0" smtClean="0">
+                <a:latin typeface="Times New Roman" panose="02020603050405020304" pitchFamily="18" charset="0"/>
+                <a:cs typeface="Times New Roman" panose="02020603050405020304" pitchFamily="18" charset="0"/>
+              </a:rPr>
+              <a:t>distribution</a:t>
+            </a:r>
+          </a:p>
+          <a:p>
+            <a:pPr algn="ctr"/>
+            <a:r>
+              <a:rPr lang="en-US" altLang="ja-JP" dirty="0" smtClean="0">
+                <a:latin typeface="Times New Roman" panose="02020603050405020304" pitchFamily="18" charset="0"/>
+                <a:cs typeface="Times New Roman" panose="02020603050405020304" pitchFamily="18" charset="0"/>
+              </a:rPr>
+              <a:t>In case suction filling, the punch speed was 500 mm/s.</a:t>
             </a:r>
             <a:endParaRPr kumimoji="1" lang="ja-JP" altLang="en-US" dirty="0">
               <a:latin typeface="Times New Roman" panose="02020603050405020304" pitchFamily="18" charset="0"/>
@@ -5338,294 +5348,29 @@
           </a:p>
         </p:txBody>
       </p:sp>
-      <p:sp>
-        <p:nvSpPr>
-          <p:cNvPr id="13" name="テキスト ボックス 12"/>
-          <p:cNvSpPr txBox="1"/>
-          <p:nvPr/>
-        </p:nvSpPr>
-        <p:spPr>
-          <a:xfrm>
-            <a:off x="3262869" y="1805528"/>
-            <a:ext cx="1102658" cy="369332"/>
-          </a:xfrm>
-          <a:prstGeom prst="rect">
-            <a:avLst/>
-          </a:prstGeom>
-          <a:noFill/>
-        </p:spPr>
-        <p:txBody>
-          <a:bodyPr wrap="square" rtlCol="0">
-            <a:spAutoFit/>
-          </a:bodyPr>
-          <a:lstStyle/>
-          <a:p>
-            <a:r>
-              <a:rPr kumimoji="1" lang="en-US" altLang="ja-JP" dirty="0" smtClean="0">
-                <a:latin typeface="Times New Roman" panose="02020603050405020304" pitchFamily="18" charset="0"/>
-                <a:cs typeface="Times New Roman" panose="02020603050405020304" pitchFamily="18" charset="0"/>
-              </a:rPr>
-              <a:t>0.020 s</a:t>
-            </a:r>
-            <a:endParaRPr kumimoji="1" lang="ja-JP" altLang="en-US" dirty="0">
-              <a:latin typeface="Times New Roman" panose="02020603050405020304" pitchFamily="18" charset="0"/>
-              <a:cs typeface="Times New Roman" panose="02020603050405020304" pitchFamily="18" charset="0"/>
-            </a:endParaRPr>
-          </a:p>
-        </p:txBody>
-      </p:sp>
-      <p:sp>
-        <p:nvSpPr>
-          <p:cNvPr id="14" name="テキスト ボックス 13"/>
-          <p:cNvSpPr txBox="1"/>
-          <p:nvPr/>
-        </p:nvSpPr>
-        <p:spPr>
-          <a:xfrm>
-            <a:off x="3262869" y="6039736"/>
-            <a:ext cx="1102658" cy="369332"/>
-          </a:xfrm>
-          <a:prstGeom prst="rect">
-            <a:avLst/>
-          </a:prstGeom>
-          <a:noFill/>
-        </p:spPr>
-        <p:txBody>
-          <a:bodyPr wrap="square" rtlCol="0">
-            <a:spAutoFit/>
-          </a:bodyPr>
-          <a:lstStyle/>
-          <a:p>
-            <a:r>
-              <a:rPr kumimoji="1" lang="en-US" altLang="ja-JP" dirty="0" smtClean="0">
-                <a:latin typeface="Times New Roman" panose="02020603050405020304" pitchFamily="18" charset="0"/>
-                <a:cs typeface="Times New Roman" panose="02020603050405020304" pitchFamily="18" charset="0"/>
-              </a:rPr>
-              <a:t>0.060 s</a:t>
-            </a:r>
-            <a:endParaRPr kumimoji="1" lang="ja-JP" altLang="en-US" dirty="0">
-              <a:latin typeface="Times New Roman" panose="02020603050405020304" pitchFamily="18" charset="0"/>
-              <a:cs typeface="Times New Roman" panose="02020603050405020304" pitchFamily="18" charset="0"/>
-            </a:endParaRPr>
-          </a:p>
-        </p:txBody>
-      </p:sp>
-      <p:sp>
-        <p:nvSpPr>
-          <p:cNvPr id="15" name="テキスト ボックス 14"/>
-          <p:cNvSpPr txBox="1"/>
-          <p:nvPr/>
-        </p:nvSpPr>
-        <p:spPr>
-          <a:xfrm>
-            <a:off x="3262869" y="8124904"/>
-            <a:ext cx="1102658" cy="369332"/>
-          </a:xfrm>
-          <a:prstGeom prst="rect">
-            <a:avLst/>
-          </a:prstGeom>
-          <a:noFill/>
-        </p:spPr>
-        <p:txBody>
-          <a:bodyPr wrap="square" rtlCol="0">
-            <a:spAutoFit/>
-          </a:bodyPr>
-          <a:lstStyle/>
-          <a:p>
-            <a:r>
-              <a:rPr kumimoji="1" lang="en-US" altLang="ja-JP" dirty="0" smtClean="0">
-                <a:latin typeface="Times New Roman" panose="02020603050405020304" pitchFamily="18" charset="0"/>
-                <a:cs typeface="Times New Roman" panose="02020603050405020304" pitchFamily="18" charset="0"/>
-              </a:rPr>
-              <a:t>0.080 s</a:t>
-            </a:r>
-            <a:endParaRPr kumimoji="1" lang="ja-JP" altLang="en-US" dirty="0">
-              <a:latin typeface="Times New Roman" panose="02020603050405020304" pitchFamily="18" charset="0"/>
-              <a:cs typeface="Times New Roman" panose="02020603050405020304" pitchFamily="18" charset="0"/>
-            </a:endParaRPr>
-          </a:p>
-        </p:txBody>
-      </p:sp>
-      <p:sp>
-        <p:nvSpPr>
-          <p:cNvPr id="19" name="テキスト ボックス 18"/>
-          <p:cNvSpPr txBox="1"/>
-          <p:nvPr/>
-        </p:nvSpPr>
-        <p:spPr>
-          <a:xfrm>
-            <a:off x="3262869" y="3947846"/>
-            <a:ext cx="1102658" cy="369332"/>
-          </a:xfrm>
-          <a:prstGeom prst="rect">
-            <a:avLst/>
-          </a:prstGeom>
-          <a:noFill/>
-        </p:spPr>
-        <p:txBody>
-          <a:bodyPr wrap="square" rtlCol="0">
-            <a:spAutoFit/>
-          </a:bodyPr>
-          <a:lstStyle/>
-          <a:p>
-            <a:r>
-              <a:rPr kumimoji="1" lang="en-US" altLang="ja-JP" dirty="0" smtClean="0">
-                <a:latin typeface="Times New Roman" panose="02020603050405020304" pitchFamily="18" charset="0"/>
-                <a:cs typeface="Times New Roman" panose="02020603050405020304" pitchFamily="18" charset="0"/>
-              </a:rPr>
-              <a:t>0.040 s</a:t>
-            </a:r>
-            <a:endParaRPr kumimoji="1" lang="ja-JP" altLang="en-US" dirty="0">
-              <a:latin typeface="Times New Roman" panose="02020603050405020304" pitchFamily="18" charset="0"/>
-              <a:cs typeface="Times New Roman" panose="02020603050405020304" pitchFamily="18" charset="0"/>
-            </a:endParaRPr>
-          </a:p>
-        </p:txBody>
-      </p:sp>
       <p:pic>
         <p:nvPicPr>
-          <p:cNvPr id="8" name="図 7"/>
+          <p:cNvPr id="2" name="図 1"/>
           <p:cNvPicPr>
             <a:picLocks noChangeAspect="1"/>
           </p:cNvPicPr>
           <p:nvPr/>
         </p:nvPicPr>
-        <p:blipFill>
-          <a:blip r:embed="rId2" cstate="print">
+        <p:blipFill rotWithShape="1">
+          <a:blip r:embed="rId2">
             <a:extLst>
               <a:ext uri="{28A0092B-C50C-407E-A947-70E740481C1C}">
                 <a14:useLocalDpi xmlns:a14="http://schemas.microsoft.com/office/drawing/2010/main" val="0"/>
               </a:ext>
             </a:extLst>
           </a:blip>
-          <a:stretch>
-            <a:fillRect/>
-          </a:stretch>
+          <a:srcRect r="40808"/>
+          <a:stretch/>
         </p:blipFill>
         <p:spPr>
           <a:xfrm>
-            <a:off x="1345658" y="6694236"/>
-            <a:ext cx="1800000" cy="1800000"/>
-          </a:xfrm>
-          <a:prstGeom prst="rect">
-            <a:avLst/>
-          </a:prstGeom>
-        </p:spPr>
-      </p:pic>
-      <p:pic>
-        <p:nvPicPr>
-          <p:cNvPr id="9" name="図 8"/>
-          <p:cNvPicPr>
-            <a:picLocks noChangeAspect="1"/>
-          </p:cNvPicPr>
-          <p:nvPr/>
-        </p:nvPicPr>
-        <p:blipFill>
-          <a:blip r:embed="rId3" cstate="print">
-            <a:extLst>
-              <a:ext uri="{28A0092B-C50C-407E-A947-70E740481C1C}">
-                <a14:useLocalDpi xmlns:a14="http://schemas.microsoft.com/office/drawing/2010/main" val="0"/>
-              </a:ext>
-            </a:extLst>
-          </a:blip>
-          <a:stretch>
-            <a:fillRect/>
-          </a:stretch>
-        </p:blipFill>
-        <p:spPr>
-          <a:xfrm>
-            <a:off x="1345658" y="312488"/>
-            <a:ext cx="1800000" cy="1800000"/>
-          </a:xfrm>
-          <a:prstGeom prst="rect">
-            <a:avLst/>
-          </a:prstGeom>
-        </p:spPr>
-      </p:pic>
-      <p:pic>
-        <p:nvPicPr>
-          <p:cNvPr id="10" name="図 9"/>
-          <p:cNvPicPr>
-            <a:picLocks noChangeAspect="1"/>
-          </p:cNvPicPr>
-          <p:nvPr/>
-        </p:nvPicPr>
-        <p:blipFill>
-          <a:blip r:embed="rId4" cstate="print">
-            <a:extLst>
-              <a:ext uri="{28A0092B-C50C-407E-A947-70E740481C1C}">
-                <a14:useLocalDpi xmlns:a14="http://schemas.microsoft.com/office/drawing/2010/main" val="0"/>
-              </a:ext>
-            </a:extLst>
-          </a:blip>
-          <a:stretch>
-            <a:fillRect/>
-          </a:stretch>
-        </p:blipFill>
-        <p:spPr>
-          <a:xfrm>
-            <a:off x="1345658" y="2406819"/>
-            <a:ext cx="1800000" cy="1800000"/>
-          </a:xfrm>
-          <a:prstGeom prst="rect">
-            <a:avLst/>
-          </a:prstGeom>
-        </p:spPr>
-      </p:pic>
-      <p:pic>
-        <p:nvPicPr>
-          <p:cNvPr id="11" name="図 10"/>
-          <p:cNvPicPr>
-            <a:picLocks noChangeAspect="1"/>
-          </p:cNvPicPr>
-          <p:nvPr/>
-        </p:nvPicPr>
-        <p:blipFill>
-          <a:blip r:embed="rId5" cstate="print">
-            <a:extLst>
-              <a:ext uri="{28A0092B-C50C-407E-A947-70E740481C1C}">
-                <a14:useLocalDpi xmlns:a14="http://schemas.microsoft.com/office/drawing/2010/main" val="0"/>
-              </a:ext>
-            </a:extLst>
-          </a:blip>
-          <a:stretch>
-            <a:fillRect/>
-          </a:stretch>
-        </p:blipFill>
-        <p:spPr>
-          <a:xfrm>
-            <a:off x="1345658" y="4535288"/>
-            <a:ext cx="1800000" cy="1800000"/>
-          </a:xfrm>
-          <a:prstGeom prst="rect">
-            <a:avLst/>
-          </a:prstGeom>
-        </p:spPr>
-      </p:pic>
-      <p:pic>
-        <p:nvPicPr>
-          <p:cNvPr id="21" name="図 20"/>
-          <p:cNvPicPr>
-            <a:picLocks noChangeAspect="1"/>
-          </p:cNvPicPr>
-          <p:nvPr/>
-        </p:nvPicPr>
-        <p:blipFill>
-          <a:blip r:embed="rId6">
-            <a:extLst>
-              <a:ext uri="{28A0092B-C50C-407E-A947-70E740481C1C}">
-                <a14:useLocalDpi xmlns:a14="http://schemas.microsoft.com/office/drawing/2010/main" val="0"/>
-              </a:ext>
-            </a:extLst>
-          </a:blip>
-          <a:stretch>
-            <a:fillRect/>
-          </a:stretch>
-        </p:blipFill>
-        <p:spPr>
-          <a:xfrm>
-            <a:off x="4482738" y="210004"/>
-            <a:ext cx="1975631" cy="4939078"/>
+            <a:off x="540000" y="256717"/>
+            <a:ext cx="5117281" cy="8645236"/>
           </a:xfrm>
           <a:prstGeom prst="rect">
             <a:avLst/>
@@ -5664,7 +5409,7 @@
       </p:grpSpPr>
       <p:pic>
         <p:nvPicPr>
-          <p:cNvPr id="7" name="図 6"/>
+          <p:cNvPr id="2" name="図 1"/>
           <p:cNvPicPr>
             <a:picLocks noChangeAspect="1"/>
           </p:cNvPicPr>
@@ -5684,113 +5429,23 @@
         </p:blipFill>
         <p:spPr>
           <a:xfrm>
-            <a:off x="1345658" y="6694236"/>
-            <a:ext cx="1800000" cy="1800000"/>
+            <a:off x="1097291" y="847166"/>
+            <a:ext cx="4760259" cy="3570194"/>
           </a:xfrm>
           <a:prstGeom prst="rect">
             <a:avLst/>
           </a:prstGeom>
         </p:spPr>
       </p:pic>
-      <p:pic>
-        <p:nvPicPr>
-          <p:cNvPr id="8" name="図 7"/>
-          <p:cNvPicPr>
-            <a:picLocks noChangeAspect="1"/>
-          </p:cNvPicPr>
+      <p:sp>
+        <p:nvSpPr>
+          <p:cNvPr id="5" name="テキスト ボックス 4"/>
+          <p:cNvSpPr txBox="1"/>
           <p:nvPr/>
-        </p:nvPicPr>
-        <p:blipFill>
-          <a:blip r:embed="rId3" cstate="print">
-            <a:extLst>
-              <a:ext uri="{28A0092B-C50C-407E-A947-70E740481C1C}">
-                <a14:useLocalDpi xmlns:a14="http://schemas.microsoft.com/office/drawing/2010/main" val="0"/>
-              </a:ext>
-            </a:extLst>
-          </a:blip>
-          <a:stretch>
-            <a:fillRect/>
-          </a:stretch>
-        </p:blipFill>
+        </p:nvSpPr>
         <p:spPr>
           <a:xfrm>
-            <a:off x="1345658" y="312488"/>
-            <a:ext cx="1800000" cy="1800000"/>
-          </a:xfrm>
-          <a:prstGeom prst="rect">
-            <a:avLst/>
-          </a:prstGeom>
-        </p:spPr>
-      </p:pic>
-      <p:pic>
-        <p:nvPicPr>
-          <p:cNvPr id="9" name="図 8"/>
-          <p:cNvPicPr>
-            <a:picLocks noChangeAspect="1"/>
-          </p:cNvPicPr>
-          <p:nvPr/>
-        </p:nvPicPr>
-        <p:blipFill>
-          <a:blip r:embed="rId4" cstate="print">
-            <a:extLst>
-              <a:ext uri="{28A0092B-C50C-407E-A947-70E740481C1C}">
-                <a14:useLocalDpi xmlns:a14="http://schemas.microsoft.com/office/drawing/2010/main" val="0"/>
-              </a:ext>
-            </a:extLst>
-          </a:blip>
-          <a:stretch>
-            <a:fillRect/>
-          </a:stretch>
-        </p:blipFill>
-        <p:spPr>
-          <a:xfrm>
-            <a:off x="1345658" y="2406819"/>
-            <a:ext cx="1800000" cy="1800000"/>
-          </a:xfrm>
-          <a:prstGeom prst="rect">
-            <a:avLst/>
-          </a:prstGeom>
-        </p:spPr>
-      </p:pic>
-      <p:pic>
-        <p:nvPicPr>
-          <p:cNvPr id="10" name="図 9"/>
-          <p:cNvPicPr>
-            <a:picLocks noChangeAspect="1"/>
-          </p:cNvPicPr>
-          <p:nvPr/>
-        </p:nvPicPr>
-        <p:blipFill>
-          <a:blip r:embed="rId5" cstate="print">
-            <a:extLst>
-              <a:ext uri="{28A0092B-C50C-407E-A947-70E740481C1C}">
-                <a14:useLocalDpi xmlns:a14="http://schemas.microsoft.com/office/drawing/2010/main" val="0"/>
-              </a:ext>
-            </a:extLst>
-          </a:blip>
-          <a:stretch>
-            <a:fillRect/>
-          </a:stretch>
-        </p:blipFill>
-        <p:spPr>
-          <a:xfrm>
-            <a:off x="1345658" y="4535288"/>
-            <a:ext cx="1800000" cy="1800000"/>
-          </a:xfrm>
-          <a:prstGeom prst="rect">
-            <a:avLst/>
-          </a:prstGeom>
-        </p:spPr>
-      </p:pic>
-      <p:sp>
-        <p:nvSpPr>
-          <p:cNvPr id="20" name="テキスト ボックス 19"/>
-          <p:cNvSpPr txBox="1"/>
-          <p:nvPr/>
-        </p:nvSpPr>
-        <p:spPr>
-          <a:xfrm>
-            <a:off x="540000" y="8901953"/>
+            <a:off x="627403" y="4417360"/>
             <a:ext cx="5778000" cy="369332"/>
           </a:xfrm>
           <a:prstGeom prst="rect">
@@ -5820,7 +5475,7 @@
               <a:t>3</a:t>
             </a:r>
             <a:r>
-              <a:rPr kumimoji="1" lang="en-US" altLang="ja-JP" dirty="0" smtClean="0">
+              <a:rPr lang="en-US" altLang="ja-JP" dirty="0" smtClean="0">
                 <a:latin typeface="Times New Roman" panose="02020603050405020304" pitchFamily="18" charset="0"/>
                 <a:cs typeface="Times New Roman" panose="02020603050405020304" pitchFamily="18" charset="0"/>
               </a:rPr>
@@ -5831,7 +5486,7 @@
                 <a:latin typeface="Times New Roman" panose="02020603050405020304" pitchFamily="18" charset="0"/>
                 <a:cs typeface="Times New Roman" panose="02020603050405020304" pitchFamily="18" charset="0"/>
               </a:rPr>
-              <a:t>Pressure force</a:t>
+              <a:t>Flux of powder to die region</a:t>
             </a:r>
             <a:endParaRPr kumimoji="1" lang="ja-JP" altLang="en-US" dirty="0">
               <a:latin typeface="Times New Roman" panose="02020603050405020304" pitchFamily="18" charset="0"/>
@@ -5840,203 +5495,21 @@
           </a:p>
         </p:txBody>
       </p:sp>
-      <p:sp>
-        <p:nvSpPr>
-          <p:cNvPr id="13" name="テキスト ボックス 12"/>
-          <p:cNvSpPr txBox="1"/>
-          <p:nvPr/>
-        </p:nvSpPr>
-        <p:spPr>
-          <a:xfrm>
-            <a:off x="3262869" y="1805528"/>
-            <a:ext cx="1102658" cy="369332"/>
-          </a:xfrm>
-          <a:prstGeom prst="rect">
-            <a:avLst/>
-          </a:prstGeom>
-          <a:noFill/>
-        </p:spPr>
-        <p:txBody>
-          <a:bodyPr wrap="square" rtlCol="0">
-            <a:spAutoFit/>
-          </a:bodyPr>
-          <a:lstStyle/>
-          <a:p>
-            <a:r>
-              <a:rPr kumimoji="1" lang="en-US" altLang="ja-JP" dirty="0" smtClean="0">
-                <a:latin typeface="Times New Roman" panose="02020603050405020304" pitchFamily="18" charset="0"/>
-                <a:cs typeface="Times New Roman" panose="02020603050405020304" pitchFamily="18" charset="0"/>
-              </a:rPr>
-              <a:t>0.020 s</a:t>
-            </a:r>
-            <a:endParaRPr kumimoji="1" lang="ja-JP" altLang="en-US" dirty="0">
-              <a:latin typeface="Times New Roman" panose="02020603050405020304" pitchFamily="18" charset="0"/>
-              <a:cs typeface="Times New Roman" panose="02020603050405020304" pitchFamily="18" charset="0"/>
-            </a:endParaRPr>
-          </a:p>
-        </p:txBody>
-      </p:sp>
-      <p:sp>
-        <p:nvSpPr>
-          <p:cNvPr id="14" name="テキスト ボックス 13"/>
-          <p:cNvSpPr txBox="1"/>
-          <p:nvPr/>
-        </p:nvSpPr>
-        <p:spPr>
-          <a:xfrm>
-            <a:off x="3262869" y="6039736"/>
-            <a:ext cx="1102658" cy="369332"/>
-          </a:xfrm>
-          <a:prstGeom prst="rect">
-            <a:avLst/>
-          </a:prstGeom>
-          <a:noFill/>
-        </p:spPr>
-        <p:txBody>
-          <a:bodyPr wrap="square" rtlCol="0">
-            <a:spAutoFit/>
-          </a:bodyPr>
-          <a:lstStyle/>
-          <a:p>
-            <a:r>
-              <a:rPr kumimoji="1" lang="en-US" altLang="ja-JP" dirty="0" smtClean="0">
-                <a:latin typeface="Times New Roman" panose="02020603050405020304" pitchFamily="18" charset="0"/>
-                <a:cs typeface="Times New Roman" panose="02020603050405020304" pitchFamily="18" charset="0"/>
-              </a:rPr>
-              <a:t>0.060 s</a:t>
-            </a:r>
-            <a:endParaRPr kumimoji="1" lang="ja-JP" altLang="en-US" dirty="0">
-              <a:latin typeface="Times New Roman" panose="02020603050405020304" pitchFamily="18" charset="0"/>
-              <a:cs typeface="Times New Roman" panose="02020603050405020304" pitchFamily="18" charset="0"/>
-            </a:endParaRPr>
-          </a:p>
-        </p:txBody>
-      </p:sp>
-      <p:sp>
-        <p:nvSpPr>
-          <p:cNvPr id="15" name="テキスト ボックス 14"/>
-          <p:cNvSpPr txBox="1"/>
-          <p:nvPr/>
-        </p:nvSpPr>
-        <p:spPr>
-          <a:xfrm>
-            <a:off x="3262869" y="8124904"/>
-            <a:ext cx="1102658" cy="369332"/>
-          </a:xfrm>
-          <a:prstGeom prst="rect">
-            <a:avLst/>
-          </a:prstGeom>
-          <a:noFill/>
-        </p:spPr>
-        <p:txBody>
-          <a:bodyPr wrap="square" rtlCol="0">
-            <a:spAutoFit/>
-          </a:bodyPr>
-          <a:lstStyle/>
-          <a:p>
-            <a:r>
-              <a:rPr kumimoji="1" lang="en-US" altLang="ja-JP" dirty="0" smtClean="0">
-                <a:latin typeface="Times New Roman" panose="02020603050405020304" pitchFamily="18" charset="0"/>
-                <a:cs typeface="Times New Roman" panose="02020603050405020304" pitchFamily="18" charset="0"/>
-              </a:rPr>
-              <a:t>0.080 s</a:t>
-            </a:r>
-            <a:endParaRPr kumimoji="1" lang="ja-JP" altLang="en-US" dirty="0">
-              <a:latin typeface="Times New Roman" panose="02020603050405020304" pitchFamily="18" charset="0"/>
-              <a:cs typeface="Times New Roman" panose="02020603050405020304" pitchFamily="18" charset="0"/>
-            </a:endParaRPr>
-          </a:p>
-        </p:txBody>
-      </p:sp>
-      <p:sp>
-        <p:nvSpPr>
-          <p:cNvPr id="19" name="テキスト ボックス 18"/>
-          <p:cNvSpPr txBox="1"/>
-          <p:nvPr/>
-        </p:nvSpPr>
-        <p:spPr>
-          <a:xfrm>
-            <a:off x="3262869" y="3947846"/>
-            <a:ext cx="1102658" cy="369332"/>
-          </a:xfrm>
-          <a:prstGeom prst="rect">
-            <a:avLst/>
-          </a:prstGeom>
-          <a:noFill/>
-        </p:spPr>
-        <p:txBody>
-          <a:bodyPr wrap="square" rtlCol="0">
-            <a:spAutoFit/>
-          </a:bodyPr>
-          <a:lstStyle/>
-          <a:p>
-            <a:r>
-              <a:rPr kumimoji="1" lang="en-US" altLang="ja-JP" dirty="0" smtClean="0">
-                <a:latin typeface="Times New Roman" panose="02020603050405020304" pitchFamily="18" charset="0"/>
-                <a:cs typeface="Times New Roman" panose="02020603050405020304" pitchFamily="18" charset="0"/>
-              </a:rPr>
-              <a:t>0.040 s</a:t>
-            </a:r>
-            <a:endParaRPr kumimoji="1" lang="ja-JP" altLang="en-US" dirty="0">
-              <a:latin typeface="Times New Roman" panose="02020603050405020304" pitchFamily="18" charset="0"/>
-              <a:cs typeface="Times New Roman" panose="02020603050405020304" pitchFamily="18" charset="0"/>
-            </a:endParaRPr>
-          </a:p>
-        </p:txBody>
-      </p:sp>
-      <p:pic>
-        <p:nvPicPr>
-          <p:cNvPr id="11" name="図 10"/>
-          <p:cNvPicPr>
-            <a:picLocks noChangeAspect="1"/>
-          </p:cNvPicPr>
-          <p:nvPr/>
-        </p:nvPicPr>
-        <p:blipFill>
-          <a:blip r:embed="rId6">
-            <a:extLst>
-              <a:ext uri="{28A0092B-C50C-407E-A947-70E740481C1C}">
-                <a14:useLocalDpi xmlns:a14="http://schemas.microsoft.com/office/drawing/2010/main" val="0"/>
-              </a:ext>
-            </a:extLst>
-          </a:blip>
-          <a:stretch>
-            <a:fillRect/>
-          </a:stretch>
-        </p:blipFill>
-        <p:spPr>
-          <a:xfrm>
-            <a:off x="4482738" y="312488"/>
-            <a:ext cx="1975631" cy="4939079"/>
-          </a:xfrm>
-          <a:prstGeom prst="rect">
-            <a:avLst/>
-          </a:prstGeom>
-        </p:spPr>
-      </p:pic>
     </p:spTree>
     <p:extLst>
       <p:ext uri="{BB962C8B-B14F-4D97-AF65-F5344CB8AC3E}">
-        <p14:creationId xmlns:p14="http://schemas.microsoft.com/office/powerpoint/2010/main" val="2208928393"/>
+        <p14:creationId xmlns:p14="http://schemas.microsoft.com/office/powerpoint/2010/main" val="1443679414"/>
       </p:ext>
     </p:extLst>
   </p:cSld>
   <p:clrMapOvr>
     <a:masterClrMapping/>
   </p:clrMapOvr>
-  <mc:AlternateContent xmlns:mc="http://schemas.openxmlformats.org/markup-compatibility/2006" xmlns:p14="http://schemas.microsoft.com/office/powerpoint/2010/main">
-    <mc:Choice Requires="p14">
-      <p:transition spd="slow" p14:dur="2000"/>
-    </mc:Choice>
-    <mc:Fallback xmlns="">
-      <p:transition spd="slow"/>
-    </mc:Fallback>
-  </mc:AlternateContent>
 </p:sld>
 </file>
 
 <file path=ppt/slides/slide5.xml><?xml version="1.0" encoding="utf-8"?>
-<p:sld xmlns:a="http://schemas.openxmlformats.org/drawingml/2006/main" xmlns:r="http://schemas.openxmlformats.org/officeDocument/2006/relationships" xmlns:p="http://schemas.openxmlformats.org/presentationml/2006/main" show="0">
+<p:sld xmlns:a="http://schemas.openxmlformats.org/drawingml/2006/main" xmlns:r="http://schemas.openxmlformats.org/officeDocument/2006/relationships" xmlns:p="http://schemas.openxmlformats.org/presentationml/2006/main">
   <p:cSld>
     <p:spTree>
       <p:nvGrpSpPr>
@@ -6052,9 +5525,67 @@
           <a:chExt cx="0" cy="0"/>
         </a:xfrm>
       </p:grpSpPr>
+      <p:sp>
+        <p:nvSpPr>
+          <p:cNvPr id="41" name="テキスト ボックス 40"/>
+          <p:cNvSpPr txBox="1"/>
+          <p:nvPr/>
+        </p:nvSpPr>
+        <p:spPr>
+          <a:xfrm>
+            <a:off x="527896" y="6750423"/>
+            <a:ext cx="5778000" cy="369332"/>
+          </a:xfrm>
+          <a:prstGeom prst="rect">
+            <a:avLst/>
+          </a:prstGeom>
+          <a:noFill/>
+        </p:spPr>
+        <p:txBody>
+          <a:bodyPr wrap="square" rtlCol="0">
+            <a:spAutoFit/>
+          </a:bodyPr>
+          <a:lstStyle/>
+          <a:p>
+            <a:pPr algn="ctr"/>
+            <a:r>
+              <a:rPr kumimoji="1" lang="en-US" altLang="ja-JP" dirty="0" smtClean="0">
+                <a:latin typeface="Times New Roman" panose="02020603050405020304" pitchFamily="18" charset="0"/>
+                <a:cs typeface="Times New Roman" panose="02020603050405020304" pitchFamily="18" charset="0"/>
+              </a:rPr>
+              <a:t>Figure </a:t>
+            </a:r>
+            <a:r>
+              <a:rPr lang="en-US" altLang="ja-JP" dirty="0">
+                <a:latin typeface="Times New Roman" panose="02020603050405020304" pitchFamily="18" charset="0"/>
+                <a:cs typeface="Times New Roman" panose="02020603050405020304" pitchFamily="18" charset="0"/>
+              </a:rPr>
+              <a:t>4</a:t>
+            </a:r>
+            <a:r>
+              <a:rPr lang="en-US" altLang="ja-JP" dirty="0" smtClean="0">
+                <a:latin typeface="Times New Roman" panose="02020603050405020304" pitchFamily="18" charset="0"/>
+                <a:cs typeface="Times New Roman" panose="02020603050405020304" pitchFamily="18" charset="0"/>
+              </a:rPr>
+              <a:t>. </a:t>
+            </a:r>
+            <a:r>
+              <a:rPr lang="en-US" altLang="ja-JP" dirty="0" smtClean="0">
+                <a:latin typeface="Times New Roman" panose="02020603050405020304" pitchFamily="18" charset="0"/>
+                <a:cs typeface="Times New Roman" panose="02020603050405020304" pitchFamily="18" charset="0"/>
+              </a:rPr>
+              <a:t>Drag force</a:t>
+            </a:r>
+            <a:endParaRPr kumimoji="1" lang="ja-JP" altLang="en-US" dirty="0">
+              <a:latin typeface="Times New Roman" panose="02020603050405020304" pitchFamily="18" charset="0"/>
+              <a:cs typeface="Times New Roman" panose="02020603050405020304" pitchFamily="18" charset="0"/>
+            </a:endParaRPr>
+          </a:p>
+        </p:txBody>
+      </p:sp>
       <p:pic>
         <p:nvPicPr>
-          <p:cNvPr id="6" name="図 5"/>
+          <p:cNvPr id="7" name="図 6"/>
           <p:cNvPicPr>
             <a:picLocks noChangeAspect="1"/>
           </p:cNvPicPr>
@@ -6074,8 +5605,8 @@
         </p:blipFill>
         <p:spPr>
           <a:xfrm>
-            <a:off x="4482738" y="312488"/>
-            <a:ext cx="1975631" cy="4939078"/>
+            <a:off x="5642385" y="2393574"/>
+            <a:ext cx="1219648" cy="3049121"/>
           </a:xfrm>
           <a:prstGeom prst="rect">
             <a:avLst/>
@@ -6090,343 +5621,42 @@
           </p:cNvPicPr>
           <p:nvPr/>
         </p:nvPicPr>
-        <p:blipFill>
-          <a:blip r:embed="rId3" cstate="print">
+        <p:blipFill rotWithShape="1">
+          <a:blip r:embed="rId3">
             <a:extLst>
               <a:ext uri="{28A0092B-C50C-407E-A947-70E740481C1C}">
                 <a14:useLocalDpi xmlns:a14="http://schemas.microsoft.com/office/drawing/2010/main" val="0"/>
               </a:ext>
             </a:extLst>
           </a:blip>
-          <a:stretch>
-            <a:fillRect/>
-          </a:stretch>
+          <a:srcRect t="21212" r="40000"/>
+          <a:stretch/>
         </p:blipFill>
         <p:spPr>
           <a:xfrm>
-            <a:off x="1345658" y="6694236"/>
-            <a:ext cx="1800000" cy="1800000"/>
+            <a:off x="1108363" y="1347149"/>
+            <a:ext cx="4114801" cy="5403273"/>
           </a:xfrm>
           <a:prstGeom prst="rect">
             <a:avLst/>
           </a:prstGeom>
         </p:spPr>
       </p:pic>
-      <p:pic>
-        <p:nvPicPr>
-          <p:cNvPr id="3" name="図 2"/>
-          <p:cNvPicPr>
-            <a:picLocks noChangeAspect="1"/>
-          </p:cNvPicPr>
-          <p:nvPr/>
-        </p:nvPicPr>
-        <p:blipFill>
-          <a:blip r:embed="rId4" cstate="print">
-            <a:extLst>
-              <a:ext uri="{28A0092B-C50C-407E-A947-70E740481C1C}">
-                <a14:useLocalDpi xmlns:a14="http://schemas.microsoft.com/office/drawing/2010/main" val="0"/>
-              </a:ext>
-            </a:extLst>
-          </a:blip>
-          <a:stretch>
-            <a:fillRect/>
-          </a:stretch>
-        </p:blipFill>
-        <p:spPr>
-          <a:xfrm>
-            <a:off x="1345658" y="312488"/>
-            <a:ext cx="1800000" cy="1800000"/>
-          </a:xfrm>
-          <a:prstGeom prst="rect">
-            <a:avLst/>
-          </a:prstGeom>
-        </p:spPr>
-      </p:pic>
-      <p:pic>
-        <p:nvPicPr>
-          <p:cNvPr id="4" name="図 3"/>
-          <p:cNvPicPr>
-            <a:picLocks noChangeAspect="1"/>
-          </p:cNvPicPr>
-          <p:nvPr/>
-        </p:nvPicPr>
-        <p:blipFill>
-          <a:blip r:embed="rId5" cstate="print">
-            <a:extLst>
-              <a:ext uri="{28A0092B-C50C-407E-A947-70E740481C1C}">
-                <a14:useLocalDpi xmlns:a14="http://schemas.microsoft.com/office/drawing/2010/main" val="0"/>
-              </a:ext>
-            </a:extLst>
-          </a:blip>
-          <a:stretch>
-            <a:fillRect/>
-          </a:stretch>
-        </p:blipFill>
-        <p:spPr>
-          <a:xfrm>
-            <a:off x="1345658" y="2406819"/>
-            <a:ext cx="1800000" cy="1800000"/>
-          </a:xfrm>
-          <a:prstGeom prst="rect">
-            <a:avLst/>
-          </a:prstGeom>
-        </p:spPr>
-      </p:pic>
-      <p:pic>
-        <p:nvPicPr>
-          <p:cNvPr id="5" name="図 4"/>
-          <p:cNvPicPr>
-            <a:picLocks noChangeAspect="1"/>
-          </p:cNvPicPr>
-          <p:nvPr/>
-        </p:nvPicPr>
-        <p:blipFill>
-          <a:blip r:embed="rId6" cstate="print">
-            <a:extLst>
-              <a:ext uri="{28A0092B-C50C-407E-A947-70E740481C1C}">
-                <a14:useLocalDpi xmlns:a14="http://schemas.microsoft.com/office/drawing/2010/main" val="0"/>
-              </a:ext>
-            </a:extLst>
-          </a:blip>
-          <a:stretch>
-            <a:fillRect/>
-          </a:stretch>
-        </p:blipFill>
-        <p:spPr>
-          <a:xfrm>
-            <a:off x="1345658" y="4535288"/>
-            <a:ext cx="1800000" cy="1800000"/>
-          </a:xfrm>
-          <a:prstGeom prst="rect">
-            <a:avLst/>
-          </a:prstGeom>
-        </p:spPr>
-      </p:pic>
-      <p:sp>
-        <p:nvSpPr>
-          <p:cNvPr id="20" name="テキスト ボックス 19"/>
-          <p:cNvSpPr txBox="1"/>
-          <p:nvPr/>
-        </p:nvSpPr>
-        <p:spPr>
-          <a:xfrm>
-            <a:off x="540000" y="8901953"/>
-            <a:ext cx="5778000" cy="369332"/>
-          </a:xfrm>
-          <a:prstGeom prst="rect">
-            <a:avLst/>
-          </a:prstGeom>
-          <a:noFill/>
-        </p:spPr>
-        <p:txBody>
-          <a:bodyPr wrap="square" rtlCol="0">
-            <a:spAutoFit/>
-          </a:bodyPr>
-          <a:lstStyle/>
-          <a:p>
-            <a:pPr algn="ctr"/>
-            <a:r>
-              <a:rPr kumimoji="1" lang="en-US" altLang="ja-JP" dirty="0" smtClean="0">
-                <a:latin typeface="Times New Roman" panose="02020603050405020304" pitchFamily="18" charset="0"/>
-                <a:cs typeface="Times New Roman" panose="02020603050405020304" pitchFamily="18" charset="0"/>
-              </a:rPr>
-              <a:t>Figure </a:t>
-            </a:r>
-            <a:r>
-              <a:rPr lang="en-US" altLang="ja-JP" dirty="0">
-                <a:latin typeface="Times New Roman" panose="02020603050405020304" pitchFamily="18" charset="0"/>
-                <a:cs typeface="Times New Roman" panose="02020603050405020304" pitchFamily="18" charset="0"/>
-              </a:rPr>
-              <a:t>3</a:t>
-            </a:r>
-            <a:r>
-              <a:rPr kumimoji="1" lang="en-US" altLang="ja-JP" dirty="0" smtClean="0">
-                <a:latin typeface="Times New Roman" panose="02020603050405020304" pitchFamily="18" charset="0"/>
-                <a:cs typeface="Times New Roman" panose="02020603050405020304" pitchFamily="18" charset="0"/>
-              </a:rPr>
-              <a:t>. </a:t>
-            </a:r>
-            <a:r>
-              <a:rPr lang="en-US" altLang="ja-JP" dirty="0" smtClean="0">
-                <a:latin typeface="Times New Roman" panose="02020603050405020304" pitchFamily="18" charset="0"/>
-                <a:cs typeface="Times New Roman" panose="02020603050405020304" pitchFamily="18" charset="0"/>
-              </a:rPr>
-              <a:t>Pressure distribution</a:t>
-            </a:r>
-            <a:endParaRPr kumimoji="1" lang="ja-JP" altLang="en-US" dirty="0">
-              <a:latin typeface="Times New Roman" panose="02020603050405020304" pitchFamily="18" charset="0"/>
-              <a:cs typeface="Times New Roman" panose="02020603050405020304" pitchFamily="18" charset="0"/>
-            </a:endParaRPr>
-          </a:p>
-        </p:txBody>
-      </p:sp>
-      <p:sp>
-        <p:nvSpPr>
-          <p:cNvPr id="13" name="テキスト ボックス 12"/>
-          <p:cNvSpPr txBox="1"/>
-          <p:nvPr/>
-        </p:nvSpPr>
-        <p:spPr>
-          <a:xfrm>
-            <a:off x="3262869" y="1805528"/>
-            <a:ext cx="1102658" cy="369332"/>
-          </a:xfrm>
-          <a:prstGeom prst="rect">
-            <a:avLst/>
-          </a:prstGeom>
-          <a:noFill/>
-        </p:spPr>
-        <p:txBody>
-          <a:bodyPr wrap="square" rtlCol="0">
-            <a:spAutoFit/>
-          </a:bodyPr>
-          <a:lstStyle/>
-          <a:p>
-            <a:r>
-              <a:rPr kumimoji="1" lang="en-US" altLang="ja-JP" dirty="0" smtClean="0">
-                <a:latin typeface="Times New Roman" panose="02020603050405020304" pitchFamily="18" charset="0"/>
-                <a:cs typeface="Times New Roman" panose="02020603050405020304" pitchFamily="18" charset="0"/>
-              </a:rPr>
-              <a:t>0.020 s</a:t>
-            </a:r>
-            <a:endParaRPr kumimoji="1" lang="ja-JP" altLang="en-US" dirty="0">
-              <a:latin typeface="Times New Roman" panose="02020603050405020304" pitchFamily="18" charset="0"/>
-              <a:cs typeface="Times New Roman" panose="02020603050405020304" pitchFamily="18" charset="0"/>
-            </a:endParaRPr>
-          </a:p>
-        </p:txBody>
-      </p:sp>
-      <p:sp>
-        <p:nvSpPr>
-          <p:cNvPr id="14" name="テキスト ボックス 13"/>
-          <p:cNvSpPr txBox="1"/>
-          <p:nvPr/>
-        </p:nvSpPr>
-        <p:spPr>
-          <a:xfrm>
-            <a:off x="3262869" y="6039736"/>
-            <a:ext cx="1102658" cy="369332"/>
-          </a:xfrm>
-          <a:prstGeom prst="rect">
-            <a:avLst/>
-          </a:prstGeom>
-          <a:noFill/>
-        </p:spPr>
-        <p:txBody>
-          <a:bodyPr wrap="square" rtlCol="0">
-            <a:spAutoFit/>
-          </a:bodyPr>
-          <a:lstStyle/>
-          <a:p>
-            <a:r>
-              <a:rPr kumimoji="1" lang="en-US" altLang="ja-JP" dirty="0" smtClean="0">
-                <a:latin typeface="Times New Roman" panose="02020603050405020304" pitchFamily="18" charset="0"/>
-                <a:cs typeface="Times New Roman" panose="02020603050405020304" pitchFamily="18" charset="0"/>
-              </a:rPr>
-              <a:t>0.060 s</a:t>
-            </a:r>
-            <a:endParaRPr kumimoji="1" lang="ja-JP" altLang="en-US" dirty="0">
-              <a:latin typeface="Times New Roman" panose="02020603050405020304" pitchFamily="18" charset="0"/>
-              <a:cs typeface="Times New Roman" panose="02020603050405020304" pitchFamily="18" charset="0"/>
-            </a:endParaRPr>
-          </a:p>
-        </p:txBody>
-      </p:sp>
-      <p:sp>
-        <p:nvSpPr>
-          <p:cNvPr id="15" name="テキスト ボックス 14"/>
-          <p:cNvSpPr txBox="1"/>
-          <p:nvPr/>
-        </p:nvSpPr>
-        <p:spPr>
-          <a:xfrm>
-            <a:off x="3262869" y="8124904"/>
-            <a:ext cx="1102658" cy="369332"/>
-          </a:xfrm>
-          <a:prstGeom prst="rect">
-            <a:avLst/>
-          </a:prstGeom>
-          <a:noFill/>
-        </p:spPr>
-        <p:txBody>
-          <a:bodyPr wrap="square" rtlCol="0">
-            <a:spAutoFit/>
-          </a:bodyPr>
-          <a:lstStyle/>
-          <a:p>
-            <a:r>
-              <a:rPr kumimoji="1" lang="en-US" altLang="ja-JP" dirty="0" smtClean="0">
-                <a:latin typeface="Times New Roman" panose="02020603050405020304" pitchFamily="18" charset="0"/>
-                <a:cs typeface="Times New Roman" panose="02020603050405020304" pitchFamily="18" charset="0"/>
-              </a:rPr>
-              <a:t>0.080 s</a:t>
-            </a:r>
-            <a:endParaRPr kumimoji="1" lang="ja-JP" altLang="en-US" dirty="0">
-              <a:latin typeface="Times New Roman" panose="02020603050405020304" pitchFamily="18" charset="0"/>
-              <a:cs typeface="Times New Roman" panose="02020603050405020304" pitchFamily="18" charset="0"/>
-            </a:endParaRPr>
-          </a:p>
-        </p:txBody>
-      </p:sp>
-      <p:sp>
-        <p:nvSpPr>
-          <p:cNvPr id="19" name="テキスト ボックス 18"/>
-          <p:cNvSpPr txBox="1"/>
-          <p:nvPr/>
-        </p:nvSpPr>
-        <p:spPr>
-          <a:xfrm>
-            <a:off x="3262869" y="3947846"/>
-            <a:ext cx="1102658" cy="369332"/>
-          </a:xfrm>
-          <a:prstGeom prst="rect">
-            <a:avLst/>
-          </a:prstGeom>
-          <a:noFill/>
-        </p:spPr>
-        <p:txBody>
-          <a:bodyPr wrap="square" rtlCol="0">
-            <a:spAutoFit/>
-          </a:bodyPr>
-          <a:lstStyle/>
-          <a:p>
-            <a:r>
-              <a:rPr kumimoji="1" lang="en-US" altLang="ja-JP" dirty="0" smtClean="0">
-                <a:latin typeface="Times New Roman" panose="02020603050405020304" pitchFamily="18" charset="0"/>
-                <a:cs typeface="Times New Roman" panose="02020603050405020304" pitchFamily="18" charset="0"/>
-              </a:rPr>
-              <a:t>0.040 s</a:t>
-            </a:r>
-            <a:endParaRPr kumimoji="1" lang="ja-JP" altLang="en-US" dirty="0">
-              <a:latin typeface="Times New Roman" panose="02020603050405020304" pitchFamily="18" charset="0"/>
-              <a:cs typeface="Times New Roman" panose="02020603050405020304" pitchFamily="18" charset="0"/>
-            </a:endParaRPr>
-          </a:p>
-        </p:txBody>
-      </p:sp>
     </p:spTree>
     <p:extLst>
       <p:ext uri="{BB962C8B-B14F-4D97-AF65-F5344CB8AC3E}">
-        <p14:creationId xmlns:p14="http://schemas.microsoft.com/office/powerpoint/2010/main" val="4286196541"/>
+        <p14:creationId xmlns:p14="http://schemas.microsoft.com/office/powerpoint/2010/main" val="2557052121"/>
       </p:ext>
     </p:extLst>
   </p:cSld>
   <p:clrMapOvr>
     <a:masterClrMapping/>
   </p:clrMapOvr>
-  <mc:AlternateContent xmlns:mc="http://schemas.openxmlformats.org/markup-compatibility/2006" xmlns:p14="http://schemas.microsoft.com/office/powerpoint/2010/main">
-    <mc:Choice Requires="p14">
-      <p:transition spd="slow" p14:dur="2000"/>
-    </mc:Choice>
-    <mc:Fallback xmlns="">
-      <p:transition spd="slow"/>
-    </mc:Fallback>
-  </mc:AlternateContent>
 </p:sld>
 </file>
 
 <file path=ppt/slides/slide6.xml><?xml version="1.0" encoding="utf-8"?>
-<p:sld xmlns:a="http://schemas.openxmlformats.org/drawingml/2006/main" xmlns:r="http://schemas.openxmlformats.org/officeDocument/2006/relationships" xmlns:p="http://schemas.openxmlformats.org/presentationml/2006/main" show="0">
+<p:sld xmlns:a="http://schemas.openxmlformats.org/drawingml/2006/main" xmlns:r="http://schemas.openxmlformats.org/officeDocument/2006/relationships" xmlns:p="http://schemas.openxmlformats.org/presentationml/2006/main">
   <p:cSld>
     <p:spTree>
       <p:nvGrpSpPr>
@@ -6444,6 +5674,86 @@
       </p:grpSpPr>
       <p:pic>
         <p:nvPicPr>
+          <p:cNvPr id="3" name="図 2"/>
+          <p:cNvPicPr>
+            <a:picLocks noChangeAspect="1"/>
+          </p:cNvPicPr>
+          <p:nvPr/>
+        </p:nvPicPr>
+        <p:blipFill rotWithShape="1">
+          <a:blip r:embed="rId2">
+            <a:extLst>
+              <a:ext uri="{28A0092B-C50C-407E-A947-70E740481C1C}">
+                <a14:useLocalDpi xmlns:a14="http://schemas.microsoft.com/office/drawing/2010/main" val="0"/>
+              </a:ext>
+            </a:extLst>
+          </a:blip>
+          <a:srcRect t="21414" r="40808"/>
+          <a:stretch/>
+        </p:blipFill>
+        <p:spPr>
+          <a:xfrm>
+            <a:off x="1163782" y="1361005"/>
+            <a:ext cx="4059382" cy="5389418"/>
+          </a:xfrm>
+          <a:prstGeom prst="rect">
+            <a:avLst/>
+          </a:prstGeom>
+        </p:spPr>
+      </p:pic>
+      <p:sp>
+        <p:nvSpPr>
+          <p:cNvPr id="41" name="テキスト ボックス 40"/>
+          <p:cNvSpPr txBox="1"/>
+          <p:nvPr/>
+        </p:nvSpPr>
+        <p:spPr>
+          <a:xfrm>
+            <a:off x="527896" y="6750423"/>
+            <a:ext cx="5778000" cy="369332"/>
+          </a:xfrm>
+          <a:prstGeom prst="rect">
+            <a:avLst/>
+          </a:prstGeom>
+          <a:noFill/>
+        </p:spPr>
+        <p:txBody>
+          <a:bodyPr wrap="square" rtlCol="0">
+            <a:spAutoFit/>
+          </a:bodyPr>
+          <a:lstStyle/>
+          <a:p>
+            <a:pPr algn="ctr"/>
+            <a:r>
+              <a:rPr kumimoji="1" lang="en-US" altLang="ja-JP" dirty="0" smtClean="0">
+                <a:latin typeface="Times New Roman" panose="02020603050405020304" pitchFamily="18" charset="0"/>
+                <a:cs typeface="Times New Roman" panose="02020603050405020304" pitchFamily="18" charset="0"/>
+              </a:rPr>
+              <a:t>Figure </a:t>
+            </a:r>
+            <a:r>
+              <a:rPr lang="en-US" altLang="ja-JP" dirty="0">
+                <a:latin typeface="Times New Roman" panose="02020603050405020304" pitchFamily="18" charset="0"/>
+                <a:cs typeface="Times New Roman" panose="02020603050405020304" pitchFamily="18" charset="0"/>
+              </a:rPr>
+              <a:t>5</a:t>
+            </a:r>
+            <a:r>
+              <a:rPr lang="en-US" altLang="ja-JP" dirty="0" smtClean="0">
+                <a:latin typeface="Times New Roman" panose="02020603050405020304" pitchFamily="18" charset="0"/>
+                <a:cs typeface="Times New Roman" panose="02020603050405020304" pitchFamily="18" charset="0"/>
+              </a:rPr>
+              <a:t>. Pressure force</a:t>
+            </a:r>
+            <a:endParaRPr kumimoji="1" lang="ja-JP" altLang="en-US" dirty="0">
+              <a:latin typeface="Times New Roman" panose="02020603050405020304" pitchFamily="18" charset="0"/>
+              <a:cs typeface="Times New Roman" panose="02020603050405020304" pitchFamily="18" charset="0"/>
+            </a:endParaRPr>
+          </a:p>
+        </p:txBody>
+      </p:sp>
+      <p:pic>
+        <p:nvPicPr>
           <p:cNvPr id="7" name="図 6"/>
           <p:cNvPicPr>
             <a:picLocks noChangeAspect="1"/>
@@ -6451,7 +5761,7 @@
           <p:nvPr/>
         </p:nvPicPr>
         <p:blipFill>
-          <a:blip r:embed="rId2" cstate="print">
+          <a:blip r:embed="rId3">
             <a:extLst>
               <a:ext uri="{28A0092B-C50C-407E-A947-70E740481C1C}">
                 <a14:useLocalDpi xmlns:a14="http://schemas.microsoft.com/office/drawing/2010/main" val="0"/>
@@ -6464,330 +5774,8 @@
         </p:blipFill>
         <p:spPr>
           <a:xfrm>
-            <a:off x="1345658" y="6694265"/>
-            <a:ext cx="1800000" cy="1800000"/>
-          </a:xfrm>
-          <a:prstGeom prst="rect">
-            <a:avLst/>
-          </a:prstGeom>
-        </p:spPr>
-      </p:pic>
-      <p:pic>
-        <p:nvPicPr>
-          <p:cNvPr id="8" name="図 7"/>
-          <p:cNvPicPr>
-            <a:picLocks noChangeAspect="1"/>
-          </p:cNvPicPr>
-          <p:nvPr/>
-        </p:nvPicPr>
-        <p:blipFill>
-          <a:blip r:embed="rId3" cstate="print">
-            <a:extLst>
-              <a:ext uri="{28A0092B-C50C-407E-A947-70E740481C1C}">
-                <a14:useLocalDpi xmlns:a14="http://schemas.microsoft.com/office/drawing/2010/main" val="0"/>
-              </a:ext>
-            </a:extLst>
-          </a:blip>
-          <a:stretch>
-            <a:fillRect/>
-          </a:stretch>
-        </p:blipFill>
-        <p:spPr>
-          <a:xfrm>
-            <a:off x="1345658" y="312488"/>
-            <a:ext cx="1800000" cy="1800000"/>
-          </a:xfrm>
-          <a:prstGeom prst="rect">
-            <a:avLst/>
-          </a:prstGeom>
-        </p:spPr>
-      </p:pic>
-      <p:pic>
-        <p:nvPicPr>
-          <p:cNvPr id="9" name="図 8"/>
-          <p:cNvPicPr>
-            <a:picLocks noChangeAspect="1"/>
-          </p:cNvPicPr>
-          <p:nvPr/>
-        </p:nvPicPr>
-        <p:blipFill>
-          <a:blip r:embed="rId4" cstate="print">
-            <a:extLst>
-              <a:ext uri="{28A0092B-C50C-407E-A947-70E740481C1C}">
-                <a14:useLocalDpi xmlns:a14="http://schemas.microsoft.com/office/drawing/2010/main" val="0"/>
-              </a:ext>
-            </a:extLst>
-          </a:blip>
-          <a:stretch>
-            <a:fillRect/>
-          </a:stretch>
-        </p:blipFill>
-        <p:spPr>
-          <a:xfrm>
-            <a:off x="1350891" y="2406819"/>
-            <a:ext cx="1800000" cy="1800000"/>
-          </a:xfrm>
-          <a:prstGeom prst="rect">
-            <a:avLst/>
-          </a:prstGeom>
-        </p:spPr>
-      </p:pic>
-      <p:pic>
-        <p:nvPicPr>
-          <p:cNvPr id="10" name="図 9"/>
-          <p:cNvPicPr>
-            <a:picLocks noChangeAspect="1"/>
-          </p:cNvPicPr>
-          <p:nvPr/>
-        </p:nvPicPr>
-        <p:blipFill>
-          <a:blip r:embed="rId5" cstate="print">
-            <a:extLst>
-              <a:ext uri="{28A0092B-C50C-407E-A947-70E740481C1C}">
-                <a14:useLocalDpi xmlns:a14="http://schemas.microsoft.com/office/drawing/2010/main" val="0"/>
-              </a:ext>
-            </a:extLst>
-          </a:blip>
-          <a:stretch>
-            <a:fillRect/>
-          </a:stretch>
-        </p:blipFill>
-        <p:spPr>
-          <a:xfrm>
-            <a:off x="1345658" y="4535288"/>
-            <a:ext cx="1800000" cy="1800000"/>
-          </a:xfrm>
-          <a:prstGeom prst="rect">
-            <a:avLst/>
-          </a:prstGeom>
-        </p:spPr>
-      </p:pic>
-      <p:sp>
-        <p:nvSpPr>
-          <p:cNvPr id="20" name="テキスト ボックス 19"/>
-          <p:cNvSpPr txBox="1"/>
-          <p:nvPr/>
-        </p:nvSpPr>
-        <p:spPr>
-          <a:xfrm>
-            <a:off x="540000" y="8901953"/>
-            <a:ext cx="5778000" cy="369332"/>
-          </a:xfrm>
-          <a:prstGeom prst="rect">
-            <a:avLst/>
-          </a:prstGeom>
-          <a:noFill/>
-        </p:spPr>
-        <p:txBody>
-          <a:bodyPr wrap="square" rtlCol="0">
-            <a:spAutoFit/>
-          </a:bodyPr>
-          <a:lstStyle/>
-          <a:p>
-            <a:pPr algn="ctr"/>
-            <a:r>
-              <a:rPr kumimoji="1" lang="en-US" altLang="ja-JP" dirty="0" smtClean="0">
-                <a:latin typeface="Times New Roman" panose="02020603050405020304" pitchFamily="18" charset="0"/>
-                <a:cs typeface="Times New Roman" panose="02020603050405020304" pitchFamily="18" charset="0"/>
-              </a:rPr>
-              <a:t>Figure </a:t>
-            </a:r>
-            <a:r>
-              <a:rPr lang="en-US" altLang="ja-JP" dirty="0" smtClean="0">
-                <a:latin typeface="Times New Roman" panose="02020603050405020304" pitchFamily="18" charset="0"/>
-                <a:cs typeface="Times New Roman" panose="02020603050405020304" pitchFamily="18" charset="0"/>
-              </a:rPr>
-              <a:t>3-2</a:t>
-            </a:r>
-            <a:r>
-              <a:rPr kumimoji="1" lang="en-US" altLang="ja-JP" dirty="0" smtClean="0">
-                <a:latin typeface="Times New Roman" panose="02020603050405020304" pitchFamily="18" charset="0"/>
-                <a:cs typeface="Times New Roman" panose="02020603050405020304" pitchFamily="18" charset="0"/>
-              </a:rPr>
-              <a:t>. </a:t>
-            </a:r>
-            <a:r>
-              <a:rPr lang="en-US" altLang="ja-JP" dirty="0" smtClean="0">
-                <a:latin typeface="Times New Roman" panose="02020603050405020304" pitchFamily="18" charset="0"/>
-                <a:cs typeface="Times New Roman" panose="02020603050405020304" pitchFamily="18" charset="0"/>
-              </a:rPr>
-              <a:t>Pressure gradient</a:t>
-            </a:r>
-            <a:endParaRPr kumimoji="1" lang="ja-JP" altLang="en-US" dirty="0">
-              <a:latin typeface="Times New Roman" panose="02020603050405020304" pitchFamily="18" charset="0"/>
-              <a:cs typeface="Times New Roman" panose="02020603050405020304" pitchFamily="18" charset="0"/>
-            </a:endParaRPr>
-          </a:p>
-        </p:txBody>
-      </p:sp>
-      <p:sp>
-        <p:nvSpPr>
-          <p:cNvPr id="13" name="テキスト ボックス 12"/>
-          <p:cNvSpPr txBox="1"/>
-          <p:nvPr/>
-        </p:nvSpPr>
-        <p:spPr>
-          <a:xfrm>
-            <a:off x="3262869" y="1805528"/>
-            <a:ext cx="1102658" cy="369332"/>
-          </a:xfrm>
-          <a:prstGeom prst="rect">
-            <a:avLst/>
-          </a:prstGeom>
-          <a:noFill/>
-        </p:spPr>
-        <p:txBody>
-          <a:bodyPr wrap="square" rtlCol="0">
-            <a:spAutoFit/>
-          </a:bodyPr>
-          <a:lstStyle/>
-          <a:p>
-            <a:r>
-              <a:rPr kumimoji="1" lang="en-US" altLang="ja-JP" dirty="0" smtClean="0">
-                <a:latin typeface="Times New Roman" panose="02020603050405020304" pitchFamily="18" charset="0"/>
-                <a:cs typeface="Times New Roman" panose="02020603050405020304" pitchFamily="18" charset="0"/>
-              </a:rPr>
-              <a:t>0.020 s</a:t>
-            </a:r>
-            <a:endParaRPr kumimoji="1" lang="ja-JP" altLang="en-US" dirty="0">
-              <a:latin typeface="Times New Roman" panose="02020603050405020304" pitchFamily="18" charset="0"/>
-              <a:cs typeface="Times New Roman" panose="02020603050405020304" pitchFamily="18" charset="0"/>
-            </a:endParaRPr>
-          </a:p>
-        </p:txBody>
-      </p:sp>
-      <p:sp>
-        <p:nvSpPr>
-          <p:cNvPr id="14" name="テキスト ボックス 13"/>
-          <p:cNvSpPr txBox="1"/>
-          <p:nvPr/>
-        </p:nvSpPr>
-        <p:spPr>
-          <a:xfrm>
-            <a:off x="3262869" y="6039736"/>
-            <a:ext cx="1102658" cy="369332"/>
-          </a:xfrm>
-          <a:prstGeom prst="rect">
-            <a:avLst/>
-          </a:prstGeom>
-          <a:noFill/>
-        </p:spPr>
-        <p:txBody>
-          <a:bodyPr wrap="square" rtlCol="0">
-            <a:spAutoFit/>
-          </a:bodyPr>
-          <a:lstStyle/>
-          <a:p>
-            <a:r>
-              <a:rPr kumimoji="1" lang="en-US" altLang="ja-JP" dirty="0" smtClean="0">
-                <a:latin typeface="Times New Roman" panose="02020603050405020304" pitchFamily="18" charset="0"/>
-                <a:cs typeface="Times New Roman" panose="02020603050405020304" pitchFamily="18" charset="0"/>
-              </a:rPr>
-              <a:t>0.060 s</a:t>
-            </a:r>
-            <a:endParaRPr kumimoji="1" lang="ja-JP" altLang="en-US" dirty="0">
-              <a:latin typeface="Times New Roman" panose="02020603050405020304" pitchFamily="18" charset="0"/>
-              <a:cs typeface="Times New Roman" panose="02020603050405020304" pitchFamily="18" charset="0"/>
-            </a:endParaRPr>
-          </a:p>
-        </p:txBody>
-      </p:sp>
-      <p:sp>
-        <p:nvSpPr>
-          <p:cNvPr id="15" name="テキスト ボックス 14"/>
-          <p:cNvSpPr txBox="1"/>
-          <p:nvPr/>
-        </p:nvSpPr>
-        <p:spPr>
-          <a:xfrm>
-            <a:off x="3262869" y="8124904"/>
-            <a:ext cx="1102658" cy="369332"/>
-          </a:xfrm>
-          <a:prstGeom prst="rect">
-            <a:avLst/>
-          </a:prstGeom>
-          <a:noFill/>
-        </p:spPr>
-        <p:txBody>
-          <a:bodyPr wrap="square" rtlCol="0">
-            <a:spAutoFit/>
-          </a:bodyPr>
-          <a:lstStyle/>
-          <a:p>
-            <a:r>
-              <a:rPr kumimoji="1" lang="en-US" altLang="ja-JP" dirty="0" smtClean="0">
-                <a:latin typeface="Times New Roman" panose="02020603050405020304" pitchFamily="18" charset="0"/>
-                <a:cs typeface="Times New Roman" panose="02020603050405020304" pitchFamily="18" charset="0"/>
-              </a:rPr>
-              <a:t>0.080 s</a:t>
-            </a:r>
-            <a:endParaRPr kumimoji="1" lang="ja-JP" altLang="en-US" dirty="0">
-              <a:latin typeface="Times New Roman" panose="02020603050405020304" pitchFamily="18" charset="0"/>
-              <a:cs typeface="Times New Roman" panose="02020603050405020304" pitchFamily="18" charset="0"/>
-            </a:endParaRPr>
-          </a:p>
-        </p:txBody>
-      </p:sp>
-      <p:sp>
-        <p:nvSpPr>
-          <p:cNvPr id="19" name="テキスト ボックス 18"/>
-          <p:cNvSpPr txBox="1"/>
-          <p:nvPr/>
-        </p:nvSpPr>
-        <p:spPr>
-          <a:xfrm>
-            <a:off x="3262869" y="3947846"/>
-            <a:ext cx="1102658" cy="369332"/>
-          </a:xfrm>
-          <a:prstGeom prst="rect">
-            <a:avLst/>
-          </a:prstGeom>
-          <a:noFill/>
-        </p:spPr>
-        <p:txBody>
-          <a:bodyPr wrap="square" rtlCol="0">
-            <a:spAutoFit/>
-          </a:bodyPr>
-          <a:lstStyle/>
-          <a:p>
-            <a:r>
-              <a:rPr kumimoji="1" lang="en-US" altLang="ja-JP" dirty="0" smtClean="0">
-                <a:latin typeface="Times New Roman" panose="02020603050405020304" pitchFamily="18" charset="0"/>
-                <a:cs typeface="Times New Roman" panose="02020603050405020304" pitchFamily="18" charset="0"/>
-              </a:rPr>
-              <a:t>0.040 s</a:t>
-            </a:r>
-            <a:endParaRPr kumimoji="1" lang="ja-JP" altLang="en-US" dirty="0">
-              <a:latin typeface="Times New Roman" panose="02020603050405020304" pitchFamily="18" charset="0"/>
-              <a:cs typeface="Times New Roman" panose="02020603050405020304" pitchFamily="18" charset="0"/>
-            </a:endParaRPr>
-          </a:p>
-        </p:txBody>
-      </p:sp>
-      <p:pic>
-        <p:nvPicPr>
-          <p:cNvPr id="11" name="図 10"/>
-          <p:cNvPicPr>
-            <a:picLocks noChangeAspect="1"/>
-          </p:cNvPicPr>
-          <p:nvPr/>
-        </p:nvPicPr>
-        <p:blipFill>
-          <a:blip r:embed="rId6">
-            <a:extLst>
-              <a:ext uri="{28A0092B-C50C-407E-A947-70E740481C1C}">
-                <a14:useLocalDpi xmlns:a14="http://schemas.microsoft.com/office/drawing/2010/main" val="0"/>
-              </a:ext>
-            </a:extLst>
-          </a:blip>
-          <a:stretch>
-            <a:fillRect/>
-          </a:stretch>
-        </p:blipFill>
-        <p:spPr>
-          <a:xfrm>
-            <a:off x="4461043" y="440019"/>
-            <a:ext cx="1997326" cy="3933600"/>
+            <a:off x="5642385" y="2393574"/>
+            <a:ext cx="1219648" cy="3049121"/>
           </a:xfrm>
           <a:prstGeom prst="rect">
             <a:avLst/>
@@ -6797,21 +5785,13 @@
     </p:spTree>
     <p:extLst>
       <p:ext uri="{BB962C8B-B14F-4D97-AF65-F5344CB8AC3E}">
-        <p14:creationId xmlns:p14="http://schemas.microsoft.com/office/powerpoint/2010/main" val="2678206077"/>
+        <p14:creationId xmlns:p14="http://schemas.microsoft.com/office/powerpoint/2010/main" val="144029363"/>
       </p:ext>
     </p:extLst>
   </p:cSld>
   <p:clrMapOvr>
     <a:masterClrMapping/>
   </p:clrMapOvr>
-  <mc:AlternateContent xmlns:mc="http://schemas.openxmlformats.org/markup-compatibility/2006" xmlns:p14="http://schemas.microsoft.com/office/powerpoint/2010/main">
-    <mc:Choice Requires="p14">
-      <p:transition spd="slow" p14:dur="2000"/>
-    </mc:Choice>
-    <mc:Fallback xmlns="">
-      <p:transition spd="slow"/>
-    </mc:Fallback>
-  </mc:AlternateContent>
 </p:sld>
 </file>
 
@@ -6832,53 +5812,9 @@
           <a:chExt cx="0" cy="0"/>
         </a:xfrm>
       </p:grpSpPr>
-      <p:sp>
-        <p:nvSpPr>
-          <p:cNvPr id="41" name="テキスト ボックス 40"/>
-          <p:cNvSpPr txBox="1"/>
-          <p:nvPr/>
-        </p:nvSpPr>
-        <p:spPr>
-          <a:xfrm>
-            <a:off x="540000" y="7718612"/>
-            <a:ext cx="5778000" cy="369332"/>
-          </a:xfrm>
-          <a:prstGeom prst="rect">
-            <a:avLst/>
-          </a:prstGeom>
-          <a:noFill/>
-        </p:spPr>
-        <p:txBody>
-          <a:bodyPr wrap="square" rtlCol="0">
-            <a:spAutoFit/>
-          </a:bodyPr>
-          <a:lstStyle/>
-          <a:p>
-            <a:pPr algn="ctr"/>
-            <a:r>
-              <a:rPr kumimoji="1" lang="en-US" altLang="ja-JP" dirty="0" smtClean="0">
-                <a:latin typeface="Times New Roman" panose="02020603050405020304" pitchFamily="18" charset="0"/>
-                <a:cs typeface="Times New Roman" panose="02020603050405020304" pitchFamily="18" charset="0"/>
-              </a:rPr>
-              <a:t>Figure </a:t>
-            </a:r>
-            <a:r>
-              <a:rPr lang="en-US" altLang="ja-JP" dirty="0" smtClean="0">
-                <a:latin typeface="Times New Roman" panose="02020603050405020304" pitchFamily="18" charset="0"/>
-                <a:cs typeface="Times New Roman" panose="02020603050405020304" pitchFamily="18" charset="0"/>
-              </a:rPr>
-              <a:t>4. Powder velocity</a:t>
-            </a:r>
-            <a:endParaRPr kumimoji="1" lang="ja-JP" altLang="en-US" dirty="0">
-              <a:latin typeface="Times New Roman" panose="02020603050405020304" pitchFamily="18" charset="0"/>
-              <a:cs typeface="Times New Roman" panose="02020603050405020304" pitchFamily="18" charset="0"/>
-            </a:endParaRPr>
-          </a:p>
-        </p:txBody>
-      </p:sp>
       <p:pic>
         <p:nvPicPr>
-          <p:cNvPr id="42" name="図 41"/>
+          <p:cNvPr id="2" name="図 1"/>
           <p:cNvPicPr>
             <a:picLocks noChangeAspect="1"/>
           </p:cNvPicPr>
@@ -6898,44 +5834,79 @@
         </p:blipFill>
         <p:spPr>
           <a:xfrm>
-            <a:off x="0" y="2111188"/>
-            <a:ext cx="5607424" cy="5607424"/>
+            <a:off x="0" y="834533"/>
+            <a:ext cx="6858000" cy="6858000"/>
           </a:xfrm>
           <a:prstGeom prst="rect">
             <a:avLst/>
           </a:prstGeom>
         </p:spPr>
       </p:pic>
-      <p:pic>
-        <p:nvPicPr>
-          <p:cNvPr id="43" name="図 42"/>
-          <p:cNvPicPr>
-            <a:picLocks noChangeAspect="1"/>
-          </p:cNvPicPr>
+      <p:sp>
+        <p:nvSpPr>
+          <p:cNvPr id="41" name="テキスト ボックス 40"/>
+          <p:cNvSpPr txBox="1"/>
           <p:nvPr/>
-        </p:nvPicPr>
-        <p:blipFill>
-          <a:blip r:embed="rId3">
-            <a:extLst>
-              <a:ext uri="{28A0092B-C50C-407E-A947-70E740481C1C}">
-                <a14:useLocalDpi xmlns:a14="http://schemas.microsoft.com/office/drawing/2010/main" val="0"/>
-              </a:ext>
-            </a:extLst>
-          </a:blip>
-          <a:stretch>
-            <a:fillRect/>
-          </a:stretch>
-        </p:blipFill>
+        </p:nvSpPr>
         <p:spPr>
           <a:xfrm>
-            <a:off x="5607424" y="2111188"/>
-            <a:ext cx="1250576" cy="3126440"/>
+            <a:off x="540000" y="7718612"/>
+            <a:ext cx="5778000" cy="369332"/>
           </a:xfrm>
           <a:prstGeom prst="rect">
             <a:avLst/>
           </a:prstGeom>
+          <a:noFill/>
         </p:spPr>
-      </p:pic>
+        <p:txBody>
+          <a:bodyPr wrap="square" rtlCol="0">
+            <a:spAutoFit/>
+          </a:bodyPr>
+          <a:lstStyle/>
+          <a:p>
+            <a:pPr algn="ctr"/>
+            <a:r>
+              <a:rPr kumimoji="1" lang="en-US" altLang="ja-JP" dirty="0" smtClean="0">
+                <a:latin typeface="Times New Roman" panose="02020603050405020304" pitchFamily="18" charset="0"/>
+                <a:cs typeface="Times New Roman" panose="02020603050405020304" pitchFamily="18" charset="0"/>
+              </a:rPr>
+              <a:t>Figure </a:t>
+            </a:r>
+            <a:r>
+              <a:rPr lang="en-US" altLang="ja-JP" dirty="0">
+                <a:latin typeface="Times New Roman" panose="02020603050405020304" pitchFamily="18" charset="0"/>
+                <a:cs typeface="Times New Roman" panose="02020603050405020304" pitchFamily="18" charset="0"/>
+              </a:rPr>
+              <a:t>7</a:t>
+            </a:r>
+            <a:r>
+              <a:rPr lang="en-US" altLang="ja-JP" dirty="0" smtClean="0">
+                <a:latin typeface="Times New Roman" panose="02020603050405020304" pitchFamily="18" charset="0"/>
+                <a:cs typeface="Times New Roman" panose="02020603050405020304" pitchFamily="18" charset="0"/>
+              </a:rPr>
+              <a:t>. </a:t>
+            </a:r>
+            <a:r>
+              <a:rPr lang="en-US" altLang="ja-JP" dirty="0" smtClean="0">
+                <a:latin typeface="Times New Roman" panose="02020603050405020304" pitchFamily="18" charset="0"/>
+                <a:cs typeface="Times New Roman" panose="02020603050405020304" pitchFamily="18" charset="0"/>
+              </a:rPr>
+              <a:t>Powder </a:t>
+            </a:r>
+            <a:r>
+              <a:rPr lang="en-US" altLang="ja-JP" dirty="0" smtClean="0">
+                <a:latin typeface="Times New Roman" panose="02020603050405020304" pitchFamily="18" charset="0"/>
+                <a:cs typeface="Times New Roman" panose="02020603050405020304" pitchFamily="18" charset="0"/>
+              </a:rPr>
+              <a:t>distribution</a:t>
+            </a:r>
+            <a:endParaRPr kumimoji="1" lang="ja-JP" altLang="en-US" dirty="0">
+              <a:latin typeface="Times New Roman" panose="02020603050405020304" pitchFamily="18" charset="0"/>
+              <a:cs typeface="Times New Roman" panose="02020603050405020304" pitchFamily="18" charset="0"/>
+            </a:endParaRPr>
+          </a:p>
+        </p:txBody>
+      </p:sp>
     </p:spTree>
     <p:extLst>
       <p:ext uri="{BB962C8B-B14F-4D97-AF65-F5344CB8AC3E}">
@@ -6968,7 +5939,7 @@
       </p:grpSpPr>
       <p:pic>
         <p:nvPicPr>
-          <p:cNvPr id="4" name="図 3"/>
+          <p:cNvPr id="6" name="図 5"/>
           <p:cNvPicPr>
             <a:picLocks noChangeAspect="1"/>
           </p:cNvPicPr>
@@ -6998,7 +5969,7 @@
       </p:pic>
       <p:pic>
         <p:nvPicPr>
-          <p:cNvPr id="3" name="図 2"/>
+          <p:cNvPr id="2" name="図 1"/>
           <p:cNvPicPr>
             <a:picLocks noChangeAspect="1"/>
           </p:cNvPicPr>
@@ -7018,7 +5989,7 @@
         </p:blipFill>
         <p:spPr>
           <a:xfrm>
-            <a:off x="1097292" y="847166"/>
+            <a:off x="1097292" y="847165"/>
             <a:ext cx="4760259" cy="3570194"/>
           </a:xfrm>
           <a:prstGeom prst="rect">
@@ -7057,11 +6028,25 @@
               <a:t>Figure </a:t>
             </a:r>
             <a:r>
+              <a:rPr lang="en-US" altLang="ja-JP" dirty="0">
+                <a:latin typeface="Times New Roman" panose="02020603050405020304" pitchFamily="18" charset="0"/>
+                <a:cs typeface="Times New Roman" panose="02020603050405020304" pitchFamily="18" charset="0"/>
+              </a:rPr>
+              <a:t>8</a:t>
+            </a:r>
+            <a:r>
               <a:rPr lang="en-US" altLang="ja-JP" dirty="0" smtClean="0">
                 <a:latin typeface="Times New Roman" panose="02020603050405020304" pitchFamily="18" charset="0"/>
                 <a:cs typeface="Times New Roman" panose="02020603050405020304" pitchFamily="18" charset="0"/>
               </a:rPr>
-              <a:t>5. Filling time</a:t>
+              <a:t>. </a:t>
+            </a:r>
+            <a:r>
+              <a:rPr lang="en-US" altLang="ja-JP" dirty="0" smtClean="0">
+                <a:latin typeface="Times New Roman" panose="02020603050405020304" pitchFamily="18" charset="0"/>
+                <a:cs typeface="Times New Roman" panose="02020603050405020304" pitchFamily="18" charset="0"/>
+              </a:rPr>
+              <a:t>Filling time</a:t>
             </a:r>
             <a:endParaRPr kumimoji="1" lang="ja-JP" altLang="en-US" dirty="0">
               <a:latin typeface="Times New Roman" panose="02020603050405020304" pitchFamily="18" charset="0"/>
@@ -7101,11 +6086,32 @@
               <a:t>Figure </a:t>
             </a:r>
             <a:r>
+              <a:rPr lang="en-US" altLang="ja-JP" dirty="0">
+                <a:latin typeface="Times New Roman" panose="02020603050405020304" pitchFamily="18" charset="0"/>
+                <a:cs typeface="Times New Roman" panose="02020603050405020304" pitchFamily="18" charset="0"/>
+              </a:rPr>
+              <a:t>9</a:t>
+            </a:r>
+            <a:r>
               <a:rPr lang="en-US" altLang="ja-JP" dirty="0" smtClean="0">
                 <a:latin typeface="Times New Roman" panose="02020603050405020304" pitchFamily="18" charset="0"/>
                 <a:cs typeface="Times New Roman" panose="02020603050405020304" pitchFamily="18" charset="0"/>
               </a:rPr>
-              <a:t>6. Flux of powder flow</a:t>
+              <a:t>. </a:t>
+            </a:r>
+            <a:r>
+              <a:rPr lang="en-US" altLang="ja-JP" dirty="0" smtClean="0">
+                <a:latin typeface="Times New Roman" panose="02020603050405020304" pitchFamily="18" charset="0"/>
+                <a:cs typeface="Times New Roman" panose="02020603050405020304" pitchFamily="18" charset="0"/>
+              </a:rPr>
+              <a:t>Flux of powder </a:t>
+            </a:r>
+            <a:r>
+              <a:rPr lang="en-US" altLang="ja-JP" dirty="0" smtClean="0">
+                <a:latin typeface="Times New Roman" panose="02020603050405020304" pitchFamily="18" charset="0"/>
+                <a:cs typeface="Times New Roman" panose="02020603050405020304" pitchFamily="18" charset="0"/>
+              </a:rPr>
+              <a:t>to die region</a:t>
             </a:r>
             <a:endParaRPr kumimoji="1" lang="ja-JP" altLang="en-US" dirty="0">
               <a:latin typeface="Times New Roman" panose="02020603050405020304" pitchFamily="18" charset="0"/>
@@ -7208,7 +6214,14 @@
                 <a:latin typeface="Times New Roman" panose="02020603050405020304" pitchFamily="18" charset="0"/>
                 <a:cs typeface="Times New Roman" panose="02020603050405020304" pitchFamily="18" charset="0"/>
               </a:rPr>
-              <a:t>7. Drag force</a:t>
+              <a:t>10. </a:t>
+            </a:r>
+            <a:r>
+              <a:rPr lang="en-US" altLang="ja-JP" dirty="0" smtClean="0">
+                <a:latin typeface="Times New Roman" panose="02020603050405020304" pitchFamily="18" charset="0"/>
+                <a:cs typeface="Times New Roman" panose="02020603050405020304" pitchFamily="18" charset="0"/>
+              </a:rPr>
+              <a:t>Drag force</a:t>
             </a:r>
             <a:endParaRPr kumimoji="1" lang="ja-JP" altLang="en-US" dirty="0">
               <a:latin typeface="Times New Roman" panose="02020603050405020304" pitchFamily="18" charset="0"/>

--- a/論文/figures/Figures&Tables.pptx
+++ b/論文/figures/Figures&Tables.pptx
@@ -5,20 +5,19 @@
     <p:sldMasterId id="2147483660" r:id="rId1"/>
   </p:sldMasterIdLst>
   <p:handoutMasterIdLst>
-    <p:handoutMasterId r:id="rId13"/>
+    <p:handoutMasterId r:id="rId12"/>
   </p:handoutMasterIdLst>
   <p:sldIdLst>
     <p:sldId id="257" r:id="rId2"/>
     <p:sldId id="258" r:id="rId3"/>
     <p:sldId id="259" r:id="rId4"/>
-    <p:sldId id="273" r:id="rId5"/>
-    <p:sldId id="274" r:id="rId6"/>
-    <p:sldId id="276" r:id="rId7"/>
+    <p:sldId id="274" r:id="rId5"/>
+    <p:sldId id="276" r:id="rId6"/>
+    <p:sldId id="273" r:id="rId7"/>
     <p:sldId id="269" r:id="rId8"/>
     <p:sldId id="262" r:id="rId9"/>
-    <p:sldId id="270" r:id="rId10"/>
-    <p:sldId id="272" r:id="rId11"/>
-    <p:sldId id="271" r:id="rId12"/>
+    <p:sldId id="277" r:id="rId10"/>
+    <p:sldId id="271" r:id="rId11"/>
   </p:sldIdLst>
   <p:sldSz cx="6858000" cy="9906000" type="A4"/>
   <p:notesSz cx="9144000" cy="6858000"/>
@@ -3542,153 +3541,6 @@
               </a:ext>
             </a:extLst>
           </a:blip>
-          <a:srcRect t="23021"/>
-          <a:stretch/>
-        </p:blipFill>
-        <p:spPr>
-          <a:xfrm>
-            <a:off x="0" y="2433917"/>
-            <a:ext cx="5607424" cy="4316506"/>
-          </a:xfrm>
-          <a:prstGeom prst="rect">
-            <a:avLst/>
-          </a:prstGeom>
-        </p:spPr>
-      </p:pic>
-      <p:sp>
-        <p:nvSpPr>
-          <p:cNvPr id="41" name="テキスト ボックス 40"/>
-          <p:cNvSpPr txBox="1"/>
-          <p:nvPr/>
-        </p:nvSpPr>
-        <p:spPr>
-          <a:xfrm>
-            <a:off x="527896" y="6750423"/>
-            <a:ext cx="5778000" cy="369332"/>
-          </a:xfrm>
-          <a:prstGeom prst="rect">
-            <a:avLst/>
-          </a:prstGeom>
-          <a:noFill/>
-        </p:spPr>
-        <p:txBody>
-          <a:bodyPr wrap="square" rtlCol="0">
-            <a:spAutoFit/>
-          </a:bodyPr>
-          <a:lstStyle/>
-          <a:p>
-            <a:pPr algn="ctr"/>
-            <a:r>
-              <a:rPr kumimoji="1" lang="en-US" altLang="ja-JP" dirty="0" smtClean="0">
-                <a:latin typeface="Times New Roman" panose="02020603050405020304" pitchFamily="18" charset="0"/>
-                <a:cs typeface="Times New Roman" panose="02020603050405020304" pitchFamily="18" charset="0"/>
-              </a:rPr>
-              <a:t>Figure </a:t>
-            </a:r>
-            <a:r>
-              <a:rPr kumimoji="1" lang="en-US" altLang="ja-JP" dirty="0" smtClean="0">
-                <a:latin typeface="Times New Roman" panose="02020603050405020304" pitchFamily="18" charset="0"/>
-                <a:cs typeface="Times New Roman" panose="02020603050405020304" pitchFamily="18" charset="0"/>
-              </a:rPr>
-              <a:t>11</a:t>
-            </a:r>
-            <a:r>
-              <a:rPr lang="en-US" altLang="ja-JP" dirty="0" smtClean="0">
-                <a:latin typeface="Times New Roman" panose="02020603050405020304" pitchFamily="18" charset="0"/>
-                <a:cs typeface="Times New Roman" panose="02020603050405020304" pitchFamily="18" charset="0"/>
-              </a:rPr>
-              <a:t>. </a:t>
-            </a:r>
-            <a:r>
-              <a:rPr lang="en-US" altLang="ja-JP" dirty="0" smtClean="0">
-                <a:latin typeface="Times New Roman" panose="02020603050405020304" pitchFamily="18" charset="0"/>
-                <a:cs typeface="Times New Roman" panose="02020603050405020304" pitchFamily="18" charset="0"/>
-              </a:rPr>
-              <a:t>Pressure force</a:t>
-            </a:r>
-            <a:endParaRPr kumimoji="1" lang="ja-JP" altLang="en-US" dirty="0">
-              <a:latin typeface="Times New Roman" panose="02020603050405020304" pitchFamily="18" charset="0"/>
-              <a:cs typeface="Times New Roman" panose="02020603050405020304" pitchFamily="18" charset="0"/>
-            </a:endParaRPr>
-          </a:p>
-        </p:txBody>
-      </p:sp>
-      <p:pic>
-        <p:nvPicPr>
-          <p:cNvPr id="2" name="図 1"/>
-          <p:cNvPicPr>
-            <a:picLocks noChangeAspect="1"/>
-          </p:cNvPicPr>
-          <p:nvPr/>
-        </p:nvPicPr>
-        <p:blipFill>
-          <a:blip r:embed="rId3">
-            <a:extLst>
-              <a:ext uri="{28A0092B-C50C-407E-A947-70E740481C1C}">
-                <a14:useLocalDpi xmlns:a14="http://schemas.microsoft.com/office/drawing/2010/main" val="0"/>
-              </a:ext>
-            </a:extLst>
-          </a:blip>
-          <a:stretch>
-            <a:fillRect/>
-          </a:stretch>
-        </p:blipFill>
-        <p:spPr>
-          <a:xfrm>
-            <a:off x="5607424" y="2433917"/>
-            <a:ext cx="1266265" cy="3165662"/>
-          </a:xfrm>
-          <a:prstGeom prst="rect">
-            <a:avLst/>
-          </a:prstGeom>
-        </p:spPr>
-      </p:pic>
-    </p:spTree>
-    <p:extLst>
-      <p:ext uri="{BB962C8B-B14F-4D97-AF65-F5344CB8AC3E}">
-        <p14:creationId xmlns:p14="http://schemas.microsoft.com/office/powerpoint/2010/main" val="1556793905"/>
-      </p:ext>
-    </p:extLst>
-  </p:cSld>
-  <p:clrMapOvr>
-    <a:masterClrMapping/>
-  </p:clrMapOvr>
-</p:sld>
-</file>
-
-<file path=ppt/slides/slide11.xml><?xml version="1.0" encoding="utf-8"?>
-<p:sld xmlns:a="http://schemas.openxmlformats.org/drawingml/2006/main" xmlns:r="http://schemas.openxmlformats.org/officeDocument/2006/relationships" xmlns:p="http://schemas.openxmlformats.org/presentationml/2006/main">
-  <p:cSld>
-    <p:spTree>
-      <p:nvGrpSpPr>
-        <p:cNvPr id="1" name=""/>
-        <p:cNvGrpSpPr/>
-        <p:nvPr/>
-      </p:nvGrpSpPr>
-      <p:grpSpPr>
-        <a:xfrm>
-          <a:off x="0" y="0"/>
-          <a:ext cx="0" cy="0"/>
-          <a:chOff x="0" y="0"/>
-          <a:chExt cx="0" cy="0"/>
-        </a:xfrm>
-      </p:grpSpPr>
-      <p:pic>
-        <p:nvPicPr>
-          <p:cNvPr id="4" name="図 3"/>
-          <p:cNvPicPr>
-            <a:picLocks noChangeAspect="1"/>
-          </p:cNvPicPr>
-          <p:nvPr/>
-        </p:nvPicPr>
-        <p:blipFill rotWithShape="1">
-          <a:blip r:embed="rId2">
-            <a:extLst>
-              <a:ext uri="{28A0092B-C50C-407E-A947-70E740481C1C}">
-                <a14:useLocalDpi xmlns:a14="http://schemas.microsoft.com/office/drawing/2010/main" val="0"/>
-              </a:ext>
-            </a:extLst>
-          </a:blip>
           <a:srcRect l="21205"/>
           <a:stretch/>
         </p:blipFill>
@@ -3737,14 +3589,7 @@
                 <a:latin typeface="Times New Roman" panose="02020603050405020304" pitchFamily="18" charset="0"/>
                 <a:cs typeface="Times New Roman" panose="02020603050405020304" pitchFamily="18" charset="0"/>
               </a:rPr>
-              <a:t>12</a:t>
-            </a:r>
-            <a:r>
-              <a:rPr lang="en-US" altLang="ja-JP" dirty="0" smtClean="0">
-                <a:latin typeface="Times New Roman" panose="02020603050405020304" pitchFamily="18" charset="0"/>
-                <a:cs typeface="Times New Roman" panose="02020603050405020304" pitchFamily="18" charset="0"/>
-              </a:rPr>
-              <a:t>. Bubble velocity</a:t>
+              <a:t>12. Bubble velocity</a:t>
             </a:r>
             <a:endParaRPr kumimoji="1" lang="ja-JP" altLang="en-US" dirty="0">
               <a:latin typeface="Times New Roman" panose="02020603050405020304" pitchFamily="18" charset="0"/>
@@ -5281,7 +5126,7 @@
         </p:nvSpPr>
         <p:spPr>
           <a:xfrm>
-            <a:off x="540000" y="8901953"/>
+            <a:off x="540000" y="3637226"/>
             <a:ext cx="5778000" cy="646331"/>
           </a:xfrm>
           <a:prstGeom prst="rect">
@@ -5322,14 +5167,7 @@
                 <a:latin typeface="Times New Roman" panose="02020603050405020304" pitchFamily="18" charset="0"/>
                 <a:cs typeface="Times New Roman" panose="02020603050405020304" pitchFamily="18" charset="0"/>
               </a:rPr>
-              <a:t>Powder </a:t>
-            </a:r>
-            <a:r>
-              <a:rPr lang="en-US" altLang="ja-JP" dirty="0" smtClean="0">
-                <a:latin typeface="Times New Roman" panose="02020603050405020304" pitchFamily="18" charset="0"/>
-                <a:cs typeface="Times New Roman" panose="02020603050405020304" pitchFamily="18" charset="0"/>
-              </a:rPr>
-              <a:t>distribution</a:t>
+              <a:t>Powder distribution</a:t>
             </a:r>
           </a:p>
           <a:p>
@@ -5350,7 +5188,7 @@
       </p:sp>
       <p:pic>
         <p:nvPicPr>
-          <p:cNvPr id="2" name="図 1"/>
+          <p:cNvPr id="4" name="図 3"/>
           <p:cNvPicPr>
             <a:picLocks noChangeAspect="1"/>
           </p:cNvPicPr>
@@ -5364,19 +5202,100 @@
               </a:ext>
             </a:extLst>
           </a:blip>
-          <a:srcRect r="40808"/>
+          <a:srcRect b="49293"/>
           <a:stretch/>
         </p:blipFill>
         <p:spPr>
           <a:xfrm>
-            <a:off x="540000" y="256717"/>
-            <a:ext cx="5117281" cy="8645236"/>
+            <a:off x="0" y="0"/>
+            <a:ext cx="6858000" cy="3477491"/>
           </a:xfrm>
           <a:prstGeom prst="rect">
             <a:avLst/>
           </a:prstGeom>
         </p:spPr>
       </p:pic>
+      <p:pic>
+        <p:nvPicPr>
+          <p:cNvPr id="6" name="図 5"/>
+          <p:cNvPicPr>
+            <a:picLocks noChangeAspect="1"/>
+          </p:cNvPicPr>
+          <p:nvPr/>
+        </p:nvPicPr>
+        <p:blipFill>
+          <a:blip r:embed="rId3" cstate="print">
+            <a:extLst>
+              <a:ext uri="{28A0092B-C50C-407E-A947-70E740481C1C}">
+                <a14:useLocalDpi xmlns:a14="http://schemas.microsoft.com/office/drawing/2010/main" val="0"/>
+              </a:ext>
+            </a:extLst>
+          </a:blip>
+          <a:stretch>
+            <a:fillRect/>
+          </a:stretch>
+        </p:blipFill>
+        <p:spPr>
+          <a:xfrm>
+            <a:off x="1221982" y="4823421"/>
+            <a:ext cx="4760259" cy="3570194"/>
+          </a:xfrm>
+          <a:prstGeom prst="rect">
+            <a:avLst/>
+          </a:prstGeom>
+        </p:spPr>
+      </p:pic>
+      <p:sp>
+        <p:nvSpPr>
+          <p:cNvPr id="7" name="テキスト ボックス 6"/>
+          <p:cNvSpPr txBox="1"/>
+          <p:nvPr/>
+        </p:nvSpPr>
+        <p:spPr>
+          <a:xfrm>
+            <a:off x="752094" y="8393615"/>
+            <a:ext cx="5778000" cy="369332"/>
+          </a:xfrm>
+          <a:prstGeom prst="rect">
+            <a:avLst/>
+          </a:prstGeom>
+          <a:noFill/>
+        </p:spPr>
+        <p:txBody>
+          <a:bodyPr wrap="square" rtlCol="0">
+            <a:spAutoFit/>
+          </a:bodyPr>
+          <a:lstStyle/>
+          <a:p>
+            <a:pPr algn="ctr"/>
+            <a:r>
+              <a:rPr kumimoji="1" lang="en-US" altLang="ja-JP" dirty="0" smtClean="0">
+                <a:latin typeface="Times New Roman" panose="02020603050405020304" pitchFamily="18" charset="0"/>
+                <a:cs typeface="Times New Roman" panose="02020603050405020304" pitchFamily="18" charset="0"/>
+              </a:rPr>
+              <a:t>Figure </a:t>
+            </a:r>
+            <a:r>
+              <a:rPr lang="en-US" altLang="ja-JP" dirty="0">
+                <a:latin typeface="Times New Roman" panose="02020603050405020304" pitchFamily="18" charset="0"/>
+                <a:cs typeface="Times New Roman" panose="02020603050405020304" pitchFamily="18" charset="0"/>
+              </a:rPr>
+              <a:t>3</a:t>
+            </a:r>
+            <a:r>
+              <a:rPr lang="en-US" altLang="ja-JP" dirty="0" smtClean="0">
+                <a:latin typeface="Times New Roman" panose="02020603050405020304" pitchFamily="18" charset="0"/>
+                <a:cs typeface="Times New Roman" panose="02020603050405020304" pitchFamily="18" charset="0"/>
+              </a:rPr>
+              <a:t>. Flux of powder to die region</a:t>
+            </a:r>
+            <a:endParaRPr kumimoji="1" lang="ja-JP" altLang="en-US" dirty="0">
+              <a:latin typeface="Times New Roman" panose="02020603050405020304" pitchFamily="18" charset="0"/>
+              <a:cs typeface="Times New Roman" panose="02020603050405020304" pitchFamily="18" charset="0"/>
+            </a:endParaRPr>
+          </a:p>
+        </p:txBody>
+      </p:sp>
     </p:spTree>
     <p:extLst>
       <p:ext uri="{BB962C8B-B14F-4D97-AF65-F5344CB8AC3E}">
@@ -5407,124 +5326,6 @@
           <a:chExt cx="0" cy="0"/>
         </a:xfrm>
       </p:grpSpPr>
-      <p:pic>
-        <p:nvPicPr>
-          <p:cNvPr id="2" name="図 1"/>
-          <p:cNvPicPr>
-            <a:picLocks noChangeAspect="1"/>
-          </p:cNvPicPr>
-          <p:nvPr/>
-        </p:nvPicPr>
-        <p:blipFill>
-          <a:blip r:embed="rId2" cstate="print">
-            <a:extLst>
-              <a:ext uri="{28A0092B-C50C-407E-A947-70E740481C1C}">
-                <a14:useLocalDpi xmlns:a14="http://schemas.microsoft.com/office/drawing/2010/main" val="0"/>
-              </a:ext>
-            </a:extLst>
-          </a:blip>
-          <a:stretch>
-            <a:fillRect/>
-          </a:stretch>
-        </p:blipFill>
-        <p:spPr>
-          <a:xfrm>
-            <a:off x="1097291" y="847166"/>
-            <a:ext cx="4760259" cy="3570194"/>
-          </a:xfrm>
-          <a:prstGeom prst="rect">
-            <a:avLst/>
-          </a:prstGeom>
-        </p:spPr>
-      </p:pic>
-      <p:sp>
-        <p:nvSpPr>
-          <p:cNvPr id="5" name="テキスト ボックス 4"/>
-          <p:cNvSpPr txBox="1"/>
-          <p:nvPr/>
-        </p:nvSpPr>
-        <p:spPr>
-          <a:xfrm>
-            <a:off x="627403" y="4417360"/>
-            <a:ext cx="5778000" cy="369332"/>
-          </a:xfrm>
-          <a:prstGeom prst="rect">
-            <a:avLst/>
-          </a:prstGeom>
-          <a:noFill/>
-        </p:spPr>
-        <p:txBody>
-          <a:bodyPr wrap="square" rtlCol="0">
-            <a:spAutoFit/>
-          </a:bodyPr>
-          <a:lstStyle/>
-          <a:p>
-            <a:pPr algn="ctr"/>
-            <a:r>
-              <a:rPr kumimoji="1" lang="en-US" altLang="ja-JP" dirty="0" smtClean="0">
-                <a:latin typeface="Times New Roman" panose="02020603050405020304" pitchFamily="18" charset="0"/>
-                <a:cs typeface="Times New Roman" panose="02020603050405020304" pitchFamily="18" charset="0"/>
-              </a:rPr>
-              <a:t>Figure </a:t>
-            </a:r>
-            <a:r>
-              <a:rPr lang="en-US" altLang="ja-JP" dirty="0">
-                <a:latin typeface="Times New Roman" panose="02020603050405020304" pitchFamily="18" charset="0"/>
-                <a:cs typeface="Times New Roman" panose="02020603050405020304" pitchFamily="18" charset="0"/>
-              </a:rPr>
-              <a:t>3</a:t>
-            </a:r>
-            <a:r>
-              <a:rPr lang="en-US" altLang="ja-JP" dirty="0" smtClean="0">
-                <a:latin typeface="Times New Roman" panose="02020603050405020304" pitchFamily="18" charset="0"/>
-                <a:cs typeface="Times New Roman" panose="02020603050405020304" pitchFamily="18" charset="0"/>
-              </a:rPr>
-              <a:t>. </a:t>
-            </a:r>
-            <a:r>
-              <a:rPr lang="en-US" altLang="ja-JP" dirty="0" smtClean="0">
-                <a:latin typeface="Times New Roman" panose="02020603050405020304" pitchFamily="18" charset="0"/>
-                <a:cs typeface="Times New Roman" panose="02020603050405020304" pitchFamily="18" charset="0"/>
-              </a:rPr>
-              <a:t>Flux of powder to die region</a:t>
-            </a:r>
-            <a:endParaRPr kumimoji="1" lang="ja-JP" altLang="en-US" dirty="0">
-              <a:latin typeface="Times New Roman" panose="02020603050405020304" pitchFamily="18" charset="0"/>
-              <a:cs typeface="Times New Roman" panose="02020603050405020304" pitchFamily="18" charset="0"/>
-            </a:endParaRPr>
-          </a:p>
-        </p:txBody>
-      </p:sp>
-    </p:spTree>
-    <p:extLst>
-      <p:ext uri="{BB962C8B-B14F-4D97-AF65-F5344CB8AC3E}">
-        <p14:creationId xmlns:p14="http://schemas.microsoft.com/office/powerpoint/2010/main" val="1443679414"/>
-      </p:ext>
-    </p:extLst>
-  </p:cSld>
-  <p:clrMapOvr>
-    <a:masterClrMapping/>
-  </p:clrMapOvr>
-</p:sld>
-</file>
-
-<file path=ppt/slides/slide5.xml><?xml version="1.0" encoding="utf-8"?>
-<p:sld xmlns:a="http://schemas.openxmlformats.org/drawingml/2006/main" xmlns:r="http://schemas.openxmlformats.org/officeDocument/2006/relationships" xmlns:p="http://schemas.openxmlformats.org/presentationml/2006/main">
-  <p:cSld>
-    <p:spTree>
-      <p:nvGrpSpPr>
-        <p:cNvPr id="1" name=""/>
-        <p:cNvGrpSpPr/>
-        <p:nvPr/>
-      </p:nvGrpSpPr>
-      <p:grpSpPr>
-        <a:xfrm>
-          <a:off x="0" y="0"/>
-          <a:ext cx="0" cy="0"/>
-          <a:chOff x="0" y="0"/>
-          <a:chExt cx="0" cy="0"/>
-        </a:xfrm>
-      </p:grpSpPr>
       <p:sp>
         <p:nvSpPr>
           <p:cNvPr id="41" name="テキスト ボックス 40"/>
@@ -5567,14 +5368,7 @@
                 <a:latin typeface="Times New Roman" panose="02020603050405020304" pitchFamily="18" charset="0"/>
                 <a:cs typeface="Times New Roman" panose="02020603050405020304" pitchFamily="18" charset="0"/>
               </a:rPr>
-              <a:t>. </a:t>
-            </a:r>
-            <a:r>
-              <a:rPr lang="en-US" altLang="ja-JP" dirty="0" smtClean="0">
-                <a:latin typeface="Times New Roman" panose="02020603050405020304" pitchFamily="18" charset="0"/>
-                <a:cs typeface="Times New Roman" panose="02020603050405020304" pitchFamily="18" charset="0"/>
-              </a:rPr>
-              <a:t>Drag force</a:t>
+              <a:t>. Drag force</a:t>
             </a:r>
             <a:endParaRPr kumimoji="1" lang="ja-JP" altLang="en-US" dirty="0">
               <a:latin typeface="Times New Roman" panose="02020603050405020304" pitchFamily="18" charset="0"/>
@@ -5655,7 +5449,7 @@
 </p:sld>
 </file>
 
-<file path=ppt/slides/slide6.xml><?xml version="1.0" encoding="utf-8"?>
+<file path=ppt/slides/slide5.xml><?xml version="1.0" encoding="utf-8"?>
 <p:sld xmlns:a="http://schemas.openxmlformats.org/drawingml/2006/main" xmlns:r="http://schemas.openxmlformats.org/officeDocument/2006/relationships" xmlns:p="http://schemas.openxmlformats.org/presentationml/2006/main">
   <p:cSld>
     <p:spTree>
@@ -5795,6 +5589,161 @@
 </p:sld>
 </file>
 
+<file path=ppt/slides/slide6.xml><?xml version="1.0" encoding="utf-8"?>
+<p:sld xmlns:a="http://schemas.openxmlformats.org/drawingml/2006/main" xmlns:r="http://schemas.openxmlformats.org/officeDocument/2006/relationships" xmlns:p="http://schemas.openxmlformats.org/presentationml/2006/main">
+  <p:cSld>
+    <p:spTree>
+      <p:nvGrpSpPr>
+        <p:cNvPr id="1" name=""/>
+        <p:cNvGrpSpPr/>
+        <p:nvPr/>
+      </p:nvGrpSpPr>
+      <p:grpSpPr>
+        <a:xfrm>
+          <a:off x="0" y="0"/>
+          <a:ext cx="0" cy="0"/>
+          <a:chOff x="0" y="0"/>
+          <a:chExt cx="0" cy="0"/>
+        </a:xfrm>
+      </p:grpSpPr>
+      <p:sp>
+        <p:nvSpPr>
+          <p:cNvPr id="5" name="テキスト ボックス 4"/>
+          <p:cNvSpPr txBox="1"/>
+          <p:nvPr/>
+        </p:nvSpPr>
+        <p:spPr>
+          <a:xfrm>
+            <a:off x="627403" y="4417360"/>
+            <a:ext cx="5778000" cy="1477328"/>
+          </a:xfrm>
+          <a:prstGeom prst="rect">
+            <a:avLst/>
+          </a:prstGeom>
+          <a:noFill/>
+        </p:spPr>
+        <p:txBody>
+          <a:bodyPr wrap="square" rtlCol="0">
+            <a:spAutoFit/>
+          </a:bodyPr>
+          <a:lstStyle/>
+          <a:p>
+            <a:pPr algn="ctr"/>
+            <a:r>
+              <a:rPr kumimoji="1" lang="en-US" altLang="ja-JP" dirty="0" smtClean="0">
+                <a:latin typeface="Times New Roman" panose="02020603050405020304" pitchFamily="18" charset="0"/>
+                <a:cs typeface="Times New Roman" panose="02020603050405020304" pitchFamily="18" charset="0"/>
+              </a:rPr>
+              <a:t>Figure </a:t>
+            </a:r>
+            <a:r>
+              <a:rPr lang="en-US" altLang="ja-JP" dirty="0">
+                <a:latin typeface="Times New Roman" panose="02020603050405020304" pitchFamily="18" charset="0"/>
+                <a:cs typeface="Times New Roman" panose="02020603050405020304" pitchFamily="18" charset="0"/>
+              </a:rPr>
+              <a:t>6</a:t>
+            </a:r>
+            <a:r>
+              <a:rPr lang="en-US" altLang="ja-JP" dirty="0" smtClean="0">
+                <a:latin typeface="Times New Roman" panose="02020603050405020304" pitchFamily="18" charset="0"/>
+                <a:cs typeface="Times New Roman" panose="02020603050405020304" pitchFamily="18" charset="0"/>
+              </a:rPr>
+              <a:t>. </a:t>
+            </a:r>
+            <a:r>
+              <a:rPr lang="en-US" altLang="ja-JP" dirty="0" smtClean="0">
+                <a:latin typeface="Times New Roman" panose="02020603050405020304" pitchFamily="18" charset="0"/>
+                <a:cs typeface="Times New Roman" panose="02020603050405020304" pitchFamily="18" charset="0"/>
+              </a:rPr>
+              <a:t>Forces applied on particles</a:t>
+            </a:r>
+          </a:p>
+          <a:p>
+            <a:pPr algn="ctr"/>
+            <a:endParaRPr lang="en-US" altLang="ja-JP" dirty="0" smtClean="0">
+              <a:latin typeface="Times New Roman" panose="02020603050405020304" pitchFamily="18" charset="0"/>
+              <a:cs typeface="Times New Roman" panose="02020603050405020304" pitchFamily="18" charset="0"/>
+            </a:endParaRPr>
+          </a:p>
+          <a:p>
+            <a:pPr algn="ctr"/>
+            <a:r>
+              <a:rPr lang="en-US" altLang="ja-JP" dirty="0" smtClean="0">
+                <a:latin typeface="Times New Roman" panose="02020603050405020304" pitchFamily="18" charset="0"/>
+                <a:cs typeface="Times New Roman" panose="02020603050405020304" pitchFamily="18" charset="0"/>
+              </a:rPr>
+              <a:t>Use vertical component of force vector</a:t>
+            </a:r>
+          </a:p>
+          <a:p>
+            <a:pPr algn="ctr"/>
+            <a:r>
+              <a:rPr lang="en-US" altLang="ja-JP" dirty="0" smtClean="0">
+                <a:latin typeface="Times New Roman" panose="02020603050405020304" pitchFamily="18" charset="0"/>
+                <a:cs typeface="Times New Roman" panose="02020603050405020304" pitchFamily="18" charset="0"/>
+              </a:rPr>
+              <a:t>Average </a:t>
+            </a:r>
+            <a:r>
+              <a:rPr lang="en-US" altLang="ja-JP" dirty="0" smtClean="0">
+                <a:latin typeface="Times New Roman" panose="02020603050405020304" pitchFamily="18" charset="0"/>
+                <a:cs typeface="Times New Roman" panose="02020603050405020304" pitchFamily="18" charset="0"/>
+              </a:rPr>
+              <a:t>force applied on</a:t>
+            </a:r>
+            <a:r>
+              <a:rPr lang="en-US" altLang="ja-JP" dirty="0" smtClean="0">
+                <a:latin typeface="Times New Roman" panose="02020603050405020304" pitchFamily="18" charset="0"/>
+                <a:cs typeface="Times New Roman" panose="02020603050405020304" pitchFamily="18" charset="0"/>
+              </a:rPr>
+              <a:t> particles above the punch (in 10mm ×10mm region)</a:t>
+            </a:r>
+          </a:p>
+        </p:txBody>
+      </p:sp>
+      <p:pic>
+        <p:nvPicPr>
+          <p:cNvPr id="3" name="図 2"/>
+          <p:cNvPicPr>
+            <a:picLocks noChangeAspect="1"/>
+          </p:cNvPicPr>
+          <p:nvPr/>
+        </p:nvPicPr>
+        <p:blipFill>
+          <a:blip r:embed="rId2" cstate="print">
+            <a:extLst>
+              <a:ext uri="{28A0092B-C50C-407E-A947-70E740481C1C}">
+                <a14:useLocalDpi xmlns:a14="http://schemas.microsoft.com/office/drawing/2010/main" val="0"/>
+              </a:ext>
+            </a:extLst>
+          </a:blip>
+          <a:stretch>
+            <a:fillRect/>
+          </a:stretch>
+        </p:blipFill>
+        <p:spPr>
+          <a:xfrm>
+            <a:off x="627403" y="494749"/>
+            <a:ext cx="5230148" cy="3922611"/>
+          </a:xfrm>
+          <a:prstGeom prst="rect">
+            <a:avLst/>
+          </a:prstGeom>
+        </p:spPr>
+      </p:pic>
+    </p:spTree>
+    <p:extLst>
+      <p:ext uri="{BB962C8B-B14F-4D97-AF65-F5344CB8AC3E}">
+        <p14:creationId xmlns:p14="http://schemas.microsoft.com/office/powerpoint/2010/main" val="1443679414"/>
+      </p:ext>
+    </p:extLst>
+  </p:cSld>
+  <p:clrMapOvr>
+    <a:masterClrMapping/>
+  </p:clrMapOvr>
+</p:sld>
+</file>
+
 <file path=ppt/slides/slide7.xml><?xml version="1.0" encoding="utf-8"?>
 <p:sld xmlns:a="http://schemas.openxmlformats.org/drawingml/2006/main" xmlns:r="http://schemas.openxmlformats.org/officeDocument/2006/relationships" xmlns:p="http://schemas.openxmlformats.org/presentationml/2006/main">
   <p:cSld>
@@ -5812,9 +5761,60 @@
           <a:chExt cx="0" cy="0"/>
         </a:xfrm>
       </p:grpSpPr>
+      <p:sp>
+        <p:nvSpPr>
+          <p:cNvPr id="41" name="テキスト ボックス 40"/>
+          <p:cNvSpPr txBox="1"/>
+          <p:nvPr/>
+        </p:nvSpPr>
+        <p:spPr>
+          <a:xfrm>
+            <a:off x="540000" y="7718612"/>
+            <a:ext cx="5778000" cy="369332"/>
+          </a:xfrm>
+          <a:prstGeom prst="rect">
+            <a:avLst/>
+          </a:prstGeom>
+          <a:noFill/>
+        </p:spPr>
+        <p:txBody>
+          <a:bodyPr wrap="square" rtlCol="0">
+            <a:spAutoFit/>
+          </a:bodyPr>
+          <a:lstStyle/>
+          <a:p>
+            <a:pPr algn="ctr"/>
+            <a:r>
+              <a:rPr kumimoji="1" lang="en-US" altLang="ja-JP" dirty="0" smtClean="0">
+                <a:latin typeface="Times New Roman" panose="02020603050405020304" pitchFamily="18" charset="0"/>
+                <a:cs typeface="Times New Roman" panose="02020603050405020304" pitchFamily="18" charset="0"/>
+              </a:rPr>
+              <a:t>Figure </a:t>
+            </a:r>
+            <a:r>
+              <a:rPr lang="en-US" altLang="ja-JP" dirty="0">
+                <a:latin typeface="Times New Roman" panose="02020603050405020304" pitchFamily="18" charset="0"/>
+                <a:cs typeface="Times New Roman" panose="02020603050405020304" pitchFamily="18" charset="0"/>
+              </a:rPr>
+              <a:t>7</a:t>
+            </a:r>
+            <a:r>
+              <a:rPr lang="en-US" altLang="ja-JP" dirty="0" smtClean="0">
+                <a:latin typeface="Times New Roman" panose="02020603050405020304" pitchFamily="18" charset="0"/>
+                <a:cs typeface="Times New Roman" panose="02020603050405020304" pitchFamily="18" charset="0"/>
+              </a:rPr>
+              <a:t>. Powder distribution</a:t>
+            </a:r>
+            <a:endParaRPr kumimoji="1" lang="ja-JP" altLang="en-US" dirty="0">
+              <a:latin typeface="Times New Roman" panose="02020603050405020304" pitchFamily="18" charset="0"/>
+              <a:cs typeface="Times New Roman" panose="02020603050405020304" pitchFamily="18" charset="0"/>
+            </a:endParaRPr>
+          </a:p>
+        </p:txBody>
+      </p:sp>
       <p:pic>
         <p:nvPicPr>
-          <p:cNvPr id="2" name="図 1"/>
+          <p:cNvPr id="3" name="図 2"/>
           <p:cNvPicPr>
             <a:picLocks noChangeAspect="1"/>
           </p:cNvPicPr>
@@ -5834,7 +5834,7 @@
         </p:blipFill>
         <p:spPr>
           <a:xfrm>
-            <a:off x="0" y="834533"/>
+            <a:off x="0" y="860612"/>
             <a:ext cx="6858000" cy="6858000"/>
           </a:xfrm>
           <a:prstGeom prst="rect">
@@ -5842,71 +5842,6 @@
           </a:prstGeom>
         </p:spPr>
       </p:pic>
-      <p:sp>
-        <p:nvSpPr>
-          <p:cNvPr id="41" name="テキスト ボックス 40"/>
-          <p:cNvSpPr txBox="1"/>
-          <p:nvPr/>
-        </p:nvSpPr>
-        <p:spPr>
-          <a:xfrm>
-            <a:off x="540000" y="7718612"/>
-            <a:ext cx="5778000" cy="369332"/>
-          </a:xfrm>
-          <a:prstGeom prst="rect">
-            <a:avLst/>
-          </a:prstGeom>
-          <a:noFill/>
-        </p:spPr>
-        <p:txBody>
-          <a:bodyPr wrap="square" rtlCol="0">
-            <a:spAutoFit/>
-          </a:bodyPr>
-          <a:lstStyle/>
-          <a:p>
-            <a:pPr algn="ctr"/>
-            <a:r>
-              <a:rPr kumimoji="1" lang="en-US" altLang="ja-JP" dirty="0" smtClean="0">
-                <a:latin typeface="Times New Roman" panose="02020603050405020304" pitchFamily="18" charset="0"/>
-                <a:cs typeface="Times New Roman" panose="02020603050405020304" pitchFamily="18" charset="0"/>
-              </a:rPr>
-              <a:t>Figure </a:t>
-            </a:r>
-            <a:r>
-              <a:rPr lang="en-US" altLang="ja-JP" dirty="0">
-                <a:latin typeface="Times New Roman" panose="02020603050405020304" pitchFamily="18" charset="0"/>
-                <a:cs typeface="Times New Roman" panose="02020603050405020304" pitchFamily="18" charset="0"/>
-              </a:rPr>
-              <a:t>7</a:t>
-            </a:r>
-            <a:r>
-              <a:rPr lang="en-US" altLang="ja-JP" dirty="0" smtClean="0">
-                <a:latin typeface="Times New Roman" panose="02020603050405020304" pitchFamily="18" charset="0"/>
-                <a:cs typeface="Times New Roman" panose="02020603050405020304" pitchFamily="18" charset="0"/>
-              </a:rPr>
-              <a:t>. </a:t>
-            </a:r>
-            <a:r>
-              <a:rPr lang="en-US" altLang="ja-JP" dirty="0" smtClean="0">
-                <a:latin typeface="Times New Roman" panose="02020603050405020304" pitchFamily="18" charset="0"/>
-                <a:cs typeface="Times New Roman" panose="02020603050405020304" pitchFamily="18" charset="0"/>
-              </a:rPr>
-              <a:t>Powder </a:t>
-            </a:r>
-            <a:r>
-              <a:rPr lang="en-US" altLang="ja-JP" dirty="0" smtClean="0">
-                <a:latin typeface="Times New Roman" panose="02020603050405020304" pitchFamily="18" charset="0"/>
-                <a:cs typeface="Times New Roman" panose="02020603050405020304" pitchFamily="18" charset="0"/>
-              </a:rPr>
-              <a:t>distribution</a:t>
-            </a:r>
-            <a:endParaRPr kumimoji="1" lang="ja-JP" altLang="en-US" dirty="0">
-              <a:latin typeface="Times New Roman" panose="02020603050405020304" pitchFamily="18" charset="0"/>
-              <a:cs typeface="Times New Roman" panose="02020603050405020304" pitchFamily="18" charset="0"/>
-            </a:endParaRPr>
-          </a:p>
-        </p:txBody>
-      </p:sp>
     </p:spTree>
     <p:extLst>
       <p:ext uri="{BB962C8B-B14F-4D97-AF65-F5344CB8AC3E}">
@@ -6039,14 +5974,7 @@
                 <a:latin typeface="Times New Roman" panose="02020603050405020304" pitchFamily="18" charset="0"/>
                 <a:cs typeface="Times New Roman" panose="02020603050405020304" pitchFamily="18" charset="0"/>
               </a:rPr>
-              <a:t>. </a:t>
-            </a:r>
-            <a:r>
-              <a:rPr lang="en-US" altLang="ja-JP" dirty="0" smtClean="0">
-                <a:latin typeface="Times New Roman" panose="02020603050405020304" pitchFamily="18" charset="0"/>
-                <a:cs typeface="Times New Roman" panose="02020603050405020304" pitchFamily="18" charset="0"/>
-              </a:rPr>
-              <a:t>Filling time</a:t>
+              <a:t>. Filling time</a:t>
             </a:r>
             <a:endParaRPr kumimoji="1" lang="ja-JP" altLang="en-US" dirty="0">
               <a:latin typeface="Times New Roman" panose="02020603050405020304" pitchFamily="18" charset="0"/>
@@ -6097,21 +6025,7 @@
                 <a:latin typeface="Times New Roman" panose="02020603050405020304" pitchFamily="18" charset="0"/>
                 <a:cs typeface="Times New Roman" panose="02020603050405020304" pitchFamily="18" charset="0"/>
               </a:rPr>
-              <a:t>. </a:t>
-            </a:r>
-            <a:r>
-              <a:rPr lang="en-US" altLang="ja-JP" dirty="0" smtClean="0">
-                <a:latin typeface="Times New Roman" panose="02020603050405020304" pitchFamily="18" charset="0"/>
-                <a:cs typeface="Times New Roman" panose="02020603050405020304" pitchFamily="18" charset="0"/>
-              </a:rPr>
-              <a:t>Flux of powder </a:t>
-            </a:r>
-            <a:r>
-              <a:rPr lang="en-US" altLang="ja-JP" dirty="0" smtClean="0">
-                <a:latin typeface="Times New Roman" panose="02020603050405020304" pitchFamily="18" charset="0"/>
-                <a:cs typeface="Times New Roman" panose="02020603050405020304" pitchFamily="18" charset="0"/>
-              </a:rPr>
-              <a:t>to die region</a:t>
+              <a:t>. Flux of powder to die region</a:t>
             </a:r>
             <a:endParaRPr kumimoji="1" lang="ja-JP" altLang="en-US" dirty="0">
               <a:latin typeface="Times New Roman" panose="02020603050405020304" pitchFamily="18" charset="0"/>
@@ -6152,94 +6066,14 @@
       </p:grpSpPr>
       <p:pic>
         <p:nvPicPr>
-          <p:cNvPr id="6" name="図 5"/>
-          <p:cNvPicPr>
-            <a:picLocks noChangeAspect="1"/>
-          </p:cNvPicPr>
-          <p:nvPr/>
-        </p:nvPicPr>
-        <p:blipFill rotWithShape="1">
-          <a:blip r:embed="rId2">
-            <a:extLst>
-              <a:ext uri="{28A0092B-C50C-407E-A947-70E740481C1C}">
-                <a14:useLocalDpi xmlns:a14="http://schemas.microsoft.com/office/drawing/2010/main" val="0"/>
-              </a:ext>
-            </a:extLst>
-          </a:blip>
-          <a:srcRect t="22302"/>
-          <a:stretch/>
-        </p:blipFill>
-        <p:spPr>
-          <a:xfrm>
-            <a:off x="34961" y="2393575"/>
-            <a:ext cx="5607424" cy="4356847"/>
-          </a:xfrm>
-          <a:prstGeom prst="rect">
-            <a:avLst/>
-          </a:prstGeom>
-        </p:spPr>
-      </p:pic>
-      <p:sp>
-        <p:nvSpPr>
-          <p:cNvPr id="41" name="テキスト ボックス 40"/>
-          <p:cNvSpPr txBox="1"/>
-          <p:nvPr/>
-        </p:nvSpPr>
-        <p:spPr>
-          <a:xfrm>
-            <a:off x="527896" y="6750423"/>
-            <a:ext cx="5778000" cy="369332"/>
-          </a:xfrm>
-          <a:prstGeom prst="rect">
-            <a:avLst/>
-          </a:prstGeom>
-          <a:noFill/>
-        </p:spPr>
-        <p:txBody>
-          <a:bodyPr wrap="square" rtlCol="0">
-            <a:spAutoFit/>
-          </a:bodyPr>
-          <a:lstStyle/>
-          <a:p>
-            <a:pPr algn="ctr"/>
-            <a:r>
-              <a:rPr kumimoji="1" lang="en-US" altLang="ja-JP" dirty="0" smtClean="0">
-                <a:latin typeface="Times New Roman" panose="02020603050405020304" pitchFamily="18" charset="0"/>
-                <a:cs typeface="Times New Roman" panose="02020603050405020304" pitchFamily="18" charset="0"/>
-              </a:rPr>
-              <a:t>Figure </a:t>
-            </a:r>
-            <a:r>
-              <a:rPr lang="en-US" altLang="ja-JP" dirty="0" smtClean="0">
-                <a:latin typeface="Times New Roman" panose="02020603050405020304" pitchFamily="18" charset="0"/>
-                <a:cs typeface="Times New Roman" panose="02020603050405020304" pitchFamily="18" charset="0"/>
-              </a:rPr>
-              <a:t>10. </a:t>
-            </a:r>
-            <a:r>
-              <a:rPr lang="en-US" altLang="ja-JP" dirty="0" smtClean="0">
-                <a:latin typeface="Times New Roman" panose="02020603050405020304" pitchFamily="18" charset="0"/>
-                <a:cs typeface="Times New Roman" panose="02020603050405020304" pitchFamily="18" charset="0"/>
-              </a:rPr>
-              <a:t>Drag force</a:t>
-            </a:r>
-            <a:endParaRPr kumimoji="1" lang="ja-JP" altLang="en-US" dirty="0">
-              <a:latin typeface="Times New Roman" panose="02020603050405020304" pitchFamily="18" charset="0"/>
-              <a:cs typeface="Times New Roman" panose="02020603050405020304" pitchFamily="18" charset="0"/>
-            </a:endParaRPr>
-          </a:p>
-        </p:txBody>
-      </p:sp>
-      <p:pic>
-        <p:nvPicPr>
-          <p:cNvPr id="7" name="図 6"/>
+          <p:cNvPr id="3" name="図 2"/>
           <p:cNvPicPr>
             <a:picLocks noChangeAspect="1"/>
           </p:cNvPicPr>
           <p:nvPr/>
         </p:nvPicPr>
         <p:blipFill>
-          <a:blip r:embed="rId3">
+          <a:blip r:embed="rId2" cstate="print">
             <a:extLst>
               <a:ext uri="{28A0092B-C50C-407E-A947-70E740481C1C}">
                 <a14:useLocalDpi xmlns:a14="http://schemas.microsoft.com/office/drawing/2010/main" val="0"/>
@@ -6252,8 +6086,140 @@
         </p:blipFill>
         <p:spPr>
           <a:xfrm>
-            <a:off x="5642385" y="2393574"/>
-            <a:ext cx="1219648" cy="3049121"/>
+            <a:off x="901328" y="494748"/>
+            <a:ext cx="5230149" cy="3922612"/>
+          </a:xfrm>
+          <a:prstGeom prst="rect">
+            <a:avLst/>
+          </a:prstGeom>
+        </p:spPr>
+      </p:pic>
+      <p:sp>
+        <p:nvSpPr>
+          <p:cNvPr id="4" name="テキスト ボックス 3"/>
+          <p:cNvSpPr txBox="1"/>
+          <p:nvPr/>
+        </p:nvSpPr>
+        <p:spPr>
+          <a:xfrm>
+            <a:off x="627403" y="4417360"/>
+            <a:ext cx="5778000" cy="369332"/>
+          </a:xfrm>
+          <a:prstGeom prst="rect">
+            <a:avLst/>
+          </a:prstGeom>
+          <a:noFill/>
+        </p:spPr>
+        <p:txBody>
+          <a:bodyPr wrap="square" rtlCol="0">
+            <a:spAutoFit/>
+          </a:bodyPr>
+          <a:lstStyle/>
+          <a:p>
+            <a:pPr algn="ctr"/>
+            <a:r>
+              <a:rPr kumimoji="1" lang="en-US" altLang="ja-JP" dirty="0" smtClean="0">
+                <a:latin typeface="Times New Roman" panose="02020603050405020304" pitchFamily="18" charset="0"/>
+                <a:cs typeface="Times New Roman" panose="02020603050405020304" pitchFamily="18" charset="0"/>
+              </a:rPr>
+              <a:t>Figure </a:t>
+            </a:r>
+            <a:r>
+              <a:rPr lang="en-US" altLang="ja-JP" dirty="0" smtClean="0">
+                <a:latin typeface="Times New Roman" panose="02020603050405020304" pitchFamily="18" charset="0"/>
+                <a:cs typeface="Times New Roman" panose="02020603050405020304" pitchFamily="18" charset="0"/>
+              </a:rPr>
+              <a:t>10</a:t>
+            </a:r>
+            <a:r>
+              <a:rPr lang="en-US" altLang="ja-JP" dirty="0" smtClean="0">
+                <a:latin typeface="Times New Roman" panose="02020603050405020304" pitchFamily="18" charset="0"/>
+                <a:cs typeface="Times New Roman" panose="02020603050405020304" pitchFamily="18" charset="0"/>
+              </a:rPr>
+              <a:t>. </a:t>
+            </a:r>
+            <a:r>
+              <a:rPr lang="en-US" altLang="ja-JP" dirty="0" smtClean="0">
+                <a:latin typeface="Times New Roman" panose="02020603050405020304" pitchFamily="18" charset="0"/>
+                <a:cs typeface="Times New Roman" panose="02020603050405020304" pitchFamily="18" charset="0"/>
+              </a:rPr>
+              <a:t>Drag force</a:t>
+            </a:r>
+            <a:endParaRPr kumimoji="1" lang="ja-JP" altLang="en-US" dirty="0">
+              <a:latin typeface="Times New Roman" panose="02020603050405020304" pitchFamily="18" charset="0"/>
+              <a:cs typeface="Times New Roman" panose="02020603050405020304" pitchFamily="18" charset="0"/>
+            </a:endParaRPr>
+          </a:p>
+        </p:txBody>
+      </p:sp>
+      <p:sp>
+        <p:nvSpPr>
+          <p:cNvPr id="5" name="テキスト ボックス 4"/>
+          <p:cNvSpPr txBox="1"/>
+          <p:nvPr/>
+        </p:nvSpPr>
+        <p:spPr>
+          <a:xfrm>
+            <a:off x="627403" y="8608158"/>
+            <a:ext cx="5778000" cy="369332"/>
+          </a:xfrm>
+          <a:prstGeom prst="rect">
+            <a:avLst/>
+          </a:prstGeom>
+          <a:noFill/>
+        </p:spPr>
+        <p:txBody>
+          <a:bodyPr wrap="square" rtlCol="0">
+            <a:spAutoFit/>
+          </a:bodyPr>
+          <a:lstStyle/>
+          <a:p>
+            <a:pPr algn="ctr"/>
+            <a:r>
+              <a:rPr kumimoji="1" lang="en-US" altLang="ja-JP" dirty="0" smtClean="0">
+                <a:latin typeface="Times New Roman" panose="02020603050405020304" pitchFamily="18" charset="0"/>
+                <a:cs typeface="Times New Roman" panose="02020603050405020304" pitchFamily="18" charset="0"/>
+              </a:rPr>
+              <a:t>Figure </a:t>
+            </a:r>
+            <a:r>
+              <a:rPr lang="en-US" altLang="ja-JP" dirty="0" smtClean="0">
+                <a:latin typeface="Times New Roman" panose="02020603050405020304" pitchFamily="18" charset="0"/>
+                <a:cs typeface="Times New Roman" panose="02020603050405020304" pitchFamily="18" charset="0"/>
+              </a:rPr>
+              <a:t>11. Pressure force</a:t>
+            </a:r>
+            <a:endParaRPr kumimoji="1" lang="ja-JP" altLang="en-US" dirty="0">
+              <a:latin typeface="Times New Roman" panose="02020603050405020304" pitchFamily="18" charset="0"/>
+              <a:cs typeface="Times New Roman" panose="02020603050405020304" pitchFamily="18" charset="0"/>
+            </a:endParaRPr>
+          </a:p>
+        </p:txBody>
+      </p:sp>
+      <p:pic>
+        <p:nvPicPr>
+          <p:cNvPr id="6" name="図 5"/>
+          <p:cNvPicPr>
+            <a:picLocks noChangeAspect="1"/>
+          </p:cNvPicPr>
+          <p:nvPr/>
+        </p:nvPicPr>
+        <p:blipFill>
+          <a:blip r:embed="rId3" cstate="print">
+            <a:extLst>
+              <a:ext uri="{28A0092B-C50C-407E-A947-70E740481C1C}">
+                <a14:useLocalDpi xmlns:a14="http://schemas.microsoft.com/office/drawing/2010/main" val="0"/>
+              </a:ext>
+            </a:extLst>
+          </a:blip>
+          <a:stretch>
+            <a:fillRect/>
+          </a:stretch>
+        </p:blipFill>
+        <p:spPr>
+          <a:xfrm>
+            <a:off x="901328" y="4815235"/>
+            <a:ext cx="5230149" cy="3922612"/>
           </a:xfrm>
           <a:prstGeom prst="rect">
             <a:avLst/>
@@ -6263,7 +6229,7 @@
     </p:spTree>
     <p:extLst>
       <p:ext uri="{BB962C8B-B14F-4D97-AF65-F5344CB8AC3E}">
-        <p14:creationId xmlns:p14="http://schemas.microsoft.com/office/powerpoint/2010/main" val="2230220327"/>
+        <p14:creationId xmlns:p14="http://schemas.microsoft.com/office/powerpoint/2010/main" val="2845386433"/>
       </p:ext>
     </p:extLst>
   </p:cSld>

--- a/論文/figures/Figures&Tables.pptx
+++ b/論文/figures/Figures&Tables.pptx
@@ -206,7 +206,7 @@
           <a:p>
             <a:fld id="{CF2BC990-631B-44C0-9708-8FFAA36D913C}" type="datetimeFigureOut">
               <a:rPr kumimoji="1" lang="ja-JP" altLang="en-US" smtClean="0"/>
-              <a:t>2019/8/14</a:t>
+              <a:t>2019/8/20</a:t>
             </a:fld>
             <a:endParaRPr kumimoji="1" lang="ja-JP" altLang="en-US"/>
           </a:p>
@@ -420,7 +420,7 @@
           <a:p>
             <a:fld id="{0BA0E0C8-02F0-4E03-83F6-93C841C817A4}" type="datetimeFigureOut">
               <a:rPr kumimoji="1" lang="ja-JP" altLang="en-US" smtClean="0"/>
-              <a:t>2019/8/14</a:t>
+              <a:t>2019/8/20</a:t>
             </a:fld>
             <a:endParaRPr kumimoji="1" lang="ja-JP" altLang="en-US"/>
           </a:p>
@@ -622,7 +622,7 @@
           <a:p>
             <a:fld id="{0BA0E0C8-02F0-4E03-83F6-93C841C817A4}" type="datetimeFigureOut">
               <a:rPr kumimoji="1" lang="ja-JP" altLang="en-US" smtClean="0"/>
-              <a:t>2019/8/14</a:t>
+              <a:t>2019/8/20</a:t>
             </a:fld>
             <a:endParaRPr kumimoji="1" lang="ja-JP" altLang="en-US"/>
           </a:p>
@@ -834,7 +834,7 @@
           <a:p>
             <a:fld id="{0BA0E0C8-02F0-4E03-83F6-93C841C817A4}" type="datetimeFigureOut">
               <a:rPr kumimoji="1" lang="ja-JP" altLang="en-US" smtClean="0"/>
-              <a:t>2019/8/14</a:t>
+              <a:t>2019/8/20</a:t>
             </a:fld>
             <a:endParaRPr kumimoji="1" lang="ja-JP" altLang="en-US"/>
           </a:p>
@@ -1036,7 +1036,7 @@
           <a:p>
             <a:fld id="{0BA0E0C8-02F0-4E03-83F6-93C841C817A4}" type="datetimeFigureOut">
               <a:rPr kumimoji="1" lang="ja-JP" altLang="en-US" smtClean="0"/>
-              <a:t>2019/8/14</a:t>
+              <a:t>2019/8/20</a:t>
             </a:fld>
             <a:endParaRPr kumimoji="1" lang="ja-JP" altLang="en-US"/>
           </a:p>
@@ -1280,7 +1280,7 @@
           <a:p>
             <a:fld id="{0BA0E0C8-02F0-4E03-83F6-93C841C817A4}" type="datetimeFigureOut">
               <a:rPr kumimoji="1" lang="ja-JP" altLang="en-US" smtClean="0"/>
-              <a:t>2019/8/14</a:t>
+              <a:t>2019/8/20</a:t>
             </a:fld>
             <a:endParaRPr kumimoji="1" lang="ja-JP" altLang="en-US"/>
           </a:p>
@@ -1576,7 +1576,7 @@
           <a:p>
             <a:fld id="{0BA0E0C8-02F0-4E03-83F6-93C841C817A4}" type="datetimeFigureOut">
               <a:rPr kumimoji="1" lang="ja-JP" altLang="en-US" smtClean="0"/>
-              <a:t>2019/8/14</a:t>
+              <a:t>2019/8/20</a:t>
             </a:fld>
             <a:endParaRPr kumimoji="1" lang="ja-JP" altLang="en-US"/>
           </a:p>
@@ -2007,7 +2007,7 @@
           <a:p>
             <a:fld id="{0BA0E0C8-02F0-4E03-83F6-93C841C817A4}" type="datetimeFigureOut">
               <a:rPr kumimoji="1" lang="ja-JP" altLang="en-US" smtClean="0"/>
-              <a:t>2019/8/14</a:t>
+              <a:t>2019/8/20</a:t>
             </a:fld>
             <a:endParaRPr kumimoji="1" lang="ja-JP" altLang="en-US"/>
           </a:p>
@@ -2125,7 +2125,7 @@
           <a:p>
             <a:fld id="{0BA0E0C8-02F0-4E03-83F6-93C841C817A4}" type="datetimeFigureOut">
               <a:rPr kumimoji="1" lang="ja-JP" altLang="en-US" smtClean="0"/>
-              <a:t>2019/8/14</a:t>
+              <a:t>2019/8/20</a:t>
             </a:fld>
             <a:endParaRPr kumimoji="1" lang="ja-JP" altLang="en-US"/>
           </a:p>
@@ -2220,7 +2220,7 @@
           <a:p>
             <a:fld id="{0BA0E0C8-02F0-4E03-83F6-93C841C817A4}" type="datetimeFigureOut">
               <a:rPr kumimoji="1" lang="ja-JP" altLang="en-US" smtClean="0"/>
-              <a:t>2019/8/14</a:t>
+              <a:t>2019/8/20</a:t>
             </a:fld>
             <a:endParaRPr kumimoji="1" lang="ja-JP" altLang="en-US"/>
           </a:p>
@@ -2529,7 +2529,7 @@
           <a:p>
             <a:fld id="{0BA0E0C8-02F0-4E03-83F6-93C841C817A4}" type="datetimeFigureOut">
               <a:rPr kumimoji="1" lang="ja-JP" altLang="en-US" smtClean="0"/>
-              <a:t>2019/8/14</a:t>
+              <a:t>2019/8/20</a:t>
             </a:fld>
             <a:endParaRPr kumimoji="1" lang="ja-JP" altLang="en-US"/>
           </a:p>
@@ -2786,7 +2786,7 @@
           <a:p>
             <a:fld id="{0BA0E0C8-02F0-4E03-83F6-93C841C817A4}" type="datetimeFigureOut">
               <a:rPr kumimoji="1" lang="ja-JP" altLang="en-US" smtClean="0"/>
-              <a:t>2019/8/14</a:t>
+              <a:t>2019/8/20</a:t>
             </a:fld>
             <a:endParaRPr kumimoji="1" lang="ja-JP" altLang="en-US"/>
           </a:p>
@@ -3031,7 +3031,7 @@
           <a:p>
             <a:fld id="{0BA0E0C8-02F0-4E03-83F6-93C841C817A4}" type="datetimeFigureOut">
               <a:rPr kumimoji="1" lang="ja-JP" altLang="en-US" smtClean="0"/>
-              <a:t>2019/8/14</a:t>
+              <a:t>2019/8/20</a:t>
             </a:fld>
             <a:endParaRPr kumimoji="1" lang="ja-JP" altLang="en-US"/>
           </a:p>
@@ -3436,28 +3436,6 @@
           <a:chExt cx="0" cy="0"/>
         </a:xfrm>
       </p:grpSpPr>
-      <p:pic>
-        <p:nvPicPr>
-          <p:cNvPr id="2" name="図 1"/>
-          <p:cNvPicPr/>
-          <p:nvPr/>
-        </p:nvPicPr>
-        <p:blipFill>
-          <a:blip r:embed="rId2"/>
-          <a:stretch>
-            <a:fillRect/>
-          </a:stretch>
-        </p:blipFill>
-        <p:spPr>
-          <a:xfrm>
-            <a:off x="1295400" y="747713"/>
-            <a:ext cx="4267200" cy="4752975"/>
-          </a:xfrm>
-          <a:prstGeom prst="rect">
-            <a:avLst/>
-          </a:prstGeom>
-        </p:spPr>
-      </p:pic>
       <p:sp>
         <p:nvSpPr>
           <p:cNvPr id="8" name="テキスト ボックス 7"/>
@@ -3466,7 +3444,7 @@
         </p:nvSpPr>
         <p:spPr>
           <a:xfrm>
-            <a:off x="540000" y="7987553"/>
+            <a:off x="498436" y="7045444"/>
             <a:ext cx="5778000" cy="369332"/>
           </a:xfrm>
           <a:prstGeom prst="rect">
@@ -3495,6 +3473,36 @@
           </a:p>
         </p:txBody>
       </p:sp>
+      <p:pic>
+        <p:nvPicPr>
+          <p:cNvPr id="4" name="図 3"/>
+          <p:cNvPicPr>
+            <a:picLocks noChangeAspect="1"/>
+          </p:cNvPicPr>
+          <p:nvPr/>
+        </p:nvPicPr>
+        <p:blipFill>
+          <a:blip r:embed="rId2">
+            <a:extLst>
+              <a:ext uri="{28A0092B-C50C-407E-A947-70E740481C1C}">
+                <a14:useLocalDpi xmlns:a14="http://schemas.microsoft.com/office/drawing/2010/main" val="0"/>
+              </a:ext>
+            </a:extLst>
+          </a:blip>
+          <a:stretch>
+            <a:fillRect/>
+          </a:stretch>
+        </p:blipFill>
+        <p:spPr>
+          <a:xfrm>
+            <a:off x="1253836" y="1847282"/>
+            <a:ext cx="4267200" cy="5009321"/>
+          </a:xfrm>
+          <a:prstGeom prst="rect">
+            <a:avLst/>
+          </a:prstGeom>
+        </p:spPr>
+      </p:pic>
     </p:spTree>
     <p:extLst>
       <p:ext uri="{BB962C8B-B14F-4D97-AF65-F5344CB8AC3E}">
@@ -3527,7 +3535,7 @@
       </p:grpSpPr>
       <p:pic>
         <p:nvPicPr>
-          <p:cNvPr id="4" name="図 3"/>
+          <p:cNvPr id="2" name="図 1"/>
           <p:cNvPicPr>
             <a:picLocks noChangeAspect="1"/>
           </p:cNvPicPr>
@@ -3541,13 +3549,13 @@
               </a:ext>
             </a:extLst>
           </a:blip>
-          <a:srcRect l="21205"/>
+          <a:srcRect l="19780"/>
           <a:stretch/>
         </p:blipFill>
         <p:spPr>
           <a:xfrm>
-            <a:off x="890327" y="2111188"/>
-            <a:ext cx="4391545" cy="5573399"/>
+            <a:off x="803564" y="2139600"/>
+            <a:ext cx="4475488" cy="5579012"/>
           </a:xfrm>
           <a:prstGeom prst="rect">
             <a:avLst/>
@@ -3589,7 +3597,14 @@
                 <a:latin typeface="Times New Roman" panose="02020603050405020304" pitchFamily="18" charset="0"/>
                 <a:cs typeface="Times New Roman" panose="02020603050405020304" pitchFamily="18" charset="0"/>
               </a:rPr>
-              <a:t>12. Bubble velocity</a:t>
+              <a:t>12. Bubble </a:t>
+            </a:r>
+            <a:r>
+              <a:rPr lang="en-US" altLang="ja-JP" dirty="0" smtClean="0">
+                <a:latin typeface="Times New Roman" panose="02020603050405020304" pitchFamily="18" charset="0"/>
+                <a:cs typeface="Times New Roman" panose="02020603050405020304" pitchFamily="18" charset="0"/>
+              </a:rPr>
+              <a:t>movement</a:t>
             </a:r>
             <a:endParaRPr kumimoji="1" lang="ja-JP" altLang="en-US" dirty="0">
               <a:latin typeface="Times New Roman" panose="02020603050405020304" pitchFamily="18" charset="0"/>
@@ -5287,7 +5302,21 @@
                 <a:latin typeface="Times New Roman" panose="02020603050405020304" pitchFamily="18" charset="0"/>
                 <a:cs typeface="Times New Roman" panose="02020603050405020304" pitchFamily="18" charset="0"/>
               </a:rPr>
-              <a:t>. Flux of powder to die region</a:t>
+              <a:t>. Flux of powder </a:t>
+            </a:r>
+            <a:r>
+              <a:rPr lang="en-US" altLang="ja-JP" dirty="0" smtClean="0">
+                <a:latin typeface="Times New Roman" panose="02020603050405020304" pitchFamily="18" charset="0"/>
+                <a:cs typeface="Times New Roman" panose="02020603050405020304" pitchFamily="18" charset="0"/>
+              </a:rPr>
+              <a:t>into </a:t>
+            </a:r>
+            <a:r>
+              <a:rPr lang="en-US" altLang="ja-JP" dirty="0" smtClean="0">
+                <a:latin typeface="Times New Roman" panose="02020603050405020304" pitchFamily="18" charset="0"/>
+                <a:cs typeface="Times New Roman" panose="02020603050405020304" pitchFamily="18" charset="0"/>
+              </a:rPr>
+              <a:t>die region</a:t>
             </a:r>
             <a:endParaRPr kumimoji="1" lang="ja-JP" altLang="en-US" dirty="0">
               <a:latin typeface="Times New Roman" panose="02020603050405020304" pitchFamily="18" charset="0"/>
@@ -5615,7 +5644,7 @@
         <p:spPr>
           <a:xfrm>
             <a:off x="627403" y="4417360"/>
-            <a:ext cx="5778000" cy="1477328"/>
+            <a:ext cx="5778000" cy="369332"/>
           </a:xfrm>
           <a:prstGeom prst="rect">
             <a:avLst/>
@@ -5655,49 +5684,40 @@
                 <a:latin typeface="Times New Roman" panose="02020603050405020304" pitchFamily="18" charset="0"/>
                 <a:cs typeface="Times New Roman" panose="02020603050405020304" pitchFamily="18" charset="0"/>
               </a:rPr>
-              <a:t>Forces applied on particles</a:t>
-            </a:r>
-          </a:p>
-          <a:p>
-            <a:pPr algn="ctr"/>
+              <a:t>Forces </a:t>
+            </a:r>
+            <a:r>
+              <a:rPr lang="en-US" altLang="ja-JP" dirty="0" smtClean="0">
+                <a:latin typeface="Times New Roman" panose="02020603050405020304" pitchFamily="18" charset="0"/>
+                <a:cs typeface="Times New Roman" panose="02020603050405020304" pitchFamily="18" charset="0"/>
+              </a:rPr>
+              <a:t>applied on </a:t>
+            </a:r>
+            <a:r>
+              <a:rPr lang="en-US" altLang="ja-JP" dirty="0" smtClean="0">
+                <a:latin typeface="Times New Roman" panose="02020603050405020304" pitchFamily="18" charset="0"/>
+                <a:cs typeface="Times New Roman" panose="02020603050405020304" pitchFamily="18" charset="0"/>
+              </a:rPr>
+              <a:t>particles (</a:t>
+            </a:r>
+            <a:r>
+              <a:rPr lang="en-US" altLang="ja-JP" dirty="0">
+                <a:latin typeface="Times New Roman" panose="02020603050405020304" pitchFamily="18" charset="0"/>
+                <a:cs typeface="Times New Roman" panose="02020603050405020304" pitchFamily="18" charset="0"/>
+              </a:rPr>
+              <a:t>v</a:t>
+            </a:r>
+            <a:r>
+              <a:rPr lang="en-US" altLang="ja-JP" dirty="0" smtClean="0">
+                <a:latin typeface="Times New Roman" panose="02020603050405020304" pitchFamily="18" charset="0"/>
+                <a:cs typeface="Times New Roman" panose="02020603050405020304" pitchFamily="18" charset="0"/>
+              </a:rPr>
+              <a:t>ertical component)</a:t>
+            </a:r>
             <a:endParaRPr lang="en-US" altLang="ja-JP" dirty="0" smtClean="0">
               <a:latin typeface="Times New Roman" panose="02020603050405020304" pitchFamily="18" charset="0"/>
               <a:cs typeface="Times New Roman" panose="02020603050405020304" pitchFamily="18" charset="0"/>
             </a:endParaRPr>
-          </a:p>
-          <a:p>
-            <a:pPr algn="ctr"/>
-            <a:r>
-              <a:rPr lang="en-US" altLang="ja-JP" dirty="0" smtClean="0">
-                <a:latin typeface="Times New Roman" panose="02020603050405020304" pitchFamily="18" charset="0"/>
-                <a:cs typeface="Times New Roman" panose="02020603050405020304" pitchFamily="18" charset="0"/>
-              </a:rPr>
-              <a:t>Use vertical component of force vector</a:t>
-            </a:r>
-          </a:p>
-          <a:p>
-            <a:pPr algn="ctr"/>
-            <a:r>
-              <a:rPr lang="en-US" altLang="ja-JP" dirty="0" smtClean="0">
-                <a:latin typeface="Times New Roman" panose="02020603050405020304" pitchFamily="18" charset="0"/>
-                <a:cs typeface="Times New Roman" panose="02020603050405020304" pitchFamily="18" charset="0"/>
-              </a:rPr>
-              <a:t>Average </a:t>
-            </a:r>
-            <a:r>
-              <a:rPr lang="en-US" altLang="ja-JP" dirty="0" smtClean="0">
-                <a:latin typeface="Times New Roman" panose="02020603050405020304" pitchFamily="18" charset="0"/>
-                <a:cs typeface="Times New Roman" panose="02020603050405020304" pitchFamily="18" charset="0"/>
-              </a:rPr>
-              <a:t>force applied on</a:t>
-            </a:r>
-            <a:r>
-              <a:rPr lang="en-US" altLang="ja-JP" dirty="0" smtClean="0">
-                <a:latin typeface="Times New Roman" panose="02020603050405020304" pitchFamily="18" charset="0"/>
-                <a:cs typeface="Times New Roman" panose="02020603050405020304" pitchFamily="18" charset="0"/>
-              </a:rPr>
-              <a:t> particles above the punch (in 10mm ×10mm region)</a:t>
-            </a:r>
           </a:p>
         </p:txBody>
       </p:sp>
@@ -5731,6 +5751,64 @@
           </a:prstGeom>
         </p:spPr>
       </p:pic>
+      <p:sp>
+        <p:nvSpPr>
+          <p:cNvPr id="4" name="テキスト ボックス 3"/>
+          <p:cNvSpPr txBox="1"/>
+          <p:nvPr/>
+        </p:nvSpPr>
+        <p:spPr>
+          <a:xfrm>
+            <a:off x="627403" y="4786692"/>
+            <a:ext cx="5778000" cy="646331"/>
+          </a:xfrm>
+          <a:prstGeom prst="rect">
+            <a:avLst/>
+          </a:prstGeom>
+          <a:noFill/>
+        </p:spPr>
+        <p:txBody>
+          <a:bodyPr wrap="square" rtlCol="0">
+            <a:spAutoFit/>
+          </a:bodyPr>
+          <a:lstStyle/>
+          <a:p>
+            <a:pPr algn="ctr"/>
+            <a:r>
+              <a:rPr lang="ja-JP" altLang="en-US" dirty="0" smtClean="0">
+                <a:latin typeface="+mn-ea"/>
+                <a:cs typeface="Times New Roman" panose="02020603050405020304" pitchFamily="18" charset="0"/>
+              </a:rPr>
+              <a:t>下杵直上の</a:t>
+            </a:r>
+            <a:r>
+              <a:rPr lang="en-US" altLang="ja-JP" dirty="0" smtClean="0">
+                <a:latin typeface="+mn-ea"/>
+                <a:cs typeface="Times New Roman" panose="02020603050405020304" pitchFamily="18" charset="0"/>
+              </a:rPr>
+              <a:t>10×10 mm</a:t>
+            </a:r>
+            <a:r>
+              <a:rPr lang="en-US" altLang="ja-JP" baseline="30000" dirty="0" smtClean="0">
+                <a:latin typeface="+mn-ea"/>
+                <a:cs typeface="Times New Roman" panose="02020603050405020304" pitchFamily="18" charset="0"/>
+              </a:rPr>
+              <a:t>2</a:t>
+            </a:r>
+            <a:r>
+              <a:rPr lang="ja-JP" altLang="en-US" dirty="0" smtClean="0">
+                <a:latin typeface="+mn-ea"/>
+                <a:cs typeface="Times New Roman" panose="02020603050405020304" pitchFamily="18" charset="0"/>
+              </a:rPr>
+              <a:t>に存在する粒子に加わっている力の平均をとっている。鉛直下向き方向を正としている。</a:t>
+            </a:r>
+            <a:endParaRPr lang="en-US" altLang="ja-JP" baseline="30000" dirty="0" smtClean="0">
+              <a:latin typeface="+mn-ea"/>
+              <a:cs typeface="Times New Roman" panose="02020603050405020304" pitchFamily="18" charset="0"/>
+            </a:endParaRPr>
+          </a:p>
+        </p:txBody>
+      </p:sp>
     </p:spTree>
     <p:extLst>
       <p:ext uri="{BB962C8B-B14F-4D97-AF65-F5344CB8AC3E}">
@@ -5874,7 +5952,7 @@
       </p:grpSpPr>
       <p:pic>
         <p:nvPicPr>
-          <p:cNvPr id="6" name="図 5"/>
+          <p:cNvPr id="2" name="図 1"/>
           <p:cNvPicPr>
             <a:picLocks noChangeAspect="1"/>
           </p:cNvPicPr>
@@ -5882,36 +5960,6 @@
         </p:nvPicPr>
         <p:blipFill>
           <a:blip r:embed="rId2" cstate="print">
-            <a:extLst>
-              <a:ext uri="{28A0092B-C50C-407E-A947-70E740481C1C}">
-                <a14:useLocalDpi xmlns:a14="http://schemas.microsoft.com/office/drawing/2010/main" val="0"/>
-              </a:ext>
-            </a:extLst>
-          </a:blip>
-          <a:stretch>
-            <a:fillRect/>
-          </a:stretch>
-        </p:blipFill>
-        <p:spPr>
-          <a:xfrm>
-            <a:off x="1097292" y="5096433"/>
-            <a:ext cx="4682299" cy="3511724"/>
-          </a:xfrm>
-          <a:prstGeom prst="rect">
-            <a:avLst/>
-          </a:prstGeom>
-        </p:spPr>
-      </p:pic>
-      <p:pic>
-        <p:nvPicPr>
-          <p:cNvPr id="2" name="図 1"/>
-          <p:cNvPicPr>
-            <a:picLocks noChangeAspect="1"/>
-          </p:cNvPicPr>
-          <p:nvPr/>
-        </p:nvPicPr>
-        <p:blipFill>
-          <a:blip r:embed="rId3" cstate="print">
             <a:extLst>
               <a:ext uri="{28A0092B-C50C-407E-A947-70E740481C1C}">
                 <a14:useLocalDpi xmlns:a14="http://schemas.microsoft.com/office/drawing/2010/main" val="0"/>
@@ -6025,7 +6073,21 @@
                 <a:latin typeface="Times New Roman" panose="02020603050405020304" pitchFamily="18" charset="0"/>
                 <a:cs typeface="Times New Roman" panose="02020603050405020304" pitchFamily="18" charset="0"/>
               </a:rPr>
-              <a:t>. Flux of powder to die region</a:t>
+              <a:t>. Flux of powder </a:t>
+            </a:r>
+            <a:r>
+              <a:rPr lang="en-US" altLang="ja-JP" dirty="0" smtClean="0">
+                <a:latin typeface="Times New Roman" panose="02020603050405020304" pitchFamily="18" charset="0"/>
+                <a:cs typeface="Times New Roman" panose="02020603050405020304" pitchFamily="18" charset="0"/>
+              </a:rPr>
+              <a:t>into </a:t>
+            </a:r>
+            <a:r>
+              <a:rPr lang="en-US" altLang="ja-JP" dirty="0" smtClean="0">
+                <a:latin typeface="Times New Roman" panose="02020603050405020304" pitchFamily="18" charset="0"/>
+                <a:cs typeface="Times New Roman" panose="02020603050405020304" pitchFamily="18" charset="0"/>
+              </a:rPr>
+              <a:t>die region</a:t>
             </a:r>
             <a:endParaRPr kumimoji="1" lang="ja-JP" altLang="en-US" dirty="0">
               <a:latin typeface="Times New Roman" panose="02020603050405020304" pitchFamily="18" charset="0"/>
@@ -6034,6 +6096,36 @@
           </a:p>
         </p:txBody>
       </p:sp>
+      <p:pic>
+        <p:nvPicPr>
+          <p:cNvPr id="3" name="図 2"/>
+          <p:cNvPicPr>
+            <a:picLocks noChangeAspect="1"/>
+          </p:cNvPicPr>
+          <p:nvPr/>
+        </p:nvPicPr>
+        <p:blipFill>
+          <a:blip r:embed="rId3" cstate="print">
+            <a:extLst>
+              <a:ext uri="{28A0092B-C50C-407E-A947-70E740481C1C}">
+                <a14:useLocalDpi xmlns:a14="http://schemas.microsoft.com/office/drawing/2010/main" val="0"/>
+              </a:ext>
+            </a:extLst>
+          </a:blip>
+          <a:stretch>
+            <a:fillRect/>
+          </a:stretch>
+        </p:blipFill>
+        <p:spPr>
+          <a:xfrm>
+            <a:off x="1097291" y="5037964"/>
+            <a:ext cx="4760259" cy="3570194"/>
+          </a:xfrm>
+          <a:prstGeom prst="rect">
+            <a:avLst/>
+          </a:prstGeom>
+        </p:spPr>
+      </p:pic>
     </p:spTree>
     <p:extLst>
       <p:ext uri="{BB962C8B-B14F-4D97-AF65-F5344CB8AC3E}">
@@ -6066,7 +6158,7 @@
       </p:grpSpPr>
       <p:pic>
         <p:nvPicPr>
-          <p:cNvPr id="3" name="図 2"/>
+          <p:cNvPr id="2" name="図 1"/>
           <p:cNvPicPr>
             <a:picLocks noChangeAspect="1"/>
           </p:cNvPicPr>
@@ -6086,7 +6178,7 @@
         </p:blipFill>
         <p:spPr>
           <a:xfrm>
-            <a:off x="901328" y="494748"/>
+            <a:off x="901328" y="0"/>
             <a:ext cx="5230149" cy="3922612"/>
           </a:xfrm>
           <a:prstGeom prst="rect">
@@ -6102,7 +6194,7 @@
         </p:nvSpPr>
         <p:spPr>
           <a:xfrm>
-            <a:off x="627403" y="4417360"/>
+            <a:off x="627403" y="3922612"/>
             <a:ext cx="5778000" cy="369332"/>
           </a:xfrm>
           <a:prstGeom prst="rect">
@@ -6129,21 +6221,14 @@
                 <a:latin typeface="Times New Roman" panose="02020603050405020304" pitchFamily="18" charset="0"/>
                 <a:cs typeface="Times New Roman" panose="02020603050405020304" pitchFamily="18" charset="0"/>
               </a:rPr>
-              <a:t>10</a:t>
+              <a:t>10. Drag </a:t>
             </a:r>
             <a:r>
               <a:rPr lang="en-US" altLang="ja-JP" dirty="0" smtClean="0">
                 <a:latin typeface="Times New Roman" panose="02020603050405020304" pitchFamily="18" charset="0"/>
                 <a:cs typeface="Times New Roman" panose="02020603050405020304" pitchFamily="18" charset="0"/>
               </a:rPr>
-              <a:t>. </a:t>
-            </a:r>
-            <a:r>
-              <a:rPr lang="en-US" altLang="ja-JP" dirty="0" smtClean="0">
-                <a:latin typeface="Times New Roman" panose="02020603050405020304" pitchFamily="18" charset="0"/>
-                <a:cs typeface="Times New Roman" panose="02020603050405020304" pitchFamily="18" charset="0"/>
-              </a:rPr>
-              <a:t>Drag force</a:t>
+              <a:t>force</a:t>
             </a:r>
             <a:endParaRPr kumimoji="1" lang="ja-JP" altLang="en-US" dirty="0">
               <a:latin typeface="Times New Roman" panose="02020603050405020304" pitchFamily="18" charset="0"/>
@@ -6160,7 +6245,7 @@
         </p:nvSpPr>
         <p:spPr>
           <a:xfrm>
-            <a:off x="627403" y="8608158"/>
+            <a:off x="627403" y="8808186"/>
             <a:ext cx="5778000" cy="369332"/>
           </a:xfrm>
           <a:prstGeom prst="rect">
@@ -6187,7 +6272,14 @@
                 <a:latin typeface="Times New Roman" panose="02020603050405020304" pitchFamily="18" charset="0"/>
                 <a:cs typeface="Times New Roman" panose="02020603050405020304" pitchFamily="18" charset="0"/>
               </a:rPr>
-              <a:t>11. Pressure force</a:t>
+              <a:t>11. Pressure </a:t>
+            </a:r>
+            <a:r>
+              <a:rPr lang="en-US" altLang="ja-JP" dirty="0" smtClean="0">
+                <a:latin typeface="Times New Roman" panose="02020603050405020304" pitchFamily="18" charset="0"/>
+                <a:cs typeface="Times New Roman" panose="02020603050405020304" pitchFamily="18" charset="0"/>
+              </a:rPr>
+              <a:t>force</a:t>
             </a:r>
             <a:endParaRPr kumimoji="1" lang="ja-JP" altLang="en-US" dirty="0">
               <a:latin typeface="Times New Roman" panose="02020603050405020304" pitchFamily="18" charset="0"/>
@@ -6218,7 +6310,153 @@
         </p:blipFill>
         <p:spPr>
           <a:xfrm>
-            <a:off x="901328" y="4815235"/>
+            <a:off x="901328" y="4914117"/>
+            <a:ext cx="5230149" cy="3922612"/>
+          </a:xfrm>
+          <a:prstGeom prst="rect">
+            <a:avLst/>
+          </a:prstGeom>
+        </p:spPr>
+      </p:pic>
+      <p:sp>
+        <p:nvSpPr>
+          <p:cNvPr id="7" name="テキスト ボックス 6"/>
+          <p:cNvSpPr txBox="1"/>
+          <p:nvPr/>
+        </p:nvSpPr>
+        <p:spPr>
+          <a:xfrm>
+            <a:off x="627402" y="4221619"/>
+            <a:ext cx="5778000" cy="646331"/>
+          </a:xfrm>
+          <a:prstGeom prst="rect">
+            <a:avLst/>
+          </a:prstGeom>
+          <a:noFill/>
+        </p:spPr>
+        <p:txBody>
+          <a:bodyPr wrap="square" rtlCol="0">
+            <a:spAutoFit/>
+          </a:bodyPr>
+          <a:lstStyle/>
+          <a:p>
+            <a:pPr algn="ctr"/>
+            <a:r>
+              <a:rPr lang="ja-JP" altLang="en-US" dirty="0" smtClean="0">
+                <a:latin typeface="+mn-ea"/>
+                <a:cs typeface="Times New Roman" panose="02020603050405020304" pitchFamily="18" charset="0"/>
+              </a:rPr>
+              <a:t>下杵直上の</a:t>
+            </a:r>
+            <a:r>
+              <a:rPr lang="en-US" altLang="ja-JP" dirty="0" smtClean="0">
+                <a:latin typeface="+mn-ea"/>
+                <a:cs typeface="Times New Roman" panose="02020603050405020304" pitchFamily="18" charset="0"/>
+              </a:rPr>
+              <a:t>10×10 mm</a:t>
+            </a:r>
+            <a:r>
+              <a:rPr lang="en-US" altLang="ja-JP" baseline="30000" dirty="0" smtClean="0">
+                <a:latin typeface="+mn-ea"/>
+                <a:cs typeface="Times New Roman" panose="02020603050405020304" pitchFamily="18" charset="0"/>
+              </a:rPr>
+              <a:t>2</a:t>
+            </a:r>
+            <a:r>
+              <a:rPr lang="ja-JP" altLang="en-US" dirty="0" smtClean="0">
+                <a:latin typeface="+mn-ea"/>
+                <a:cs typeface="Times New Roman" panose="02020603050405020304" pitchFamily="18" charset="0"/>
+              </a:rPr>
+              <a:t>に存在する粒子に加わっている力の平均をとっている。鉛直下向き方向を正としている。</a:t>
+            </a:r>
+            <a:endParaRPr lang="en-US" altLang="ja-JP" baseline="30000" dirty="0" smtClean="0">
+              <a:latin typeface="+mn-ea"/>
+              <a:cs typeface="Times New Roman" panose="02020603050405020304" pitchFamily="18" charset="0"/>
+            </a:endParaRPr>
+          </a:p>
+        </p:txBody>
+      </p:sp>
+      <p:sp>
+        <p:nvSpPr>
+          <p:cNvPr id="8" name="テキスト ボックス 7"/>
+          <p:cNvSpPr txBox="1"/>
+          <p:nvPr/>
+        </p:nvSpPr>
+        <p:spPr>
+          <a:xfrm>
+            <a:off x="627402" y="9177518"/>
+            <a:ext cx="5778000" cy="646331"/>
+          </a:xfrm>
+          <a:prstGeom prst="rect">
+            <a:avLst/>
+          </a:prstGeom>
+          <a:noFill/>
+        </p:spPr>
+        <p:txBody>
+          <a:bodyPr wrap="square" rtlCol="0">
+            <a:spAutoFit/>
+          </a:bodyPr>
+          <a:lstStyle/>
+          <a:p>
+            <a:pPr algn="ctr"/>
+            <a:r>
+              <a:rPr lang="ja-JP" altLang="en-US" dirty="0" smtClean="0">
+                <a:latin typeface="+mn-ea"/>
+                <a:cs typeface="Times New Roman" panose="02020603050405020304" pitchFamily="18" charset="0"/>
+              </a:rPr>
+              <a:t>下杵直上の</a:t>
+            </a:r>
+            <a:r>
+              <a:rPr lang="en-US" altLang="ja-JP" dirty="0" smtClean="0">
+                <a:latin typeface="+mn-ea"/>
+                <a:cs typeface="Times New Roman" panose="02020603050405020304" pitchFamily="18" charset="0"/>
+              </a:rPr>
+              <a:t>10×10 mm</a:t>
+            </a:r>
+            <a:r>
+              <a:rPr lang="en-US" altLang="ja-JP" baseline="30000" dirty="0" smtClean="0">
+                <a:latin typeface="+mn-ea"/>
+                <a:cs typeface="Times New Roman" panose="02020603050405020304" pitchFamily="18" charset="0"/>
+              </a:rPr>
+              <a:t>2</a:t>
+            </a:r>
+            <a:r>
+              <a:rPr lang="ja-JP" altLang="en-US" dirty="0" smtClean="0">
+                <a:latin typeface="+mn-ea"/>
+                <a:cs typeface="Times New Roman" panose="02020603050405020304" pitchFamily="18" charset="0"/>
+              </a:rPr>
+              <a:t>に存在する粒子に加わっている力の平均をとっている。鉛直下向き方向を正としている。</a:t>
+            </a:r>
+            <a:endParaRPr lang="en-US" altLang="ja-JP" baseline="30000" dirty="0" smtClean="0">
+              <a:latin typeface="+mn-ea"/>
+              <a:cs typeface="Times New Roman" panose="02020603050405020304" pitchFamily="18" charset="0"/>
+            </a:endParaRPr>
+          </a:p>
+        </p:txBody>
+      </p:sp>
+      <p:pic>
+        <p:nvPicPr>
+          <p:cNvPr id="9" name="図 8"/>
+          <p:cNvPicPr>
+            <a:picLocks noChangeAspect="1"/>
+          </p:cNvPicPr>
+          <p:nvPr/>
+        </p:nvPicPr>
+        <p:blipFill>
+          <a:blip r:embed="rId4" cstate="print">
+            <a:extLst>
+              <a:ext uri="{28A0092B-C50C-407E-A947-70E740481C1C}">
+                <a14:useLocalDpi xmlns:a14="http://schemas.microsoft.com/office/drawing/2010/main" val="0"/>
+              </a:ext>
+            </a:extLst>
+          </a:blip>
+          <a:stretch>
+            <a:fillRect/>
+          </a:stretch>
+        </p:blipFill>
+        <p:spPr>
+          <a:xfrm>
+            <a:off x="901327" y="4885574"/>
             <a:ext cx="5230149" cy="3922612"/>
           </a:xfrm>
           <a:prstGeom prst="rect">

--- a/論文/figures/Figures&Tables.pptx
+++ b/論文/figures/Figures&Tables.pptx
@@ -206,7 +206,7 @@
           <a:p>
             <a:fld id="{CF2BC990-631B-44C0-9708-8FFAA36D913C}" type="datetimeFigureOut">
               <a:rPr kumimoji="1" lang="ja-JP" altLang="en-US" smtClean="0"/>
-              <a:t>2019/8/20</a:t>
+              <a:t>2019/8/30</a:t>
             </a:fld>
             <a:endParaRPr kumimoji="1" lang="ja-JP" altLang="en-US"/>
           </a:p>
@@ -420,7 +420,7 @@
           <a:p>
             <a:fld id="{0BA0E0C8-02F0-4E03-83F6-93C841C817A4}" type="datetimeFigureOut">
               <a:rPr kumimoji="1" lang="ja-JP" altLang="en-US" smtClean="0"/>
-              <a:t>2019/8/20</a:t>
+              <a:t>2019/8/30</a:t>
             </a:fld>
             <a:endParaRPr kumimoji="1" lang="ja-JP" altLang="en-US"/>
           </a:p>
@@ -622,7 +622,7 @@
           <a:p>
             <a:fld id="{0BA0E0C8-02F0-4E03-83F6-93C841C817A4}" type="datetimeFigureOut">
               <a:rPr kumimoji="1" lang="ja-JP" altLang="en-US" smtClean="0"/>
-              <a:t>2019/8/20</a:t>
+              <a:t>2019/8/30</a:t>
             </a:fld>
             <a:endParaRPr kumimoji="1" lang="ja-JP" altLang="en-US"/>
           </a:p>
@@ -834,7 +834,7 @@
           <a:p>
             <a:fld id="{0BA0E0C8-02F0-4E03-83F6-93C841C817A4}" type="datetimeFigureOut">
               <a:rPr kumimoji="1" lang="ja-JP" altLang="en-US" smtClean="0"/>
-              <a:t>2019/8/20</a:t>
+              <a:t>2019/8/30</a:t>
             </a:fld>
             <a:endParaRPr kumimoji="1" lang="ja-JP" altLang="en-US"/>
           </a:p>
@@ -1036,7 +1036,7 @@
           <a:p>
             <a:fld id="{0BA0E0C8-02F0-4E03-83F6-93C841C817A4}" type="datetimeFigureOut">
               <a:rPr kumimoji="1" lang="ja-JP" altLang="en-US" smtClean="0"/>
-              <a:t>2019/8/20</a:t>
+              <a:t>2019/8/30</a:t>
             </a:fld>
             <a:endParaRPr kumimoji="1" lang="ja-JP" altLang="en-US"/>
           </a:p>
@@ -1280,7 +1280,7 @@
           <a:p>
             <a:fld id="{0BA0E0C8-02F0-4E03-83F6-93C841C817A4}" type="datetimeFigureOut">
               <a:rPr kumimoji="1" lang="ja-JP" altLang="en-US" smtClean="0"/>
-              <a:t>2019/8/20</a:t>
+              <a:t>2019/8/30</a:t>
             </a:fld>
             <a:endParaRPr kumimoji="1" lang="ja-JP" altLang="en-US"/>
           </a:p>
@@ -1576,7 +1576,7 @@
           <a:p>
             <a:fld id="{0BA0E0C8-02F0-4E03-83F6-93C841C817A4}" type="datetimeFigureOut">
               <a:rPr kumimoji="1" lang="ja-JP" altLang="en-US" smtClean="0"/>
-              <a:t>2019/8/20</a:t>
+              <a:t>2019/8/30</a:t>
             </a:fld>
             <a:endParaRPr kumimoji="1" lang="ja-JP" altLang="en-US"/>
           </a:p>
@@ -2007,7 +2007,7 @@
           <a:p>
             <a:fld id="{0BA0E0C8-02F0-4E03-83F6-93C841C817A4}" type="datetimeFigureOut">
               <a:rPr kumimoji="1" lang="ja-JP" altLang="en-US" smtClean="0"/>
-              <a:t>2019/8/20</a:t>
+              <a:t>2019/8/30</a:t>
             </a:fld>
             <a:endParaRPr kumimoji="1" lang="ja-JP" altLang="en-US"/>
           </a:p>
@@ -2125,7 +2125,7 @@
           <a:p>
             <a:fld id="{0BA0E0C8-02F0-4E03-83F6-93C841C817A4}" type="datetimeFigureOut">
               <a:rPr kumimoji="1" lang="ja-JP" altLang="en-US" smtClean="0"/>
-              <a:t>2019/8/20</a:t>
+              <a:t>2019/8/30</a:t>
             </a:fld>
             <a:endParaRPr kumimoji="1" lang="ja-JP" altLang="en-US"/>
           </a:p>
@@ -2220,7 +2220,7 @@
           <a:p>
             <a:fld id="{0BA0E0C8-02F0-4E03-83F6-93C841C817A4}" type="datetimeFigureOut">
               <a:rPr kumimoji="1" lang="ja-JP" altLang="en-US" smtClean="0"/>
-              <a:t>2019/8/20</a:t>
+              <a:t>2019/8/30</a:t>
             </a:fld>
             <a:endParaRPr kumimoji="1" lang="ja-JP" altLang="en-US"/>
           </a:p>
@@ -2529,7 +2529,7 @@
           <a:p>
             <a:fld id="{0BA0E0C8-02F0-4E03-83F6-93C841C817A4}" type="datetimeFigureOut">
               <a:rPr kumimoji="1" lang="ja-JP" altLang="en-US" smtClean="0"/>
-              <a:t>2019/8/20</a:t>
+              <a:t>2019/8/30</a:t>
             </a:fld>
             <a:endParaRPr kumimoji="1" lang="ja-JP" altLang="en-US"/>
           </a:p>
@@ -2786,7 +2786,7 @@
           <a:p>
             <a:fld id="{0BA0E0C8-02F0-4E03-83F6-93C841C817A4}" type="datetimeFigureOut">
               <a:rPr kumimoji="1" lang="ja-JP" altLang="en-US" smtClean="0"/>
-              <a:t>2019/8/20</a:t>
+              <a:t>2019/8/30</a:t>
             </a:fld>
             <a:endParaRPr kumimoji="1" lang="ja-JP" altLang="en-US"/>
           </a:p>
@@ -3031,7 +3031,7 @@
           <a:p>
             <a:fld id="{0BA0E0C8-02F0-4E03-83F6-93C841C817A4}" type="datetimeFigureOut">
               <a:rPr kumimoji="1" lang="ja-JP" altLang="en-US" smtClean="0"/>
-              <a:t>2019/8/20</a:t>
+              <a:t>2019/8/30</a:t>
             </a:fld>
             <a:endParaRPr kumimoji="1" lang="ja-JP" altLang="en-US"/>
           </a:p>
@@ -3436,46 +3436,9 @@
           <a:chExt cx="0" cy="0"/>
         </a:xfrm>
       </p:grpSpPr>
-      <p:sp>
-        <p:nvSpPr>
-          <p:cNvPr id="8" name="テキスト ボックス 7"/>
-          <p:cNvSpPr txBox="1"/>
-          <p:nvPr/>
-        </p:nvSpPr>
-        <p:spPr>
-          <a:xfrm>
-            <a:off x="498436" y="7045444"/>
-            <a:ext cx="5778000" cy="369332"/>
-          </a:xfrm>
-          <a:prstGeom prst="rect">
-            <a:avLst/>
-          </a:prstGeom>
-          <a:noFill/>
-        </p:spPr>
-        <p:txBody>
-          <a:bodyPr wrap="square" rtlCol="0">
-            <a:spAutoFit/>
-          </a:bodyPr>
-          <a:lstStyle/>
-          <a:p>
-            <a:pPr algn="ctr"/>
-            <a:r>
-              <a:rPr kumimoji="1" lang="en-US" altLang="ja-JP" dirty="0" smtClean="0">
-                <a:latin typeface="Times New Roman" panose="02020603050405020304" pitchFamily="18" charset="0"/>
-                <a:cs typeface="Times New Roman" panose="02020603050405020304" pitchFamily="18" charset="0"/>
-              </a:rPr>
-              <a:t>Figure 1. Schematic diagram</a:t>
-            </a:r>
-            <a:endParaRPr kumimoji="1" lang="ja-JP" altLang="en-US" dirty="0">
-              <a:latin typeface="Times New Roman" panose="02020603050405020304" pitchFamily="18" charset="0"/>
-              <a:cs typeface="Times New Roman" panose="02020603050405020304" pitchFamily="18" charset="0"/>
-            </a:endParaRPr>
-          </a:p>
-        </p:txBody>
-      </p:sp>
       <p:pic>
         <p:nvPicPr>
-          <p:cNvPr id="4" name="図 3"/>
+          <p:cNvPr id="2" name="図 1"/>
           <p:cNvPicPr>
             <a:picLocks noChangeAspect="1"/>
           </p:cNvPicPr>
@@ -3495,14 +3458,51 @@
         </p:blipFill>
         <p:spPr>
           <a:xfrm>
-            <a:off x="1253836" y="1847282"/>
-            <a:ext cx="4267200" cy="5009321"/>
+            <a:off x="464127" y="982926"/>
+            <a:ext cx="5999018" cy="5999018"/>
           </a:xfrm>
           <a:prstGeom prst="rect">
             <a:avLst/>
           </a:prstGeom>
         </p:spPr>
       </p:pic>
+      <p:sp>
+        <p:nvSpPr>
+          <p:cNvPr id="5" name="テキスト ボックス 4"/>
+          <p:cNvSpPr txBox="1"/>
+          <p:nvPr/>
+        </p:nvSpPr>
+        <p:spPr>
+          <a:xfrm>
+            <a:off x="498435" y="7045444"/>
+            <a:ext cx="5964709" cy="369332"/>
+          </a:xfrm>
+          <a:prstGeom prst="rect">
+            <a:avLst/>
+          </a:prstGeom>
+          <a:noFill/>
+        </p:spPr>
+        <p:txBody>
+          <a:bodyPr wrap="square" rtlCol="0">
+            <a:spAutoFit/>
+          </a:bodyPr>
+          <a:lstStyle/>
+          <a:p>
+            <a:pPr algn="ctr"/>
+            <a:r>
+              <a:rPr kumimoji="1" lang="en-US" altLang="ja-JP" dirty="0" smtClean="0">
+                <a:latin typeface="Times New Roman" panose="02020603050405020304" pitchFamily="18" charset="0"/>
+                <a:cs typeface="Times New Roman" panose="02020603050405020304" pitchFamily="18" charset="0"/>
+              </a:rPr>
+              <a:t>Figure 1. Schematic diagram</a:t>
+            </a:r>
+            <a:endParaRPr kumimoji="1" lang="ja-JP" altLang="en-US" dirty="0">
+              <a:latin typeface="Times New Roman" panose="02020603050405020304" pitchFamily="18" charset="0"/>
+              <a:cs typeface="Times New Roman" panose="02020603050405020304" pitchFamily="18" charset="0"/>
+            </a:endParaRPr>
+          </a:p>
+        </p:txBody>
+      </p:sp>
     </p:spTree>
     <p:extLst>
       <p:ext uri="{BB962C8B-B14F-4D97-AF65-F5344CB8AC3E}">
@@ -3597,14 +3597,7 @@
                 <a:latin typeface="Times New Roman" panose="02020603050405020304" pitchFamily="18" charset="0"/>
                 <a:cs typeface="Times New Roman" panose="02020603050405020304" pitchFamily="18" charset="0"/>
               </a:rPr>
-              <a:t>12. Bubble </a:t>
-            </a:r>
-            <a:r>
-              <a:rPr lang="en-US" altLang="ja-JP" dirty="0" smtClean="0">
-                <a:latin typeface="Times New Roman" panose="02020603050405020304" pitchFamily="18" charset="0"/>
-                <a:cs typeface="Times New Roman" panose="02020603050405020304" pitchFamily="18" charset="0"/>
-              </a:rPr>
-              <a:t>movement</a:t>
+              <a:t>12. Bubble movement</a:t>
             </a:r>
             <a:endParaRPr kumimoji="1" lang="ja-JP" altLang="en-US" dirty="0">
               <a:latin typeface="Times New Roman" panose="02020603050405020304" pitchFamily="18" charset="0"/>
@@ -5302,21 +5295,7 @@
                 <a:latin typeface="Times New Roman" panose="02020603050405020304" pitchFamily="18" charset="0"/>
                 <a:cs typeface="Times New Roman" panose="02020603050405020304" pitchFamily="18" charset="0"/>
               </a:rPr>
-              <a:t>. Flux of powder </a:t>
-            </a:r>
-            <a:r>
-              <a:rPr lang="en-US" altLang="ja-JP" dirty="0" smtClean="0">
-                <a:latin typeface="Times New Roman" panose="02020603050405020304" pitchFamily="18" charset="0"/>
-                <a:cs typeface="Times New Roman" panose="02020603050405020304" pitchFamily="18" charset="0"/>
-              </a:rPr>
-              <a:t>into </a:t>
-            </a:r>
-            <a:r>
-              <a:rPr lang="en-US" altLang="ja-JP" dirty="0" smtClean="0">
-                <a:latin typeface="Times New Roman" panose="02020603050405020304" pitchFamily="18" charset="0"/>
-                <a:cs typeface="Times New Roman" panose="02020603050405020304" pitchFamily="18" charset="0"/>
-              </a:rPr>
-              <a:t>die region</a:t>
+              <a:t>. Flux of powder into die region</a:t>
             </a:r>
             <a:endParaRPr kumimoji="1" lang="ja-JP" altLang="en-US" dirty="0">
               <a:latin typeface="Times New Roman" panose="02020603050405020304" pitchFamily="18" charset="0"/>
@@ -5677,28 +5656,7 @@
                 <a:latin typeface="Times New Roman" panose="02020603050405020304" pitchFamily="18" charset="0"/>
                 <a:cs typeface="Times New Roman" panose="02020603050405020304" pitchFamily="18" charset="0"/>
               </a:rPr>
-              <a:t>. </a:t>
-            </a:r>
-            <a:r>
-              <a:rPr lang="en-US" altLang="ja-JP" dirty="0" smtClean="0">
-                <a:latin typeface="Times New Roman" panose="02020603050405020304" pitchFamily="18" charset="0"/>
-                <a:cs typeface="Times New Roman" panose="02020603050405020304" pitchFamily="18" charset="0"/>
-              </a:rPr>
-              <a:t>Forces </a:t>
-            </a:r>
-            <a:r>
-              <a:rPr lang="en-US" altLang="ja-JP" dirty="0" smtClean="0">
-                <a:latin typeface="Times New Roman" panose="02020603050405020304" pitchFamily="18" charset="0"/>
-                <a:cs typeface="Times New Roman" panose="02020603050405020304" pitchFamily="18" charset="0"/>
-              </a:rPr>
-              <a:t>applied on </a:t>
-            </a:r>
-            <a:r>
-              <a:rPr lang="en-US" altLang="ja-JP" dirty="0" smtClean="0">
-                <a:latin typeface="Times New Roman" panose="02020603050405020304" pitchFamily="18" charset="0"/>
-                <a:cs typeface="Times New Roman" panose="02020603050405020304" pitchFamily="18" charset="0"/>
-              </a:rPr>
-              <a:t>particles (</a:t>
+              <a:t>. Forces applied on particles (</a:t>
             </a:r>
             <a:r>
               <a:rPr lang="en-US" altLang="ja-JP" dirty="0">
@@ -5714,10 +5672,6 @@
               </a:rPr>
               <a:t>ertical component)</a:t>
             </a:r>
-            <a:endParaRPr lang="en-US" altLang="ja-JP" dirty="0" smtClean="0">
-              <a:latin typeface="Times New Roman" panose="02020603050405020304" pitchFamily="18" charset="0"/>
-              <a:cs typeface="Times New Roman" panose="02020603050405020304" pitchFamily="18" charset="0"/>
-            </a:endParaRPr>
           </a:p>
         </p:txBody>
       </p:sp>
@@ -6073,21 +6027,7 @@
                 <a:latin typeface="Times New Roman" panose="02020603050405020304" pitchFamily="18" charset="0"/>
                 <a:cs typeface="Times New Roman" panose="02020603050405020304" pitchFamily="18" charset="0"/>
               </a:rPr>
-              <a:t>. Flux of powder </a:t>
-            </a:r>
-            <a:r>
-              <a:rPr lang="en-US" altLang="ja-JP" dirty="0" smtClean="0">
-                <a:latin typeface="Times New Roman" panose="02020603050405020304" pitchFamily="18" charset="0"/>
-                <a:cs typeface="Times New Roman" panose="02020603050405020304" pitchFamily="18" charset="0"/>
-              </a:rPr>
-              <a:t>into </a:t>
-            </a:r>
-            <a:r>
-              <a:rPr lang="en-US" altLang="ja-JP" dirty="0" smtClean="0">
-                <a:latin typeface="Times New Roman" panose="02020603050405020304" pitchFamily="18" charset="0"/>
-                <a:cs typeface="Times New Roman" panose="02020603050405020304" pitchFamily="18" charset="0"/>
-              </a:rPr>
-              <a:t>die region</a:t>
+              <a:t>. Flux of powder into die region</a:t>
             </a:r>
             <a:endParaRPr kumimoji="1" lang="ja-JP" altLang="en-US" dirty="0">
               <a:latin typeface="Times New Roman" panose="02020603050405020304" pitchFamily="18" charset="0"/>
@@ -6221,14 +6161,7 @@
                 <a:latin typeface="Times New Roman" panose="02020603050405020304" pitchFamily="18" charset="0"/>
                 <a:cs typeface="Times New Roman" panose="02020603050405020304" pitchFamily="18" charset="0"/>
               </a:rPr>
-              <a:t>10. Drag </a:t>
-            </a:r>
-            <a:r>
-              <a:rPr lang="en-US" altLang="ja-JP" dirty="0" smtClean="0">
-                <a:latin typeface="Times New Roman" panose="02020603050405020304" pitchFamily="18" charset="0"/>
-                <a:cs typeface="Times New Roman" panose="02020603050405020304" pitchFamily="18" charset="0"/>
-              </a:rPr>
-              <a:t>force</a:t>
+              <a:t>10. Drag force</a:t>
             </a:r>
             <a:endParaRPr kumimoji="1" lang="ja-JP" altLang="en-US" dirty="0">
               <a:latin typeface="Times New Roman" panose="02020603050405020304" pitchFamily="18" charset="0"/>
@@ -6272,14 +6205,7 @@
                 <a:latin typeface="Times New Roman" panose="02020603050405020304" pitchFamily="18" charset="0"/>
                 <a:cs typeface="Times New Roman" panose="02020603050405020304" pitchFamily="18" charset="0"/>
               </a:rPr>
-              <a:t>11. Pressure </a:t>
-            </a:r>
-            <a:r>
-              <a:rPr lang="en-US" altLang="ja-JP" dirty="0" smtClean="0">
-                <a:latin typeface="Times New Roman" panose="02020603050405020304" pitchFamily="18" charset="0"/>
-                <a:cs typeface="Times New Roman" panose="02020603050405020304" pitchFamily="18" charset="0"/>
-              </a:rPr>
-              <a:t>force</a:t>
+              <a:t>11. Pressure force</a:t>
             </a:r>
             <a:endParaRPr kumimoji="1" lang="ja-JP" altLang="en-US" dirty="0">
               <a:latin typeface="Times New Roman" panose="02020603050405020304" pitchFamily="18" charset="0"/>

--- a/論文/figures/Figures&Tables.pptx
+++ b/論文/figures/Figures&Tables.pptx
@@ -5223,16 +5223,67 @@
           </a:prstGeom>
         </p:spPr>
       </p:pic>
+      <p:sp>
+        <p:nvSpPr>
+          <p:cNvPr id="7" name="テキスト ボックス 6"/>
+          <p:cNvSpPr txBox="1"/>
+          <p:nvPr/>
+        </p:nvSpPr>
+        <p:spPr>
+          <a:xfrm>
+            <a:off x="752094" y="8393615"/>
+            <a:ext cx="5778000" cy="369332"/>
+          </a:xfrm>
+          <a:prstGeom prst="rect">
+            <a:avLst/>
+          </a:prstGeom>
+          <a:noFill/>
+        </p:spPr>
+        <p:txBody>
+          <a:bodyPr wrap="square" rtlCol="0">
+            <a:spAutoFit/>
+          </a:bodyPr>
+          <a:lstStyle/>
+          <a:p>
+            <a:pPr algn="ctr"/>
+            <a:r>
+              <a:rPr kumimoji="1" lang="en-US" altLang="ja-JP" dirty="0" smtClean="0">
+                <a:latin typeface="Times New Roman" panose="02020603050405020304" pitchFamily="18" charset="0"/>
+                <a:cs typeface="Times New Roman" panose="02020603050405020304" pitchFamily="18" charset="0"/>
+              </a:rPr>
+              <a:t>Figure </a:t>
+            </a:r>
+            <a:r>
+              <a:rPr lang="en-US" altLang="ja-JP" dirty="0">
+                <a:latin typeface="Times New Roman" panose="02020603050405020304" pitchFamily="18" charset="0"/>
+                <a:cs typeface="Times New Roman" panose="02020603050405020304" pitchFamily="18" charset="0"/>
+              </a:rPr>
+              <a:t>3</a:t>
+            </a:r>
+            <a:r>
+              <a:rPr lang="en-US" altLang="ja-JP" dirty="0" smtClean="0">
+                <a:latin typeface="Times New Roman" panose="02020603050405020304" pitchFamily="18" charset="0"/>
+                <a:cs typeface="Times New Roman" panose="02020603050405020304" pitchFamily="18" charset="0"/>
+              </a:rPr>
+              <a:t>. Flux of powder into die region</a:t>
+            </a:r>
+            <a:endParaRPr kumimoji="1" lang="ja-JP" altLang="en-US" dirty="0">
+              <a:latin typeface="Times New Roman" panose="02020603050405020304" pitchFamily="18" charset="0"/>
+              <a:cs typeface="Times New Roman" panose="02020603050405020304" pitchFamily="18" charset="0"/>
+            </a:endParaRPr>
+          </a:p>
+        </p:txBody>
+      </p:sp>
       <p:pic>
         <p:nvPicPr>
-          <p:cNvPr id="6" name="図 5"/>
+          <p:cNvPr id="2" name="図 1"/>
           <p:cNvPicPr>
             <a:picLocks noChangeAspect="1"/>
           </p:cNvPicPr>
           <p:nvPr/>
         </p:nvPicPr>
         <p:blipFill>
-          <a:blip r:embed="rId3" cstate="print">
+          <a:blip r:embed="rId3">
             <a:extLst>
               <a:ext uri="{28A0092B-C50C-407E-A947-70E740481C1C}">
                 <a14:useLocalDpi xmlns:a14="http://schemas.microsoft.com/office/drawing/2010/main" val="0"/>
@@ -5245,65 +5296,14 @@
         </p:blipFill>
         <p:spPr>
           <a:xfrm>
-            <a:off x="1221982" y="4823421"/>
-            <a:ext cx="4760259" cy="3570194"/>
+            <a:off x="1073646" y="4535652"/>
+            <a:ext cx="5134895" cy="3857963"/>
           </a:xfrm>
           <a:prstGeom prst="rect">
             <a:avLst/>
           </a:prstGeom>
         </p:spPr>
       </p:pic>
-      <p:sp>
-        <p:nvSpPr>
-          <p:cNvPr id="7" name="テキスト ボックス 6"/>
-          <p:cNvSpPr txBox="1"/>
-          <p:nvPr/>
-        </p:nvSpPr>
-        <p:spPr>
-          <a:xfrm>
-            <a:off x="752094" y="8393615"/>
-            <a:ext cx="5778000" cy="369332"/>
-          </a:xfrm>
-          <a:prstGeom prst="rect">
-            <a:avLst/>
-          </a:prstGeom>
-          <a:noFill/>
-        </p:spPr>
-        <p:txBody>
-          <a:bodyPr wrap="square" rtlCol="0">
-            <a:spAutoFit/>
-          </a:bodyPr>
-          <a:lstStyle/>
-          <a:p>
-            <a:pPr algn="ctr"/>
-            <a:r>
-              <a:rPr kumimoji="1" lang="en-US" altLang="ja-JP" dirty="0" smtClean="0">
-                <a:latin typeface="Times New Roman" panose="02020603050405020304" pitchFamily="18" charset="0"/>
-                <a:cs typeface="Times New Roman" panose="02020603050405020304" pitchFamily="18" charset="0"/>
-              </a:rPr>
-              <a:t>Figure </a:t>
-            </a:r>
-            <a:r>
-              <a:rPr lang="en-US" altLang="ja-JP" dirty="0">
-                <a:latin typeface="Times New Roman" panose="02020603050405020304" pitchFamily="18" charset="0"/>
-                <a:cs typeface="Times New Roman" panose="02020603050405020304" pitchFamily="18" charset="0"/>
-              </a:rPr>
-              <a:t>3</a:t>
-            </a:r>
-            <a:r>
-              <a:rPr lang="en-US" altLang="ja-JP" dirty="0" smtClean="0">
-                <a:latin typeface="Times New Roman" panose="02020603050405020304" pitchFamily="18" charset="0"/>
-                <a:cs typeface="Times New Roman" panose="02020603050405020304" pitchFamily="18" charset="0"/>
-              </a:rPr>
-              <a:t>. Flux of powder into die region</a:t>
-            </a:r>
-            <a:endParaRPr kumimoji="1" lang="ja-JP" altLang="en-US" dirty="0">
-              <a:latin typeface="Times New Roman" panose="02020603050405020304" pitchFamily="18" charset="0"/>
-              <a:cs typeface="Times New Roman" panose="02020603050405020304" pitchFamily="18" charset="0"/>
-            </a:endParaRPr>
-          </a:p>
-        </p:txBody>
-      </p:sp>
     </p:spTree>
     <p:extLst>
       <p:ext uri="{BB962C8B-B14F-4D97-AF65-F5344CB8AC3E}">
@@ -5656,35 +5656,32 @@
                 <a:latin typeface="Times New Roman" panose="02020603050405020304" pitchFamily="18" charset="0"/>
                 <a:cs typeface="Times New Roman" panose="02020603050405020304" pitchFamily="18" charset="0"/>
               </a:rPr>
-              <a:t>. Forces applied on particles (</a:t>
-            </a:r>
-            <a:r>
-              <a:rPr lang="en-US" altLang="ja-JP" dirty="0">
-                <a:latin typeface="Times New Roman" panose="02020603050405020304" pitchFamily="18" charset="0"/>
-                <a:cs typeface="Times New Roman" panose="02020603050405020304" pitchFamily="18" charset="0"/>
-              </a:rPr>
-              <a:t>v</a:t>
+              <a:t>. </a:t>
             </a:r>
             <a:r>
               <a:rPr lang="en-US" altLang="ja-JP" dirty="0" smtClean="0">
                 <a:latin typeface="Times New Roman" panose="02020603050405020304" pitchFamily="18" charset="0"/>
                 <a:cs typeface="Times New Roman" panose="02020603050405020304" pitchFamily="18" charset="0"/>
               </a:rPr>
-              <a:t>ertical component)</a:t>
-            </a:r>
+              <a:t>Number of suctioned particles</a:t>
+            </a:r>
+            <a:endParaRPr lang="en-US" altLang="ja-JP" dirty="0" smtClean="0">
+              <a:latin typeface="Times New Roman" panose="02020603050405020304" pitchFamily="18" charset="0"/>
+              <a:cs typeface="Times New Roman" panose="02020603050405020304" pitchFamily="18" charset="0"/>
+            </a:endParaRPr>
           </a:p>
         </p:txBody>
       </p:sp>
       <p:pic>
         <p:nvPicPr>
-          <p:cNvPr id="3" name="図 2"/>
+          <p:cNvPr id="6" name="図 5"/>
           <p:cNvPicPr>
             <a:picLocks noChangeAspect="1"/>
           </p:cNvPicPr>
           <p:nvPr/>
         </p:nvPicPr>
         <p:blipFill>
-          <a:blip r:embed="rId2" cstate="print">
+          <a:blip r:embed="rId2">
             <a:extLst>
               <a:ext uri="{28A0092B-C50C-407E-A947-70E740481C1C}">
                 <a14:useLocalDpi xmlns:a14="http://schemas.microsoft.com/office/drawing/2010/main" val="0"/>
@@ -5697,72 +5694,14 @@
         </p:blipFill>
         <p:spPr>
           <a:xfrm>
-            <a:off x="627403" y="494749"/>
-            <a:ext cx="5230148" cy="3922611"/>
+            <a:off x="687938" y="167180"/>
+            <a:ext cx="5656930" cy="4250180"/>
           </a:xfrm>
           <a:prstGeom prst="rect">
             <a:avLst/>
           </a:prstGeom>
         </p:spPr>
       </p:pic>
-      <p:sp>
-        <p:nvSpPr>
-          <p:cNvPr id="4" name="テキスト ボックス 3"/>
-          <p:cNvSpPr txBox="1"/>
-          <p:nvPr/>
-        </p:nvSpPr>
-        <p:spPr>
-          <a:xfrm>
-            <a:off x="627403" y="4786692"/>
-            <a:ext cx="5778000" cy="646331"/>
-          </a:xfrm>
-          <a:prstGeom prst="rect">
-            <a:avLst/>
-          </a:prstGeom>
-          <a:noFill/>
-        </p:spPr>
-        <p:txBody>
-          <a:bodyPr wrap="square" rtlCol="0">
-            <a:spAutoFit/>
-          </a:bodyPr>
-          <a:lstStyle/>
-          <a:p>
-            <a:pPr algn="ctr"/>
-            <a:r>
-              <a:rPr lang="ja-JP" altLang="en-US" dirty="0" smtClean="0">
-                <a:latin typeface="+mn-ea"/>
-                <a:cs typeface="Times New Roman" panose="02020603050405020304" pitchFamily="18" charset="0"/>
-              </a:rPr>
-              <a:t>下杵直上の</a:t>
-            </a:r>
-            <a:r>
-              <a:rPr lang="en-US" altLang="ja-JP" dirty="0" smtClean="0">
-                <a:latin typeface="+mn-ea"/>
-                <a:cs typeface="Times New Roman" panose="02020603050405020304" pitchFamily="18" charset="0"/>
-              </a:rPr>
-              <a:t>10×10 mm</a:t>
-            </a:r>
-            <a:r>
-              <a:rPr lang="en-US" altLang="ja-JP" baseline="30000" dirty="0" smtClean="0">
-                <a:latin typeface="+mn-ea"/>
-                <a:cs typeface="Times New Roman" panose="02020603050405020304" pitchFamily="18" charset="0"/>
-              </a:rPr>
-              <a:t>2</a:t>
-            </a:r>
-            <a:r>
-              <a:rPr lang="ja-JP" altLang="en-US" dirty="0" smtClean="0">
-                <a:latin typeface="+mn-ea"/>
-                <a:cs typeface="Times New Roman" panose="02020603050405020304" pitchFamily="18" charset="0"/>
-              </a:rPr>
-              <a:t>に存在する粒子に加わっている力の平均をとっている。鉛直下向き方向を正としている。</a:t>
-            </a:r>
-            <a:endParaRPr lang="en-US" altLang="ja-JP" baseline="30000" dirty="0" smtClean="0">
-              <a:latin typeface="+mn-ea"/>
-              <a:cs typeface="Times New Roman" panose="02020603050405020304" pitchFamily="18" charset="0"/>
-            </a:endParaRPr>
-          </a:p>
-        </p:txBody>
-      </p:sp>
     </p:spTree>
     <p:extLst>
       <p:ext uri="{BB962C8B-B14F-4D97-AF65-F5344CB8AC3E}">
@@ -5904,16 +5843,118 @@
           <a:chExt cx="0" cy="0"/>
         </a:xfrm>
       </p:grpSpPr>
+      <p:sp>
+        <p:nvSpPr>
+          <p:cNvPr id="5" name="テキスト ボックス 4"/>
+          <p:cNvSpPr txBox="1"/>
+          <p:nvPr/>
+        </p:nvSpPr>
+        <p:spPr>
+          <a:xfrm>
+            <a:off x="627403" y="4417360"/>
+            <a:ext cx="5778000" cy="369332"/>
+          </a:xfrm>
+          <a:prstGeom prst="rect">
+            <a:avLst/>
+          </a:prstGeom>
+          <a:noFill/>
+        </p:spPr>
+        <p:txBody>
+          <a:bodyPr wrap="square" rtlCol="0">
+            <a:spAutoFit/>
+          </a:bodyPr>
+          <a:lstStyle/>
+          <a:p>
+            <a:pPr algn="ctr"/>
+            <a:r>
+              <a:rPr kumimoji="1" lang="en-US" altLang="ja-JP" dirty="0" smtClean="0">
+                <a:latin typeface="Times New Roman" panose="02020603050405020304" pitchFamily="18" charset="0"/>
+                <a:cs typeface="Times New Roman" panose="02020603050405020304" pitchFamily="18" charset="0"/>
+              </a:rPr>
+              <a:t>Figure </a:t>
+            </a:r>
+            <a:r>
+              <a:rPr lang="en-US" altLang="ja-JP" dirty="0">
+                <a:latin typeface="Times New Roman" panose="02020603050405020304" pitchFamily="18" charset="0"/>
+                <a:cs typeface="Times New Roman" panose="02020603050405020304" pitchFamily="18" charset="0"/>
+              </a:rPr>
+              <a:t>8</a:t>
+            </a:r>
+            <a:r>
+              <a:rPr lang="en-US" altLang="ja-JP" dirty="0" smtClean="0">
+                <a:latin typeface="Times New Roman" panose="02020603050405020304" pitchFamily="18" charset="0"/>
+                <a:cs typeface="Times New Roman" panose="02020603050405020304" pitchFamily="18" charset="0"/>
+              </a:rPr>
+              <a:t>. Filling time</a:t>
+            </a:r>
+            <a:endParaRPr kumimoji="1" lang="ja-JP" altLang="en-US" dirty="0">
+              <a:latin typeface="Times New Roman" panose="02020603050405020304" pitchFamily="18" charset="0"/>
+              <a:cs typeface="Times New Roman" panose="02020603050405020304" pitchFamily="18" charset="0"/>
+            </a:endParaRPr>
+          </a:p>
+        </p:txBody>
+      </p:sp>
+      <p:sp>
+        <p:nvSpPr>
+          <p:cNvPr id="7" name="テキスト ボックス 6"/>
+          <p:cNvSpPr txBox="1"/>
+          <p:nvPr/>
+        </p:nvSpPr>
+        <p:spPr>
+          <a:xfrm>
+            <a:off x="627403" y="8608158"/>
+            <a:ext cx="5778000" cy="369332"/>
+          </a:xfrm>
+          <a:prstGeom prst="rect">
+            <a:avLst/>
+          </a:prstGeom>
+          <a:noFill/>
+        </p:spPr>
+        <p:txBody>
+          <a:bodyPr wrap="square" rtlCol="0">
+            <a:spAutoFit/>
+          </a:bodyPr>
+          <a:lstStyle/>
+          <a:p>
+            <a:pPr algn="ctr"/>
+            <a:r>
+              <a:rPr kumimoji="1" lang="en-US" altLang="ja-JP" dirty="0" smtClean="0">
+                <a:latin typeface="Times New Roman" panose="02020603050405020304" pitchFamily="18" charset="0"/>
+                <a:cs typeface="Times New Roman" panose="02020603050405020304" pitchFamily="18" charset="0"/>
+              </a:rPr>
+              <a:t>Figure </a:t>
+            </a:r>
+            <a:r>
+              <a:rPr lang="en-US" altLang="ja-JP" dirty="0">
+                <a:latin typeface="Times New Roman" panose="02020603050405020304" pitchFamily="18" charset="0"/>
+                <a:cs typeface="Times New Roman" panose="02020603050405020304" pitchFamily="18" charset="0"/>
+              </a:rPr>
+              <a:t>9</a:t>
+            </a:r>
+            <a:r>
+              <a:rPr lang="en-US" altLang="ja-JP" dirty="0" smtClean="0">
+                <a:latin typeface="Times New Roman" panose="02020603050405020304" pitchFamily="18" charset="0"/>
+                <a:cs typeface="Times New Roman" panose="02020603050405020304" pitchFamily="18" charset="0"/>
+              </a:rPr>
+              <a:t>. Flux of powder into die region</a:t>
+            </a:r>
+            <a:endParaRPr kumimoji="1" lang="ja-JP" altLang="en-US" dirty="0">
+              <a:latin typeface="Times New Roman" panose="02020603050405020304" pitchFamily="18" charset="0"/>
+              <a:cs typeface="Times New Roman" panose="02020603050405020304" pitchFamily="18" charset="0"/>
+            </a:endParaRPr>
+          </a:p>
+        </p:txBody>
+      </p:sp>
       <p:pic>
         <p:nvPicPr>
-          <p:cNvPr id="2" name="図 1"/>
+          <p:cNvPr id="4" name="図 3"/>
           <p:cNvPicPr>
             <a:picLocks noChangeAspect="1"/>
           </p:cNvPicPr>
           <p:nvPr/>
         </p:nvPicPr>
         <p:blipFill>
-          <a:blip r:embed="rId2" cstate="print">
+          <a:blip r:embed="rId2">
             <a:extLst>
               <a:ext uri="{28A0092B-C50C-407E-A947-70E740481C1C}">
                 <a14:useLocalDpi xmlns:a14="http://schemas.microsoft.com/office/drawing/2010/main" val="0"/>
@@ -5926,126 +5967,24 @@
         </p:blipFill>
         <p:spPr>
           <a:xfrm>
-            <a:off x="1097292" y="847165"/>
-            <a:ext cx="4760259" cy="3570194"/>
+            <a:off x="1097290" y="840869"/>
+            <a:ext cx="4760260" cy="3576491"/>
           </a:xfrm>
           <a:prstGeom prst="rect">
             <a:avLst/>
           </a:prstGeom>
         </p:spPr>
       </p:pic>
-      <p:sp>
-        <p:nvSpPr>
-          <p:cNvPr id="5" name="テキスト ボックス 4"/>
-          <p:cNvSpPr txBox="1"/>
-          <p:nvPr/>
-        </p:nvSpPr>
-        <p:spPr>
-          <a:xfrm>
-            <a:off x="627403" y="4417360"/>
-            <a:ext cx="5778000" cy="369332"/>
-          </a:xfrm>
-          <a:prstGeom prst="rect">
-            <a:avLst/>
-          </a:prstGeom>
-          <a:noFill/>
-        </p:spPr>
-        <p:txBody>
-          <a:bodyPr wrap="square" rtlCol="0">
-            <a:spAutoFit/>
-          </a:bodyPr>
-          <a:lstStyle/>
-          <a:p>
-            <a:pPr algn="ctr"/>
-            <a:r>
-              <a:rPr kumimoji="1" lang="en-US" altLang="ja-JP" dirty="0" smtClean="0">
-                <a:latin typeface="Times New Roman" panose="02020603050405020304" pitchFamily="18" charset="0"/>
-                <a:cs typeface="Times New Roman" panose="02020603050405020304" pitchFamily="18" charset="0"/>
-              </a:rPr>
-              <a:t>Figure </a:t>
-            </a:r>
-            <a:r>
-              <a:rPr lang="en-US" altLang="ja-JP" dirty="0">
-                <a:latin typeface="Times New Roman" panose="02020603050405020304" pitchFamily="18" charset="0"/>
-                <a:cs typeface="Times New Roman" panose="02020603050405020304" pitchFamily="18" charset="0"/>
-              </a:rPr>
-              <a:t>8</a:t>
-            </a:r>
-            <a:r>
-              <a:rPr lang="en-US" altLang="ja-JP" dirty="0" smtClean="0">
-                <a:latin typeface="Times New Roman" panose="02020603050405020304" pitchFamily="18" charset="0"/>
-                <a:cs typeface="Times New Roman" panose="02020603050405020304" pitchFamily="18" charset="0"/>
-              </a:rPr>
-              <a:t>. Filling time</a:t>
-            </a:r>
-            <a:endParaRPr kumimoji="1" lang="ja-JP" altLang="en-US" dirty="0">
-              <a:latin typeface="Times New Roman" panose="02020603050405020304" pitchFamily="18" charset="0"/>
-              <a:cs typeface="Times New Roman" panose="02020603050405020304" pitchFamily="18" charset="0"/>
-            </a:endParaRPr>
-          </a:p>
-        </p:txBody>
-      </p:sp>
-      <p:sp>
-        <p:nvSpPr>
-          <p:cNvPr id="7" name="テキスト ボックス 6"/>
-          <p:cNvSpPr txBox="1"/>
-          <p:nvPr/>
-        </p:nvSpPr>
-        <p:spPr>
-          <a:xfrm>
-            <a:off x="627403" y="8608158"/>
-            <a:ext cx="5778000" cy="369332"/>
-          </a:xfrm>
-          <a:prstGeom prst="rect">
-            <a:avLst/>
-          </a:prstGeom>
-          <a:noFill/>
-        </p:spPr>
-        <p:txBody>
-          <a:bodyPr wrap="square" rtlCol="0">
-            <a:spAutoFit/>
-          </a:bodyPr>
-          <a:lstStyle/>
-          <a:p>
-            <a:pPr algn="ctr"/>
-            <a:r>
-              <a:rPr kumimoji="1" lang="en-US" altLang="ja-JP" dirty="0" smtClean="0">
-                <a:latin typeface="Times New Roman" panose="02020603050405020304" pitchFamily="18" charset="0"/>
-                <a:cs typeface="Times New Roman" panose="02020603050405020304" pitchFamily="18" charset="0"/>
-              </a:rPr>
-              <a:t>Figure </a:t>
-            </a:r>
-            <a:r>
-              <a:rPr lang="en-US" altLang="ja-JP" dirty="0">
-                <a:latin typeface="Times New Roman" panose="02020603050405020304" pitchFamily="18" charset="0"/>
-                <a:cs typeface="Times New Roman" panose="02020603050405020304" pitchFamily="18" charset="0"/>
-              </a:rPr>
-              <a:t>9</a:t>
-            </a:r>
-            <a:r>
-              <a:rPr lang="en-US" altLang="ja-JP" dirty="0" smtClean="0">
-                <a:latin typeface="Times New Roman" panose="02020603050405020304" pitchFamily="18" charset="0"/>
-                <a:cs typeface="Times New Roman" panose="02020603050405020304" pitchFamily="18" charset="0"/>
-              </a:rPr>
-              <a:t>. Flux of powder into die region</a:t>
-            </a:r>
-            <a:endParaRPr kumimoji="1" lang="ja-JP" altLang="en-US" dirty="0">
-              <a:latin typeface="Times New Roman" panose="02020603050405020304" pitchFamily="18" charset="0"/>
-              <a:cs typeface="Times New Roman" panose="02020603050405020304" pitchFamily="18" charset="0"/>
-            </a:endParaRPr>
-          </a:p>
-        </p:txBody>
-      </p:sp>
       <p:pic>
         <p:nvPicPr>
-          <p:cNvPr id="3" name="図 2"/>
+          <p:cNvPr id="6" name="図 5"/>
           <p:cNvPicPr>
             <a:picLocks noChangeAspect="1"/>
           </p:cNvPicPr>
           <p:nvPr/>
         </p:nvPicPr>
         <p:blipFill>
-          <a:blip r:embed="rId3" cstate="print">
+          <a:blip r:embed="rId3">
             <a:extLst>
               <a:ext uri="{28A0092B-C50C-407E-A947-70E740481C1C}">
                 <a14:useLocalDpi xmlns:a14="http://schemas.microsoft.com/office/drawing/2010/main" val="0"/>
@@ -6058,8 +5997,8 @@
         </p:blipFill>
         <p:spPr>
           <a:xfrm>
-            <a:off x="1097291" y="5037964"/>
-            <a:ext cx="4760259" cy="3570194"/>
+            <a:off x="1097290" y="5031667"/>
+            <a:ext cx="4760260" cy="3576491"/>
           </a:xfrm>
           <a:prstGeom prst="rect">
             <a:avLst/>
@@ -6096,16 +6035,118 @@
           <a:chExt cx="0" cy="0"/>
         </a:xfrm>
       </p:grpSpPr>
+      <p:sp>
+        <p:nvSpPr>
+          <p:cNvPr id="4" name="テキスト ボックス 3"/>
+          <p:cNvSpPr txBox="1"/>
+          <p:nvPr/>
+        </p:nvSpPr>
+        <p:spPr>
+          <a:xfrm>
+            <a:off x="627404" y="4146910"/>
+            <a:ext cx="5778000" cy="369332"/>
+          </a:xfrm>
+          <a:prstGeom prst="rect">
+            <a:avLst/>
+          </a:prstGeom>
+          <a:noFill/>
+        </p:spPr>
+        <p:txBody>
+          <a:bodyPr wrap="square" rtlCol="0">
+            <a:spAutoFit/>
+          </a:bodyPr>
+          <a:lstStyle/>
+          <a:p>
+            <a:pPr algn="ctr"/>
+            <a:r>
+              <a:rPr kumimoji="1" lang="en-US" altLang="ja-JP" dirty="0" smtClean="0">
+                <a:latin typeface="Times New Roman" panose="02020603050405020304" pitchFamily="18" charset="0"/>
+                <a:cs typeface="Times New Roman" panose="02020603050405020304" pitchFamily="18" charset="0"/>
+              </a:rPr>
+              <a:t>Figure </a:t>
+            </a:r>
+            <a:r>
+              <a:rPr lang="en-US" altLang="ja-JP" dirty="0" smtClean="0">
+                <a:latin typeface="Times New Roman" panose="02020603050405020304" pitchFamily="18" charset="0"/>
+                <a:cs typeface="Times New Roman" panose="02020603050405020304" pitchFamily="18" charset="0"/>
+              </a:rPr>
+              <a:t>10. </a:t>
+            </a:r>
+            <a:r>
+              <a:rPr lang="en-US" altLang="ja-JP" dirty="0" smtClean="0">
+                <a:latin typeface="Times New Roman" panose="02020603050405020304" pitchFamily="18" charset="0"/>
+                <a:cs typeface="Times New Roman" panose="02020603050405020304" pitchFamily="18" charset="0"/>
+              </a:rPr>
+              <a:t>Number of suctioned particles by drag force</a:t>
+            </a:r>
+            <a:endParaRPr kumimoji="1" lang="ja-JP" altLang="en-US" dirty="0">
+              <a:latin typeface="Times New Roman" panose="02020603050405020304" pitchFamily="18" charset="0"/>
+              <a:cs typeface="Times New Roman" panose="02020603050405020304" pitchFamily="18" charset="0"/>
+            </a:endParaRPr>
+          </a:p>
+        </p:txBody>
+      </p:sp>
+      <p:sp>
+        <p:nvSpPr>
+          <p:cNvPr id="5" name="テキスト ボックス 4"/>
+          <p:cNvSpPr txBox="1"/>
+          <p:nvPr/>
+        </p:nvSpPr>
+        <p:spPr>
+          <a:xfrm>
+            <a:off x="627403" y="8808186"/>
+            <a:ext cx="5778000" cy="646331"/>
+          </a:xfrm>
+          <a:prstGeom prst="rect">
+            <a:avLst/>
+          </a:prstGeom>
+          <a:noFill/>
+        </p:spPr>
+        <p:txBody>
+          <a:bodyPr wrap="square" rtlCol="0">
+            <a:spAutoFit/>
+          </a:bodyPr>
+          <a:lstStyle/>
+          <a:p>
+            <a:pPr algn="ctr"/>
+            <a:r>
+              <a:rPr kumimoji="1" lang="en-US" altLang="ja-JP" dirty="0" smtClean="0">
+                <a:latin typeface="Times New Roman" panose="02020603050405020304" pitchFamily="18" charset="0"/>
+                <a:cs typeface="Times New Roman" panose="02020603050405020304" pitchFamily="18" charset="0"/>
+              </a:rPr>
+              <a:t>Figure </a:t>
+            </a:r>
+            <a:r>
+              <a:rPr lang="en-US" altLang="ja-JP" dirty="0" smtClean="0">
+                <a:latin typeface="Times New Roman" panose="02020603050405020304" pitchFamily="18" charset="0"/>
+                <a:cs typeface="Times New Roman" panose="02020603050405020304" pitchFamily="18" charset="0"/>
+              </a:rPr>
+              <a:t>11. </a:t>
+            </a:r>
+            <a:r>
+              <a:rPr lang="en-US" altLang="ja-JP" dirty="0" smtClean="0">
+                <a:latin typeface="Times New Roman" panose="02020603050405020304" pitchFamily="18" charset="0"/>
+                <a:cs typeface="Times New Roman" panose="02020603050405020304" pitchFamily="18" charset="0"/>
+              </a:rPr>
+              <a:t>Number of suctioned particles by pressure gradient</a:t>
+            </a:r>
+            <a:endParaRPr kumimoji="1" lang="ja-JP" altLang="en-US" dirty="0">
+              <a:latin typeface="Times New Roman" panose="02020603050405020304" pitchFamily="18" charset="0"/>
+              <a:cs typeface="Times New Roman" panose="02020603050405020304" pitchFamily="18" charset="0"/>
+            </a:endParaRPr>
+          </a:p>
+        </p:txBody>
+      </p:sp>
       <p:pic>
         <p:nvPicPr>
-          <p:cNvPr id="2" name="図 1"/>
+          <p:cNvPr id="11" name="図 10"/>
           <p:cNvPicPr>
             <a:picLocks noChangeAspect="1"/>
           </p:cNvPicPr>
           <p:nvPr/>
         </p:nvPicPr>
         <p:blipFill>
-          <a:blip r:embed="rId2" cstate="print">
+          <a:blip r:embed="rId2">
             <a:extLst>
               <a:ext uri="{28A0092B-C50C-407E-A947-70E740481C1C}">
                 <a14:useLocalDpi xmlns:a14="http://schemas.microsoft.com/office/drawing/2010/main" val="0"/>
@@ -6118,112 +6159,24 @@
         </p:blipFill>
         <p:spPr>
           <a:xfrm>
-            <a:off x="901328" y="0"/>
-            <a:ext cx="5230149" cy="3922612"/>
+            <a:off x="901327" y="235111"/>
+            <a:ext cx="5230150" cy="3929530"/>
           </a:xfrm>
           <a:prstGeom prst="rect">
             <a:avLst/>
           </a:prstGeom>
         </p:spPr>
       </p:pic>
-      <p:sp>
-        <p:nvSpPr>
-          <p:cNvPr id="4" name="テキスト ボックス 3"/>
-          <p:cNvSpPr txBox="1"/>
-          <p:nvPr/>
-        </p:nvSpPr>
-        <p:spPr>
-          <a:xfrm>
-            <a:off x="627403" y="3922612"/>
-            <a:ext cx="5778000" cy="369332"/>
-          </a:xfrm>
-          <a:prstGeom prst="rect">
-            <a:avLst/>
-          </a:prstGeom>
-          <a:noFill/>
-        </p:spPr>
-        <p:txBody>
-          <a:bodyPr wrap="square" rtlCol="0">
-            <a:spAutoFit/>
-          </a:bodyPr>
-          <a:lstStyle/>
-          <a:p>
-            <a:pPr algn="ctr"/>
-            <a:r>
-              <a:rPr kumimoji="1" lang="en-US" altLang="ja-JP" dirty="0" smtClean="0">
-                <a:latin typeface="Times New Roman" panose="02020603050405020304" pitchFamily="18" charset="0"/>
-                <a:cs typeface="Times New Roman" panose="02020603050405020304" pitchFamily="18" charset="0"/>
-              </a:rPr>
-              <a:t>Figure </a:t>
-            </a:r>
-            <a:r>
-              <a:rPr lang="en-US" altLang="ja-JP" dirty="0" smtClean="0">
-                <a:latin typeface="Times New Roman" panose="02020603050405020304" pitchFamily="18" charset="0"/>
-                <a:cs typeface="Times New Roman" panose="02020603050405020304" pitchFamily="18" charset="0"/>
-              </a:rPr>
-              <a:t>10. Drag force</a:t>
-            </a:r>
-            <a:endParaRPr kumimoji="1" lang="ja-JP" altLang="en-US" dirty="0">
-              <a:latin typeface="Times New Roman" panose="02020603050405020304" pitchFamily="18" charset="0"/>
-              <a:cs typeface="Times New Roman" panose="02020603050405020304" pitchFamily="18" charset="0"/>
-            </a:endParaRPr>
-          </a:p>
-        </p:txBody>
-      </p:sp>
-      <p:sp>
-        <p:nvSpPr>
-          <p:cNvPr id="5" name="テキスト ボックス 4"/>
-          <p:cNvSpPr txBox="1"/>
-          <p:nvPr/>
-        </p:nvSpPr>
-        <p:spPr>
-          <a:xfrm>
-            <a:off x="627403" y="8808186"/>
-            <a:ext cx="5778000" cy="369332"/>
-          </a:xfrm>
-          <a:prstGeom prst="rect">
-            <a:avLst/>
-          </a:prstGeom>
-          <a:noFill/>
-        </p:spPr>
-        <p:txBody>
-          <a:bodyPr wrap="square" rtlCol="0">
-            <a:spAutoFit/>
-          </a:bodyPr>
-          <a:lstStyle/>
-          <a:p>
-            <a:pPr algn="ctr"/>
-            <a:r>
-              <a:rPr kumimoji="1" lang="en-US" altLang="ja-JP" dirty="0" smtClean="0">
-                <a:latin typeface="Times New Roman" panose="02020603050405020304" pitchFamily="18" charset="0"/>
-                <a:cs typeface="Times New Roman" panose="02020603050405020304" pitchFamily="18" charset="0"/>
-              </a:rPr>
-              <a:t>Figure </a:t>
-            </a:r>
-            <a:r>
-              <a:rPr lang="en-US" altLang="ja-JP" dirty="0" smtClean="0">
-                <a:latin typeface="Times New Roman" panose="02020603050405020304" pitchFamily="18" charset="0"/>
-                <a:cs typeface="Times New Roman" panose="02020603050405020304" pitchFamily="18" charset="0"/>
-              </a:rPr>
-              <a:t>11. Pressure force</a:t>
-            </a:r>
-            <a:endParaRPr kumimoji="1" lang="ja-JP" altLang="en-US" dirty="0">
-              <a:latin typeface="Times New Roman" panose="02020603050405020304" pitchFamily="18" charset="0"/>
-              <a:cs typeface="Times New Roman" panose="02020603050405020304" pitchFamily="18" charset="0"/>
-            </a:endParaRPr>
-          </a:p>
-        </p:txBody>
-      </p:sp>
       <p:pic>
         <p:nvPicPr>
-          <p:cNvPr id="6" name="図 5"/>
+          <p:cNvPr id="12" name="図 11"/>
           <p:cNvPicPr>
             <a:picLocks noChangeAspect="1"/>
           </p:cNvPicPr>
           <p:nvPr/>
         </p:nvPicPr>
         <p:blipFill>
-          <a:blip r:embed="rId3" cstate="print">
+          <a:blip r:embed="rId3">
             <a:extLst>
               <a:ext uri="{28A0092B-C50C-407E-A947-70E740481C1C}">
                 <a14:useLocalDpi xmlns:a14="http://schemas.microsoft.com/office/drawing/2010/main" val="0"/>
@@ -6236,154 +6189,8 @@
         </p:blipFill>
         <p:spPr>
           <a:xfrm>
-            <a:off x="901328" y="4914117"/>
-            <a:ext cx="5230149" cy="3922612"/>
-          </a:xfrm>
-          <a:prstGeom prst="rect">
-            <a:avLst/>
-          </a:prstGeom>
-        </p:spPr>
-      </p:pic>
-      <p:sp>
-        <p:nvSpPr>
-          <p:cNvPr id="7" name="テキスト ボックス 6"/>
-          <p:cNvSpPr txBox="1"/>
-          <p:nvPr/>
-        </p:nvSpPr>
-        <p:spPr>
-          <a:xfrm>
-            <a:off x="627402" y="4221619"/>
-            <a:ext cx="5778000" cy="646331"/>
-          </a:xfrm>
-          <a:prstGeom prst="rect">
-            <a:avLst/>
-          </a:prstGeom>
-          <a:noFill/>
-        </p:spPr>
-        <p:txBody>
-          <a:bodyPr wrap="square" rtlCol="0">
-            <a:spAutoFit/>
-          </a:bodyPr>
-          <a:lstStyle/>
-          <a:p>
-            <a:pPr algn="ctr"/>
-            <a:r>
-              <a:rPr lang="ja-JP" altLang="en-US" dirty="0" smtClean="0">
-                <a:latin typeface="+mn-ea"/>
-                <a:cs typeface="Times New Roman" panose="02020603050405020304" pitchFamily="18" charset="0"/>
-              </a:rPr>
-              <a:t>下杵直上の</a:t>
-            </a:r>
-            <a:r>
-              <a:rPr lang="en-US" altLang="ja-JP" dirty="0" smtClean="0">
-                <a:latin typeface="+mn-ea"/>
-                <a:cs typeface="Times New Roman" panose="02020603050405020304" pitchFamily="18" charset="0"/>
-              </a:rPr>
-              <a:t>10×10 mm</a:t>
-            </a:r>
-            <a:r>
-              <a:rPr lang="en-US" altLang="ja-JP" baseline="30000" dirty="0" smtClean="0">
-                <a:latin typeface="+mn-ea"/>
-                <a:cs typeface="Times New Roman" panose="02020603050405020304" pitchFamily="18" charset="0"/>
-              </a:rPr>
-              <a:t>2</a:t>
-            </a:r>
-            <a:r>
-              <a:rPr lang="ja-JP" altLang="en-US" dirty="0" smtClean="0">
-                <a:latin typeface="+mn-ea"/>
-                <a:cs typeface="Times New Roman" panose="02020603050405020304" pitchFamily="18" charset="0"/>
-              </a:rPr>
-              <a:t>に存在する粒子に加わっている力の平均をとっている。鉛直下向き方向を正としている。</a:t>
-            </a:r>
-            <a:endParaRPr lang="en-US" altLang="ja-JP" baseline="30000" dirty="0" smtClean="0">
-              <a:latin typeface="+mn-ea"/>
-              <a:cs typeface="Times New Roman" panose="02020603050405020304" pitchFamily="18" charset="0"/>
-            </a:endParaRPr>
-          </a:p>
-        </p:txBody>
-      </p:sp>
-      <p:sp>
-        <p:nvSpPr>
-          <p:cNvPr id="8" name="テキスト ボックス 7"/>
-          <p:cNvSpPr txBox="1"/>
-          <p:nvPr/>
-        </p:nvSpPr>
-        <p:spPr>
-          <a:xfrm>
-            <a:off x="627402" y="9177518"/>
-            <a:ext cx="5778000" cy="646331"/>
-          </a:xfrm>
-          <a:prstGeom prst="rect">
-            <a:avLst/>
-          </a:prstGeom>
-          <a:noFill/>
-        </p:spPr>
-        <p:txBody>
-          <a:bodyPr wrap="square" rtlCol="0">
-            <a:spAutoFit/>
-          </a:bodyPr>
-          <a:lstStyle/>
-          <a:p>
-            <a:pPr algn="ctr"/>
-            <a:r>
-              <a:rPr lang="ja-JP" altLang="en-US" dirty="0" smtClean="0">
-                <a:latin typeface="+mn-ea"/>
-                <a:cs typeface="Times New Roman" panose="02020603050405020304" pitchFamily="18" charset="0"/>
-              </a:rPr>
-              <a:t>下杵直上の</a:t>
-            </a:r>
-            <a:r>
-              <a:rPr lang="en-US" altLang="ja-JP" dirty="0" smtClean="0">
-                <a:latin typeface="+mn-ea"/>
-                <a:cs typeface="Times New Roman" panose="02020603050405020304" pitchFamily="18" charset="0"/>
-              </a:rPr>
-              <a:t>10×10 mm</a:t>
-            </a:r>
-            <a:r>
-              <a:rPr lang="en-US" altLang="ja-JP" baseline="30000" dirty="0" smtClean="0">
-                <a:latin typeface="+mn-ea"/>
-                <a:cs typeface="Times New Roman" panose="02020603050405020304" pitchFamily="18" charset="0"/>
-              </a:rPr>
-              <a:t>2</a:t>
-            </a:r>
-            <a:r>
-              <a:rPr lang="ja-JP" altLang="en-US" dirty="0" smtClean="0">
-                <a:latin typeface="+mn-ea"/>
-                <a:cs typeface="Times New Roman" panose="02020603050405020304" pitchFamily="18" charset="0"/>
-              </a:rPr>
-              <a:t>に存在する粒子に加わっている力の平均をとっている。鉛直下向き方向を正としている。</a:t>
-            </a:r>
-            <a:endParaRPr lang="en-US" altLang="ja-JP" baseline="30000" dirty="0" smtClean="0">
-              <a:latin typeface="+mn-ea"/>
-              <a:cs typeface="Times New Roman" panose="02020603050405020304" pitchFamily="18" charset="0"/>
-            </a:endParaRPr>
-          </a:p>
-        </p:txBody>
-      </p:sp>
-      <p:pic>
-        <p:nvPicPr>
-          <p:cNvPr id="9" name="図 8"/>
-          <p:cNvPicPr>
-            <a:picLocks noChangeAspect="1"/>
-          </p:cNvPicPr>
-          <p:nvPr/>
-        </p:nvPicPr>
-        <p:blipFill>
-          <a:blip r:embed="rId4" cstate="print">
-            <a:extLst>
-              <a:ext uri="{28A0092B-C50C-407E-A947-70E740481C1C}">
-                <a14:useLocalDpi xmlns:a14="http://schemas.microsoft.com/office/drawing/2010/main" val="0"/>
-              </a:ext>
-            </a:extLst>
-          </a:blip>
-          <a:stretch>
-            <a:fillRect/>
-          </a:stretch>
-        </p:blipFill>
-        <p:spPr>
-          <a:xfrm>
-            <a:off x="901327" y="4885574"/>
-            <a:ext cx="5230149" cy="3922612"/>
+            <a:off x="901327" y="4878655"/>
+            <a:ext cx="5230151" cy="3929531"/>
           </a:xfrm>
           <a:prstGeom prst="rect">
             <a:avLst/>

--- a/論文/figures/Figures&Tables.pptx
+++ b/論文/figures/Figures&Tables.pptx
@@ -5,7 +5,7 @@
     <p:sldMasterId id="2147483660" r:id="rId1"/>
   </p:sldMasterIdLst>
   <p:handoutMasterIdLst>
-    <p:handoutMasterId r:id="rId12"/>
+    <p:handoutMasterId r:id="rId14"/>
   </p:handoutMasterIdLst>
   <p:sldIdLst>
     <p:sldId id="257" r:id="rId2"/>
@@ -16,8 +16,10 @@
     <p:sldId id="273" r:id="rId7"/>
     <p:sldId id="269" r:id="rId8"/>
     <p:sldId id="262" r:id="rId9"/>
-    <p:sldId id="277" r:id="rId10"/>
-    <p:sldId id="271" r:id="rId11"/>
+    <p:sldId id="278" r:id="rId10"/>
+    <p:sldId id="279" r:id="rId11"/>
+    <p:sldId id="277" r:id="rId12"/>
+    <p:sldId id="271" r:id="rId13"/>
   </p:sldIdLst>
   <p:sldSz cx="6858000" cy="9906000" type="A4"/>
   <p:notesSz cx="9144000" cy="6858000"/>
@@ -206,7 +208,7 @@
           <a:p>
             <a:fld id="{CF2BC990-631B-44C0-9708-8FFAA36D913C}" type="datetimeFigureOut">
               <a:rPr kumimoji="1" lang="ja-JP" altLang="en-US" smtClean="0"/>
-              <a:t>2019/8/30</a:t>
+              <a:t>2019/9/2</a:t>
             </a:fld>
             <a:endParaRPr kumimoji="1" lang="ja-JP" altLang="en-US"/>
           </a:p>
@@ -420,7 +422,7 @@
           <a:p>
             <a:fld id="{0BA0E0C8-02F0-4E03-83F6-93C841C817A4}" type="datetimeFigureOut">
               <a:rPr kumimoji="1" lang="ja-JP" altLang="en-US" smtClean="0"/>
-              <a:t>2019/8/30</a:t>
+              <a:t>2019/9/2</a:t>
             </a:fld>
             <a:endParaRPr kumimoji="1" lang="ja-JP" altLang="en-US"/>
           </a:p>
@@ -622,7 +624,7 @@
           <a:p>
             <a:fld id="{0BA0E0C8-02F0-4E03-83F6-93C841C817A4}" type="datetimeFigureOut">
               <a:rPr kumimoji="1" lang="ja-JP" altLang="en-US" smtClean="0"/>
-              <a:t>2019/8/30</a:t>
+              <a:t>2019/9/2</a:t>
             </a:fld>
             <a:endParaRPr kumimoji="1" lang="ja-JP" altLang="en-US"/>
           </a:p>
@@ -834,7 +836,7 @@
           <a:p>
             <a:fld id="{0BA0E0C8-02F0-4E03-83F6-93C841C817A4}" type="datetimeFigureOut">
               <a:rPr kumimoji="1" lang="ja-JP" altLang="en-US" smtClean="0"/>
-              <a:t>2019/8/30</a:t>
+              <a:t>2019/9/2</a:t>
             </a:fld>
             <a:endParaRPr kumimoji="1" lang="ja-JP" altLang="en-US"/>
           </a:p>
@@ -1036,7 +1038,7 @@
           <a:p>
             <a:fld id="{0BA0E0C8-02F0-4E03-83F6-93C841C817A4}" type="datetimeFigureOut">
               <a:rPr kumimoji="1" lang="ja-JP" altLang="en-US" smtClean="0"/>
-              <a:t>2019/8/30</a:t>
+              <a:t>2019/9/2</a:t>
             </a:fld>
             <a:endParaRPr kumimoji="1" lang="ja-JP" altLang="en-US"/>
           </a:p>
@@ -1280,7 +1282,7 @@
           <a:p>
             <a:fld id="{0BA0E0C8-02F0-4E03-83F6-93C841C817A4}" type="datetimeFigureOut">
               <a:rPr kumimoji="1" lang="ja-JP" altLang="en-US" smtClean="0"/>
-              <a:t>2019/8/30</a:t>
+              <a:t>2019/9/2</a:t>
             </a:fld>
             <a:endParaRPr kumimoji="1" lang="ja-JP" altLang="en-US"/>
           </a:p>
@@ -1576,7 +1578,7 @@
           <a:p>
             <a:fld id="{0BA0E0C8-02F0-4E03-83F6-93C841C817A4}" type="datetimeFigureOut">
               <a:rPr kumimoji="1" lang="ja-JP" altLang="en-US" smtClean="0"/>
-              <a:t>2019/8/30</a:t>
+              <a:t>2019/9/2</a:t>
             </a:fld>
             <a:endParaRPr kumimoji="1" lang="ja-JP" altLang="en-US"/>
           </a:p>
@@ -2007,7 +2009,7 @@
           <a:p>
             <a:fld id="{0BA0E0C8-02F0-4E03-83F6-93C841C817A4}" type="datetimeFigureOut">
               <a:rPr kumimoji="1" lang="ja-JP" altLang="en-US" smtClean="0"/>
-              <a:t>2019/8/30</a:t>
+              <a:t>2019/9/2</a:t>
             </a:fld>
             <a:endParaRPr kumimoji="1" lang="ja-JP" altLang="en-US"/>
           </a:p>
@@ -2125,7 +2127,7 @@
           <a:p>
             <a:fld id="{0BA0E0C8-02F0-4E03-83F6-93C841C817A4}" type="datetimeFigureOut">
               <a:rPr kumimoji="1" lang="ja-JP" altLang="en-US" smtClean="0"/>
-              <a:t>2019/8/30</a:t>
+              <a:t>2019/9/2</a:t>
             </a:fld>
             <a:endParaRPr kumimoji="1" lang="ja-JP" altLang="en-US"/>
           </a:p>
@@ -2220,7 +2222,7 @@
           <a:p>
             <a:fld id="{0BA0E0C8-02F0-4E03-83F6-93C841C817A4}" type="datetimeFigureOut">
               <a:rPr kumimoji="1" lang="ja-JP" altLang="en-US" smtClean="0"/>
-              <a:t>2019/8/30</a:t>
+              <a:t>2019/9/2</a:t>
             </a:fld>
             <a:endParaRPr kumimoji="1" lang="ja-JP" altLang="en-US"/>
           </a:p>
@@ -2529,7 +2531,7 @@
           <a:p>
             <a:fld id="{0BA0E0C8-02F0-4E03-83F6-93C841C817A4}" type="datetimeFigureOut">
               <a:rPr kumimoji="1" lang="ja-JP" altLang="en-US" smtClean="0"/>
-              <a:t>2019/8/30</a:t>
+              <a:t>2019/9/2</a:t>
             </a:fld>
             <a:endParaRPr kumimoji="1" lang="ja-JP" altLang="en-US"/>
           </a:p>
@@ -2786,7 +2788,7 @@
           <a:p>
             <a:fld id="{0BA0E0C8-02F0-4E03-83F6-93C841C817A4}" type="datetimeFigureOut">
               <a:rPr kumimoji="1" lang="ja-JP" altLang="en-US" smtClean="0"/>
-              <a:t>2019/8/30</a:t>
+              <a:t>2019/9/2</a:t>
             </a:fld>
             <a:endParaRPr kumimoji="1" lang="ja-JP" altLang="en-US"/>
           </a:p>
@@ -3031,7 +3033,7 @@
           <a:p>
             <a:fld id="{0BA0E0C8-02F0-4E03-83F6-93C841C817A4}" type="datetimeFigureOut">
               <a:rPr kumimoji="1" lang="ja-JP" altLang="en-US" smtClean="0"/>
-              <a:t>2019/8/30</a:t>
+              <a:t>2019/9/2</a:t>
             </a:fld>
             <a:endParaRPr kumimoji="1" lang="ja-JP" altLang="en-US"/>
           </a:p>
@@ -3533,6 +3535,87 @@
           <a:chExt cx="0" cy="0"/>
         </a:xfrm>
       </p:grpSpPr>
+      <p:sp>
+        <p:nvSpPr>
+          <p:cNvPr id="41" name="テキスト ボックス 40"/>
+          <p:cNvSpPr txBox="1"/>
+          <p:nvPr/>
+        </p:nvSpPr>
+        <p:spPr>
+          <a:xfrm>
+            <a:off x="527896" y="6750423"/>
+            <a:ext cx="5778000" cy="369332"/>
+          </a:xfrm>
+          <a:prstGeom prst="rect">
+            <a:avLst/>
+          </a:prstGeom>
+          <a:noFill/>
+        </p:spPr>
+        <p:txBody>
+          <a:bodyPr wrap="square" rtlCol="0">
+            <a:spAutoFit/>
+          </a:bodyPr>
+          <a:lstStyle/>
+          <a:p>
+            <a:pPr algn="ctr"/>
+            <a:r>
+              <a:rPr kumimoji="1" lang="en-US" altLang="ja-JP" dirty="0" smtClean="0">
+                <a:latin typeface="Times New Roman" panose="02020603050405020304" pitchFamily="18" charset="0"/>
+                <a:cs typeface="Times New Roman" panose="02020603050405020304" pitchFamily="18" charset="0"/>
+              </a:rPr>
+              <a:t>Figure </a:t>
+            </a:r>
+            <a:r>
+              <a:rPr lang="en-US" altLang="ja-JP" dirty="0">
+                <a:latin typeface="Times New Roman" panose="02020603050405020304" pitchFamily="18" charset="0"/>
+                <a:cs typeface="Times New Roman" panose="02020603050405020304" pitchFamily="18" charset="0"/>
+              </a:rPr>
+              <a:t>5</a:t>
+            </a:r>
+            <a:r>
+              <a:rPr lang="en-US" altLang="ja-JP" dirty="0" smtClean="0">
+                <a:latin typeface="Times New Roman" panose="02020603050405020304" pitchFamily="18" charset="0"/>
+                <a:cs typeface="Times New Roman" panose="02020603050405020304" pitchFamily="18" charset="0"/>
+              </a:rPr>
+              <a:t>. Pressure force</a:t>
+            </a:r>
+            <a:endParaRPr kumimoji="1" lang="ja-JP" altLang="en-US" dirty="0">
+              <a:latin typeface="Times New Roman" panose="02020603050405020304" pitchFamily="18" charset="0"/>
+              <a:cs typeface="Times New Roman" panose="02020603050405020304" pitchFamily="18" charset="0"/>
+            </a:endParaRPr>
+          </a:p>
+        </p:txBody>
+      </p:sp>
+      <p:pic>
+        <p:nvPicPr>
+          <p:cNvPr id="7" name="図 6"/>
+          <p:cNvPicPr>
+            <a:picLocks noChangeAspect="1"/>
+          </p:cNvPicPr>
+          <p:nvPr/>
+        </p:nvPicPr>
+        <p:blipFill>
+          <a:blip r:embed="rId2">
+            <a:extLst>
+              <a:ext uri="{28A0092B-C50C-407E-A947-70E740481C1C}">
+                <a14:useLocalDpi xmlns:a14="http://schemas.microsoft.com/office/drawing/2010/main" val="0"/>
+              </a:ext>
+            </a:extLst>
+          </a:blip>
+          <a:stretch>
+            <a:fillRect/>
+          </a:stretch>
+        </p:blipFill>
+        <p:spPr>
+          <a:xfrm>
+            <a:off x="5642385" y="2393574"/>
+            <a:ext cx="1219648" cy="3049121"/>
+          </a:xfrm>
+          <a:prstGeom prst="rect">
+            <a:avLst/>
+          </a:prstGeom>
+        </p:spPr>
+      </p:pic>
       <p:pic>
         <p:nvPicPr>
           <p:cNvPr id="2" name="図 1"/>
@@ -3542,6 +3625,153 @@
           <p:nvPr/>
         </p:nvPicPr>
         <p:blipFill rotWithShape="1">
+          <a:blip r:embed="rId3">
+            <a:extLst>
+              <a:ext uri="{28A0092B-C50C-407E-A947-70E740481C1C}">
+                <a14:useLocalDpi xmlns:a14="http://schemas.microsoft.com/office/drawing/2010/main" val="0"/>
+              </a:ext>
+            </a:extLst>
+          </a:blip>
+          <a:srcRect l="22626" t="22020"/>
+          <a:stretch/>
+        </p:blipFill>
+        <p:spPr>
+          <a:xfrm>
+            <a:off x="336094" y="1402568"/>
+            <a:ext cx="5306291" cy="5347855"/>
+          </a:xfrm>
+          <a:prstGeom prst="rect">
+            <a:avLst/>
+          </a:prstGeom>
+        </p:spPr>
+      </p:pic>
+    </p:spTree>
+    <p:extLst>
+      <p:ext uri="{BB962C8B-B14F-4D97-AF65-F5344CB8AC3E}">
+        <p14:creationId xmlns:p14="http://schemas.microsoft.com/office/powerpoint/2010/main" val="1498197640"/>
+      </p:ext>
+    </p:extLst>
+  </p:cSld>
+  <p:clrMapOvr>
+    <a:masterClrMapping/>
+  </p:clrMapOvr>
+</p:sld>
+</file>
+
+<file path=ppt/slides/slide11.xml><?xml version="1.0" encoding="utf-8"?>
+<p:sld xmlns:a="http://schemas.openxmlformats.org/drawingml/2006/main" xmlns:r="http://schemas.openxmlformats.org/officeDocument/2006/relationships" xmlns:p="http://schemas.openxmlformats.org/presentationml/2006/main">
+  <p:cSld>
+    <p:spTree>
+      <p:nvGrpSpPr>
+        <p:cNvPr id="1" name=""/>
+        <p:cNvGrpSpPr/>
+        <p:nvPr/>
+      </p:nvGrpSpPr>
+      <p:grpSpPr>
+        <a:xfrm>
+          <a:off x="0" y="0"/>
+          <a:ext cx="0" cy="0"/>
+          <a:chOff x="0" y="0"/>
+          <a:chExt cx="0" cy="0"/>
+        </a:xfrm>
+      </p:grpSpPr>
+      <p:sp>
+        <p:nvSpPr>
+          <p:cNvPr id="4" name="テキスト ボックス 3"/>
+          <p:cNvSpPr txBox="1"/>
+          <p:nvPr/>
+        </p:nvSpPr>
+        <p:spPr>
+          <a:xfrm>
+            <a:off x="627404" y="4146910"/>
+            <a:ext cx="5778000" cy="369332"/>
+          </a:xfrm>
+          <a:prstGeom prst="rect">
+            <a:avLst/>
+          </a:prstGeom>
+          <a:noFill/>
+        </p:spPr>
+        <p:txBody>
+          <a:bodyPr wrap="square" rtlCol="0">
+            <a:spAutoFit/>
+          </a:bodyPr>
+          <a:lstStyle/>
+          <a:p>
+            <a:pPr algn="ctr"/>
+            <a:r>
+              <a:rPr kumimoji="1" lang="en-US" altLang="ja-JP" dirty="0" smtClean="0">
+                <a:latin typeface="Times New Roman" panose="02020603050405020304" pitchFamily="18" charset="0"/>
+                <a:cs typeface="Times New Roman" panose="02020603050405020304" pitchFamily="18" charset="0"/>
+              </a:rPr>
+              <a:t>Figure </a:t>
+            </a:r>
+            <a:r>
+              <a:rPr lang="en-US" altLang="ja-JP" dirty="0" smtClean="0">
+                <a:latin typeface="Times New Roman" panose="02020603050405020304" pitchFamily="18" charset="0"/>
+                <a:cs typeface="Times New Roman" panose="02020603050405020304" pitchFamily="18" charset="0"/>
+              </a:rPr>
+              <a:t>10. Number of suctioned particles by drag force</a:t>
+            </a:r>
+            <a:endParaRPr kumimoji="1" lang="ja-JP" altLang="en-US" dirty="0">
+              <a:latin typeface="Times New Roman" panose="02020603050405020304" pitchFamily="18" charset="0"/>
+              <a:cs typeface="Times New Roman" panose="02020603050405020304" pitchFamily="18" charset="0"/>
+            </a:endParaRPr>
+          </a:p>
+        </p:txBody>
+      </p:sp>
+      <p:sp>
+        <p:nvSpPr>
+          <p:cNvPr id="5" name="テキスト ボックス 4"/>
+          <p:cNvSpPr txBox="1"/>
+          <p:nvPr/>
+        </p:nvSpPr>
+        <p:spPr>
+          <a:xfrm>
+            <a:off x="627403" y="8808186"/>
+            <a:ext cx="5778000" cy="646331"/>
+          </a:xfrm>
+          <a:prstGeom prst="rect">
+            <a:avLst/>
+          </a:prstGeom>
+          <a:noFill/>
+        </p:spPr>
+        <p:txBody>
+          <a:bodyPr wrap="square" rtlCol="0">
+            <a:spAutoFit/>
+          </a:bodyPr>
+          <a:lstStyle/>
+          <a:p>
+            <a:pPr algn="ctr"/>
+            <a:r>
+              <a:rPr kumimoji="1" lang="en-US" altLang="ja-JP" dirty="0" smtClean="0">
+                <a:latin typeface="Times New Roman" panose="02020603050405020304" pitchFamily="18" charset="0"/>
+                <a:cs typeface="Times New Roman" panose="02020603050405020304" pitchFamily="18" charset="0"/>
+              </a:rPr>
+              <a:t>Figure </a:t>
+            </a:r>
+            <a:r>
+              <a:rPr lang="en-US" altLang="ja-JP" dirty="0" smtClean="0">
+                <a:latin typeface="Times New Roman" panose="02020603050405020304" pitchFamily="18" charset="0"/>
+                <a:cs typeface="Times New Roman" panose="02020603050405020304" pitchFamily="18" charset="0"/>
+              </a:rPr>
+              <a:t>11. Number of suctioned particles by pressure gradient</a:t>
+            </a:r>
+            <a:endParaRPr kumimoji="1" lang="ja-JP" altLang="en-US" dirty="0">
+              <a:latin typeface="Times New Roman" panose="02020603050405020304" pitchFamily="18" charset="0"/>
+              <a:cs typeface="Times New Roman" panose="02020603050405020304" pitchFamily="18" charset="0"/>
+            </a:endParaRPr>
+          </a:p>
+        </p:txBody>
+      </p:sp>
+      <p:pic>
+        <p:nvPicPr>
+          <p:cNvPr id="2" name="図 1"/>
+          <p:cNvPicPr>
+            <a:picLocks noChangeAspect="1"/>
+          </p:cNvPicPr>
+          <p:nvPr/>
+        </p:nvPicPr>
+        <p:blipFill>
           <a:blip r:embed="rId2">
             <a:extLst>
               <a:ext uri="{28A0092B-C50C-407E-A947-70E740481C1C}">
@@ -3549,63 +3779,20 @@
               </a:ext>
             </a:extLst>
           </a:blip>
-          <a:srcRect l="19780"/>
-          <a:stretch/>
+          <a:stretch>
+            <a:fillRect/>
+          </a:stretch>
         </p:blipFill>
         <p:spPr>
           <a:xfrm>
-            <a:off x="803564" y="2139600"/>
-            <a:ext cx="4475488" cy="5579012"/>
+            <a:off x="901327" y="217379"/>
+            <a:ext cx="5230151" cy="3929531"/>
           </a:xfrm>
           <a:prstGeom prst="rect">
             <a:avLst/>
           </a:prstGeom>
         </p:spPr>
       </p:pic>
-      <p:sp>
-        <p:nvSpPr>
-          <p:cNvPr id="41" name="テキスト ボックス 40"/>
-          <p:cNvSpPr txBox="1"/>
-          <p:nvPr/>
-        </p:nvSpPr>
-        <p:spPr>
-          <a:xfrm>
-            <a:off x="540000" y="7718612"/>
-            <a:ext cx="5778000" cy="369332"/>
-          </a:xfrm>
-          <a:prstGeom prst="rect">
-            <a:avLst/>
-          </a:prstGeom>
-          <a:noFill/>
-        </p:spPr>
-        <p:txBody>
-          <a:bodyPr wrap="square" rtlCol="0">
-            <a:spAutoFit/>
-          </a:bodyPr>
-          <a:lstStyle/>
-          <a:p>
-            <a:pPr algn="ctr"/>
-            <a:r>
-              <a:rPr kumimoji="1" lang="en-US" altLang="ja-JP" dirty="0" smtClean="0">
-                <a:latin typeface="Times New Roman" panose="02020603050405020304" pitchFamily="18" charset="0"/>
-                <a:cs typeface="Times New Roman" panose="02020603050405020304" pitchFamily="18" charset="0"/>
-              </a:rPr>
-              <a:t>Figure </a:t>
-            </a:r>
-            <a:r>
-              <a:rPr lang="en-US" altLang="ja-JP" dirty="0" smtClean="0">
-                <a:latin typeface="Times New Roman" panose="02020603050405020304" pitchFamily="18" charset="0"/>
-                <a:cs typeface="Times New Roman" panose="02020603050405020304" pitchFamily="18" charset="0"/>
-              </a:rPr>
-              <a:t>12. Bubble movement</a:t>
-            </a:r>
-            <a:endParaRPr kumimoji="1" lang="ja-JP" altLang="en-US" dirty="0">
-              <a:latin typeface="Times New Roman" panose="02020603050405020304" pitchFamily="18" charset="0"/>
-              <a:cs typeface="Times New Roman" panose="02020603050405020304" pitchFamily="18" charset="0"/>
-            </a:endParaRPr>
-          </a:p>
-        </p:txBody>
-      </p:sp>
       <p:pic>
         <p:nvPicPr>
           <p:cNvPr id="3" name="図 2"/>
@@ -3628,8 +3815,141 @@
         </p:blipFill>
         <p:spPr>
           <a:xfrm>
+            <a:off x="901326" y="4878654"/>
+            <a:ext cx="5230152" cy="3929532"/>
+          </a:xfrm>
+          <a:prstGeom prst="rect">
+            <a:avLst/>
+          </a:prstGeom>
+        </p:spPr>
+      </p:pic>
+    </p:spTree>
+    <p:extLst>
+      <p:ext uri="{BB962C8B-B14F-4D97-AF65-F5344CB8AC3E}">
+        <p14:creationId xmlns:p14="http://schemas.microsoft.com/office/powerpoint/2010/main" val="2845386433"/>
+      </p:ext>
+    </p:extLst>
+  </p:cSld>
+  <p:clrMapOvr>
+    <a:masterClrMapping/>
+  </p:clrMapOvr>
+</p:sld>
+</file>
+
+<file path=ppt/slides/slide12.xml><?xml version="1.0" encoding="utf-8"?>
+<p:sld xmlns:a="http://schemas.openxmlformats.org/drawingml/2006/main" xmlns:r="http://schemas.openxmlformats.org/officeDocument/2006/relationships" xmlns:p="http://schemas.openxmlformats.org/presentationml/2006/main">
+  <p:cSld>
+    <p:spTree>
+      <p:nvGrpSpPr>
+        <p:cNvPr id="1" name=""/>
+        <p:cNvGrpSpPr/>
+        <p:nvPr/>
+      </p:nvGrpSpPr>
+      <p:grpSpPr>
+        <a:xfrm>
+          <a:off x="0" y="0"/>
+          <a:ext cx="0" cy="0"/>
+          <a:chOff x="0" y="0"/>
+          <a:chExt cx="0" cy="0"/>
+        </a:xfrm>
+      </p:grpSpPr>
+      <p:sp>
+        <p:nvSpPr>
+          <p:cNvPr id="41" name="テキスト ボックス 40"/>
+          <p:cNvSpPr txBox="1"/>
+          <p:nvPr/>
+        </p:nvSpPr>
+        <p:spPr>
+          <a:xfrm>
+            <a:off x="540000" y="7718612"/>
+            <a:ext cx="5778000" cy="369332"/>
+          </a:xfrm>
+          <a:prstGeom prst="rect">
+            <a:avLst/>
+          </a:prstGeom>
+          <a:noFill/>
+        </p:spPr>
+        <p:txBody>
+          <a:bodyPr wrap="square" rtlCol="0">
+            <a:spAutoFit/>
+          </a:bodyPr>
+          <a:lstStyle/>
+          <a:p>
+            <a:pPr algn="ctr"/>
+            <a:r>
+              <a:rPr kumimoji="1" lang="en-US" altLang="ja-JP" dirty="0" smtClean="0">
+                <a:latin typeface="Times New Roman" panose="02020603050405020304" pitchFamily="18" charset="0"/>
+                <a:cs typeface="Times New Roman" panose="02020603050405020304" pitchFamily="18" charset="0"/>
+              </a:rPr>
+              <a:t>Figure </a:t>
+            </a:r>
+            <a:r>
+              <a:rPr lang="en-US" altLang="ja-JP" dirty="0" smtClean="0">
+                <a:latin typeface="Times New Roman" panose="02020603050405020304" pitchFamily="18" charset="0"/>
+                <a:cs typeface="Times New Roman" panose="02020603050405020304" pitchFamily="18" charset="0"/>
+              </a:rPr>
+              <a:t>12. Bubble movement</a:t>
+            </a:r>
+            <a:endParaRPr kumimoji="1" lang="ja-JP" altLang="en-US" dirty="0">
+              <a:latin typeface="Times New Roman" panose="02020603050405020304" pitchFamily="18" charset="0"/>
+              <a:cs typeface="Times New Roman" panose="02020603050405020304" pitchFamily="18" charset="0"/>
+            </a:endParaRPr>
+          </a:p>
+        </p:txBody>
+      </p:sp>
+      <p:pic>
+        <p:nvPicPr>
+          <p:cNvPr id="3" name="図 2"/>
+          <p:cNvPicPr>
+            <a:picLocks noChangeAspect="1"/>
+          </p:cNvPicPr>
+          <p:nvPr/>
+        </p:nvPicPr>
+        <p:blipFill>
+          <a:blip r:embed="rId2">
+            <a:extLst>
+              <a:ext uri="{28A0092B-C50C-407E-A947-70E740481C1C}">
+                <a14:useLocalDpi xmlns:a14="http://schemas.microsoft.com/office/drawing/2010/main" val="0"/>
+              </a:ext>
+            </a:extLst>
+          </a:blip>
+          <a:stretch>
+            <a:fillRect/>
+          </a:stretch>
+        </p:blipFill>
+        <p:spPr>
+          <a:xfrm>
             <a:off x="5279052" y="2111188"/>
             <a:ext cx="1256219" cy="3140547"/>
+          </a:xfrm>
+          <a:prstGeom prst="rect">
+            <a:avLst/>
+          </a:prstGeom>
+        </p:spPr>
+      </p:pic>
+      <p:pic>
+        <p:nvPicPr>
+          <p:cNvPr id="4" name="図 3"/>
+          <p:cNvPicPr>
+            <a:picLocks noChangeAspect="1"/>
+          </p:cNvPicPr>
+          <p:nvPr/>
+        </p:nvPicPr>
+        <p:blipFill rotWithShape="1">
+          <a:blip r:embed="rId3">
+            <a:extLst>
+              <a:ext uri="{28A0092B-C50C-407E-A947-70E740481C1C}">
+                <a14:useLocalDpi xmlns:a14="http://schemas.microsoft.com/office/drawing/2010/main" val="0"/>
+              </a:ext>
+            </a:extLst>
+          </a:blip>
+          <a:srcRect l="22222"/>
+          <a:stretch/>
+        </p:blipFill>
+        <p:spPr>
+          <a:xfrm>
+            <a:off x="939820" y="2111188"/>
+            <a:ext cx="4339232" cy="5579012"/>
           </a:xfrm>
           <a:prstGeom prst="rect">
             <a:avLst/>
@@ -5656,25 +5976,14 @@
                 <a:latin typeface="Times New Roman" panose="02020603050405020304" pitchFamily="18" charset="0"/>
                 <a:cs typeface="Times New Roman" panose="02020603050405020304" pitchFamily="18" charset="0"/>
               </a:rPr>
-              <a:t>. </a:t>
-            </a:r>
-            <a:r>
-              <a:rPr lang="en-US" altLang="ja-JP" dirty="0" smtClean="0">
-                <a:latin typeface="Times New Roman" panose="02020603050405020304" pitchFamily="18" charset="0"/>
-                <a:cs typeface="Times New Roman" panose="02020603050405020304" pitchFamily="18" charset="0"/>
-              </a:rPr>
-              <a:t>Number of suctioned particles</a:t>
-            </a:r>
-            <a:endParaRPr lang="en-US" altLang="ja-JP" dirty="0" smtClean="0">
-              <a:latin typeface="Times New Roman" panose="02020603050405020304" pitchFamily="18" charset="0"/>
-              <a:cs typeface="Times New Roman" panose="02020603050405020304" pitchFamily="18" charset="0"/>
-            </a:endParaRPr>
+              <a:t>. Number of suctioned particles</a:t>
+            </a:r>
           </a:p>
         </p:txBody>
       </p:sp>
       <p:pic>
         <p:nvPicPr>
-          <p:cNvPr id="6" name="図 5"/>
+          <p:cNvPr id="2" name="図 1"/>
           <p:cNvPicPr>
             <a:picLocks noChangeAspect="1"/>
           </p:cNvPicPr>
@@ -5694,8 +6003,8 @@
         </p:blipFill>
         <p:spPr>
           <a:xfrm>
-            <a:off x="687938" y="167180"/>
-            <a:ext cx="5656930" cy="4250180"/>
+            <a:off x="627403" y="121698"/>
+            <a:ext cx="5717466" cy="4295662"/>
           </a:xfrm>
           <a:prstGeom prst="rect">
             <a:avLst/>
@@ -6037,13 +6346,13 @@
       </p:grpSpPr>
       <p:sp>
         <p:nvSpPr>
-          <p:cNvPr id="4" name="テキスト ボックス 3"/>
+          <p:cNvPr id="41" name="テキスト ボックス 40"/>
           <p:cNvSpPr txBox="1"/>
           <p:nvPr/>
         </p:nvSpPr>
         <p:spPr>
           <a:xfrm>
-            <a:off x="627404" y="4146910"/>
+            <a:off x="527896" y="6750423"/>
             <a:ext cx="5778000" cy="369332"/>
           </a:xfrm>
           <a:prstGeom prst="rect">
@@ -6066,18 +6375,18 @@
               <a:t>Figure </a:t>
             </a:r>
             <a:r>
+              <a:rPr lang="en-US" altLang="ja-JP" dirty="0">
+                <a:latin typeface="Times New Roman" panose="02020603050405020304" pitchFamily="18" charset="0"/>
+                <a:cs typeface="Times New Roman" panose="02020603050405020304" pitchFamily="18" charset="0"/>
+              </a:rPr>
+              <a:t>4</a:t>
+            </a:r>
+            <a:r>
               <a:rPr lang="en-US" altLang="ja-JP" dirty="0" smtClean="0">
                 <a:latin typeface="Times New Roman" panose="02020603050405020304" pitchFamily="18" charset="0"/>
                 <a:cs typeface="Times New Roman" panose="02020603050405020304" pitchFamily="18" charset="0"/>
               </a:rPr>
-              <a:t>10. </a:t>
-            </a:r>
-            <a:r>
-              <a:rPr lang="en-US" altLang="ja-JP" dirty="0" smtClean="0">
-                <a:latin typeface="Times New Roman" panose="02020603050405020304" pitchFamily="18" charset="0"/>
-                <a:cs typeface="Times New Roman" panose="02020603050405020304" pitchFamily="18" charset="0"/>
-              </a:rPr>
-              <a:t>Number of suctioned particles by drag force</a:t>
+              <a:t>. Drag force</a:t>
             </a:r>
             <a:endParaRPr kumimoji="1" lang="ja-JP" altLang="en-US" dirty="0">
               <a:latin typeface="Times New Roman" panose="02020603050405020304" pitchFamily="18" charset="0"/>
@@ -6086,60 +6395,9 @@
           </a:p>
         </p:txBody>
       </p:sp>
-      <p:sp>
-        <p:nvSpPr>
-          <p:cNvPr id="5" name="テキスト ボックス 4"/>
-          <p:cNvSpPr txBox="1"/>
-          <p:nvPr/>
-        </p:nvSpPr>
-        <p:spPr>
-          <a:xfrm>
-            <a:off x="627403" y="8808186"/>
-            <a:ext cx="5778000" cy="646331"/>
-          </a:xfrm>
-          <a:prstGeom prst="rect">
-            <a:avLst/>
-          </a:prstGeom>
-          <a:noFill/>
-        </p:spPr>
-        <p:txBody>
-          <a:bodyPr wrap="square" rtlCol="0">
-            <a:spAutoFit/>
-          </a:bodyPr>
-          <a:lstStyle/>
-          <a:p>
-            <a:pPr algn="ctr"/>
-            <a:r>
-              <a:rPr kumimoji="1" lang="en-US" altLang="ja-JP" dirty="0" smtClean="0">
-                <a:latin typeface="Times New Roman" panose="02020603050405020304" pitchFamily="18" charset="0"/>
-                <a:cs typeface="Times New Roman" panose="02020603050405020304" pitchFamily="18" charset="0"/>
-              </a:rPr>
-              <a:t>Figure </a:t>
-            </a:r>
-            <a:r>
-              <a:rPr lang="en-US" altLang="ja-JP" dirty="0" smtClean="0">
-                <a:latin typeface="Times New Roman" panose="02020603050405020304" pitchFamily="18" charset="0"/>
-                <a:cs typeface="Times New Roman" panose="02020603050405020304" pitchFamily="18" charset="0"/>
-              </a:rPr>
-              <a:t>11. </a:t>
-            </a:r>
-            <a:r>
-              <a:rPr lang="en-US" altLang="ja-JP" dirty="0" smtClean="0">
-                <a:latin typeface="Times New Roman" panose="02020603050405020304" pitchFamily="18" charset="0"/>
-                <a:cs typeface="Times New Roman" panose="02020603050405020304" pitchFamily="18" charset="0"/>
-              </a:rPr>
-              <a:t>Number of suctioned particles by pressure gradient</a:t>
-            </a:r>
-            <a:endParaRPr kumimoji="1" lang="ja-JP" altLang="en-US" dirty="0">
-              <a:latin typeface="Times New Roman" panose="02020603050405020304" pitchFamily="18" charset="0"/>
-              <a:cs typeface="Times New Roman" panose="02020603050405020304" pitchFamily="18" charset="0"/>
-            </a:endParaRPr>
-          </a:p>
-        </p:txBody>
-      </p:sp>
       <p:pic>
         <p:nvPicPr>
-          <p:cNvPr id="11" name="図 10"/>
+          <p:cNvPr id="7" name="図 6"/>
           <p:cNvPicPr>
             <a:picLocks noChangeAspect="1"/>
           </p:cNvPicPr>
@@ -6159,8 +6417,8 @@
         </p:blipFill>
         <p:spPr>
           <a:xfrm>
-            <a:off x="901327" y="235111"/>
-            <a:ext cx="5230150" cy="3929530"/>
+            <a:off x="5642385" y="2393574"/>
+            <a:ext cx="1219648" cy="3049121"/>
           </a:xfrm>
           <a:prstGeom prst="rect">
             <a:avLst/>
@@ -6169,13 +6427,13 @@
       </p:pic>
       <p:pic>
         <p:nvPicPr>
-          <p:cNvPr id="12" name="図 11"/>
+          <p:cNvPr id="3" name="図 2"/>
           <p:cNvPicPr>
             <a:picLocks noChangeAspect="1"/>
           </p:cNvPicPr>
           <p:nvPr/>
         </p:nvPicPr>
-        <p:blipFill>
+        <p:blipFill rotWithShape="1">
           <a:blip r:embed="rId3">
             <a:extLst>
               <a:ext uri="{28A0092B-C50C-407E-A947-70E740481C1C}">
@@ -6183,14 +6441,13 @@
               </a:ext>
             </a:extLst>
           </a:blip>
-          <a:stretch>
-            <a:fillRect/>
-          </a:stretch>
+          <a:srcRect l="20808" t="20606"/>
+          <a:stretch/>
         </p:blipFill>
         <p:spPr>
           <a:xfrm>
-            <a:off x="901327" y="4878655"/>
-            <a:ext cx="5230151" cy="3929531"/>
+            <a:off x="211403" y="1305587"/>
+            <a:ext cx="5430982" cy="5444836"/>
           </a:xfrm>
           <a:prstGeom prst="rect">
             <a:avLst/>
@@ -6200,7 +6457,7 @@
     </p:spTree>
     <p:extLst>
       <p:ext uri="{BB962C8B-B14F-4D97-AF65-F5344CB8AC3E}">
-        <p14:creationId xmlns:p14="http://schemas.microsoft.com/office/powerpoint/2010/main" val="2845386433"/>
+        <p14:creationId xmlns:p14="http://schemas.microsoft.com/office/powerpoint/2010/main" val="1074977756"/>
       </p:ext>
     </p:extLst>
   </p:cSld>

--- a/論文/figures/Figures&Tables.pptx
+++ b/論文/figures/Figures&Tables.pptx
@@ -5,7 +5,7 @@
     <p:sldMasterId id="2147483660" r:id="rId1"/>
   </p:sldMasterIdLst>
   <p:handoutMasterIdLst>
-    <p:handoutMasterId r:id="rId14"/>
+    <p:handoutMasterId r:id="rId15"/>
   </p:handoutMasterIdLst>
   <p:sldIdLst>
     <p:sldId id="257" r:id="rId2"/>
@@ -20,6 +20,7 @@
     <p:sldId id="279" r:id="rId11"/>
     <p:sldId id="277" r:id="rId12"/>
     <p:sldId id="271" r:id="rId13"/>
+    <p:sldId id="280" r:id="rId14"/>
   </p:sldIdLst>
   <p:sldSz cx="6858000" cy="9906000" type="A4"/>
   <p:notesSz cx="9144000" cy="6858000"/>
@@ -208,7 +209,7 @@
           <a:p>
             <a:fld id="{CF2BC990-631B-44C0-9708-8FFAA36D913C}" type="datetimeFigureOut">
               <a:rPr kumimoji="1" lang="ja-JP" altLang="en-US" smtClean="0"/>
-              <a:t>2019/9/2</a:t>
+              <a:t>2019/9/6</a:t>
             </a:fld>
             <a:endParaRPr kumimoji="1" lang="ja-JP" altLang="en-US"/>
           </a:p>
@@ -422,7 +423,7 @@
           <a:p>
             <a:fld id="{0BA0E0C8-02F0-4E03-83F6-93C841C817A4}" type="datetimeFigureOut">
               <a:rPr kumimoji="1" lang="ja-JP" altLang="en-US" smtClean="0"/>
-              <a:t>2019/9/2</a:t>
+              <a:t>2019/9/6</a:t>
             </a:fld>
             <a:endParaRPr kumimoji="1" lang="ja-JP" altLang="en-US"/>
           </a:p>
@@ -624,7 +625,7 @@
           <a:p>
             <a:fld id="{0BA0E0C8-02F0-4E03-83F6-93C841C817A4}" type="datetimeFigureOut">
               <a:rPr kumimoji="1" lang="ja-JP" altLang="en-US" smtClean="0"/>
-              <a:t>2019/9/2</a:t>
+              <a:t>2019/9/6</a:t>
             </a:fld>
             <a:endParaRPr kumimoji="1" lang="ja-JP" altLang="en-US"/>
           </a:p>
@@ -836,7 +837,7 @@
           <a:p>
             <a:fld id="{0BA0E0C8-02F0-4E03-83F6-93C841C817A4}" type="datetimeFigureOut">
               <a:rPr kumimoji="1" lang="ja-JP" altLang="en-US" smtClean="0"/>
-              <a:t>2019/9/2</a:t>
+              <a:t>2019/9/6</a:t>
             </a:fld>
             <a:endParaRPr kumimoji="1" lang="ja-JP" altLang="en-US"/>
           </a:p>
@@ -1038,7 +1039,7 @@
           <a:p>
             <a:fld id="{0BA0E0C8-02F0-4E03-83F6-93C841C817A4}" type="datetimeFigureOut">
               <a:rPr kumimoji="1" lang="ja-JP" altLang="en-US" smtClean="0"/>
-              <a:t>2019/9/2</a:t>
+              <a:t>2019/9/6</a:t>
             </a:fld>
             <a:endParaRPr kumimoji="1" lang="ja-JP" altLang="en-US"/>
           </a:p>
@@ -1282,7 +1283,7 @@
           <a:p>
             <a:fld id="{0BA0E0C8-02F0-4E03-83F6-93C841C817A4}" type="datetimeFigureOut">
               <a:rPr kumimoji="1" lang="ja-JP" altLang="en-US" smtClean="0"/>
-              <a:t>2019/9/2</a:t>
+              <a:t>2019/9/6</a:t>
             </a:fld>
             <a:endParaRPr kumimoji="1" lang="ja-JP" altLang="en-US"/>
           </a:p>
@@ -1578,7 +1579,7 @@
           <a:p>
             <a:fld id="{0BA0E0C8-02F0-4E03-83F6-93C841C817A4}" type="datetimeFigureOut">
               <a:rPr kumimoji="1" lang="ja-JP" altLang="en-US" smtClean="0"/>
-              <a:t>2019/9/2</a:t>
+              <a:t>2019/9/6</a:t>
             </a:fld>
             <a:endParaRPr kumimoji="1" lang="ja-JP" altLang="en-US"/>
           </a:p>
@@ -2009,7 +2010,7 @@
           <a:p>
             <a:fld id="{0BA0E0C8-02F0-4E03-83F6-93C841C817A4}" type="datetimeFigureOut">
               <a:rPr kumimoji="1" lang="ja-JP" altLang="en-US" smtClean="0"/>
-              <a:t>2019/9/2</a:t>
+              <a:t>2019/9/6</a:t>
             </a:fld>
             <a:endParaRPr kumimoji="1" lang="ja-JP" altLang="en-US"/>
           </a:p>
@@ -2127,7 +2128,7 @@
           <a:p>
             <a:fld id="{0BA0E0C8-02F0-4E03-83F6-93C841C817A4}" type="datetimeFigureOut">
               <a:rPr kumimoji="1" lang="ja-JP" altLang="en-US" smtClean="0"/>
-              <a:t>2019/9/2</a:t>
+              <a:t>2019/9/6</a:t>
             </a:fld>
             <a:endParaRPr kumimoji="1" lang="ja-JP" altLang="en-US"/>
           </a:p>
@@ -2222,7 +2223,7 @@
           <a:p>
             <a:fld id="{0BA0E0C8-02F0-4E03-83F6-93C841C817A4}" type="datetimeFigureOut">
               <a:rPr kumimoji="1" lang="ja-JP" altLang="en-US" smtClean="0"/>
-              <a:t>2019/9/2</a:t>
+              <a:t>2019/9/6</a:t>
             </a:fld>
             <a:endParaRPr kumimoji="1" lang="ja-JP" altLang="en-US"/>
           </a:p>
@@ -2531,7 +2532,7 @@
           <a:p>
             <a:fld id="{0BA0E0C8-02F0-4E03-83F6-93C841C817A4}" type="datetimeFigureOut">
               <a:rPr kumimoji="1" lang="ja-JP" altLang="en-US" smtClean="0"/>
-              <a:t>2019/9/2</a:t>
+              <a:t>2019/9/6</a:t>
             </a:fld>
             <a:endParaRPr kumimoji="1" lang="ja-JP" altLang="en-US"/>
           </a:p>
@@ -2788,7 +2789,7 @@
           <a:p>
             <a:fld id="{0BA0E0C8-02F0-4E03-83F6-93C841C817A4}" type="datetimeFigureOut">
               <a:rPr kumimoji="1" lang="ja-JP" altLang="en-US" smtClean="0"/>
-              <a:t>2019/9/2</a:t>
+              <a:t>2019/9/6</a:t>
             </a:fld>
             <a:endParaRPr kumimoji="1" lang="ja-JP" altLang="en-US"/>
           </a:p>
@@ -3033,7 +3034,7 @@
           <a:p>
             <a:fld id="{0BA0E0C8-02F0-4E03-83F6-93C841C817A4}" type="datetimeFigureOut">
               <a:rPr kumimoji="1" lang="ja-JP" altLang="en-US" smtClean="0"/>
-              <a:t>2019/9/2</a:t>
+              <a:t>2019/9/6</a:t>
             </a:fld>
             <a:endParaRPr kumimoji="1" lang="ja-JP" altLang="en-US"/>
           </a:p>
@@ -3460,8 +3461,8 @@
         </p:blipFill>
         <p:spPr>
           <a:xfrm>
-            <a:off x="464127" y="982926"/>
-            <a:ext cx="5999018" cy="5999018"/>
+            <a:off x="432376" y="1018717"/>
+            <a:ext cx="6026727" cy="6026727"/>
           </a:xfrm>
           <a:prstGeom prst="rect">
             <a:avLst/>
@@ -3563,14 +3564,7 @@
                 <a:latin typeface="Times New Roman" panose="02020603050405020304" pitchFamily="18" charset="0"/>
                 <a:cs typeface="Times New Roman" panose="02020603050405020304" pitchFamily="18" charset="0"/>
               </a:rPr>
-              <a:t>Figure </a:t>
-            </a:r>
-            <a:r>
-              <a:rPr lang="en-US" altLang="ja-JP" dirty="0">
-                <a:latin typeface="Times New Roman" panose="02020603050405020304" pitchFamily="18" charset="0"/>
-                <a:cs typeface="Times New Roman" panose="02020603050405020304" pitchFamily="18" charset="0"/>
-              </a:rPr>
-              <a:t>5</a:t>
+              <a:t>Figure 11</a:t>
             </a:r>
             <a:r>
               <a:rPr lang="en-US" altLang="ja-JP" dirty="0" smtClean="0">
@@ -3710,7 +3704,7 @@
                 <a:latin typeface="Times New Roman" panose="02020603050405020304" pitchFamily="18" charset="0"/>
                 <a:cs typeface="Times New Roman" panose="02020603050405020304" pitchFamily="18" charset="0"/>
               </a:rPr>
-              <a:t>10. Number of suctioned particles by drag force</a:t>
+              <a:t>12. Number of suctioned particles by drag force</a:t>
             </a:r>
             <a:endParaRPr kumimoji="1" lang="ja-JP" altLang="en-US" dirty="0">
               <a:latin typeface="Times New Roman" panose="02020603050405020304" pitchFamily="18" charset="0"/>
@@ -3754,7 +3748,7 @@
                 <a:latin typeface="Times New Roman" panose="02020603050405020304" pitchFamily="18" charset="0"/>
                 <a:cs typeface="Times New Roman" panose="02020603050405020304" pitchFamily="18" charset="0"/>
               </a:rPr>
-              <a:t>11. Number of suctioned particles by pressure gradient</a:t>
+              <a:t>13. Number of suctioned particles by pressure gradient</a:t>
             </a:r>
             <a:endParaRPr kumimoji="1" lang="ja-JP" altLang="en-US" dirty="0">
               <a:latin typeface="Times New Roman" panose="02020603050405020304" pitchFamily="18" charset="0"/>
@@ -3877,18 +3871,25 @@
           <a:p>
             <a:pPr algn="ctr"/>
             <a:r>
-              <a:rPr kumimoji="1" lang="en-US" altLang="ja-JP" dirty="0" smtClean="0">
+              <a:rPr kumimoji="1" lang="en-US" altLang="ja-JP" smtClean="0">
                 <a:latin typeface="Times New Roman" panose="02020603050405020304" pitchFamily="18" charset="0"/>
                 <a:cs typeface="Times New Roman" panose="02020603050405020304" pitchFamily="18" charset="0"/>
               </a:rPr>
               <a:t>Figure </a:t>
             </a:r>
             <a:r>
+              <a:rPr lang="en-US" altLang="ja-JP" smtClean="0">
+                <a:latin typeface="Times New Roman" panose="02020603050405020304" pitchFamily="18" charset="0"/>
+                <a:cs typeface="Times New Roman" panose="02020603050405020304" pitchFamily="18" charset="0"/>
+              </a:rPr>
+              <a:t>14. </a:t>
+            </a:r>
+            <a:r>
               <a:rPr lang="en-US" altLang="ja-JP" dirty="0" smtClean="0">
                 <a:latin typeface="Times New Roman" panose="02020603050405020304" pitchFamily="18" charset="0"/>
                 <a:cs typeface="Times New Roman" panose="02020603050405020304" pitchFamily="18" charset="0"/>
               </a:rPr>
-              <a:t>12. Bubble movement</a:t>
+              <a:t>Bubble movement</a:t>
             </a:r>
             <a:endParaRPr kumimoji="1" lang="ja-JP" altLang="en-US" dirty="0">
               <a:latin typeface="Times New Roman" panose="02020603050405020304" pitchFamily="18" charset="0"/>
@@ -3960,6 +3961,117 @@
     <p:extLst>
       <p:ext uri="{BB962C8B-B14F-4D97-AF65-F5344CB8AC3E}">
         <p14:creationId xmlns:p14="http://schemas.microsoft.com/office/powerpoint/2010/main" val="1018302082"/>
+      </p:ext>
+    </p:extLst>
+  </p:cSld>
+  <p:clrMapOvr>
+    <a:masterClrMapping/>
+  </p:clrMapOvr>
+</p:sld>
+</file>
+
+<file path=ppt/slides/slide13.xml><?xml version="1.0" encoding="utf-8"?>
+<p:sld xmlns:a="http://schemas.openxmlformats.org/drawingml/2006/main" xmlns:r="http://schemas.openxmlformats.org/officeDocument/2006/relationships" xmlns:p="http://schemas.openxmlformats.org/presentationml/2006/main">
+  <p:cSld>
+    <p:spTree>
+      <p:nvGrpSpPr>
+        <p:cNvPr id="1" name=""/>
+        <p:cNvGrpSpPr/>
+        <p:nvPr/>
+      </p:nvGrpSpPr>
+      <p:grpSpPr>
+        <a:xfrm>
+          <a:off x="0" y="0"/>
+          <a:ext cx="0" cy="0"/>
+          <a:chOff x="0" y="0"/>
+          <a:chExt cx="0" cy="0"/>
+        </a:xfrm>
+      </p:grpSpPr>
+      <p:pic>
+        <p:nvPicPr>
+          <p:cNvPr id="2" name="図 1"/>
+          <p:cNvPicPr>
+            <a:picLocks noChangeAspect="1"/>
+          </p:cNvPicPr>
+          <p:nvPr/>
+        </p:nvPicPr>
+        <p:blipFill>
+          <a:blip r:embed="rId2">
+            <a:extLst>
+              <a:ext uri="{28A0092B-C50C-407E-A947-70E740481C1C}">
+                <a14:useLocalDpi xmlns:a14="http://schemas.microsoft.com/office/drawing/2010/main" val="0"/>
+              </a:ext>
+            </a:extLst>
+          </a:blip>
+          <a:stretch>
+            <a:fillRect/>
+          </a:stretch>
+        </p:blipFill>
+        <p:spPr>
+          <a:xfrm>
+            <a:off x="734290" y="327109"/>
+            <a:ext cx="5375563" cy="4038783"/>
+          </a:xfrm>
+          <a:prstGeom prst="rect">
+            <a:avLst/>
+          </a:prstGeom>
+        </p:spPr>
+      </p:pic>
+      <p:sp>
+        <p:nvSpPr>
+          <p:cNvPr id="3" name="テキスト ボックス 2"/>
+          <p:cNvSpPr txBox="1"/>
+          <p:nvPr/>
+        </p:nvSpPr>
+        <p:spPr>
+          <a:xfrm>
+            <a:off x="533072" y="4365892"/>
+            <a:ext cx="5778000" cy="369332"/>
+          </a:xfrm>
+          <a:prstGeom prst="rect">
+            <a:avLst/>
+          </a:prstGeom>
+          <a:noFill/>
+        </p:spPr>
+        <p:txBody>
+          <a:bodyPr wrap="square" rtlCol="0">
+            <a:spAutoFit/>
+          </a:bodyPr>
+          <a:lstStyle/>
+          <a:p>
+            <a:pPr algn="ctr"/>
+            <a:r>
+              <a:rPr kumimoji="1" lang="en-US" altLang="ja-JP" dirty="0" smtClean="0">
+                <a:latin typeface="Times New Roman" panose="02020603050405020304" pitchFamily="18" charset="0"/>
+                <a:cs typeface="Times New Roman" panose="02020603050405020304" pitchFamily="18" charset="0"/>
+              </a:rPr>
+              <a:t>Figure </a:t>
+            </a:r>
+            <a:r>
+              <a:rPr lang="en-US" altLang="ja-JP" dirty="0" smtClean="0">
+                <a:latin typeface="Times New Roman" panose="02020603050405020304" pitchFamily="18" charset="0"/>
+                <a:cs typeface="Times New Roman" panose="02020603050405020304" pitchFamily="18" charset="0"/>
+              </a:rPr>
+              <a:t>12. </a:t>
+            </a:r>
+            <a:r>
+              <a:rPr lang="en-US" altLang="ja-JP" dirty="0" smtClean="0">
+                <a:latin typeface="Times New Roman" panose="02020603050405020304" pitchFamily="18" charset="0"/>
+                <a:cs typeface="Times New Roman" panose="02020603050405020304" pitchFamily="18" charset="0"/>
+              </a:rPr>
+              <a:t>Rate of air volume change</a:t>
+            </a:r>
+            <a:endParaRPr kumimoji="1" lang="ja-JP" altLang="en-US" dirty="0">
+              <a:latin typeface="Times New Roman" panose="02020603050405020304" pitchFamily="18" charset="0"/>
+              <a:cs typeface="Times New Roman" panose="02020603050405020304" pitchFamily="18" charset="0"/>
+            </a:endParaRPr>
+          </a:p>
+        </p:txBody>
+      </p:sp>
+    </p:spTree>
+    <p:extLst>
+      <p:ext uri="{BB962C8B-B14F-4D97-AF65-F5344CB8AC3E}">
+        <p14:creationId xmlns:p14="http://schemas.microsoft.com/office/powerpoint/2010/main" val="1111429432"/>
       </p:ext>
     </p:extLst>
   </p:cSld>
@@ -5446,77 +5558,9 @@
           <a:chExt cx="0" cy="0"/>
         </a:xfrm>
       </p:grpSpPr>
-      <p:sp>
-        <p:nvSpPr>
-          <p:cNvPr id="20" name="テキスト ボックス 19"/>
-          <p:cNvSpPr txBox="1"/>
-          <p:nvPr/>
-        </p:nvSpPr>
-        <p:spPr>
-          <a:xfrm>
-            <a:off x="540000" y="3637226"/>
-            <a:ext cx="5778000" cy="646331"/>
-          </a:xfrm>
-          <a:prstGeom prst="rect">
-            <a:avLst/>
-          </a:prstGeom>
-          <a:noFill/>
-        </p:spPr>
-        <p:txBody>
-          <a:bodyPr wrap="square" rtlCol="0">
-            <a:spAutoFit/>
-          </a:bodyPr>
-          <a:lstStyle/>
-          <a:p>
-            <a:pPr algn="ctr"/>
-            <a:r>
-              <a:rPr kumimoji="1" lang="en-US" altLang="ja-JP" dirty="0" smtClean="0">
-                <a:latin typeface="Times New Roman" panose="02020603050405020304" pitchFamily="18" charset="0"/>
-                <a:cs typeface="Times New Roman" panose="02020603050405020304" pitchFamily="18" charset="0"/>
-              </a:rPr>
-              <a:t>Figure </a:t>
-            </a:r>
-            <a:r>
-              <a:rPr lang="en-US" altLang="ja-JP" dirty="0">
-                <a:latin typeface="Times New Roman" panose="02020603050405020304" pitchFamily="18" charset="0"/>
-                <a:cs typeface="Times New Roman" panose="02020603050405020304" pitchFamily="18" charset="0"/>
-              </a:rPr>
-              <a:t>2</a:t>
-            </a:r>
-            <a:r>
-              <a:rPr kumimoji="1" lang="en-US" altLang="ja-JP" dirty="0" smtClean="0">
-                <a:latin typeface="Times New Roman" panose="02020603050405020304" pitchFamily="18" charset="0"/>
-                <a:cs typeface="Times New Roman" panose="02020603050405020304" pitchFamily="18" charset="0"/>
-              </a:rPr>
-              <a:t>. </a:t>
-            </a:r>
-            <a:r>
-              <a:rPr lang="en-US" altLang="ja-JP" dirty="0" smtClean="0">
-                <a:latin typeface="Times New Roman" panose="02020603050405020304" pitchFamily="18" charset="0"/>
-                <a:cs typeface="Times New Roman" panose="02020603050405020304" pitchFamily="18" charset="0"/>
-              </a:rPr>
-              <a:t>Powder distribution</a:t>
-            </a:r>
-          </a:p>
-          <a:p>
-            <a:pPr algn="ctr"/>
-            <a:r>
-              <a:rPr lang="en-US" altLang="ja-JP" dirty="0" smtClean="0">
-                <a:latin typeface="Times New Roman" panose="02020603050405020304" pitchFamily="18" charset="0"/>
-                <a:cs typeface="Times New Roman" panose="02020603050405020304" pitchFamily="18" charset="0"/>
-              </a:rPr>
-              <a:t>In case suction filling, the punch speed was 500 mm/s.</a:t>
-            </a:r>
-            <a:endParaRPr kumimoji="1" lang="ja-JP" altLang="en-US" dirty="0">
-              <a:latin typeface="Times New Roman" panose="02020603050405020304" pitchFamily="18" charset="0"/>
-              <a:cs typeface="Times New Roman" panose="02020603050405020304" pitchFamily="18" charset="0"/>
-            </a:endParaRPr>
-          </a:p>
-        </p:txBody>
-      </p:sp>
       <p:pic>
         <p:nvPicPr>
-          <p:cNvPr id="4" name="図 3"/>
+          <p:cNvPr id="3" name="図 2"/>
           <p:cNvPicPr>
             <a:picLocks noChangeAspect="1"/>
           </p:cNvPicPr>
@@ -5530,19 +5574,87 @@
               </a:ext>
             </a:extLst>
           </a:blip>
-          <a:srcRect b="49293"/>
+          <a:srcRect b="48889"/>
           <a:stretch/>
         </p:blipFill>
         <p:spPr>
           <a:xfrm>
-            <a:off x="0" y="0"/>
-            <a:ext cx="6858000" cy="3477491"/>
+            <a:off x="0" y="5979"/>
+            <a:ext cx="6858000" cy="3505200"/>
           </a:xfrm>
           <a:prstGeom prst="rect">
             <a:avLst/>
           </a:prstGeom>
         </p:spPr>
       </p:pic>
+      <p:sp>
+        <p:nvSpPr>
+          <p:cNvPr id="20" name="テキスト ボックス 19"/>
+          <p:cNvSpPr txBox="1"/>
+          <p:nvPr/>
+        </p:nvSpPr>
+        <p:spPr>
+          <a:xfrm>
+            <a:off x="540000" y="3637226"/>
+            <a:ext cx="5778000" cy="646331"/>
+          </a:xfrm>
+          <a:prstGeom prst="rect">
+            <a:avLst/>
+          </a:prstGeom>
+          <a:noFill/>
+        </p:spPr>
+        <p:txBody>
+          <a:bodyPr wrap="square" rtlCol="0">
+            <a:spAutoFit/>
+          </a:bodyPr>
+          <a:lstStyle/>
+          <a:p>
+            <a:pPr algn="ctr"/>
+            <a:r>
+              <a:rPr kumimoji="1" lang="en-US" altLang="ja-JP" dirty="0" smtClean="0">
+                <a:latin typeface="Times New Roman" panose="02020603050405020304" pitchFamily="18" charset="0"/>
+                <a:cs typeface="Times New Roman" panose="02020603050405020304" pitchFamily="18" charset="0"/>
+              </a:rPr>
+              <a:t>Figure </a:t>
+            </a:r>
+            <a:r>
+              <a:rPr lang="en-US" altLang="ja-JP" dirty="0">
+                <a:latin typeface="Times New Roman" panose="02020603050405020304" pitchFamily="18" charset="0"/>
+                <a:cs typeface="Times New Roman" panose="02020603050405020304" pitchFamily="18" charset="0"/>
+              </a:rPr>
+              <a:t>2</a:t>
+            </a:r>
+            <a:r>
+              <a:rPr kumimoji="1" lang="en-US" altLang="ja-JP" dirty="0" smtClean="0">
+                <a:latin typeface="Times New Roman" panose="02020603050405020304" pitchFamily="18" charset="0"/>
+                <a:cs typeface="Times New Roman" panose="02020603050405020304" pitchFamily="18" charset="0"/>
+              </a:rPr>
+              <a:t>. </a:t>
+            </a:r>
+            <a:r>
+              <a:rPr lang="en-US" altLang="ja-JP" dirty="0" smtClean="0">
+                <a:latin typeface="Times New Roman" panose="02020603050405020304" pitchFamily="18" charset="0"/>
+                <a:cs typeface="Times New Roman" panose="02020603050405020304" pitchFamily="18" charset="0"/>
+              </a:rPr>
+              <a:t>Powder distribution</a:t>
+            </a:r>
+          </a:p>
+          <a:p>
+            <a:pPr algn="ctr"/>
+            <a:r>
+              <a:rPr lang="en-US" altLang="ja-JP" dirty="0" smtClean="0">
+                <a:latin typeface="Times New Roman" panose="02020603050405020304" pitchFamily="18" charset="0"/>
+                <a:cs typeface="Times New Roman" panose="02020603050405020304" pitchFamily="18" charset="0"/>
+              </a:rPr>
+              <a:t>In case suction filling, the punch speed was 500 mm/s.</a:t>
+            </a:r>
+            <a:endParaRPr kumimoji="1" lang="ja-JP" altLang="en-US" dirty="0">
+              <a:latin typeface="Times New Roman" panose="02020603050405020304" pitchFamily="18" charset="0"/>
+              <a:cs typeface="Times New Roman" panose="02020603050405020304" pitchFamily="18" charset="0"/>
+            </a:endParaRPr>
+          </a:p>
+        </p:txBody>
+      </p:sp>
       <p:sp>
         <p:nvSpPr>
           <p:cNvPr id="7" name="テキスト ボックス 6"/>
@@ -6041,60 +6153,9 @@
           <a:chExt cx="0" cy="0"/>
         </a:xfrm>
       </p:grpSpPr>
-      <p:sp>
-        <p:nvSpPr>
-          <p:cNvPr id="41" name="テキスト ボックス 40"/>
-          <p:cNvSpPr txBox="1"/>
-          <p:nvPr/>
-        </p:nvSpPr>
-        <p:spPr>
-          <a:xfrm>
-            <a:off x="540000" y="7718612"/>
-            <a:ext cx="5778000" cy="369332"/>
-          </a:xfrm>
-          <a:prstGeom prst="rect">
-            <a:avLst/>
-          </a:prstGeom>
-          <a:noFill/>
-        </p:spPr>
-        <p:txBody>
-          <a:bodyPr wrap="square" rtlCol="0">
-            <a:spAutoFit/>
-          </a:bodyPr>
-          <a:lstStyle/>
-          <a:p>
-            <a:pPr algn="ctr"/>
-            <a:r>
-              <a:rPr kumimoji="1" lang="en-US" altLang="ja-JP" dirty="0" smtClean="0">
-                <a:latin typeface="Times New Roman" panose="02020603050405020304" pitchFamily="18" charset="0"/>
-                <a:cs typeface="Times New Roman" panose="02020603050405020304" pitchFamily="18" charset="0"/>
-              </a:rPr>
-              <a:t>Figure </a:t>
-            </a:r>
-            <a:r>
-              <a:rPr lang="en-US" altLang="ja-JP" dirty="0">
-                <a:latin typeface="Times New Roman" panose="02020603050405020304" pitchFamily="18" charset="0"/>
-                <a:cs typeface="Times New Roman" panose="02020603050405020304" pitchFamily="18" charset="0"/>
-              </a:rPr>
-              <a:t>7</a:t>
-            </a:r>
-            <a:r>
-              <a:rPr lang="en-US" altLang="ja-JP" dirty="0" smtClean="0">
-                <a:latin typeface="Times New Roman" panose="02020603050405020304" pitchFamily="18" charset="0"/>
-                <a:cs typeface="Times New Roman" panose="02020603050405020304" pitchFamily="18" charset="0"/>
-              </a:rPr>
-              <a:t>. Powder distribution</a:t>
-            </a:r>
-            <a:endParaRPr kumimoji="1" lang="ja-JP" altLang="en-US" dirty="0">
-              <a:latin typeface="Times New Roman" panose="02020603050405020304" pitchFamily="18" charset="0"/>
-              <a:cs typeface="Times New Roman" panose="02020603050405020304" pitchFamily="18" charset="0"/>
-            </a:endParaRPr>
-          </a:p>
-        </p:txBody>
-      </p:sp>
       <p:pic>
         <p:nvPicPr>
-          <p:cNvPr id="3" name="図 2"/>
+          <p:cNvPr id="2" name="図 1"/>
           <p:cNvPicPr>
             <a:picLocks noChangeAspect="1"/>
           </p:cNvPicPr>
@@ -6122,6 +6183,57 @@
           </a:prstGeom>
         </p:spPr>
       </p:pic>
+      <p:sp>
+        <p:nvSpPr>
+          <p:cNvPr id="41" name="テキスト ボックス 40"/>
+          <p:cNvSpPr txBox="1"/>
+          <p:nvPr/>
+        </p:nvSpPr>
+        <p:spPr>
+          <a:xfrm>
+            <a:off x="540000" y="7718612"/>
+            <a:ext cx="5778000" cy="369332"/>
+          </a:xfrm>
+          <a:prstGeom prst="rect">
+            <a:avLst/>
+          </a:prstGeom>
+          <a:noFill/>
+        </p:spPr>
+        <p:txBody>
+          <a:bodyPr wrap="square" rtlCol="0">
+            <a:spAutoFit/>
+          </a:bodyPr>
+          <a:lstStyle/>
+          <a:p>
+            <a:pPr algn="ctr"/>
+            <a:r>
+              <a:rPr kumimoji="1" lang="en-US" altLang="ja-JP" dirty="0" smtClean="0">
+                <a:latin typeface="Times New Roman" panose="02020603050405020304" pitchFamily="18" charset="0"/>
+                <a:cs typeface="Times New Roman" panose="02020603050405020304" pitchFamily="18" charset="0"/>
+              </a:rPr>
+              <a:t>Figure </a:t>
+            </a:r>
+            <a:r>
+              <a:rPr lang="en-US" altLang="ja-JP" dirty="0">
+                <a:latin typeface="Times New Roman" panose="02020603050405020304" pitchFamily="18" charset="0"/>
+                <a:cs typeface="Times New Roman" panose="02020603050405020304" pitchFamily="18" charset="0"/>
+              </a:rPr>
+              <a:t>7</a:t>
+            </a:r>
+            <a:r>
+              <a:rPr lang="en-US" altLang="ja-JP" dirty="0" smtClean="0">
+                <a:latin typeface="Times New Roman" panose="02020603050405020304" pitchFamily="18" charset="0"/>
+                <a:cs typeface="Times New Roman" panose="02020603050405020304" pitchFamily="18" charset="0"/>
+              </a:rPr>
+              <a:t>. Powder distribution</a:t>
+            </a:r>
+            <a:endParaRPr kumimoji="1" lang="ja-JP" altLang="en-US" dirty="0">
+              <a:latin typeface="Times New Roman" panose="02020603050405020304" pitchFamily="18" charset="0"/>
+              <a:cs typeface="Times New Roman" panose="02020603050405020304" pitchFamily="18" charset="0"/>
+            </a:endParaRPr>
+          </a:p>
+        </p:txBody>
+      </p:sp>
     </p:spTree>
     <p:extLst>
       <p:ext uri="{BB962C8B-B14F-4D97-AF65-F5344CB8AC3E}">
@@ -6375,18 +6487,11 @@
               <a:t>Figure </a:t>
             </a:r>
             <a:r>
-              <a:rPr lang="en-US" altLang="ja-JP" dirty="0">
-                <a:latin typeface="Times New Roman" panose="02020603050405020304" pitchFamily="18" charset="0"/>
-                <a:cs typeface="Times New Roman" panose="02020603050405020304" pitchFamily="18" charset="0"/>
-              </a:rPr>
-              <a:t>4</a:t>
-            </a:r>
-            <a:r>
               <a:rPr lang="en-US" altLang="ja-JP" dirty="0" smtClean="0">
                 <a:latin typeface="Times New Roman" panose="02020603050405020304" pitchFamily="18" charset="0"/>
                 <a:cs typeface="Times New Roman" panose="02020603050405020304" pitchFamily="18" charset="0"/>
               </a:rPr>
-              <a:t>. Drag force</a:t>
+              <a:t>10. Drag force</a:t>
             </a:r>
             <a:endParaRPr kumimoji="1" lang="ja-JP" altLang="en-US" dirty="0">
               <a:latin typeface="Times New Roman" panose="02020603050405020304" pitchFamily="18" charset="0"/>

--- a/論文/figures/Figures&Tables.pptx
+++ b/論文/figures/Figures&Tables.pptx
@@ -209,7 +209,7 @@
           <a:p>
             <a:fld id="{CF2BC990-631B-44C0-9708-8FFAA36D913C}" type="datetimeFigureOut">
               <a:rPr kumimoji="1" lang="ja-JP" altLang="en-US" smtClean="0"/>
-              <a:t>2019/9/6</a:t>
+              <a:t>2019/9/7</a:t>
             </a:fld>
             <a:endParaRPr kumimoji="1" lang="ja-JP" altLang="en-US"/>
           </a:p>
@@ -334,7 +334,7 @@
           </a:lstStyle>
           <a:p>
             <a:r>
-              <a:rPr lang="ja-JP" altLang="en-US" smtClean="0"/>
+              <a:rPr lang="ja-JP" altLang="en-US"/>
               <a:t>マスター タイトルの書式設定</a:t>
             </a:r>
             <a:endParaRPr lang="en-US" dirty="0"/>
@@ -399,7 +399,7 @@
           </a:lstStyle>
           <a:p>
             <a:r>
-              <a:rPr lang="ja-JP" altLang="en-US" smtClean="0"/>
+              <a:rPr lang="ja-JP" altLang="en-US"/>
               <a:t>マスター サブタイトルの書式設定</a:t>
             </a:r>
             <a:endParaRPr lang="en-US" dirty="0"/>
@@ -423,7 +423,7 @@
           <a:p>
             <a:fld id="{0BA0E0C8-02F0-4E03-83F6-93C841C817A4}" type="datetimeFigureOut">
               <a:rPr kumimoji="1" lang="ja-JP" altLang="en-US" smtClean="0"/>
-              <a:t>2019/9/6</a:t>
+              <a:t>2019/9/7</a:t>
             </a:fld>
             <a:endParaRPr kumimoji="1" lang="ja-JP" altLang="en-US"/>
           </a:p>
@@ -517,7 +517,7 @@
           <a:lstStyle/>
           <a:p>
             <a:r>
-              <a:rPr lang="ja-JP" altLang="en-US" smtClean="0"/>
+              <a:rPr lang="ja-JP" altLang="en-US"/>
               <a:t>マスター タイトルの書式設定</a:t>
             </a:r>
             <a:endParaRPr lang="en-US" dirty="0"/>
@@ -541,67 +541,67 @@
           <a:p>
             <a:pPr lvl="0"/>
             <a:r>
-              <a:rPr lang="ja-JP" altLang="en-US" smtClean="0"/>
+              <a:rPr lang="ja-JP" altLang="en-US"/>
               <a:t>マスター テキストの書式設定</a:t>
             </a:r>
           </a:p>
           <a:p>
             <a:pPr lvl="1"/>
             <a:r>
-              <a:rPr lang="ja-JP" altLang="en-US" smtClean="0"/>
+              <a:rPr lang="ja-JP" altLang="en-US"/>
               <a:t>第 </a:t>
             </a:r>
             <a:r>
-              <a:rPr lang="en-US" altLang="ja-JP" smtClean="0"/>
+              <a:rPr lang="en-US" altLang="ja-JP"/>
               <a:t>2 </a:t>
             </a:r>
             <a:r>
-              <a:rPr lang="ja-JP" altLang="en-US" smtClean="0"/>
+              <a:rPr lang="ja-JP" altLang="en-US"/>
               <a:t>レベル</a:t>
             </a:r>
           </a:p>
           <a:p>
             <a:pPr lvl="2"/>
             <a:r>
-              <a:rPr lang="ja-JP" altLang="en-US" smtClean="0"/>
+              <a:rPr lang="ja-JP" altLang="en-US"/>
               <a:t>第 </a:t>
             </a:r>
             <a:r>
-              <a:rPr lang="en-US" altLang="ja-JP" smtClean="0"/>
+              <a:rPr lang="en-US" altLang="ja-JP"/>
               <a:t>3 </a:t>
             </a:r>
             <a:r>
-              <a:rPr lang="ja-JP" altLang="en-US" smtClean="0"/>
+              <a:rPr lang="ja-JP" altLang="en-US"/>
               <a:t>レベル</a:t>
             </a:r>
           </a:p>
           <a:p>
             <a:pPr lvl="3"/>
             <a:r>
-              <a:rPr lang="ja-JP" altLang="en-US" smtClean="0"/>
+              <a:rPr lang="ja-JP" altLang="en-US"/>
               <a:t>第 </a:t>
             </a:r>
             <a:r>
-              <a:rPr lang="en-US" altLang="ja-JP" smtClean="0"/>
+              <a:rPr lang="en-US" altLang="ja-JP"/>
               <a:t>4 </a:t>
             </a:r>
             <a:r>
-              <a:rPr lang="ja-JP" altLang="en-US" smtClean="0"/>
+              <a:rPr lang="ja-JP" altLang="en-US"/>
               <a:t>レベル</a:t>
             </a:r>
           </a:p>
           <a:p>
             <a:pPr lvl="4"/>
             <a:r>
-              <a:rPr lang="ja-JP" altLang="en-US" smtClean="0"/>
+              <a:rPr lang="ja-JP" altLang="en-US"/>
               <a:t>第 </a:t>
             </a:r>
             <a:r>
-              <a:rPr lang="en-US" altLang="ja-JP" smtClean="0"/>
+              <a:rPr lang="en-US" altLang="ja-JP"/>
               <a:t>5 </a:t>
             </a:r>
             <a:r>
-              <a:rPr lang="ja-JP" altLang="en-US" smtClean="0"/>
+              <a:rPr lang="ja-JP" altLang="en-US"/>
               <a:t>レベル</a:t>
             </a:r>
             <a:endParaRPr lang="en-US" dirty="0"/>
@@ -625,7 +625,7 @@
           <a:p>
             <a:fld id="{0BA0E0C8-02F0-4E03-83F6-93C841C817A4}" type="datetimeFigureOut">
               <a:rPr kumimoji="1" lang="ja-JP" altLang="en-US" smtClean="0"/>
-              <a:t>2019/9/6</a:t>
+              <a:t>2019/9/7</a:t>
             </a:fld>
             <a:endParaRPr kumimoji="1" lang="ja-JP" altLang="en-US"/>
           </a:p>
@@ -724,7 +724,7 @@
           <a:lstStyle/>
           <a:p>
             <a:r>
-              <a:rPr lang="ja-JP" altLang="en-US" smtClean="0"/>
+              <a:rPr lang="ja-JP" altLang="en-US"/>
               <a:t>マスター タイトルの書式設定</a:t>
             </a:r>
             <a:endParaRPr lang="en-US" dirty="0"/>
@@ -753,67 +753,67 @@
           <a:p>
             <a:pPr lvl="0"/>
             <a:r>
-              <a:rPr lang="ja-JP" altLang="en-US" smtClean="0"/>
+              <a:rPr lang="ja-JP" altLang="en-US"/>
               <a:t>マスター テキストの書式設定</a:t>
             </a:r>
           </a:p>
           <a:p>
             <a:pPr lvl="1"/>
             <a:r>
-              <a:rPr lang="ja-JP" altLang="en-US" smtClean="0"/>
+              <a:rPr lang="ja-JP" altLang="en-US"/>
               <a:t>第 </a:t>
             </a:r>
             <a:r>
-              <a:rPr lang="en-US" altLang="ja-JP" smtClean="0"/>
+              <a:rPr lang="en-US" altLang="ja-JP"/>
               <a:t>2 </a:t>
             </a:r>
             <a:r>
-              <a:rPr lang="ja-JP" altLang="en-US" smtClean="0"/>
+              <a:rPr lang="ja-JP" altLang="en-US"/>
               <a:t>レベル</a:t>
             </a:r>
           </a:p>
           <a:p>
             <a:pPr lvl="2"/>
             <a:r>
-              <a:rPr lang="ja-JP" altLang="en-US" smtClean="0"/>
+              <a:rPr lang="ja-JP" altLang="en-US"/>
               <a:t>第 </a:t>
             </a:r>
             <a:r>
-              <a:rPr lang="en-US" altLang="ja-JP" smtClean="0"/>
+              <a:rPr lang="en-US" altLang="ja-JP"/>
               <a:t>3 </a:t>
             </a:r>
             <a:r>
-              <a:rPr lang="ja-JP" altLang="en-US" smtClean="0"/>
+              <a:rPr lang="ja-JP" altLang="en-US"/>
               <a:t>レベル</a:t>
             </a:r>
           </a:p>
           <a:p>
             <a:pPr lvl="3"/>
             <a:r>
-              <a:rPr lang="ja-JP" altLang="en-US" smtClean="0"/>
+              <a:rPr lang="ja-JP" altLang="en-US"/>
               <a:t>第 </a:t>
             </a:r>
             <a:r>
-              <a:rPr lang="en-US" altLang="ja-JP" smtClean="0"/>
+              <a:rPr lang="en-US" altLang="ja-JP"/>
               <a:t>4 </a:t>
             </a:r>
             <a:r>
-              <a:rPr lang="ja-JP" altLang="en-US" smtClean="0"/>
+              <a:rPr lang="ja-JP" altLang="en-US"/>
               <a:t>レベル</a:t>
             </a:r>
           </a:p>
           <a:p>
             <a:pPr lvl="4"/>
             <a:r>
-              <a:rPr lang="ja-JP" altLang="en-US" smtClean="0"/>
+              <a:rPr lang="ja-JP" altLang="en-US"/>
               <a:t>第 </a:t>
             </a:r>
             <a:r>
-              <a:rPr lang="en-US" altLang="ja-JP" smtClean="0"/>
+              <a:rPr lang="en-US" altLang="ja-JP"/>
               <a:t>5 </a:t>
             </a:r>
             <a:r>
-              <a:rPr lang="ja-JP" altLang="en-US" smtClean="0"/>
+              <a:rPr lang="ja-JP" altLang="en-US"/>
               <a:t>レベル</a:t>
             </a:r>
             <a:endParaRPr lang="en-US" dirty="0"/>
@@ -837,7 +837,7 @@
           <a:p>
             <a:fld id="{0BA0E0C8-02F0-4E03-83F6-93C841C817A4}" type="datetimeFigureOut">
               <a:rPr kumimoji="1" lang="ja-JP" altLang="en-US" smtClean="0"/>
-              <a:t>2019/9/6</a:t>
+              <a:t>2019/9/7</a:t>
             </a:fld>
             <a:endParaRPr kumimoji="1" lang="ja-JP" altLang="en-US"/>
           </a:p>
@@ -931,7 +931,7 @@
           <a:lstStyle/>
           <a:p>
             <a:r>
-              <a:rPr lang="ja-JP" altLang="en-US" smtClean="0"/>
+              <a:rPr lang="ja-JP" altLang="en-US"/>
               <a:t>マスター タイトルの書式設定</a:t>
             </a:r>
             <a:endParaRPr lang="en-US" dirty="0"/>
@@ -955,67 +955,67 @@
           <a:p>
             <a:pPr lvl="0"/>
             <a:r>
-              <a:rPr lang="ja-JP" altLang="en-US" smtClean="0"/>
+              <a:rPr lang="ja-JP" altLang="en-US"/>
               <a:t>マスター テキストの書式設定</a:t>
             </a:r>
           </a:p>
           <a:p>
             <a:pPr lvl="1"/>
             <a:r>
-              <a:rPr lang="ja-JP" altLang="en-US" smtClean="0"/>
+              <a:rPr lang="ja-JP" altLang="en-US"/>
               <a:t>第 </a:t>
             </a:r>
             <a:r>
-              <a:rPr lang="en-US" altLang="ja-JP" smtClean="0"/>
+              <a:rPr lang="en-US" altLang="ja-JP"/>
               <a:t>2 </a:t>
             </a:r>
             <a:r>
-              <a:rPr lang="ja-JP" altLang="en-US" smtClean="0"/>
+              <a:rPr lang="ja-JP" altLang="en-US"/>
               <a:t>レベル</a:t>
             </a:r>
           </a:p>
           <a:p>
             <a:pPr lvl="2"/>
             <a:r>
-              <a:rPr lang="ja-JP" altLang="en-US" smtClean="0"/>
+              <a:rPr lang="ja-JP" altLang="en-US"/>
               <a:t>第 </a:t>
             </a:r>
             <a:r>
-              <a:rPr lang="en-US" altLang="ja-JP" smtClean="0"/>
+              <a:rPr lang="en-US" altLang="ja-JP"/>
               <a:t>3 </a:t>
             </a:r>
             <a:r>
-              <a:rPr lang="ja-JP" altLang="en-US" smtClean="0"/>
+              <a:rPr lang="ja-JP" altLang="en-US"/>
               <a:t>レベル</a:t>
             </a:r>
           </a:p>
           <a:p>
             <a:pPr lvl="3"/>
             <a:r>
-              <a:rPr lang="ja-JP" altLang="en-US" smtClean="0"/>
+              <a:rPr lang="ja-JP" altLang="en-US"/>
               <a:t>第 </a:t>
             </a:r>
             <a:r>
-              <a:rPr lang="en-US" altLang="ja-JP" smtClean="0"/>
+              <a:rPr lang="en-US" altLang="ja-JP"/>
               <a:t>4 </a:t>
             </a:r>
             <a:r>
-              <a:rPr lang="ja-JP" altLang="en-US" smtClean="0"/>
+              <a:rPr lang="ja-JP" altLang="en-US"/>
               <a:t>レベル</a:t>
             </a:r>
           </a:p>
           <a:p>
             <a:pPr lvl="4"/>
             <a:r>
-              <a:rPr lang="ja-JP" altLang="en-US" smtClean="0"/>
+              <a:rPr lang="ja-JP" altLang="en-US"/>
               <a:t>第 </a:t>
             </a:r>
             <a:r>
-              <a:rPr lang="en-US" altLang="ja-JP" smtClean="0"/>
+              <a:rPr lang="en-US" altLang="ja-JP"/>
               <a:t>5 </a:t>
             </a:r>
             <a:r>
-              <a:rPr lang="ja-JP" altLang="en-US" smtClean="0"/>
+              <a:rPr lang="ja-JP" altLang="en-US"/>
               <a:t>レベル</a:t>
             </a:r>
             <a:endParaRPr lang="en-US" dirty="0"/>
@@ -1039,7 +1039,7 @@
           <a:p>
             <a:fld id="{0BA0E0C8-02F0-4E03-83F6-93C841C817A4}" type="datetimeFigureOut">
               <a:rPr kumimoji="1" lang="ja-JP" altLang="en-US" smtClean="0"/>
-              <a:t>2019/9/6</a:t>
+              <a:t>2019/9/7</a:t>
             </a:fld>
             <a:endParaRPr kumimoji="1" lang="ja-JP" altLang="en-US"/>
           </a:p>
@@ -1142,7 +1142,7 @@
           </a:lstStyle>
           <a:p>
             <a:r>
-              <a:rPr lang="ja-JP" altLang="en-US" smtClean="0"/>
+              <a:rPr lang="ja-JP" altLang="en-US"/>
               <a:t>マスター タイトルの書式設定</a:t>
             </a:r>
             <a:endParaRPr lang="en-US" dirty="0"/>
@@ -1260,7 +1260,7 @@
           <a:p>
             <a:pPr lvl="0"/>
             <a:r>
-              <a:rPr lang="ja-JP" altLang="en-US" smtClean="0"/>
+              <a:rPr lang="ja-JP" altLang="en-US"/>
               <a:t>マスター テキストの書式設定</a:t>
             </a:r>
           </a:p>
@@ -1283,7 +1283,7 @@
           <a:p>
             <a:fld id="{0BA0E0C8-02F0-4E03-83F6-93C841C817A4}" type="datetimeFigureOut">
               <a:rPr kumimoji="1" lang="ja-JP" altLang="en-US" smtClean="0"/>
-              <a:t>2019/9/6</a:t>
+              <a:t>2019/9/7</a:t>
             </a:fld>
             <a:endParaRPr kumimoji="1" lang="ja-JP" altLang="en-US"/>
           </a:p>
@@ -1377,7 +1377,7 @@
           <a:lstStyle/>
           <a:p>
             <a:r>
-              <a:rPr lang="ja-JP" altLang="en-US" smtClean="0"/>
+              <a:rPr lang="ja-JP" altLang="en-US"/>
               <a:t>マスター タイトルの書式設定</a:t>
             </a:r>
             <a:endParaRPr lang="en-US" dirty="0"/>
@@ -1406,67 +1406,67 @@
           <a:p>
             <a:pPr lvl="0"/>
             <a:r>
-              <a:rPr lang="ja-JP" altLang="en-US" smtClean="0"/>
+              <a:rPr lang="ja-JP" altLang="en-US"/>
               <a:t>マスター テキストの書式設定</a:t>
             </a:r>
           </a:p>
           <a:p>
             <a:pPr lvl="1"/>
             <a:r>
-              <a:rPr lang="ja-JP" altLang="en-US" smtClean="0"/>
+              <a:rPr lang="ja-JP" altLang="en-US"/>
               <a:t>第 </a:t>
             </a:r>
             <a:r>
-              <a:rPr lang="en-US" altLang="ja-JP" smtClean="0"/>
+              <a:rPr lang="en-US" altLang="ja-JP"/>
               <a:t>2 </a:t>
             </a:r>
             <a:r>
-              <a:rPr lang="ja-JP" altLang="en-US" smtClean="0"/>
+              <a:rPr lang="ja-JP" altLang="en-US"/>
               <a:t>レベル</a:t>
             </a:r>
           </a:p>
           <a:p>
             <a:pPr lvl="2"/>
             <a:r>
-              <a:rPr lang="ja-JP" altLang="en-US" smtClean="0"/>
+              <a:rPr lang="ja-JP" altLang="en-US"/>
               <a:t>第 </a:t>
             </a:r>
             <a:r>
-              <a:rPr lang="en-US" altLang="ja-JP" smtClean="0"/>
+              <a:rPr lang="en-US" altLang="ja-JP"/>
               <a:t>3 </a:t>
             </a:r>
             <a:r>
-              <a:rPr lang="ja-JP" altLang="en-US" smtClean="0"/>
+              <a:rPr lang="ja-JP" altLang="en-US"/>
               <a:t>レベル</a:t>
             </a:r>
           </a:p>
           <a:p>
             <a:pPr lvl="3"/>
             <a:r>
-              <a:rPr lang="ja-JP" altLang="en-US" smtClean="0"/>
+              <a:rPr lang="ja-JP" altLang="en-US"/>
               <a:t>第 </a:t>
             </a:r>
             <a:r>
-              <a:rPr lang="en-US" altLang="ja-JP" smtClean="0"/>
+              <a:rPr lang="en-US" altLang="ja-JP"/>
               <a:t>4 </a:t>
             </a:r>
             <a:r>
-              <a:rPr lang="ja-JP" altLang="en-US" smtClean="0"/>
+              <a:rPr lang="ja-JP" altLang="en-US"/>
               <a:t>レベル</a:t>
             </a:r>
           </a:p>
           <a:p>
             <a:pPr lvl="4"/>
             <a:r>
-              <a:rPr lang="ja-JP" altLang="en-US" smtClean="0"/>
+              <a:rPr lang="ja-JP" altLang="en-US"/>
               <a:t>第 </a:t>
             </a:r>
             <a:r>
-              <a:rPr lang="en-US" altLang="ja-JP" smtClean="0"/>
+              <a:rPr lang="en-US" altLang="ja-JP"/>
               <a:t>5 </a:t>
             </a:r>
             <a:r>
-              <a:rPr lang="ja-JP" altLang="en-US" smtClean="0"/>
+              <a:rPr lang="ja-JP" altLang="en-US"/>
               <a:t>レベル</a:t>
             </a:r>
             <a:endParaRPr lang="en-US" dirty="0"/>
@@ -1495,67 +1495,67 @@
           <a:p>
             <a:pPr lvl="0"/>
             <a:r>
-              <a:rPr lang="ja-JP" altLang="en-US" smtClean="0"/>
+              <a:rPr lang="ja-JP" altLang="en-US"/>
               <a:t>マスター テキストの書式設定</a:t>
             </a:r>
           </a:p>
           <a:p>
             <a:pPr lvl="1"/>
             <a:r>
-              <a:rPr lang="ja-JP" altLang="en-US" smtClean="0"/>
+              <a:rPr lang="ja-JP" altLang="en-US"/>
               <a:t>第 </a:t>
             </a:r>
             <a:r>
-              <a:rPr lang="en-US" altLang="ja-JP" smtClean="0"/>
+              <a:rPr lang="en-US" altLang="ja-JP"/>
               <a:t>2 </a:t>
             </a:r>
             <a:r>
-              <a:rPr lang="ja-JP" altLang="en-US" smtClean="0"/>
+              <a:rPr lang="ja-JP" altLang="en-US"/>
               <a:t>レベル</a:t>
             </a:r>
           </a:p>
           <a:p>
             <a:pPr lvl="2"/>
             <a:r>
-              <a:rPr lang="ja-JP" altLang="en-US" smtClean="0"/>
+              <a:rPr lang="ja-JP" altLang="en-US"/>
               <a:t>第 </a:t>
             </a:r>
             <a:r>
-              <a:rPr lang="en-US" altLang="ja-JP" smtClean="0"/>
+              <a:rPr lang="en-US" altLang="ja-JP"/>
               <a:t>3 </a:t>
             </a:r>
             <a:r>
-              <a:rPr lang="ja-JP" altLang="en-US" smtClean="0"/>
+              <a:rPr lang="ja-JP" altLang="en-US"/>
               <a:t>レベル</a:t>
             </a:r>
           </a:p>
           <a:p>
             <a:pPr lvl="3"/>
             <a:r>
-              <a:rPr lang="ja-JP" altLang="en-US" smtClean="0"/>
+              <a:rPr lang="ja-JP" altLang="en-US"/>
               <a:t>第 </a:t>
             </a:r>
             <a:r>
-              <a:rPr lang="en-US" altLang="ja-JP" smtClean="0"/>
+              <a:rPr lang="en-US" altLang="ja-JP"/>
               <a:t>4 </a:t>
             </a:r>
             <a:r>
-              <a:rPr lang="ja-JP" altLang="en-US" smtClean="0"/>
+              <a:rPr lang="ja-JP" altLang="en-US"/>
               <a:t>レベル</a:t>
             </a:r>
           </a:p>
           <a:p>
             <a:pPr lvl="4"/>
             <a:r>
-              <a:rPr lang="ja-JP" altLang="en-US" smtClean="0"/>
+              <a:rPr lang="ja-JP" altLang="en-US"/>
               <a:t>第 </a:t>
             </a:r>
             <a:r>
-              <a:rPr lang="en-US" altLang="ja-JP" smtClean="0"/>
+              <a:rPr lang="en-US" altLang="ja-JP"/>
               <a:t>5 </a:t>
             </a:r>
             <a:r>
-              <a:rPr lang="ja-JP" altLang="en-US" smtClean="0"/>
+              <a:rPr lang="ja-JP" altLang="en-US"/>
               <a:t>レベル</a:t>
             </a:r>
             <a:endParaRPr lang="en-US" dirty="0"/>
@@ -1579,7 +1579,7 @@
           <a:p>
             <a:fld id="{0BA0E0C8-02F0-4E03-83F6-93C841C817A4}" type="datetimeFigureOut">
               <a:rPr kumimoji="1" lang="ja-JP" altLang="en-US" smtClean="0"/>
-              <a:t>2019/9/6</a:t>
+              <a:t>2019/9/7</a:t>
             </a:fld>
             <a:endParaRPr kumimoji="1" lang="ja-JP" altLang="en-US"/>
           </a:p>
@@ -1678,7 +1678,7 @@
           <a:lstStyle/>
           <a:p>
             <a:r>
-              <a:rPr lang="ja-JP" altLang="en-US" smtClean="0"/>
+              <a:rPr lang="ja-JP" altLang="en-US"/>
               <a:t>マスター タイトルの書式設定</a:t>
             </a:r>
             <a:endParaRPr lang="en-US" dirty="0"/>
@@ -1744,7 +1744,7 @@
           <a:p>
             <a:pPr lvl="0"/>
             <a:r>
-              <a:rPr lang="ja-JP" altLang="en-US" smtClean="0"/>
+              <a:rPr lang="ja-JP" altLang="en-US"/>
               <a:t>マスター テキストの書式設定</a:t>
             </a:r>
           </a:p>
@@ -1772,67 +1772,67 @@
           <a:p>
             <a:pPr lvl="0"/>
             <a:r>
-              <a:rPr lang="ja-JP" altLang="en-US" smtClean="0"/>
+              <a:rPr lang="ja-JP" altLang="en-US"/>
               <a:t>マスター テキストの書式設定</a:t>
             </a:r>
           </a:p>
           <a:p>
             <a:pPr lvl="1"/>
             <a:r>
-              <a:rPr lang="ja-JP" altLang="en-US" smtClean="0"/>
+              <a:rPr lang="ja-JP" altLang="en-US"/>
               <a:t>第 </a:t>
             </a:r>
             <a:r>
-              <a:rPr lang="en-US" altLang="ja-JP" smtClean="0"/>
+              <a:rPr lang="en-US" altLang="ja-JP"/>
               <a:t>2 </a:t>
             </a:r>
             <a:r>
-              <a:rPr lang="ja-JP" altLang="en-US" smtClean="0"/>
+              <a:rPr lang="ja-JP" altLang="en-US"/>
               <a:t>レベル</a:t>
             </a:r>
           </a:p>
           <a:p>
             <a:pPr lvl="2"/>
             <a:r>
-              <a:rPr lang="ja-JP" altLang="en-US" smtClean="0"/>
+              <a:rPr lang="ja-JP" altLang="en-US"/>
               <a:t>第 </a:t>
             </a:r>
             <a:r>
-              <a:rPr lang="en-US" altLang="ja-JP" smtClean="0"/>
+              <a:rPr lang="en-US" altLang="ja-JP"/>
               <a:t>3 </a:t>
             </a:r>
             <a:r>
-              <a:rPr lang="ja-JP" altLang="en-US" smtClean="0"/>
+              <a:rPr lang="ja-JP" altLang="en-US"/>
               <a:t>レベル</a:t>
             </a:r>
           </a:p>
           <a:p>
             <a:pPr lvl="3"/>
             <a:r>
-              <a:rPr lang="ja-JP" altLang="en-US" smtClean="0"/>
+              <a:rPr lang="ja-JP" altLang="en-US"/>
               <a:t>第 </a:t>
             </a:r>
             <a:r>
-              <a:rPr lang="en-US" altLang="ja-JP" smtClean="0"/>
+              <a:rPr lang="en-US" altLang="ja-JP"/>
               <a:t>4 </a:t>
             </a:r>
             <a:r>
-              <a:rPr lang="ja-JP" altLang="en-US" smtClean="0"/>
+              <a:rPr lang="ja-JP" altLang="en-US"/>
               <a:t>レベル</a:t>
             </a:r>
           </a:p>
           <a:p>
             <a:pPr lvl="4"/>
             <a:r>
-              <a:rPr lang="ja-JP" altLang="en-US" smtClean="0"/>
+              <a:rPr lang="ja-JP" altLang="en-US"/>
               <a:t>第 </a:t>
             </a:r>
             <a:r>
-              <a:rPr lang="en-US" altLang="ja-JP" smtClean="0"/>
+              <a:rPr lang="en-US" altLang="ja-JP"/>
               <a:t>5 </a:t>
             </a:r>
             <a:r>
-              <a:rPr lang="ja-JP" altLang="en-US" smtClean="0"/>
+              <a:rPr lang="ja-JP" altLang="en-US"/>
               <a:t>レベル</a:t>
             </a:r>
             <a:endParaRPr lang="en-US" dirty="0"/>
@@ -1898,7 +1898,7 @@
           <a:p>
             <a:pPr lvl="0"/>
             <a:r>
-              <a:rPr lang="ja-JP" altLang="en-US" smtClean="0"/>
+              <a:rPr lang="ja-JP" altLang="en-US"/>
               <a:t>マスター テキストの書式設定</a:t>
             </a:r>
           </a:p>
@@ -1926,67 +1926,67 @@
           <a:p>
             <a:pPr lvl="0"/>
             <a:r>
-              <a:rPr lang="ja-JP" altLang="en-US" smtClean="0"/>
+              <a:rPr lang="ja-JP" altLang="en-US"/>
               <a:t>マスター テキストの書式設定</a:t>
             </a:r>
           </a:p>
           <a:p>
             <a:pPr lvl="1"/>
             <a:r>
-              <a:rPr lang="ja-JP" altLang="en-US" smtClean="0"/>
+              <a:rPr lang="ja-JP" altLang="en-US"/>
               <a:t>第 </a:t>
             </a:r>
             <a:r>
-              <a:rPr lang="en-US" altLang="ja-JP" smtClean="0"/>
+              <a:rPr lang="en-US" altLang="ja-JP"/>
               <a:t>2 </a:t>
             </a:r>
             <a:r>
-              <a:rPr lang="ja-JP" altLang="en-US" smtClean="0"/>
+              <a:rPr lang="ja-JP" altLang="en-US"/>
               <a:t>レベル</a:t>
             </a:r>
           </a:p>
           <a:p>
             <a:pPr lvl="2"/>
             <a:r>
-              <a:rPr lang="ja-JP" altLang="en-US" smtClean="0"/>
+              <a:rPr lang="ja-JP" altLang="en-US"/>
               <a:t>第 </a:t>
             </a:r>
             <a:r>
-              <a:rPr lang="en-US" altLang="ja-JP" smtClean="0"/>
+              <a:rPr lang="en-US" altLang="ja-JP"/>
               <a:t>3 </a:t>
             </a:r>
             <a:r>
-              <a:rPr lang="ja-JP" altLang="en-US" smtClean="0"/>
+              <a:rPr lang="ja-JP" altLang="en-US"/>
               <a:t>レベル</a:t>
             </a:r>
           </a:p>
           <a:p>
             <a:pPr lvl="3"/>
             <a:r>
-              <a:rPr lang="ja-JP" altLang="en-US" smtClean="0"/>
+              <a:rPr lang="ja-JP" altLang="en-US"/>
               <a:t>第 </a:t>
             </a:r>
             <a:r>
-              <a:rPr lang="en-US" altLang="ja-JP" smtClean="0"/>
+              <a:rPr lang="en-US" altLang="ja-JP"/>
               <a:t>4 </a:t>
             </a:r>
             <a:r>
-              <a:rPr lang="ja-JP" altLang="en-US" smtClean="0"/>
+              <a:rPr lang="ja-JP" altLang="en-US"/>
               <a:t>レベル</a:t>
             </a:r>
           </a:p>
           <a:p>
             <a:pPr lvl="4"/>
             <a:r>
-              <a:rPr lang="ja-JP" altLang="en-US" smtClean="0"/>
+              <a:rPr lang="ja-JP" altLang="en-US"/>
               <a:t>第 </a:t>
             </a:r>
             <a:r>
-              <a:rPr lang="en-US" altLang="ja-JP" smtClean="0"/>
+              <a:rPr lang="en-US" altLang="ja-JP"/>
               <a:t>5 </a:t>
             </a:r>
             <a:r>
-              <a:rPr lang="ja-JP" altLang="en-US" smtClean="0"/>
+              <a:rPr lang="ja-JP" altLang="en-US"/>
               <a:t>レベル</a:t>
             </a:r>
             <a:endParaRPr lang="en-US" dirty="0"/>
@@ -2010,7 +2010,7 @@
           <a:p>
             <a:fld id="{0BA0E0C8-02F0-4E03-83F6-93C841C817A4}" type="datetimeFigureOut">
               <a:rPr kumimoji="1" lang="ja-JP" altLang="en-US" smtClean="0"/>
-              <a:t>2019/9/6</a:t>
+              <a:t>2019/9/7</a:t>
             </a:fld>
             <a:endParaRPr kumimoji="1" lang="ja-JP" altLang="en-US"/>
           </a:p>
@@ -2104,7 +2104,7 @@
           <a:lstStyle/>
           <a:p>
             <a:r>
-              <a:rPr lang="ja-JP" altLang="en-US" smtClean="0"/>
+              <a:rPr lang="ja-JP" altLang="en-US"/>
               <a:t>マスター タイトルの書式設定</a:t>
             </a:r>
             <a:endParaRPr lang="en-US" dirty="0"/>
@@ -2128,7 +2128,7 @@
           <a:p>
             <a:fld id="{0BA0E0C8-02F0-4E03-83F6-93C841C817A4}" type="datetimeFigureOut">
               <a:rPr kumimoji="1" lang="ja-JP" altLang="en-US" smtClean="0"/>
-              <a:t>2019/9/6</a:t>
+              <a:t>2019/9/7</a:t>
             </a:fld>
             <a:endParaRPr kumimoji="1" lang="ja-JP" altLang="en-US"/>
           </a:p>
@@ -2223,7 +2223,7 @@
           <a:p>
             <a:fld id="{0BA0E0C8-02F0-4E03-83F6-93C841C817A4}" type="datetimeFigureOut">
               <a:rPr kumimoji="1" lang="ja-JP" altLang="en-US" smtClean="0"/>
-              <a:t>2019/9/6</a:t>
+              <a:t>2019/9/7</a:t>
             </a:fld>
             <a:endParaRPr kumimoji="1" lang="ja-JP" altLang="en-US"/>
           </a:p>
@@ -2326,7 +2326,7 @@
           </a:lstStyle>
           <a:p>
             <a:r>
-              <a:rPr lang="ja-JP" altLang="en-US" smtClean="0"/>
+              <a:rPr lang="ja-JP" altLang="en-US"/>
               <a:t>マスター タイトルの書式設定</a:t>
             </a:r>
             <a:endParaRPr lang="en-US" dirty="0"/>
@@ -2383,67 +2383,67 @@
           <a:p>
             <a:pPr lvl="0"/>
             <a:r>
-              <a:rPr lang="ja-JP" altLang="en-US" smtClean="0"/>
+              <a:rPr lang="ja-JP" altLang="en-US"/>
               <a:t>マスター テキストの書式設定</a:t>
             </a:r>
           </a:p>
           <a:p>
             <a:pPr lvl="1"/>
             <a:r>
-              <a:rPr lang="ja-JP" altLang="en-US" smtClean="0"/>
+              <a:rPr lang="ja-JP" altLang="en-US"/>
               <a:t>第 </a:t>
             </a:r>
             <a:r>
-              <a:rPr lang="en-US" altLang="ja-JP" smtClean="0"/>
+              <a:rPr lang="en-US" altLang="ja-JP"/>
               <a:t>2 </a:t>
             </a:r>
             <a:r>
-              <a:rPr lang="ja-JP" altLang="en-US" smtClean="0"/>
+              <a:rPr lang="ja-JP" altLang="en-US"/>
               <a:t>レベル</a:t>
             </a:r>
           </a:p>
           <a:p>
             <a:pPr lvl="2"/>
             <a:r>
-              <a:rPr lang="ja-JP" altLang="en-US" smtClean="0"/>
+              <a:rPr lang="ja-JP" altLang="en-US"/>
               <a:t>第 </a:t>
             </a:r>
             <a:r>
-              <a:rPr lang="en-US" altLang="ja-JP" smtClean="0"/>
+              <a:rPr lang="en-US" altLang="ja-JP"/>
               <a:t>3 </a:t>
             </a:r>
             <a:r>
-              <a:rPr lang="ja-JP" altLang="en-US" smtClean="0"/>
+              <a:rPr lang="ja-JP" altLang="en-US"/>
               <a:t>レベル</a:t>
             </a:r>
           </a:p>
           <a:p>
             <a:pPr lvl="3"/>
             <a:r>
-              <a:rPr lang="ja-JP" altLang="en-US" smtClean="0"/>
+              <a:rPr lang="ja-JP" altLang="en-US"/>
               <a:t>第 </a:t>
             </a:r>
             <a:r>
-              <a:rPr lang="en-US" altLang="ja-JP" smtClean="0"/>
+              <a:rPr lang="en-US" altLang="ja-JP"/>
               <a:t>4 </a:t>
             </a:r>
             <a:r>
-              <a:rPr lang="ja-JP" altLang="en-US" smtClean="0"/>
+              <a:rPr lang="ja-JP" altLang="en-US"/>
               <a:t>レベル</a:t>
             </a:r>
           </a:p>
           <a:p>
             <a:pPr lvl="4"/>
             <a:r>
-              <a:rPr lang="ja-JP" altLang="en-US" smtClean="0"/>
+              <a:rPr lang="ja-JP" altLang="en-US"/>
               <a:t>第 </a:t>
             </a:r>
             <a:r>
-              <a:rPr lang="en-US" altLang="ja-JP" smtClean="0"/>
+              <a:rPr lang="en-US" altLang="ja-JP"/>
               <a:t>5 </a:t>
             </a:r>
             <a:r>
-              <a:rPr lang="ja-JP" altLang="en-US" smtClean="0"/>
+              <a:rPr lang="ja-JP" altLang="en-US"/>
               <a:t>レベル</a:t>
             </a:r>
             <a:endParaRPr lang="en-US" dirty="0"/>
@@ -2509,7 +2509,7 @@
           <a:p>
             <a:pPr lvl="0"/>
             <a:r>
-              <a:rPr lang="ja-JP" altLang="en-US" smtClean="0"/>
+              <a:rPr lang="ja-JP" altLang="en-US"/>
               <a:t>マスター テキストの書式設定</a:t>
             </a:r>
           </a:p>
@@ -2532,7 +2532,7 @@
           <a:p>
             <a:fld id="{0BA0E0C8-02F0-4E03-83F6-93C841C817A4}" type="datetimeFigureOut">
               <a:rPr kumimoji="1" lang="ja-JP" altLang="en-US" smtClean="0"/>
-              <a:t>2019/9/6</a:t>
+              <a:t>2019/9/7</a:t>
             </a:fld>
             <a:endParaRPr kumimoji="1" lang="ja-JP" altLang="en-US"/>
           </a:p>
@@ -2635,7 +2635,7 @@
           </a:lstStyle>
           <a:p>
             <a:r>
-              <a:rPr lang="ja-JP" altLang="en-US" smtClean="0"/>
+              <a:rPr lang="ja-JP" altLang="en-US"/>
               <a:t>マスター タイトルの書式設定</a:t>
             </a:r>
             <a:endParaRPr lang="en-US" dirty="0"/>
@@ -2700,7 +2700,7 @@
           </a:lstStyle>
           <a:p>
             <a:r>
-              <a:rPr lang="ja-JP" altLang="en-US" smtClean="0"/>
+              <a:rPr lang="ja-JP" altLang="en-US"/>
               <a:t>図を追加</a:t>
             </a:r>
             <a:endParaRPr lang="en-US" dirty="0"/>
@@ -2766,7 +2766,7 @@
           <a:p>
             <a:pPr lvl="0"/>
             <a:r>
-              <a:rPr lang="ja-JP" altLang="en-US" smtClean="0"/>
+              <a:rPr lang="ja-JP" altLang="en-US"/>
               <a:t>マスター テキストの書式設定</a:t>
             </a:r>
           </a:p>
@@ -2789,7 +2789,7 @@
           <a:p>
             <a:fld id="{0BA0E0C8-02F0-4E03-83F6-93C841C817A4}" type="datetimeFigureOut">
               <a:rPr kumimoji="1" lang="ja-JP" altLang="en-US" smtClean="0"/>
-              <a:t>2019/9/6</a:t>
+              <a:t>2019/9/7</a:t>
             </a:fld>
             <a:endParaRPr kumimoji="1" lang="ja-JP" altLang="en-US"/>
           </a:p>
@@ -2898,7 +2898,7 @@
           <a:lstStyle/>
           <a:p>
             <a:r>
-              <a:rPr lang="ja-JP" altLang="en-US" smtClean="0"/>
+              <a:rPr lang="ja-JP" altLang="en-US"/>
               <a:t>マスター タイトルの書式設定</a:t>
             </a:r>
             <a:endParaRPr lang="en-US" dirty="0"/>
@@ -2932,67 +2932,67 @@
           <a:p>
             <a:pPr lvl="0"/>
             <a:r>
-              <a:rPr lang="ja-JP" altLang="en-US" smtClean="0"/>
+              <a:rPr lang="ja-JP" altLang="en-US"/>
               <a:t>マスター テキストの書式設定</a:t>
             </a:r>
           </a:p>
           <a:p>
             <a:pPr lvl="1"/>
             <a:r>
-              <a:rPr lang="ja-JP" altLang="en-US" smtClean="0"/>
+              <a:rPr lang="ja-JP" altLang="en-US"/>
               <a:t>第 </a:t>
             </a:r>
             <a:r>
-              <a:rPr lang="en-US" altLang="ja-JP" smtClean="0"/>
+              <a:rPr lang="en-US" altLang="ja-JP"/>
               <a:t>2 </a:t>
             </a:r>
             <a:r>
-              <a:rPr lang="ja-JP" altLang="en-US" smtClean="0"/>
+              <a:rPr lang="ja-JP" altLang="en-US"/>
               <a:t>レベル</a:t>
             </a:r>
           </a:p>
           <a:p>
             <a:pPr lvl="2"/>
             <a:r>
-              <a:rPr lang="ja-JP" altLang="en-US" smtClean="0"/>
+              <a:rPr lang="ja-JP" altLang="en-US"/>
               <a:t>第 </a:t>
             </a:r>
             <a:r>
-              <a:rPr lang="en-US" altLang="ja-JP" smtClean="0"/>
+              <a:rPr lang="en-US" altLang="ja-JP"/>
               <a:t>3 </a:t>
             </a:r>
             <a:r>
-              <a:rPr lang="ja-JP" altLang="en-US" smtClean="0"/>
+              <a:rPr lang="ja-JP" altLang="en-US"/>
               <a:t>レベル</a:t>
             </a:r>
           </a:p>
           <a:p>
             <a:pPr lvl="3"/>
             <a:r>
-              <a:rPr lang="ja-JP" altLang="en-US" smtClean="0"/>
+              <a:rPr lang="ja-JP" altLang="en-US"/>
               <a:t>第 </a:t>
             </a:r>
             <a:r>
-              <a:rPr lang="en-US" altLang="ja-JP" smtClean="0"/>
+              <a:rPr lang="en-US" altLang="ja-JP"/>
               <a:t>4 </a:t>
             </a:r>
             <a:r>
-              <a:rPr lang="ja-JP" altLang="en-US" smtClean="0"/>
+              <a:rPr lang="ja-JP" altLang="en-US"/>
               <a:t>レベル</a:t>
             </a:r>
           </a:p>
           <a:p>
             <a:pPr lvl="4"/>
             <a:r>
-              <a:rPr lang="ja-JP" altLang="en-US" smtClean="0"/>
+              <a:rPr lang="ja-JP" altLang="en-US"/>
               <a:t>第 </a:t>
             </a:r>
             <a:r>
-              <a:rPr lang="en-US" altLang="ja-JP" smtClean="0"/>
+              <a:rPr lang="en-US" altLang="ja-JP"/>
               <a:t>5 </a:t>
             </a:r>
             <a:r>
-              <a:rPr lang="ja-JP" altLang="en-US" smtClean="0"/>
+              <a:rPr lang="ja-JP" altLang="en-US"/>
               <a:t>レベル</a:t>
             </a:r>
             <a:endParaRPr lang="en-US" dirty="0"/>
@@ -3034,7 +3034,7 @@
           <a:p>
             <a:fld id="{0BA0E0C8-02F0-4E03-83F6-93C841C817A4}" type="datetimeFigureOut">
               <a:rPr kumimoji="1" lang="ja-JP" altLang="en-US" smtClean="0"/>
-              <a:t>2019/9/6</a:t>
+              <a:t>2019/9/7</a:t>
             </a:fld>
             <a:endParaRPr kumimoji="1" lang="ja-JP" altLang="en-US"/>
           </a:p>
@@ -3441,7 +3441,13 @@
       </p:grpSpPr>
       <p:pic>
         <p:nvPicPr>
-          <p:cNvPr id="2" name="図 1"/>
+          <p:cNvPr id="4" name="図 3">
+            <a:extLst>
+              <a:ext uri="{FF2B5EF4-FFF2-40B4-BE49-F238E27FC236}">
+                <a16:creationId xmlns:a16="http://schemas.microsoft.com/office/drawing/2014/main" id="{302C1514-DB19-C840-B74D-7CF67DCBC311}"/>
+              </a:ext>
+            </a:extLst>
+          </p:cNvPr>
           <p:cNvPicPr>
             <a:picLocks noChangeAspect="1"/>
           </p:cNvPicPr>
@@ -3493,7 +3499,7 @@
           <a:p>
             <a:pPr algn="ctr"/>
             <a:r>
-              <a:rPr kumimoji="1" lang="en-US" altLang="ja-JP" dirty="0" smtClean="0">
+              <a:rPr kumimoji="1" lang="en-US" altLang="ja-JP" dirty="0">
                 <a:latin typeface="Times New Roman" panose="02020603050405020304" pitchFamily="18" charset="0"/>
                 <a:cs typeface="Times New Roman" panose="02020603050405020304" pitchFamily="18" charset="0"/>
               </a:rPr>
@@ -3560,14 +3566,14 @@
           <a:p>
             <a:pPr algn="ctr"/>
             <a:r>
-              <a:rPr kumimoji="1" lang="en-US" altLang="ja-JP" dirty="0" smtClean="0">
+              <a:rPr kumimoji="1" lang="en-US" altLang="ja-JP" dirty="0">
                 <a:latin typeface="Times New Roman" panose="02020603050405020304" pitchFamily="18" charset="0"/>
                 <a:cs typeface="Times New Roman" panose="02020603050405020304" pitchFamily="18" charset="0"/>
               </a:rPr>
               <a:t>Figure 11</a:t>
             </a:r>
             <a:r>
-              <a:rPr lang="en-US" altLang="ja-JP" dirty="0" smtClean="0">
+              <a:rPr lang="en-US" altLang="ja-JP" dirty="0">
                 <a:latin typeface="Times New Roman" panose="02020603050405020304" pitchFamily="18" charset="0"/>
                 <a:cs typeface="Times New Roman" panose="02020603050405020304" pitchFamily="18" charset="0"/>
               </a:rPr>
@@ -3693,14 +3699,14 @@
           <a:p>
             <a:pPr algn="ctr"/>
             <a:r>
-              <a:rPr kumimoji="1" lang="en-US" altLang="ja-JP" dirty="0" smtClean="0">
+              <a:rPr kumimoji="1" lang="en-US" altLang="ja-JP" dirty="0">
                 <a:latin typeface="Times New Roman" panose="02020603050405020304" pitchFamily="18" charset="0"/>
                 <a:cs typeface="Times New Roman" panose="02020603050405020304" pitchFamily="18" charset="0"/>
               </a:rPr>
               <a:t>Figure </a:t>
             </a:r>
             <a:r>
-              <a:rPr lang="en-US" altLang="ja-JP" dirty="0" smtClean="0">
+              <a:rPr lang="en-US" altLang="ja-JP" dirty="0">
                 <a:latin typeface="Times New Roman" panose="02020603050405020304" pitchFamily="18" charset="0"/>
                 <a:cs typeface="Times New Roman" panose="02020603050405020304" pitchFamily="18" charset="0"/>
               </a:rPr>
@@ -3737,14 +3743,14 @@
           <a:p>
             <a:pPr algn="ctr"/>
             <a:r>
-              <a:rPr kumimoji="1" lang="en-US" altLang="ja-JP" dirty="0" smtClean="0">
+              <a:rPr kumimoji="1" lang="en-US" altLang="ja-JP" dirty="0">
                 <a:latin typeface="Times New Roman" panose="02020603050405020304" pitchFamily="18" charset="0"/>
                 <a:cs typeface="Times New Roman" panose="02020603050405020304" pitchFamily="18" charset="0"/>
               </a:rPr>
               <a:t>Figure </a:t>
             </a:r>
             <a:r>
-              <a:rPr lang="en-US" altLang="ja-JP" dirty="0" smtClean="0">
+              <a:rPr lang="en-US" altLang="ja-JP" dirty="0">
                 <a:latin typeface="Times New Roman" panose="02020603050405020304" pitchFamily="18" charset="0"/>
                 <a:cs typeface="Times New Roman" panose="02020603050405020304" pitchFamily="18" charset="0"/>
               </a:rPr>
@@ -3871,21 +3877,21 @@
           <a:p>
             <a:pPr algn="ctr"/>
             <a:r>
-              <a:rPr kumimoji="1" lang="en-US" altLang="ja-JP" smtClean="0">
+              <a:rPr kumimoji="1" lang="en-US" altLang="ja-JP">
                 <a:latin typeface="Times New Roman" panose="02020603050405020304" pitchFamily="18" charset="0"/>
                 <a:cs typeface="Times New Roman" panose="02020603050405020304" pitchFamily="18" charset="0"/>
               </a:rPr>
               <a:t>Figure </a:t>
             </a:r>
             <a:r>
-              <a:rPr lang="en-US" altLang="ja-JP" smtClean="0">
+              <a:rPr lang="en-US" altLang="ja-JP">
                 <a:latin typeface="Times New Roman" panose="02020603050405020304" pitchFamily="18" charset="0"/>
                 <a:cs typeface="Times New Roman" panose="02020603050405020304" pitchFamily="18" charset="0"/>
               </a:rPr>
               <a:t>14. </a:t>
             </a:r>
             <a:r>
-              <a:rPr lang="en-US" altLang="ja-JP" dirty="0" smtClean="0">
+              <a:rPr lang="en-US" altLang="ja-JP" dirty="0">
                 <a:latin typeface="Times New Roman" panose="02020603050405020304" pitchFamily="18" charset="0"/>
                 <a:cs typeface="Times New Roman" panose="02020603050405020304" pitchFamily="18" charset="0"/>
               </a:rPr>
@@ -4041,25 +4047,18 @@
           <a:p>
             <a:pPr algn="ctr"/>
             <a:r>
-              <a:rPr kumimoji="1" lang="en-US" altLang="ja-JP" dirty="0" smtClean="0">
+              <a:rPr kumimoji="1" lang="en-US" altLang="ja-JP" dirty="0">
                 <a:latin typeface="Times New Roman" panose="02020603050405020304" pitchFamily="18" charset="0"/>
                 <a:cs typeface="Times New Roman" panose="02020603050405020304" pitchFamily="18" charset="0"/>
               </a:rPr>
               <a:t>Figure </a:t>
             </a:r>
             <a:r>
-              <a:rPr lang="en-US" altLang="ja-JP" dirty="0" smtClean="0">
+              <a:rPr lang="en-US" altLang="ja-JP" dirty="0">
                 <a:latin typeface="Times New Roman" panose="02020603050405020304" pitchFamily="18" charset="0"/>
                 <a:cs typeface="Times New Roman" panose="02020603050405020304" pitchFamily="18" charset="0"/>
               </a:rPr>
-              <a:t>12. </a:t>
-            </a:r>
-            <a:r>
-              <a:rPr lang="en-US" altLang="ja-JP" dirty="0" smtClean="0">
-                <a:latin typeface="Times New Roman" panose="02020603050405020304" pitchFamily="18" charset="0"/>
-                <a:cs typeface="Times New Roman" panose="02020603050405020304" pitchFamily="18" charset="0"/>
-              </a:rPr>
-              <a:t>Rate of air volume change</a:t>
+              <a:t>12. Rate of air volume change</a:t>
             </a:r>
             <a:endParaRPr kumimoji="1" lang="ja-JP" altLang="en-US" dirty="0">
               <a:latin typeface="Times New Roman" panose="02020603050405020304" pitchFamily="18" charset="0"/>
@@ -4121,8 +4120,20 @@
             <a:tbl>
               <a:tblPr firstRow="1" firstCol="1" bandRow="1"/>
               <a:tblGrid>
-                <a:gridCol w="2218240"/>
-                <a:gridCol w="1864062"/>
+                <a:gridCol w="2218240">
+                  <a:extLst>
+                    <a:ext uri="{9D8B030D-6E8A-4147-A177-3AD203B41FA5}">
+                      <a16:colId xmlns:a16="http://schemas.microsoft.com/office/drawing/2014/main" val="20000"/>
+                    </a:ext>
+                  </a:extLst>
+                </a:gridCol>
+                <a:gridCol w="1864062">
+                  <a:extLst>
+                    <a:ext uri="{9D8B030D-6E8A-4147-A177-3AD203B41FA5}">
+                      <a16:colId xmlns:a16="http://schemas.microsoft.com/office/drawing/2014/main" val="20001"/>
+                    </a:ext>
+                  </a:extLst>
+                </a:gridCol>
               </a:tblGrid>
               <a:tr h="252559">
                 <a:tc>
@@ -4239,6 +4250,11 @@
                     </a:lnB>
                   </a:tcPr>
                 </a:tc>
+                <a:extLst>
+                  <a:ext uri="{0D108BD9-81ED-4DB2-BD59-A6C34878D82A}">
+                    <a16:rowId xmlns:a16="http://schemas.microsoft.com/office/drawing/2014/main" val="10000"/>
+                  </a:ext>
+                </a:extLst>
               </a:tr>
               <a:tr h="233131">
                 <a:tc>
@@ -4391,6 +4407,11 @@
                     </a:lnB>
                   </a:tcPr>
                 </a:tc>
+                <a:extLst>
+                  <a:ext uri="{0D108BD9-81ED-4DB2-BD59-A6C34878D82A}">
+                    <a16:rowId xmlns:a16="http://schemas.microsoft.com/office/drawing/2014/main" val="10001"/>
+                  </a:ext>
+                </a:extLst>
               </a:tr>
               <a:tr h="271986">
                 <a:tc>
@@ -4507,6 +4528,11 @@
                     </a:lnB>
                   </a:tcPr>
                 </a:tc>
+                <a:extLst>
+                  <a:ext uri="{0D108BD9-81ED-4DB2-BD59-A6C34878D82A}">
+                    <a16:rowId xmlns:a16="http://schemas.microsoft.com/office/drawing/2014/main" val="10002"/>
+                  </a:ext>
+                </a:extLst>
               </a:tr>
               <a:tr h="252559">
                 <a:tc>
@@ -4623,6 +4649,11 @@
                     </a:lnB>
                   </a:tcPr>
                 </a:tc>
+                <a:extLst>
+                  <a:ext uri="{0D108BD9-81ED-4DB2-BD59-A6C34878D82A}">
+                    <a16:rowId xmlns:a16="http://schemas.microsoft.com/office/drawing/2014/main" val="10003"/>
+                  </a:ext>
+                </a:extLst>
               </a:tr>
               <a:tr h="262273">
                 <a:tc>
@@ -4739,6 +4770,11 @@
                     </a:lnB>
                   </a:tcPr>
                 </a:tc>
+                <a:extLst>
+                  <a:ext uri="{0D108BD9-81ED-4DB2-BD59-A6C34878D82A}">
+                    <a16:rowId xmlns:a16="http://schemas.microsoft.com/office/drawing/2014/main" val="10004"/>
+                  </a:ext>
+                </a:extLst>
               </a:tr>
               <a:tr h="242845">
                 <a:tc>
@@ -4831,6 +4867,11 @@
                     </a:lnB>
                   </a:tcPr>
                 </a:tc>
+                <a:extLst>
+                  <a:ext uri="{0D108BD9-81ED-4DB2-BD59-A6C34878D82A}">
+                    <a16:rowId xmlns:a16="http://schemas.microsoft.com/office/drawing/2014/main" val="10005"/>
+                  </a:ext>
+                </a:extLst>
               </a:tr>
               <a:tr h="242845">
                 <a:tc>
@@ -4923,6 +4964,11 @@
                     </a:lnB>
                   </a:tcPr>
                 </a:tc>
+                <a:extLst>
+                  <a:ext uri="{0D108BD9-81ED-4DB2-BD59-A6C34878D82A}">
+                    <a16:rowId xmlns:a16="http://schemas.microsoft.com/office/drawing/2014/main" val="10006"/>
+                  </a:ext>
+                </a:extLst>
               </a:tr>
               <a:tr h="252559">
                 <a:tc>
@@ -5027,6 +5073,11 @@
                     </a:lnB>
                   </a:tcPr>
                 </a:tc>
+                <a:extLst>
+                  <a:ext uri="{0D108BD9-81ED-4DB2-BD59-A6C34878D82A}">
+                    <a16:rowId xmlns:a16="http://schemas.microsoft.com/office/drawing/2014/main" val="10007"/>
+                  </a:ext>
+                </a:extLst>
               </a:tr>
             </a:tbl>
           </a:graphicData>
@@ -5055,8 +5106,20 @@
             <a:tbl>
               <a:tblPr firstRow="1" firstCol="1" bandRow="1"/>
               <a:tblGrid>
-                <a:gridCol w="1891798"/>
-                <a:gridCol w="2190504"/>
+                <a:gridCol w="1891798">
+                  <a:extLst>
+                    <a:ext uri="{9D8B030D-6E8A-4147-A177-3AD203B41FA5}">
+                      <a16:colId xmlns:a16="http://schemas.microsoft.com/office/drawing/2014/main" val="20000"/>
+                    </a:ext>
+                  </a:extLst>
+                </a:gridCol>
+                <a:gridCol w="2190504">
+                  <a:extLst>
+                    <a:ext uri="{9D8B030D-6E8A-4147-A177-3AD203B41FA5}">
+                      <a16:colId xmlns:a16="http://schemas.microsoft.com/office/drawing/2014/main" val="20001"/>
+                    </a:ext>
+                  </a:extLst>
+                </a:gridCol>
               </a:tblGrid>
               <a:tr h="346324">
                 <a:tc>
@@ -5161,6 +5224,11 @@
                     </a:lnB>
                   </a:tcPr>
                 </a:tc>
+                <a:extLst>
+                  <a:ext uri="{0D108BD9-81ED-4DB2-BD59-A6C34878D82A}">
+                    <a16:rowId xmlns:a16="http://schemas.microsoft.com/office/drawing/2014/main" val="10000"/>
+                  </a:ext>
+                </a:extLst>
               </a:tr>
               <a:tr h="346324">
                 <a:tc>
@@ -5253,6 +5321,11 @@
                     </a:lnB>
                   </a:tcPr>
                 </a:tc>
+                <a:extLst>
+                  <a:ext uri="{0D108BD9-81ED-4DB2-BD59-A6C34878D82A}">
+                    <a16:rowId xmlns:a16="http://schemas.microsoft.com/office/drawing/2014/main" val="10001"/>
+                  </a:ext>
+                </a:extLst>
               </a:tr>
               <a:tr h="346324">
                 <a:tc>
@@ -5345,6 +5418,11 @@
                     </a:lnB>
                   </a:tcPr>
                 </a:tc>
+                <a:extLst>
+                  <a:ext uri="{0D108BD9-81ED-4DB2-BD59-A6C34878D82A}">
+                    <a16:rowId xmlns:a16="http://schemas.microsoft.com/office/drawing/2014/main" val="10002"/>
+                  </a:ext>
+                </a:extLst>
               </a:tr>
               <a:tr h="360176">
                 <a:tc>
@@ -5449,6 +5527,11 @@
                     </a:lnB>
                   </a:tcPr>
                 </a:tc>
+                <a:extLst>
+                  <a:ext uri="{0D108BD9-81ED-4DB2-BD59-A6C34878D82A}">
+                    <a16:rowId xmlns:a16="http://schemas.microsoft.com/office/drawing/2014/main" val="10003"/>
+                  </a:ext>
+                </a:extLst>
               </a:tr>
             </a:tbl>
           </a:graphicData>
@@ -5478,7 +5561,7 @@
           <a:p>
             <a:pPr algn="ctr"/>
             <a:r>
-              <a:rPr kumimoji="1" lang="en-US" altLang="ja-JP" dirty="0" smtClean="0">
+              <a:rPr kumimoji="1" lang="en-US" altLang="ja-JP" dirty="0">
                 <a:latin typeface="Times New Roman" panose="02020603050405020304" pitchFamily="18" charset="0"/>
                 <a:cs typeface="Times New Roman" panose="02020603050405020304" pitchFamily="18" charset="0"/>
               </a:rPr>
@@ -5515,7 +5598,7 @@
           <a:p>
             <a:pPr algn="ctr"/>
             <a:r>
-              <a:rPr kumimoji="1" lang="en-US" altLang="ja-JP" dirty="0" smtClean="0">
+              <a:rPr kumimoji="1" lang="en-US" altLang="ja-JP" dirty="0">
                 <a:latin typeface="Times New Roman" panose="02020603050405020304" pitchFamily="18" charset="0"/>
                 <a:cs typeface="Times New Roman" panose="02020603050405020304" pitchFamily="18" charset="0"/>
               </a:rPr>
@@ -5611,7 +5694,7 @@
           <a:p>
             <a:pPr algn="ctr"/>
             <a:r>
-              <a:rPr kumimoji="1" lang="en-US" altLang="ja-JP" dirty="0" smtClean="0">
+              <a:rPr kumimoji="1" lang="en-US" altLang="ja-JP" dirty="0">
                 <a:latin typeface="Times New Roman" panose="02020603050405020304" pitchFamily="18" charset="0"/>
                 <a:cs typeface="Times New Roman" panose="02020603050405020304" pitchFamily="18" charset="0"/>
               </a:rPr>
@@ -5625,14 +5708,14 @@
               <a:t>2</a:t>
             </a:r>
             <a:r>
-              <a:rPr kumimoji="1" lang="en-US" altLang="ja-JP" dirty="0" smtClean="0">
+              <a:rPr kumimoji="1" lang="en-US" altLang="ja-JP" dirty="0">
                 <a:latin typeface="Times New Roman" panose="02020603050405020304" pitchFamily="18" charset="0"/>
                 <a:cs typeface="Times New Roman" panose="02020603050405020304" pitchFamily="18" charset="0"/>
               </a:rPr>
               <a:t>. </a:t>
             </a:r>
             <a:r>
-              <a:rPr lang="en-US" altLang="ja-JP" dirty="0" smtClean="0">
+              <a:rPr lang="en-US" altLang="ja-JP" dirty="0">
                 <a:latin typeface="Times New Roman" panose="02020603050405020304" pitchFamily="18" charset="0"/>
                 <a:cs typeface="Times New Roman" panose="02020603050405020304" pitchFamily="18" charset="0"/>
               </a:rPr>
@@ -5642,7 +5725,7 @@
           <a:p>
             <a:pPr algn="ctr"/>
             <a:r>
-              <a:rPr lang="en-US" altLang="ja-JP" dirty="0" smtClean="0">
+              <a:rPr lang="en-US" altLang="ja-JP" dirty="0">
                 <a:latin typeface="Times New Roman" panose="02020603050405020304" pitchFamily="18" charset="0"/>
                 <a:cs typeface="Times New Roman" panose="02020603050405020304" pitchFamily="18" charset="0"/>
               </a:rPr>
@@ -5679,7 +5762,7 @@
           <a:p>
             <a:pPr algn="ctr"/>
             <a:r>
-              <a:rPr kumimoji="1" lang="en-US" altLang="ja-JP" dirty="0" smtClean="0">
+              <a:rPr kumimoji="1" lang="en-US" altLang="ja-JP" dirty="0">
                 <a:latin typeface="Times New Roman" panose="02020603050405020304" pitchFamily="18" charset="0"/>
                 <a:cs typeface="Times New Roman" panose="02020603050405020304" pitchFamily="18" charset="0"/>
               </a:rPr>
@@ -5690,14 +5773,7 @@
                 <a:latin typeface="Times New Roman" panose="02020603050405020304" pitchFamily="18" charset="0"/>
                 <a:cs typeface="Times New Roman" panose="02020603050405020304" pitchFamily="18" charset="0"/>
               </a:rPr>
-              <a:t>3</a:t>
-            </a:r>
-            <a:r>
-              <a:rPr lang="en-US" altLang="ja-JP" dirty="0" smtClean="0">
-                <a:latin typeface="Times New Roman" panose="02020603050405020304" pitchFamily="18" charset="0"/>
-                <a:cs typeface="Times New Roman" panose="02020603050405020304" pitchFamily="18" charset="0"/>
-              </a:rPr>
-              <a:t>. Flux of powder into die region</a:t>
+              <a:t>3. Flux of powder into die region</a:t>
             </a:r>
             <a:endParaRPr kumimoji="1" lang="ja-JP" altLang="en-US" dirty="0">
               <a:latin typeface="Times New Roman" panose="02020603050405020304" pitchFamily="18" charset="0"/>
@@ -5790,7 +5866,7 @@
           <a:p>
             <a:pPr algn="ctr"/>
             <a:r>
-              <a:rPr kumimoji="1" lang="en-US" altLang="ja-JP" dirty="0" smtClean="0">
+              <a:rPr kumimoji="1" lang="en-US" altLang="ja-JP" dirty="0">
                 <a:latin typeface="Times New Roman" panose="02020603050405020304" pitchFamily="18" charset="0"/>
                 <a:cs typeface="Times New Roman" panose="02020603050405020304" pitchFamily="18" charset="0"/>
               </a:rPr>
@@ -5801,14 +5877,7 @@
                 <a:latin typeface="Times New Roman" panose="02020603050405020304" pitchFamily="18" charset="0"/>
                 <a:cs typeface="Times New Roman" panose="02020603050405020304" pitchFamily="18" charset="0"/>
               </a:rPr>
-              <a:t>4</a:t>
-            </a:r>
-            <a:r>
-              <a:rPr lang="en-US" altLang="ja-JP" dirty="0" smtClean="0">
-                <a:latin typeface="Times New Roman" panose="02020603050405020304" pitchFamily="18" charset="0"/>
-                <a:cs typeface="Times New Roman" panose="02020603050405020304" pitchFamily="18" charset="0"/>
-              </a:rPr>
-              <a:t>. Drag force</a:t>
+              <a:t>4. Drag force</a:t>
             </a:r>
             <a:endParaRPr kumimoji="1" lang="ja-JP" altLang="en-US" dirty="0">
               <a:latin typeface="Times New Roman" panose="02020603050405020304" pitchFamily="18" charset="0"/>
@@ -5959,7 +6028,7 @@
           <a:p>
             <a:pPr algn="ctr"/>
             <a:r>
-              <a:rPr kumimoji="1" lang="en-US" altLang="ja-JP" dirty="0" smtClean="0">
+              <a:rPr kumimoji="1" lang="en-US" altLang="ja-JP" dirty="0">
                 <a:latin typeface="Times New Roman" panose="02020603050405020304" pitchFamily="18" charset="0"/>
                 <a:cs typeface="Times New Roman" panose="02020603050405020304" pitchFamily="18" charset="0"/>
               </a:rPr>
@@ -5970,14 +6039,7 @@
                 <a:latin typeface="Times New Roman" panose="02020603050405020304" pitchFamily="18" charset="0"/>
                 <a:cs typeface="Times New Roman" panose="02020603050405020304" pitchFamily="18" charset="0"/>
               </a:rPr>
-              <a:t>5</a:t>
-            </a:r>
-            <a:r>
-              <a:rPr lang="en-US" altLang="ja-JP" dirty="0" smtClean="0">
-                <a:latin typeface="Times New Roman" panose="02020603050405020304" pitchFamily="18" charset="0"/>
-                <a:cs typeface="Times New Roman" panose="02020603050405020304" pitchFamily="18" charset="0"/>
-              </a:rPr>
-              <a:t>. Pressure force</a:t>
+              <a:t>5. Pressure force</a:t>
             </a:r>
             <a:endParaRPr kumimoji="1" lang="ja-JP" altLang="en-US" dirty="0">
               <a:latin typeface="Times New Roman" panose="02020603050405020304" pitchFamily="18" charset="0"/>
@@ -6070,7 +6132,7 @@
           <a:p>
             <a:pPr algn="ctr"/>
             <a:r>
-              <a:rPr kumimoji="1" lang="en-US" altLang="ja-JP" dirty="0" smtClean="0">
+              <a:rPr kumimoji="1" lang="en-US" altLang="ja-JP" dirty="0">
                 <a:latin typeface="Times New Roman" panose="02020603050405020304" pitchFamily="18" charset="0"/>
                 <a:cs typeface="Times New Roman" panose="02020603050405020304" pitchFamily="18" charset="0"/>
               </a:rPr>
@@ -6081,14 +6143,7 @@
                 <a:latin typeface="Times New Roman" panose="02020603050405020304" pitchFamily="18" charset="0"/>
                 <a:cs typeface="Times New Roman" panose="02020603050405020304" pitchFamily="18" charset="0"/>
               </a:rPr>
-              <a:t>6</a:t>
-            </a:r>
-            <a:r>
-              <a:rPr lang="en-US" altLang="ja-JP" dirty="0" smtClean="0">
-                <a:latin typeface="Times New Roman" panose="02020603050405020304" pitchFamily="18" charset="0"/>
-                <a:cs typeface="Times New Roman" panose="02020603050405020304" pitchFamily="18" charset="0"/>
-              </a:rPr>
-              <a:t>. Number of suctioned particles</a:t>
+              <a:t>6. Number of suctioned particles</a:t>
             </a:r>
           </a:p>
         </p:txBody>
@@ -6207,7 +6262,7 @@
           <a:p>
             <a:pPr algn="ctr"/>
             <a:r>
-              <a:rPr kumimoji="1" lang="en-US" altLang="ja-JP" dirty="0" smtClean="0">
+              <a:rPr kumimoji="1" lang="en-US" altLang="ja-JP" dirty="0">
                 <a:latin typeface="Times New Roman" panose="02020603050405020304" pitchFamily="18" charset="0"/>
                 <a:cs typeface="Times New Roman" panose="02020603050405020304" pitchFamily="18" charset="0"/>
               </a:rPr>
@@ -6218,14 +6273,7 @@
                 <a:latin typeface="Times New Roman" panose="02020603050405020304" pitchFamily="18" charset="0"/>
                 <a:cs typeface="Times New Roman" panose="02020603050405020304" pitchFamily="18" charset="0"/>
               </a:rPr>
-              <a:t>7</a:t>
-            </a:r>
-            <a:r>
-              <a:rPr lang="en-US" altLang="ja-JP" dirty="0" smtClean="0">
-                <a:latin typeface="Times New Roman" panose="02020603050405020304" pitchFamily="18" charset="0"/>
-                <a:cs typeface="Times New Roman" panose="02020603050405020304" pitchFamily="18" charset="0"/>
-              </a:rPr>
-              <a:t>. Powder distribution</a:t>
+              <a:t>7. Powder distribution</a:t>
             </a:r>
             <a:endParaRPr kumimoji="1" lang="ja-JP" altLang="en-US" dirty="0">
               <a:latin typeface="Times New Roman" panose="02020603050405020304" pitchFamily="18" charset="0"/>
@@ -6288,7 +6336,7 @@
           <a:p>
             <a:pPr algn="ctr"/>
             <a:r>
-              <a:rPr kumimoji="1" lang="en-US" altLang="ja-JP" dirty="0" smtClean="0">
+              <a:rPr kumimoji="1" lang="en-US" altLang="ja-JP" dirty="0">
                 <a:latin typeface="Times New Roman" panose="02020603050405020304" pitchFamily="18" charset="0"/>
                 <a:cs typeface="Times New Roman" panose="02020603050405020304" pitchFamily="18" charset="0"/>
               </a:rPr>
@@ -6299,14 +6347,7 @@
                 <a:latin typeface="Times New Roman" panose="02020603050405020304" pitchFamily="18" charset="0"/>
                 <a:cs typeface="Times New Roman" panose="02020603050405020304" pitchFamily="18" charset="0"/>
               </a:rPr>
-              <a:t>8</a:t>
-            </a:r>
-            <a:r>
-              <a:rPr lang="en-US" altLang="ja-JP" dirty="0" smtClean="0">
-                <a:latin typeface="Times New Roman" panose="02020603050405020304" pitchFamily="18" charset="0"/>
-                <a:cs typeface="Times New Roman" panose="02020603050405020304" pitchFamily="18" charset="0"/>
-              </a:rPr>
-              <a:t>. Filling time</a:t>
+              <a:t>8. Filling time</a:t>
             </a:r>
             <a:endParaRPr kumimoji="1" lang="ja-JP" altLang="en-US" dirty="0">
               <a:latin typeface="Times New Roman" panose="02020603050405020304" pitchFamily="18" charset="0"/>
@@ -6339,7 +6380,7 @@
           <a:p>
             <a:pPr algn="ctr"/>
             <a:r>
-              <a:rPr kumimoji="1" lang="en-US" altLang="ja-JP" dirty="0" smtClean="0">
+              <a:rPr kumimoji="1" lang="en-US" altLang="ja-JP" dirty="0">
                 <a:latin typeface="Times New Roman" panose="02020603050405020304" pitchFamily="18" charset="0"/>
                 <a:cs typeface="Times New Roman" panose="02020603050405020304" pitchFamily="18" charset="0"/>
               </a:rPr>
@@ -6350,14 +6391,7 @@
                 <a:latin typeface="Times New Roman" panose="02020603050405020304" pitchFamily="18" charset="0"/>
                 <a:cs typeface="Times New Roman" panose="02020603050405020304" pitchFamily="18" charset="0"/>
               </a:rPr>
-              <a:t>9</a:t>
-            </a:r>
-            <a:r>
-              <a:rPr lang="en-US" altLang="ja-JP" dirty="0" smtClean="0">
-                <a:latin typeface="Times New Roman" panose="02020603050405020304" pitchFamily="18" charset="0"/>
-                <a:cs typeface="Times New Roman" panose="02020603050405020304" pitchFamily="18" charset="0"/>
-              </a:rPr>
-              <a:t>. Flux of powder into die region</a:t>
+              <a:t>9. Flux of powder into die region</a:t>
             </a:r>
             <a:endParaRPr kumimoji="1" lang="ja-JP" altLang="en-US" dirty="0">
               <a:latin typeface="Times New Roman" panose="02020603050405020304" pitchFamily="18" charset="0"/>
@@ -6480,14 +6514,14 @@
           <a:p>
             <a:pPr algn="ctr"/>
             <a:r>
-              <a:rPr kumimoji="1" lang="en-US" altLang="ja-JP" dirty="0" smtClean="0">
+              <a:rPr kumimoji="1" lang="en-US" altLang="ja-JP" dirty="0">
                 <a:latin typeface="Times New Roman" panose="02020603050405020304" pitchFamily="18" charset="0"/>
                 <a:cs typeface="Times New Roman" panose="02020603050405020304" pitchFamily="18" charset="0"/>
               </a:rPr>
               <a:t>Figure </a:t>
             </a:r>
             <a:r>
-              <a:rPr lang="en-US" altLang="ja-JP" dirty="0" smtClean="0">
+              <a:rPr lang="en-US" altLang="ja-JP" dirty="0">
                 <a:latin typeface="Times New Roman" panose="02020603050405020304" pitchFamily="18" charset="0"/>
                 <a:cs typeface="Times New Roman" panose="02020603050405020304" pitchFamily="18" charset="0"/>
               </a:rPr>

--- a/論文/figures/Figures&Tables.pptx
+++ b/論文/figures/Figures&Tables.pptx
@@ -209,7 +209,7 @@
           <a:p>
             <a:fld id="{CF2BC990-631B-44C0-9708-8FFAA36D913C}" type="datetimeFigureOut">
               <a:rPr kumimoji="1" lang="ja-JP" altLang="en-US" smtClean="0"/>
-              <a:t>2019/9/7</a:t>
+              <a:t>2019/9/13</a:t>
             </a:fld>
             <a:endParaRPr kumimoji="1" lang="ja-JP" altLang="en-US"/>
           </a:p>
@@ -423,7 +423,7 @@
           <a:p>
             <a:fld id="{0BA0E0C8-02F0-4E03-83F6-93C841C817A4}" type="datetimeFigureOut">
               <a:rPr kumimoji="1" lang="ja-JP" altLang="en-US" smtClean="0"/>
-              <a:t>2019/9/7</a:t>
+              <a:t>2019/9/13</a:t>
             </a:fld>
             <a:endParaRPr kumimoji="1" lang="ja-JP" altLang="en-US"/>
           </a:p>
@@ -625,7 +625,7 @@
           <a:p>
             <a:fld id="{0BA0E0C8-02F0-4E03-83F6-93C841C817A4}" type="datetimeFigureOut">
               <a:rPr kumimoji="1" lang="ja-JP" altLang="en-US" smtClean="0"/>
-              <a:t>2019/9/7</a:t>
+              <a:t>2019/9/13</a:t>
             </a:fld>
             <a:endParaRPr kumimoji="1" lang="ja-JP" altLang="en-US"/>
           </a:p>
@@ -837,7 +837,7 @@
           <a:p>
             <a:fld id="{0BA0E0C8-02F0-4E03-83F6-93C841C817A4}" type="datetimeFigureOut">
               <a:rPr kumimoji="1" lang="ja-JP" altLang="en-US" smtClean="0"/>
-              <a:t>2019/9/7</a:t>
+              <a:t>2019/9/13</a:t>
             </a:fld>
             <a:endParaRPr kumimoji="1" lang="ja-JP" altLang="en-US"/>
           </a:p>
@@ -1039,7 +1039,7 @@
           <a:p>
             <a:fld id="{0BA0E0C8-02F0-4E03-83F6-93C841C817A4}" type="datetimeFigureOut">
               <a:rPr kumimoji="1" lang="ja-JP" altLang="en-US" smtClean="0"/>
-              <a:t>2019/9/7</a:t>
+              <a:t>2019/9/13</a:t>
             </a:fld>
             <a:endParaRPr kumimoji="1" lang="ja-JP" altLang="en-US"/>
           </a:p>
@@ -1283,7 +1283,7 @@
           <a:p>
             <a:fld id="{0BA0E0C8-02F0-4E03-83F6-93C841C817A4}" type="datetimeFigureOut">
               <a:rPr kumimoji="1" lang="ja-JP" altLang="en-US" smtClean="0"/>
-              <a:t>2019/9/7</a:t>
+              <a:t>2019/9/13</a:t>
             </a:fld>
             <a:endParaRPr kumimoji="1" lang="ja-JP" altLang="en-US"/>
           </a:p>
@@ -1579,7 +1579,7 @@
           <a:p>
             <a:fld id="{0BA0E0C8-02F0-4E03-83F6-93C841C817A4}" type="datetimeFigureOut">
               <a:rPr kumimoji="1" lang="ja-JP" altLang="en-US" smtClean="0"/>
-              <a:t>2019/9/7</a:t>
+              <a:t>2019/9/13</a:t>
             </a:fld>
             <a:endParaRPr kumimoji="1" lang="ja-JP" altLang="en-US"/>
           </a:p>
@@ -2010,7 +2010,7 @@
           <a:p>
             <a:fld id="{0BA0E0C8-02F0-4E03-83F6-93C841C817A4}" type="datetimeFigureOut">
               <a:rPr kumimoji="1" lang="ja-JP" altLang="en-US" smtClean="0"/>
-              <a:t>2019/9/7</a:t>
+              <a:t>2019/9/13</a:t>
             </a:fld>
             <a:endParaRPr kumimoji="1" lang="ja-JP" altLang="en-US"/>
           </a:p>
@@ -2128,7 +2128,7 @@
           <a:p>
             <a:fld id="{0BA0E0C8-02F0-4E03-83F6-93C841C817A4}" type="datetimeFigureOut">
               <a:rPr kumimoji="1" lang="ja-JP" altLang="en-US" smtClean="0"/>
-              <a:t>2019/9/7</a:t>
+              <a:t>2019/9/13</a:t>
             </a:fld>
             <a:endParaRPr kumimoji="1" lang="ja-JP" altLang="en-US"/>
           </a:p>
@@ -2223,7 +2223,7 @@
           <a:p>
             <a:fld id="{0BA0E0C8-02F0-4E03-83F6-93C841C817A4}" type="datetimeFigureOut">
               <a:rPr kumimoji="1" lang="ja-JP" altLang="en-US" smtClean="0"/>
-              <a:t>2019/9/7</a:t>
+              <a:t>2019/9/13</a:t>
             </a:fld>
             <a:endParaRPr kumimoji="1" lang="ja-JP" altLang="en-US"/>
           </a:p>
@@ -2532,7 +2532,7 @@
           <a:p>
             <a:fld id="{0BA0E0C8-02F0-4E03-83F6-93C841C817A4}" type="datetimeFigureOut">
               <a:rPr kumimoji="1" lang="ja-JP" altLang="en-US" smtClean="0"/>
-              <a:t>2019/9/7</a:t>
+              <a:t>2019/9/13</a:t>
             </a:fld>
             <a:endParaRPr kumimoji="1" lang="ja-JP" altLang="en-US"/>
           </a:p>
@@ -2789,7 +2789,7 @@
           <a:p>
             <a:fld id="{0BA0E0C8-02F0-4E03-83F6-93C841C817A4}" type="datetimeFigureOut">
               <a:rPr kumimoji="1" lang="ja-JP" altLang="en-US" smtClean="0"/>
-              <a:t>2019/9/7</a:t>
+              <a:t>2019/9/13</a:t>
             </a:fld>
             <a:endParaRPr kumimoji="1" lang="ja-JP" altLang="en-US"/>
           </a:p>
@@ -3034,7 +3034,7 @@
           <a:p>
             <a:fld id="{0BA0E0C8-02F0-4E03-83F6-93C841C817A4}" type="datetimeFigureOut">
               <a:rPr kumimoji="1" lang="ja-JP" altLang="en-US" smtClean="0"/>
-              <a:t>2019/9/7</a:t>
+              <a:t>2019/9/13</a:t>
             </a:fld>
             <a:endParaRPr kumimoji="1" lang="ja-JP" altLang="en-US"/>
           </a:p>
@@ -3444,7 +3444,7 @@
           <p:cNvPr id="4" name="図 3">
             <a:extLst>
               <a:ext uri="{FF2B5EF4-FFF2-40B4-BE49-F238E27FC236}">
-                <a16:creationId xmlns:a16="http://schemas.microsoft.com/office/drawing/2014/main" id="{302C1514-DB19-C840-B74D-7CF67DCBC311}"/>
+                <a16:creationId xmlns="" xmlns:a16="http://schemas.microsoft.com/office/drawing/2014/main" id="{302C1514-DB19-C840-B74D-7CF67DCBC311}"/>
               </a:ext>
             </a:extLst>
           </p:cNvPr>
@@ -3542,53 +3542,9 @@
           <a:chExt cx="0" cy="0"/>
         </a:xfrm>
       </p:grpSpPr>
-      <p:sp>
-        <p:nvSpPr>
-          <p:cNvPr id="41" name="テキスト ボックス 40"/>
-          <p:cNvSpPr txBox="1"/>
-          <p:nvPr/>
-        </p:nvSpPr>
-        <p:spPr>
-          <a:xfrm>
-            <a:off x="527896" y="6750423"/>
-            <a:ext cx="5778000" cy="369332"/>
-          </a:xfrm>
-          <a:prstGeom prst="rect">
-            <a:avLst/>
-          </a:prstGeom>
-          <a:noFill/>
-        </p:spPr>
-        <p:txBody>
-          <a:bodyPr wrap="square" rtlCol="0">
-            <a:spAutoFit/>
-          </a:bodyPr>
-          <a:lstStyle/>
-          <a:p>
-            <a:pPr algn="ctr"/>
-            <a:r>
-              <a:rPr kumimoji="1" lang="en-US" altLang="ja-JP" dirty="0">
-                <a:latin typeface="Times New Roman" panose="02020603050405020304" pitchFamily="18" charset="0"/>
-                <a:cs typeface="Times New Roman" panose="02020603050405020304" pitchFamily="18" charset="0"/>
-              </a:rPr>
-              <a:t>Figure 11</a:t>
-            </a:r>
-            <a:r>
-              <a:rPr lang="en-US" altLang="ja-JP" dirty="0">
-                <a:latin typeface="Times New Roman" panose="02020603050405020304" pitchFamily="18" charset="0"/>
-                <a:cs typeface="Times New Roman" panose="02020603050405020304" pitchFamily="18" charset="0"/>
-              </a:rPr>
-              <a:t>. Pressure force</a:t>
-            </a:r>
-            <a:endParaRPr kumimoji="1" lang="ja-JP" altLang="en-US" dirty="0">
-              <a:latin typeface="Times New Roman" panose="02020603050405020304" pitchFamily="18" charset="0"/>
-              <a:cs typeface="Times New Roman" panose="02020603050405020304" pitchFamily="18" charset="0"/>
-            </a:endParaRPr>
-          </a:p>
-        </p:txBody>
-      </p:sp>
       <p:pic>
         <p:nvPicPr>
-          <p:cNvPr id="7" name="図 6"/>
+          <p:cNvPr id="3" name="図 2"/>
           <p:cNvPicPr>
             <a:picLocks noChangeAspect="1"/>
           </p:cNvPicPr>
@@ -3608,14 +3564,58 @@
         </p:blipFill>
         <p:spPr>
           <a:xfrm>
-            <a:off x="5642385" y="2393574"/>
-            <a:ext cx="1219648" cy="3049121"/>
+            <a:off x="5545198" y="2625026"/>
+            <a:ext cx="1312802" cy="3282005"/>
           </a:xfrm>
           <a:prstGeom prst="rect">
             <a:avLst/>
           </a:prstGeom>
         </p:spPr>
       </p:pic>
+      <p:sp>
+        <p:nvSpPr>
+          <p:cNvPr id="41" name="テキスト ボックス 40"/>
+          <p:cNvSpPr txBox="1"/>
+          <p:nvPr/>
+        </p:nvSpPr>
+        <p:spPr>
+          <a:xfrm>
+            <a:off x="527896" y="6750423"/>
+            <a:ext cx="5778000" cy="369332"/>
+          </a:xfrm>
+          <a:prstGeom prst="rect">
+            <a:avLst/>
+          </a:prstGeom>
+          <a:noFill/>
+        </p:spPr>
+        <p:txBody>
+          <a:bodyPr wrap="square" rtlCol="0">
+            <a:spAutoFit/>
+          </a:bodyPr>
+          <a:lstStyle/>
+          <a:p>
+            <a:pPr algn="ctr"/>
+            <a:r>
+              <a:rPr kumimoji="1" lang="en-US" altLang="ja-JP" dirty="0">
+                <a:latin typeface="Times New Roman" panose="02020603050405020304" pitchFamily="18" charset="0"/>
+                <a:cs typeface="Times New Roman" panose="02020603050405020304" pitchFamily="18" charset="0"/>
+              </a:rPr>
+              <a:t>Figure 11</a:t>
+            </a:r>
+            <a:r>
+              <a:rPr lang="en-US" altLang="ja-JP" dirty="0">
+                <a:latin typeface="Times New Roman" panose="02020603050405020304" pitchFamily="18" charset="0"/>
+                <a:cs typeface="Times New Roman" panose="02020603050405020304" pitchFamily="18" charset="0"/>
+              </a:rPr>
+              <a:t>. Pressure force</a:t>
+            </a:r>
+            <a:endParaRPr kumimoji="1" lang="ja-JP" altLang="en-US" dirty="0">
+              <a:latin typeface="Times New Roman" panose="02020603050405020304" pitchFamily="18" charset="0"/>
+              <a:cs typeface="Times New Roman" panose="02020603050405020304" pitchFamily="18" charset="0"/>
+            </a:endParaRPr>
+          </a:p>
+        </p:txBody>
+      </p:sp>
       <p:pic>
         <p:nvPicPr>
           <p:cNvPr id="2" name="図 1"/>
@@ -3853,60 +3853,9 @@
           <a:chExt cx="0" cy="0"/>
         </a:xfrm>
       </p:grpSpPr>
-      <p:sp>
-        <p:nvSpPr>
-          <p:cNvPr id="41" name="テキスト ボックス 40"/>
-          <p:cNvSpPr txBox="1"/>
-          <p:nvPr/>
-        </p:nvSpPr>
-        <p:spPr>
-          <a:xfrm>
-            <a:off x="540000" y="7718612"/>
-            <a:ext cx="5778000" cy="369332"/>
-          </a:xfrm>
-          <a:prstGeom prst="rect">
-            <a:avLst/>
-          </a:prstGeom>
-          <a:noFill/>
-        </p:spPr>
-        <p:txBody>
-          <a:bodyPr wrap="square" rtlCol="0">
-            <a:spAutoFit/>
-          </a:bodyPr>
-          <a:lstStyle/>
-          <a:p>
-            <a:pPr algn="ctr"/>
-            <a:r>
-              <a:rPr kumimoji="1" lang="en-US" altLang="ja-JP">
-                <a:latin typeface="Times New Roman" panose="02020603050405020304" pitchFamily="18" charset="0"/>
-                <a:cs typeface="Times New Roman" panose="02020603050405020304" pitchFamily="18" charset="0"/>
-              </a:rPr>
-              <a:t>Figure </a:t>
-            </a:r>
-            <a:r>
-              <a:rPr lang="en-US" altLang="ja-JP">
-                <a:latin typeface="Times New Roman" panose="02020603050405020304" pitchFamily="18" charset="0"/>
-                <a:cs typeface="Times New Roman" panose="02020603050405020304" pitchFamily="18" charset="0"/>
-              </a:rPr>
-              <a:t>14. </a:t>
-            </a:r>
-            <a:r>
-              <a:rPr lang="en-US" altLang="ja-JP" dirty="0">
-                <a:latin typeface="Times New Roman" panose="02020603050405020304" pitchFamily="18" charset="0"/>
-                <a:cs typeface="Times New Roman" panose="02020603050405020304" pitchFamily="18" charset="0"/>
-              </a:rPr>
-              <a:t>Bubble movement</a:t>
-            </a:r>
-            <a:endParaRPr kumimoji="1" lang="ja-JP" altLang="en-US" dirty="0">
-              <a:latin typeface="Times New Roman" panose="02020603050405020304" pitchFamily="18" charset="0"/>
-              <a:cs typeface="Times New Roman" panose="02020603050405020304" pitchFamily="18" charset="0"/>
-            </a:endParaRPr>
-          </a:p>
-        </p:txBody>
-      </p:sp>
       <p:pic>
         <p:nvPicPr>
-          <p:cNvPr id="3" name="図 2"/>
+          <p:cNvPr id="2" name="図 1"/>
           <p:cNvPicPr>
             <a:picLocks noChangeAspect="1"/>
           </p:cNvPicPr>
@@ -3926,14 +3875,65 @@
         </p:blipFill>
         <p:spPr>
           <a:xfrm>
-            <a:off x="5279052" y="2111188"/>
-            <a:ext cx="1256219" cy="3140547"/>
+            <a:off x="5279052" y="2363932"/>
+            <a:ext cx="1298864" cy="3247159"/>
           </a:xfrm>
           <a:prstGeom prst="rect">
             <a:avLst/>
           </a:prstGeom>
         </p:spPr>
       </p:pic>
+      <p:sp>
+        <p:nvSpPr>
+          <p:cNvPr id="41" name="テキスト ボックス 40"/>
+          <p:cNvSpPr txBox="1"/>
+          <p:nvPr/>
+        </p:nvSpPr>
+        <p:spPr>
+          <a:xfrm>
+            <a:off x="540000" y="7718612"/>
+            <a:ext cx="5778000" cy="369332"/>
+          </a:xfrm>
+          <a:prstGeom prst="rect">
+            <a:avLst/>
+          </a:prstGeom>
+          <a:noFill/>
+        </p:spPr>
+        <p:txBody>
+          <a:bodyPr wrap="square" rtlCol="0">
+            <a:spAutoFit/>
+          </a:bodyPr>
+          <a:lstStyle/>
+          <a:p>
+            <a:pPr algn="ctr"/>
+            <a:r>
+              <a:rPr kumimoji="1" lang="en-US" altLang="ja-JP">
+                <a:latin typeface="Times New Roman" panose="02020603050405020304" pitchFamily="18" charset="0"/>
+                <a:cs typeface="Times New Roman" panose="02020603050405020304" pitchFamily="18" charset="0"/>
+              </a:rPr>
+              <a:t>Figure </a:t>
+            </a:r>
+            <a:r>
+              <a:rPr lang="en-US" altLang="ja-JP">
+                <a:latin typeface="Times New Roman" panose="02020603050405020304" pitchFamily="18" charset="0"/>
+                <a:cs typeface="Times New Roman" panose="02020603050405020304" pitchFamily="18" charset="0"/>
+              </a:rPr>
+              <a:t>14. </a:t>
+            </a:r>
+            <a:r>
+              <a:rPr lang="en-US" altLang="ja-JP" dirty="0">
+                <a:latin typeface="Times New Roman" panose="02020603050405020304" pitchFamily="18" charset="0"/>
+                <a:cs typeface="Times New Roman" panose="02020603050405020304" pitchFamily="18" charset="0"/>
+              </a:rPr>
+              <a:t>Bubble movement</a:t>
+            </a:r>
+            <a:endParaRPr kumimoji="1" lang="ja-JP" altLang="en-US" dirty="0">
+              <a:latin typeface="Times New Roman" panose="02020603050405020304" pitchFamily="18" charset="0"/>
+              <a:cs typeface="Times New Roman" panose="02020603050405020304" pitchFamily="18" charset="0"/>
+            </a:endParaRPr>
+          </a:p>
+        </p:txBody>
+      </p:sp>
       <p:pic>
         <p:nvPicPr>
           <p:cNvPr id="4" name="図 3"/>
@@ -4123,14 +4123,14 @@
                 <a:gridCol w="2218240">
                   <a:extLst>
                     <a:ext uri="{9D8B030D-6E8A-4147-A177-3AD203B41FA5}">
-                      <a16:colId xmlns:a16="http://schemas.microsoft.com/office/drawing/2014/main" val="20000"/>
+                      <a16:colId xmlns="" xmlns:a16="http://schemas.microsoft.com/office/drawing/2014/main" val="20000"/>
                     </a:ext>
                   </a:extLst>
                 </a:gridCol>
                 <a:gridCol w="1864062">
                   <a:extLst>
                     <a:ext uri="{9D8B030D-6E8A-4147-A177-3AD203B41FA5}">
-                      <a16:colId xmlns:a16="http://schemas.microsoft.com/office/drawing/2014/main" val="20001"/>
+                      <a16:colId xmlns="" xmlns:a16="http://schemas.microsoft.com/office/drawing/2014/main" val="20001"/>
                     </a:ext>
                   </a:extLst>
                 </a:gridCol>
@@ -4252,7 +4252,7 @@
                 </a:tc>
                 <a:extLst>
                   <a:ext uri="{0D108BD9-81ED-4DB2-BD59-A6C34878D82A}">
-                    <a16:rowId xmlns:a16="http://schemas.microsoft.com/office/drawing/2014/main" val="10000"/>
+                    <a16:rowId xmlns="" xmlns:a16="http://schemas.microsoft.com/office/drawing/2014/main" val="10000"/>
                   </a:ext>
                 </a:extLst>
               </a:tr>
@@ -4409,7 +4409,7 @@
                 </a:tc>
                 <a:extLst>
                   <a:ext uri="{0D108BD9-81ED-4DB2-BD59-A6C34878D82A}">
-                    <a16:rowId xmlns:a16="http://schemas.microsoft.com/office/drawing/2014/main" val="10001"/>
+                    <a16:rowId xmlns="" xmlns:a16="http://schemas.microsoft.com/office/drawing/2014/main" val="10001"/>
                   </a:ext>
                 </a:extLst>
               </a:tr>
@@ -4530,7 +4530,7 @@
                 </a:tc>
                 <a:extLst>
                   <a:ext uri="{0D108BD9-81ED-4DB2-BD59-A6C34878D82A}">
-                    <a16:rowId xmlns:a16="http://schemas.microsoft.com/office/drawing/2014/main" val="10002"/>
+                    <a16:rowId xmlns="" xmlns:a16="http://schemas.microsoft.com/office/drawing/2014/main" val="10002"/>
                   </a:ext>
                 </a:extLst>
               </a:tr>
@@ -4651,7 +4651,7 @@
                 </a:tc>
                 <a:extLst>
                   <a:ext uri="{0D108BD9-81ED-4DB2-BD59-A6C34878D82A}">
-                    <a16:rowId xmlns:a16="http://schemas.microsoft.com/office/drawing/2014/main" val="10003"/>
+                    <a16:rowId xmlns="" xmlns:a16="http://schemas.microsoft.com/office/drawing/2014/main" val="10003"/>
                   </a:ext>
                 </a:extLst>
               </a:tr>
@@ -4772,7 +4772,7 @@
                 </a:tc>
                 <a:extLst>
                   <a:ext uri="{0D108BD9-81ED-4DB2-BD59-A6C34878D82A}">
-                    <a16:rowId xmlns:a16="http://schemas.microsoft.com/office/drawing/2014/main" val="10004"/>
+                    <a16:rowId xmlns="" xmlns:a16="http://schemas.microsoft.com/office/drawing/2014/main" val="10004"/>
                   </a:ext>
                 </a:extLst>
               </a:tr>
@@ -4869,7 +4869,7 @@
                 </a:tc>
                 <a:extLst>
                   <a:ext uri="{0D108BD9-81ED-4DB2-BD59-A6C34878D82A}">
-                    <a16:rowId xmlns:a16="http://schemas.microsoft.com/office/drawing/2014/main" val="10005"/>
+                    <a16:rowId xmlns="" xmlns:a16="http://schemas.microsoft.com/office/drawing/2014/main" val="10005"/>
                   </a:ext>
                 </a:extLst>
               </a:tr>
@@ -4966,7 +4966,7 @@
                 </a:tc>
                 <a:extLst>
                   <a:ext uri="{0D108BD9-81ED-4DB2-BD59-A6C34878D82A}">
-                    <a16:rowId xmlns:a16="http://schemas.microsoft.com/office/drawing/2014/main" val="10006"/>
+                    <a16:rowId xmlns="" xmlns:a16="http://schemas.microsoft.com/office/drawing/2014/main" val="10006"/>
                   </a:ext>
                 </a:extLst>
               </a:tr>
@@ -5075,7 +5075,7 @@
                 </a:tc>
                 <a:extLst>
                   <a:ext uri="{0D108BD9-81ED-4DB2-BD59-A6C34878D82A}">
-                    <a16:rowId xmlns:a16="http://schemas.microsoft.com/office/drawing/2014/main" val="10007"/>
+                    <a16:rowId xmlns="" xmlns:a16="http://schemas.microsoft.com/office/drawing/2014/main" val="10007"/>
                   </a:ext>
                 </a:extLst>
               </a:tr>
@@ -5109,14 +5109,14 @@
                 <a:gridCol w="1891798">
                   <a:extLst>
                     <a:ext uri="{9D8B030D-6E8A-4147-A177-3AD203B41FA5}">
-                      <a16:colId xmlns:a16="http://schemas.microsoft.com/office/drawing/2014/main" val="20000"/>
+                      <a16:colId xmlns="" xmlns:a16="http://schemas.microsoft.com/office/drawing/2014/main" val="20000"/>
                     </a:ext>
                   </a:extLst>
                 </a:gridCol>
                 <a:gridCol w="2190504">
                   <a:extLst>
                     <a:ext uri="{9D8B030D-6E8A-4147-A177-3AD203B41FA5}">
-                      <a16:colId xmlns:a16="http://schemas.microsoft.com/office/drawing/2014/main" val="20001"/>
+                      <a16:colId xmlns="" xmlns:a16="http://schemas.microsoft.com/office/drawing/2014/main" val="20001"/>
                     </a:ext>
                   </a:extLst>
                 </a:gridCol>
@@ -5226,7 +5226,7 @@
                 </a:tc>
                 <a:extLst>
                   <a:ext uri="{0D108BD9-81ED-4DB2-BD59-A6C34878D82A}">
-                    <a16:rowId xmlns:a16="http://schemas.microsoft.com/office/drawing/2014/main" val="10000"/>
+                    <a16:rowId xmlns="" xmlns:a16="http://schemas.microsoft.com/office/drawing/2014/main" val="10000"/>
                   </a:ext>
                 </a:extLst>
               </a:tr>
@@ -5323,7 +5323,7 @@
                 </a:tc>
                 <a:extLst>
                   <a:ext uri="{0D108BD9-81ED-4DB2-BD59-A6C34878D82A}">
-                    <a16:rowId xmlns:a16="http://schemas.microsoft.com/office/drawing/2014/main" val="10001"/>
+                    <a16:rowId xmlns="" xmlns:a16="http://schemas.microsoft.com/office/drawing/2014/main" val="10001"/>
                   </a:ext>
                 </a:extLst>
               </a:tr>
@@ -5420,7 +5420,7 @@
                 </a:tc>
                 <a:extLst>
                   <a:ext uri="{0D108BD9-81ED-4DB2-BD59-A6C34878D82A}">
-                    <a16:rowId xmlns:a16="http://schemas.microsoft.com/office/drawing/2014/main" val="10002"/>
+                    <a16:rowId xmlns="" xmlns:a16="http://schemas.microsoft.com/office/drawing/2014/main" val="10002"/>
                   </a:ext>
                 </a:extLst>
               </a:tr>
@@ -5529,7 +5529,7 @@
                 </a:tc>
                 <a:extLst>
                   <a:ext uri="{0D108BD9-81ED-4DB2-BD59-A6C34878D82A}">
-                    <a16:rowId xmlns:a16="http://schemas.microsoft.com/office/drawing/2014/main" val="10003"/>
+                    <a16:rowId xmlns="" xmlns:a16="http://schemas.microsoft.com/office/drawing/2014/main" val="10003"/>
                   </a:ext>
                 </a:extLst>
               </a:tr>
@@ -5842,53 +5842,9 @@
           <a:chExt cx="0" cy="0"/>
         </a:xfrm>
       </p:grpSpPr>
-      <p:sp>
-        <p:nvSpPr>
-          <p:cNvPr id="41" name="テキスト ボックス 40"/>
-          <p:cNvSpPr txBox="1"/>
-          <p:nvPr/>
-        </p:nvSpPr>
-        <p:spPr>
-          <a:xfrm>
-            <a:off x="527896" y="6750423"/>
-            <a:ext cx="5778000" cy="369332"/>
-          </a:xfrm>
-          <a:prstGeom prst="rect">
-            <a:avLst/>
-          </a:prstGeom>
-          <a:noFill/>
-        </p:spPr>
-        <p:txBody>
-          <a:bodyPr wrap="square" rtlCol="0">
-            <a:spAutoFit/>
-          </a:bodyPr>
-          <a:lstStyle/>
-          <a:p>
-            <a:pPr algn="ctr"/>
-            <a:r>
-              <a:rPr kumimoji="1" lang="en-US" altLang="ja-JP" dirty="0">
-                <a:latin typeface="Times New Roman" panose="02020603050405020304" pitchFamily="18" charset="0"/>
-                <a:cs typeface="Times New Roman" panose="02020603050405020304" pitchFamily="18" charset="0"/>
-              </a:rPr>
-              <a:t>Figure </a:t>
-            </a:r>
-            <a:r>
-              <a:rPr lang="en-US" altLang="ja-JP" dirty="0">
-                <a:latin typeface="Times New Roman" panose="02020603050405020304" pitchFamily="18" charset="0"/>
-                <a:cs typeface="Times New Roman" panose="02020603050405020304" pitchFamily="18" charset="0"/>
-              </a:rPr>
-              <a:t>4. Drag force</a:t>
-            </a:r>
-            <a:endParaRPr kumimoji="1" lang="ja-JP" altLang="en-US" dirty="0">
-              <a:latin typeface="Times New Roman" panose="02020603050405020304" pitchFamily="18" charset="0"/>
-              <a:cs typeface="Times New Roman" panose="02020603050405020304" pitchFamily="18" charset="0"/>
-            </a:endParaRPr>
-          </a:p>
-        </p:txBody>
-      </p:sp>
       <p:pic>
         <p:nvPicPr>
-          <p:cNvPr id="7" name="図 6"/>
+          <p:cNvPr id="3" name="図 2"/>
           <p:cNvPicPr>
             <a:picLocks noChangeAspect="1"/>
           </p:cNvPicPr>
@@ -5916,6 +5872,50 @@
           </a:prstGeom>
         </p:spPr>
       </p:pic>
+      <p:sp>
+        <p:nvSpPr>
+          <p:cNvPr id="41" name="テキスト ボックス 40"/>
+          <p:cNvSpPr txBox="1"/>
+          <p:nvPr/>
+        </p:nvSpPr>
+        <p:spPr>
+          <a:xfrm>
+            <a:off x="527896" y="6750423"/>
+            <a:ext cx="5778000" cy="369332"/>
+          </a:xfrm>
+          <a:prstGeom prst="rect">
+            <a:avLst/>
+          </a:prstGeom>
+          <a:noFill/>
+        </p:spPr>
+        <p:txBody>
+          <a:bodyPr wrap="square" rtlCol="0">
+            <a:spAutoFit/>
+          </a:bodyPr>
+          <a:lstStyle/>
+          <a:p>
+            <a:pPr algn="ctr"/>
+            <a:r>
+              <a:rPr kumimoji="1" lang="en-US" altLang="ja-JP" dirty="0">
+                <a:latin typeface="Times New Roman" panose="02020603050405020304" pitchFamily="18" charset="0"/>
+                <a:cs typeface="Times New Roman" panose="02020603050405020304" pitchFamily="18" charset="0"/>
+              </a:rPr>
+              <a:t>Figure </a:t>
+            </a:r>
+            <a:r>
+              <a:rPr lang="en-US" altLang="ja-JP" dirty="0">
+                <a:latin typeface="Times New Roman" panose="02020603050405020304" pitchFamily="18" charset="0"/>
+                <a:cs typeface="Times New Roman" panose="02020603050405020304" pitchFamily="18" charset="0"/>
+              </a:rPr>
+              <a:t>4. Drag force</a:t>
+            </a:r>
+            <a:endParaRPr kumimoji="1" lang="ja-JP" altLang="en-US" dirty="0">
+              <a:latin typeface="Times New Roman" panose="02020603050405020304" pitchFamily="18" charset="0"/>
+              <a:cs typeface="Times New Roman" panose="02020603050405020304" pitchFamily="18" charset="0"/>
+            </a:endParaRPr>
+          </a:p>
+        </p:txBody>
+      </p:sp>
       <p:pic>
         <p:nvPicPr>
           <p:cNvPr id="2" name="図 1"/>
@@ -5977,6 +5977,36 @@
       </p:grpSpPr>
       <p:pic>
         <p:nvPicPr>
+          <p:cNvPr id="4" name="図 3"/>
+          <p:cNvPicPr>
+            <a:picLocks noChangeAspect="1"/>
+          </p:cNvPicPr>
+          <p:nvPr/>
+        </p:nvPicPr>
+        <p:blipFill>
+          <a:blip r:embed="rId2">
+            <a:extLst>
+              <a:ext uri="{28A0092B-C50C-407E-A947-70E740481C1C}">
+                <a14:useLocalDpi xmlns:a14="http://schemas.microsoft.com/office/drawing/2010/main" val="0"/>
+              </a:ext>
+            </a:extLst>
+          </a:blip>
+          <a:stretch>
+            <a:fillRect/>
+          </a:stretch>
+        </p:blipFill>
+        <p:spPr>
+          <a:xfrm>
+            <a:off x="5644463" y="2357255"/>
+            <a:ext cx="1218286" cy="3045716"/>
+          </a:xfrm>
+          <a:prstGeom prst="rect">
+            <a:avLst/>
+          </a:prstGeom>
+        </p:spPr>
+      </p:pic>
+      <p:pic>
+        <p:nvPicPr>
           <p:cNvPr id="3" name="図 2"/>
           <p:cNvPicPr>
             <a:picLocks noChangeAspect="1"/>
@@ -5984,7 +6014,7 @@
           <p:nvPr/>
         </p:nvPicPr>
         <p:blipFill rotWithShape="1">
-          <a:blip r:embed="rId2">
+          <a:blip r:embed="rId3">
             <a:extLst>
               <a:ext uri="{28A0092B-C50C-407E-A947-70E740481C1C}">
                 <a14:useLocalDpi xmlns:a14="http://schemas.microsoft.com/office/drawing/2010/main" val="0"/>
@@ -6048,36 +6078,6 @@
           </a:p>
         </p:txBody>
       </p:sp>
-      <p:pic>
-        <p:nvPicPr>
-          <p:cNvPr id="7" name="図 6"/>
-          <p:cNvPicPr>
-            <a:picLocks noChangeAspect="1"/>
-          </p:cNvPicPr>
-          <p:nvPr/>
-        </p:nvPicPr>
-        <p:blipFill>
-          <a:blip r:embed="rId3">
-            <a:extLst>
-              <a:ext uri="{28A0092B-C50C-407E-A947-70E740481C1C}">
-                <a14:useLocalDpi xmlns:a14="http://schemas.microsoft.com/office/drawing/2010/main" val="0"/>
-              </a:ext>
-            </a:extLst>
-          </a:blip>
-          <a:stretch>
-            <a:fillRect/>
-          </a:stretch>
-        </p:blipFill>
-        <p:spPr>
-          <a:xfrm>
-            <a:off x="5642385" y="2393574"/>
-            <a:ext cx="1219648" cy="3049121"/>
-          </a:xfrm>
-          <a:prstGeom prst="rect">
-            <a:avLst/>
-          </a:prstGeom>
-        </p:spPr>
-      </p:pic>
     </p:spTree>
     <p:extLst>
       <p:ext uri="{BB962C8B-B14F-4D97-AF65-F5344CB8AC3E}">
@@ -6490,53 +6490,9 @@
           <a:chExt cx="0" cy="0"/>
         </a:xfrm>
       </p:grpSpPr>
-      <p:sp>
-        <p:nvSpPr>
-          <p:cNvPr id="41" name="テキスト ボックス 40"/>
-          <p:cNvSpPr txBox="1"/>
-          <p:nvPr/>
-        </p:nvSpPr>
-        <p:spPr>
-          <a:xfrm>
-            <a:off x="527896" y="6750423"/>
-            <a:ext cx="5778000" cy="369332"/>
-          </a:xfrm>
-          <a:prstGeom prst="rect">
-            <a:avLst/>
-          </a:prstGeom>
-          <a:noFill/>
-        </p:spPr>
-        <p:txBody>
-          <a:bodyPr wrap="square" rtlCol="0">
-            <a:spAutoFit/>
-          </a:bodyPr>
-          <a:lstStyle/>
-          <a:p>
-            <a:pPr algn="ctr"/>
-            <a:r>
-              <a:rPr kumimoji="1" lang="en-US" altLang="ja-JP" dirty="0">
-                <a:latin typeface="Times New Roman" panose="02020603050405020304" pitchFamily="18" charset="0"/>
-                <a:cs typeface="Times New Roman" panose="02020603050405020304" pitchFamily="18" charset="0"/>
-              </a:rPr>
-              <a:t>Figure </a:t>
-            </a:r>
-            <a:r>
-              <a:rPr lang="en-US" altLang="ja-JP" dirty="0">
-                <a:latin typeface="Times New Roman" panose="02020603050405020304" pitchFamily="18" charset="0"/>
-                <a:cs typeface="Times New Roman" panose="02020603050405020304" pitchFamily="18" charset="0"/>
-              </a:rPr>
-              <a:t>10. Drag force</a:t>
-            </a:r>
-            <a:endParaRPr kumimoji="1" lang="ja-JP" altLang="en-US" dirty="0">
-              <a:latin typeface="Times New Roman" panose="02020603050405020304" pitchFamily="18" charset="0"/>
-              <a:cs typeface="Times New Roman" panose="02020603050405020304" pitchFamily="18" charset="0"/>
-            </a:endParaRPr>
-          </a:p>
-        </p:txBody>
-      </p:sp>
       <p:pic>
         <p:nvPicPr>
-          <p:cNvPr id="7" name="図 6"/>
+          <p:cNvPr id="2" name="図 1"/>
           <p:cNvPicPr>
             <a:picLocks noChangeAspect="1"/>
           </p:cNvPicPr>
@@ -6556,14 +6512,58 @@
         </p:blipFill>
         <p:spPr>
           <a:xfrm>
-            <a:off x="5642385" y="2393574"/>
-            <a:ext cx="1219648" cy="3049121"/>
+            <a:off x="5642385" y="2403657"/>
+            <a:ext cx="1215615" cy="3039038"/>
           </a:xfrm>
           <a:prstGeom prst="rect">
             <a:avLst/>
           </a:prstGeom>
         </p:spPr>
       </p:pic>
+      <p:sp>
+        <p:nvSpPr>
+          <p:cNvPr id="41" name="テキスト ボックス 40"/>
+          <p:cNvSpPr txBox="1"/>
+          <p:nvPr/>
+        </p:nvSpPr>
+        <p:spPr>
+          <a:xfrm>
+            <a:off x="527896" y="6750423"/>
+            <a:ext cx="5778000" cy="369332"/>
+          </a:xfrm>
+          <a:prstGeom prst="rect">
+            <a:avLst/>
+          </a:prstGeom>
+          <a:noFill/>
+        </p:spPr>
+        <p:txBody>
+          <a:bodyPr wrap="square" rtlCol="0">
+            <a:spAutoFit/>
+          </a:bodyPr>
+          <a:lstStyle/>
+          <a:p>
+            <a:pPr algn="ctr"/>
+            <a:r>
+              <a:rPr kumimoji="1" lang="en-US" altLang="ja-JP" dirty="0">
+                <a:latin typeface="Times New Roman" panose="02020603050405020304" pitchFamily="18" charset="0"/>
+                <a:cs typeface="Times New Roman" panose="02020603050405020304" pitchFamily="18" charset="0"/>
+              </a:rPr>
+              <a:t>Figure </a:t>
+            </a:r>
+            <a:r>
+              <a:rPr lang="en-US" altLang="ja-JP" dirty="0">
+                <a:latin typeface="Times New Roman" panose="02020603050405020304" pitchFamily="18" charset="0"/>
+                <a:cs typeface="Times New Roman" panose="02020603050405020304" pitchFamily="18" charset="0"/>
+              </a:rPr>
+              <a:t>10. Drag force</a:t>
+            </a:r>
+            <a:endParaRPr kumimoji="1" lang="ja-JP" altLang="en-US" dirty="0">
+              <a:latin typeface="Times New Roman" panose="02020603050405020304" pitchFamily="18" charset="0"/>
+              <a:cs typeface="Times New Roman" panose="02020603050405020304" pitchFamily="18" charset="0"/>
+            </a:endParaRPr>
+          </a:p>
+        </p:txBody>
+      </p:sp>
       <p:pic>
         <p:nvPicPr>
           <p:cNvPr id="3" name="図 2"/>

--- a/論文/figures/Figures&Tables.pptx
+++ b/論文/figures/Figures&Tables.pptx
@@ -5,22 +5,25 @@
     <p:sldMasterId id="2147483660" r:id="rId1"/>
   </p:sldMasterIdLst>
   <p:handoutMasterIdLst>
-    <p:handoutMasterId r:id="rId15"/>
+    <p:handoutMasterId r:id="rId18"/>
   </p:handoutMasterIdLst>
   <p:sldIdLst>
     <p:sldId id="257" r:id="rId2"/>
-    <p:sldId id="258" r:id="rId3"/>
-    <p:sldId id="259" r:id="rId4"/>
-    <p:sldId id="274" r:id="rId5"/>
-    <p:sldId id="276" r:id="rId6"/>
-    <p:sldId id="273" r:id="rId7"/>
-    <p:sldId id="269" r:id="rId8"/>
-    <p:sldId id="262" r:id="rId9"/>
-    <p:sldId id="278" r:id="rId10"/>
-    <p:sldId id="279" r:id="rId11"/>
-    <p:sldId id="277" r:id="rId12"/>
-    <p:sldId id="271" r:id="rId13"/>
-    <p:sldId id="280" r:id="rId14"/>
+    <p:sldId id="283" r:id="rId3"/>
+    <p:sldId id="258" r:id="rId4"/>
+    <p:sldId id="282" r:id="rId5"/>
+    <p:sldId id="259" r:id="rId6"/>
+    <p:sldId id="274" r:id="rId7"/>
+    <p:sldId id="276" r:id="rId8"/>
+    <p:sldId id="273" r:id="rId9"/>
+    <p:sldId id="269" r:id="rId10"/>
+    <p:sldId id="281" r:id="rId11"/>
+    <p:sldId id="262" r:id="rId12"/>
+    <p:sldId id="278" r:id="rId13"/>
+    <p:sldId id="279" r:id="rId14"/>
+    <p:sldId id="277" r:id="rId15"/>
+    <p:sldId id="271" r:id="rId16"/>
+    <p:sldId id="280" r:id="rId17"/>
   </p:sldIdLst>
   <p:sldSz cx="6858000" cy="9906000" type="A4"/>
   <p:notesSz cx="9144000" cy="6858000"/>
@@ -209,7 +212,7 @@
           <a:p>
             <a:fld id="{CF2BC990-631B-44C0-9708-8FFAA36D913C}" type="datetimeFigureOut">
               <a:rPr kumimoji="1" lang="ja-JP" altLang="en-US" smtClean="0"/>
-              <a:t>2019/9/13</a:t>
+              <a:t>2019/10/11</a:t>
             </a:fld>
             <a:endParaRPr kumimoji="1" lang="ja-JP" altLang="en-US"/>
           </a:p>
@@ -423,7 +426,7 @@
           <a:p>
             <a:fld id="{0BA0E0C8-02F0-4E03-83F6-93C841C817A4}" type="datetimeFigureOut">
               <a:rPr kumimoji="1" lang="ja-JP" altLang="en-US" smtClean="0"/>
-              <a:t>2019/9/13</a:t>
+              <a:t>2019/10/11</a:t>
             </a:fld>
             <a:endParaRPr kumimoji="1" lang="ja-JP" altLang="en-US"/>
           </a:p>
@@ -625,7 +628,7 @@
           <a:p>
             <a:fld id="{0BA0E0C8-02F0-4E03-83F6-93C841C817A4}" type="datetimeFigureOut">
               <a:rPr kumimoji="1" lang="ja-JP" altLang="en-US" smtClean="0"/>
-              <a:t>2019/9/13</a:t>
+              <a:t>2019/10/11</a:t>
             </a:fld>
             <a:endParaRPr kumimoji="1" lang="ja-JP" altLang="en-US"/>
           </a:p>
@@ -837,7 +840,7 @@
           <a:p>
             <a:fld id="{0BA0E0C8-02F0-4E03-83F6-93C841C817A4}" type="datetimeFigureOut">
               <a:rPr kumimoji="1" lang="ja-JP" altLang="en-US" smtClean="0"/>
-              <a:t>2019/9/13</a:t>
+              <a:t>2019/10/11</a:t>
             </a:fld>
             <a:endParaRPr kumimoji="1" lang="ja-JP" altLang="en-US"/>
           </a:p>
@@ -1039,7 +1042,7 @@
           <a:p>
             <a:fld id="{0BA0E0C8-02F0-4E03-83F6-93C841C817A4}" type="datetimeFigureOut">
               <a:rPr kumimoji="1" lang="ja-JP" altLang="en-US" smtClean="0"/>
-              <a:t>2019/9/13</a:t>
+              <a:t>2019/10/11</a:t>
             </a:fld>
             <a:endParaRPr kumimoji="1" lang="ja-JP" altLang="en-US"/>
           </a:p>
@@ -1283,7 +1286,7 @@
           <a:p>
             <a:fld id="{0BA0E0C8-02F0-4E03-83F6-93C841C817A4}" type="datetimeFigureOut">
               <a:rPr kumimoji="1" lang="ja-JP" altLang="en-US" smtClean="0"/>
-              <a:t>2019/9/13</a:t>
+              <a:t>2019/10/11</a:t>
             </a:fld>
             <a:endParaRPr kumimoji="1" lang="ja-JP" altLang="en-US"/>
           </a:p>
@@ -1579,7 +1582,7 @@
           <a:p>
             <a:fld id="{0BA0E0C8-02F0-4E03-83F6-93C841C817A4}" type="datetimeFigureOut">
               <a:rPr kumimoji="1" lang="ja-JP" altLang="en-US" smtClean="0"/>
-              <a:t>2019/9/13</a:t>
+              <a:t>2019/10/11</a:t>
             </a:fld>
             <a:endParaRPr kumimoji="1" lang="ja-JP" altLang="en-US"/>
           </a:p>
@@ -2010,7 +2013,7 @@
           <a:p>
             <a:fld id="{0BA0E0C8-02F0-4E03-83F6-93C841C817A4}" type="datetimeFigureOut">
               <a:rPr kumimoji="1" lang="ja-JP" altLang="en-US" smtClean="0"/>
-              <a:t>2019/9/13</a:t>
+              <a:t>2019/10/11</a:t>
             </a:fld>
             <a:endParaRPr kumimoji="1" lang="ja-JP" altLang="en-US"/>
           </a:p>
@@ -2128,7 +2131,7 @@
           <a:p>
             <a:fld id="{0BA0E0C8-02F0-4E03-83F6-93C841C817A4}" type="datetimeFigureOut">
               <a:rPr kumimoji="1" lang="ja-JP" altLang="en-US" smtClean="0"/>
-              <a:t>2019/9/13</a:t>
+              <a:t>2019/10/11</a:t>
             </a:fld>
             <a:endParaRPr kumimoji="1" lang="ja-JP" altLang="en-US"/>
           </a:p>
@@ -2223,7 +2226,7 @@
           <a:p>
             <a:fld id="{0BA0E0C8-02F0-4E03-83F6-93C841C817A4}" type="datetimeFigureOut">
               <a:rPr kumimoji="1" lang="ja-JP" altLang="en-US" smtClean="0"/>
-              <a:t>2019/9/13</a:t>
+              <a:t>2019/10/11</a:t>
             </a:fld>
             <a:endParaRPr kumimoji="1" lang="ja-JP" altLang="en-US"/>
           </a:p>
@@ -2532,7 +2535,7 @@
           <a:p>
             <a:fld id="{0BA0E0C8-02F0-4E03-83F6-93C841C817A4}" type="datetimeFigureOut">
               <a:rPr kumimoji="1" lang="ja-JP" altLang="en-US" smtClean="0"/>
-              <a:t>2019/9/13</a:t>
+              <a:t>2019/10/11</a:t>
             </a:fld>
             <a:endParaRPr kumimoji="1" lang="ja-JP" altLang="en-US"/>
           </a:p>
@@ -2789,7 +2792,7 @@
           <a:p>
             <a:fld id="{0BA0E0C8-02F0-4E03-83F6-93C841C817A4}" type="datetimeFigureOut">
               <a:rPr kumimoji="1" lang="ja-JP" altLang="en-US" smtClean="0"/>
-              <a:t>2019/9/13</a:t>
+              <a:t>2019/10/11</a:t>
             </a:fld>
             <a:endParaRPr kumimoji="1" lang="ja-JP" altLang="en-US"/>
           </a:p>
@@ -3034,7 +3037,7 @@
           <a:p>
             <a:fld id="{0BA0E0C8-02F0-4E03-83F6-93C841C817A4}" type="datetimeFigureOut">
               <a:rPr kumimoji="1" lang="ja-JP" altLang="en-US" smtClean="0"/>
-              <a:t>2019/9/13</a:t>
+              <a:t>2019/10/11</a:t>
             </a:fld>
             <a:endParaRPr kumimoji="1" lang="ja-JP" altLang="en-US"/>
           </a:p>
@@ -3444,7 +3447,7 @@
           <p:cNvPr id="4" name="図 3">
             <a:extLst>
               <a:ext uri="{FF2B5EF4-FFF2-40B4-BE49-F238E27FC236}">
-                <a16:creationId xmlns="" xmlns:a16="http://schemas.microsoft.com/office/drawing/2014/main" id="{302C1514-DB19-C840-B74D-7CF67DCBC311}"/>
+                <a16:creationId xmlns:a16="http://schemas.microsoft.com/office/drawing/2014/main" xmlns="" id="{302C1514-DB19-C840-B74D-7CF67DCBC311}"/>
               </a:ext>
             </a:extLst>
           </p:cNvPr>
@@ -3526,6 +3529,449 @@
 </file>
 
 <file path=ppt/slides/slide10.xml><?xml version="1.0" encoding="utf-8"?>
+<p:sld xmlns:a="http://schemas.openxmlformats.org/drawingml/2006/main" xmlns:r="http://schemas.openxmlformats.org/officeDocument/2006/relationships" xmlns:p="http://schemas.openxmlformats.org/presentationml/2006/main">
+  <p:cSld>
+    <p:spTree>
+      <p:nvGrpSpPr>
+        <p:cNvPr id="1" name=""/>
+        <p:cNvGrpSpPr/>
+        <p:nvPr/>
+      </p:nvGrpSpPr>
+      <p:grpSpPr>
+        <a:xfrm>
+          <a:off x="0" y="0"/>
+          <a:ext cx="0" cy="0"/>
+          <a:chOff x="0" y="0"/>
+          <a:chExt cx="0" cy="0"/>
+        </a:xfrm>
+      </p:grpSpPr>
+      <p:pic>
+        <p:nvPicPr>
+          <p:cNvPr id="4" name="図 3"/>
+          <p:cNvPicPr>
+            <a:picLocks noChangeAspect="1"/>
+          </p:cNvPicPr>
+          <p:nvPr/>
+        </p:nvPicPr>
+        <p:blipFill>
+          <a:blip r:embed="rId2">
+            <a:extLst>
+              <a:ext uri="{28A0092B-C50C-407E-A947-70E740481C1C}">
+                <a14:useLocalDpi xmlns:a14="http://schemas.microsoft.com/office/drawing/2010/main" val="0"/>
+              </a:ext>
+            </a:extLst>
+          </a:blip>
+          <a:stretch>
+            <a:fillRect/>
+          </a:stretch>
+        </p:blipFill>
+        <p:spPr>
+          <a:xfrm>
+            <a:off x="1097290" y="840869"/>
+            <a:ext cx="4760260" cy="3576491"/>
+          </a:xfrm>
+          <a:prstGeom prst="rect">
+            <a:avLst/>
+          </a:prstGeom>
+        </p:spPr>
+      </p:pic>
+      <p:sp>
+        <p:nvSpPr>
+          <p:cNvPr id="2" name="テキスト ボックス 1"/>
+          <p:cNvSpPr txBox="1"/>
+          <p:nvPr/>
+        </p:nvSpPr>
+        <p:spPr>
+          <a:xfrm>
+            <a:off x="627403" y="4417360"/>
+            <a:ext cx="5778000" cy="369332"/>
+          </a:xfrm>
+          <a:prstGeom prst="rect">
+            <a:avLst/>
+          </a:prstGeom>
+          <a:noFill/>
+        </p:spPr>
+        <p:txBody>
+          <a:bodyPr wrap="square" rtlCol="0">
+            <a:spAutoFit/>
+          </a:bodyPr>
+          <a:lstStyle/>
+          <a:p>
+            <a:pPr algn="ctr"/>
+            <a:r>
+              <a:rPr kumimoji="1" lang="en-US" altLang="ja-JP" dirty="0">
+                <a:latin typeface="Times New Roman" panose="02020603050405020304" pitchFamily="18" charset="0"/>
+                <a:cs typeface="Times New Roman" panose="02020603050405020304" pitchFamily="18" charset="0"/>
+              </a:rPr>
+              <a:t>Figure </a:t>
+            </a:r>
+            <a:r>
+              <a:rPr lang="en-US" altLang="ja-JP" dirty="0" smtClean="0">
+                <a:latin typeface="Times New Roman" panose="02020603050405020304" pitchFamily="18" charset="0"/>
+                <a:cs typeface="Times New Roman" panose="02020603050405020304" pitchFamily="18" charset="0"/>
+              </a:rPr>
+              <a:t>10. </a:t>
+            </a:r>
+            <a:r>
+              <a:rPr lang="en-US" altLang="ja-JP" dirty="0">
+                <a:latin typeface="Times New Roman" panose="02020603050405020304" pitchFamily="18" charset="0"/>
+                <a:cs typeface="Times New Roman" panose="02020603050405020304" pitchFamily="18" charset="0"/>
+              </a:rPr>
+              <a:t>Number of particles in die region</a:t>
+            </a:r>
+            <a:endParaRPr kumimoji="1" lang="ja-JP" altLang="en-US" dirty="0">
+              <a:latin typeface="Times New Roman" panose="02020603050405020304" pitchFamily="18" charset="0"/>
+              <a:cs typeface="Times New Roman" panose="02020603050405020304" pitchFamily="18" charset="0"/>
+            </a:endParaRPr>
+          </a:p>
+        </p:txBody>
+      </p:sp>
+    </p:spTree>
+    <p:extLst>
+      <p:ext uri="{BB962C8B-B14F-4D97-AF65-F5344CB8AC3E}">
+        <p14:creationId xmlns:p14="http://schemas.microsoft.com/office/powerpoint/2010/main" val="1578111472"/>
+      </p:ext>
+    </p:extLst>
+  </p:cSld>
+  <p:clrMapOvr>
+    <a:masterClrMapping/>
+  </p:clrMapOvr>
+</p:sld>
+</file>
+
+<file path=ppt/slides/slide11.xml><?xml version="1.0" encoding="utf-8"?>
+<p:sld xmlns:a="http://schemas.openxmlformats.org/drawingml/2006/main" xmlns:r="http://schemas.openxmlformats.org/officeDocument/2006/relationships" xmlns:p="http://schemas.openxmlformats.org/presentationml/2006/main">
+  <p:cSld>
+    <p:spTree>
+      <p:nvGrpSpPr>
+        <p:cNvPr id="1" name=""/>
+        <p:cNvGrpSpPr/>
+        <p:nvPr/>
+      </p:nvGrpSpPr>
+      <p:grpSpPr>
+        <a:xfrm>
+          <a:off x="0" y="0"/>
+          <a:ext cx="0" cy="0"/>
+          <a:chOff x="0" y="0"/>
+          <a:chExt cx="0" cy="0"/>
+        </a:xfrm>
+      </p:grpSpPr>
+      <p:sp>
+        <p:nvSpPr>
+          <p:cNvPr id="5" name="テキスト ボックス 4"/>
+          <p:cNvSpPr txBox="1"/>
+          <p:nvPr/>
+        </p:nvSpPr>
+        <p:spPr>
+          <a:xfrm>
+            <a:off x="627403" y="4417360"/>
+            <a:ext cx="5778000" cy="369332"/>
+          </a:xfrm>
+          <a:prstGeom prst="rect">
+            <a:avLst/>
+          </a:prstGeom>
+          <a:noFill/>
+        </p:spPr>
+        <p:txBody>
+          <a:bodyPr wrap="square" rtlCol="0">
+            <a:spAutoFit/>
+          </a:bodyPr>
+          <a:lstStyle/>
+          <a:p>
+            <a:pPr algn="ctr"/>
+            <a:r>
+              <a:rPr kumimoji="1" lang="en-US" altLang="ja-JP" dirty="0">
+                <a:latin typeface="Times New Roman" panose="02020603050405020304" pitchFamily="18" charset="0"/>
+                <a:cs typeface="Times New Roman" panose="02020603050405020304" pitchFamily="18" charset="0"/>
+              </a:rPr>
+              <a:t>Figure </a:t>
+            </a:r>
+            <a:r>
+              <a:rPr lang="en-US" altLang="ja-JP" dirty="0" smtClean="0">
+                <a:latin typeface="Times New Roman" panose="02020603050405020304" pitchFamily="18" charset="0"/>
+                <a:cs typeface="Times New Roman" panose="02020603050405020304" pitchFamily="18" charset="0"/>
+              </a:rPr>
+              <a:t>11. </a:t>
+            </a:r>
+            <a:r>
+              <a:rPr lang="en-US" altLang="ja-JP" dirty="0">
+                <a:latin typeface="Times New Roman" panose="02020603050405020304" pitchFamily="18" charset="0"/>
+                <a:cs typeface="Times New Roman" panose="02020603050405020304" pitchFamily="18" charset="0"/>
+              </a:rPr>
+              <a:t>Filling time</a:t>
+            </a:r>
+            <a:endParaRPr kumimoji="1" lang="ja-JP" altLang="en-US" dirty="0">
+              <a:latin typeface="Times New Roman" panose="02020603050405020304" pitchFamily="18" charset="0"/>
+              <a:cs typeface="Times New Roman" panose="02020603050405020304" pitchFamily="18" charset="0"/>
+            </a:endParaRPr>
+          </a:p>
+        </p:txBody>
+      </p:sp>
+      <p:sp>
+        <p:nvSpPr>
+          <p:cNvPr id="7" name="テキスト ボックス 6"/>
+          <p:cNvSpPr txBox="1"/>
+          <p:nvPr/>
+        </p:nvSpPr>
+        <p:spPr>
+          <a:xfrm>
+            <a:off x="627403" y="8608158"/>
+            <a:ext cx="5778000" cy="369332"/>
+          </a:xfrm>
+          <a:prstGeom prst="rect">
+            <a:avLst/>
+          </a:prstGeom>
+          <a:noFill/>
+        </p:spPr>
+        <p:txBody>
+          <a:bodyPr wrap="square" rtlCol="0">
+            <a:spAutoFit/>
+          </a:bodyPr>
+          <a:lstStyle/>
+          <a:p>
+            <a:pPr algn="ctr"/>
+            <a:r>
+              <a:rPr kumimoji="1" lang="en-US" altLang="ja-JP" dirty="0">
+                <a:latin typeface="Times New Roman" panose="02020603050405020304" pitchFamily="18" charset="0"/>
+                <a:cs typeface="Times New Roman" panose="02020603050405020304" pitchFamily="18" charset="0"/>
+              </a:rPr>
+              <a:t>Figure </a:t>
+            </a:r>
+            <a:r>
+              <a:rPr lang="en-US" altLang="ja-JP" dirty="0" smtClean="0">
+                <a:latin typeface="Times New Roman" panose="02020603050405020304" pitchFamily="18" charset="0"/>
+                <a:cs typeface="Times New Roman" panose="02020603050405020304" pitchFamily="18" charset="0"/>
+              </a:rPr>
+              <a:t>12. </a:t>
+            </a:r>
+            <a:r>
+              <a:rPr lang="en-US" altLang="ja-JP" dirty="0">
+                <a:latin typeface="Times New Roman" panose="02020603050405020304" pitchFamily="18" charset="0"/>
+                <a:cs typeface="Times New Roman" panose="02020603050405020304" pitchFamily="18" charset="0"/>
+              </a:rPr>
+              <a:t>Flux of powder into die region</a:t>
+            </a:r>
+            <a:endParaRPr kumimoji="1" lang="ja-JP" altLang="en-US" dirty="0">
+              <a:latin typeface="Times New Roman" panose="02020603050405020304" pitchFamily="18" charset="0"/>
+              <a:cs typeface="Times New Roman" panose="02020603050405020304" pitchFamily="18" charset="0"/>
+            </a:endParaRPr>
+          </a:p>
+        </p:txBody>
+      </p:sp>
+      <p:pic>
+        <p:nvPicPr>
+          <p:cNvPr id="4" name="図 3"/>
+          <p:cNvPicPr>
+            <a:picLocks noChangeAspect="1"/>
+          </p:cNvPicPr>
+          <p:nvPr/>
+        </p:nvPicPr>
+        <p:blipFill>
+          <a:blip r:embed="rId2">
+            <a:extLst>
+              <a:ext uri="{28A0092B-C50C-407E-A947-70E740481C1C}">
+                <a14:useLocalDpi xmlns:a14="http://schemas.microsoft.com/office/drawing/2010/main" val="0"/>
+              </a:ext>
+            </a:extLst>
+          </a:blip>
+          <a:stretch>
+            <a:fillRect/>
+          </a:stretch>
+        </p:blipFill>
+        <p:spPr>
+          <a:xfrm>
+            <a:off x="1097290" y="840869"/>
+            <a:ext cx="4760260" cy="3576491"/>
+          </a:xfrm>
+          <a:prstGeom prst="rect">
+            <a:avLst/>
+          </a:prstGeom>
+        </p:spPr>
+      </p:pic>
+      <p:pic>
+        <p:nvPicPr>
+          <p:cNvPr id="6" name="図 5"/>
+          <p:cNvPicPr>
+            <a:picLocks noChangeAspect="1"/>
+          </p:cNvPicPr>
+          <p:nvPr/>
+        </p:nvPicPr>
+        <p:blipFill>
+          <a:blip r:embed="rId3">
+            <a:extLst>
+              <a:ext uri="{28A0092B-C50C-407E-A947-70E740481C1C}">
+                <a14:useLocalDpi xmlns:a14="http://schemas.microsoft.com/office/drawing/2010/main" val="0"/>
+              </a:ext>
+            </a:extLst>
+          </a:blip>
+          <a:stretch>
+            <a:fillRect/>
+          </a:stretch>
+        </p:blipFill>
+        <p:spPr>
+          <a:xfrm>
+            <a:off x="1097290" y="5031667"/>
+            <a:ext cx="4760260" cy="3576491"/>
+          </a:xfrm>
+          <a:prstGeom prst="rect">
+            <a:avLst/>
+          </a:prstGeom>
+        </p:spPr>
+      </p:pic>
+    </p:spTree>
+    <p:extLst>
+      <p:ext uri="{BB962C8B-B14F-4D97-AF65-F5344CB8AC3E}">
+        <p14:creationId xmlns:p14="http://schemas.microsoft.com/office/powerpoint/2010/main" val="2632708965"/>
+      </p:ext>
+    </p:extLst>
+  </p:cSld>
+  <p:clrMapOvr>
+    <a:masterClrMapping/>
+  </p:clrMapOvr>
+</p:sld>
+</file>
+
+<file path=ppt/slides/slide12.xml><?xml version="1.0" encoding="utf-8"?>
+<p:sld xmlns:a="http://schemas.openxmlformats.org/drawingml/2006/main" xmlns:r="http://schemas.openxmlformats.org/officeDocument/2006/relationships" xmlns:p="http://schemas.openxmlformats.org/presentationml/2006/main">
+  <p:cSld>
+    <p:spTree>
+      <p:nvGrpSpPr>
+        <p:cNvPr id="1" name=""/>
+        <p:cNvGrpSpPr/>
+        <p:nvPr/>
+      </p:nvGrpSpPr>
+      <p:grpSpPr>
+        <a:xfrm>
+          <a:off x="0" y="0"/>
+          <a:ext cx="0" cy="0"/>
+          <a:chOff x="0" y="0"/>
+          <a:chExt cx="0" cy="0"/>
+        </a:xfrm>
+      </p:grpSpPr>
+      <p:pic>
+        <p:nvPicPr>
+          <p:cNvPr id="2" name="図 1"/>
+          <p:cNvPicPr>
+            <a:picLocks noChangeAspect="1"/>
+          </p:cNvPicPr>
+          <p:nvPr/>
+        </p:nvPicPr>
+        <p:blipFill>
+          <a:blip r:embed="rId2">
+            <a:extLst>
+              <a:ext uri="{28A0092B-C50C-407E-A947-70E740481C1C}">
+                <a14:useLocalDpi xmlns:a14="http://schemas.microsoft.com/office/drawing/2010/main" val="0"/>
+              </a:ext>
+            </a:extLst>
+          </a:blip>
+          <a:stretch>
+            <a:fillRect/>
+          </a:stretch>
+        </p:blipFill>
+        <p:spPr>
+          <a:xfrm>
+            <a:off x="5642385" y="2403657"/>
+            <a:ext cx="1215615" cy="3039038"/>
+          </a:xfrm>
+          <a:prstGeom prst="rect">
+            <a:avLst/>
+          </a:prstGeom>
+        </p:spPr>
+      </p:pic>
+      <p:sp>
+        <p:nvSpPr>
+          <p:cNvPr id="41" name="テキスト ボックス 40"/>
+          <p:cNvSpPr txBox="1"/>
+          <p:nvPr/>
+        </p:nvSpPr>
+        <p:spPr>
+          <a:xfrm>
+            <a:off x="527896" y="6750423"/>
+            <a:ext cx="5778000" cy="369332"/>
+          </a:xfrm>
+          <a:prstGeom prst="rect">
+            <a:avLst/>
+          </a:prstGeom>
+          <a:noFill/>
+        </p:spPr>
+        <p:txBody>
+          <a:bodyPr wrap="square" rtlCol="0">
+            <a:spAutoFit/>
+          </a:bodyPr>
+          <a:lstStyle/>
+          <a:p>
+            <a:pPr algn="ctr"/>
+            <a:r>
+              <a:rPr kumimoji="1" lang="en-US" altLang="ja-JP" dirty="0">
+                <a:latin typeface="Times New Roman" panose="02020603050405020304" pitchFamily="18" charset="0"/>
+                <a:cs typeface="Times New Roman" panose="02020603050405020304" pitchFamily="18" charset="0"/>
+              </a:rPr>
+              <a:t>Figure </a:t>
+            </a:r>
+            <a:r>
+              <a:rPr lang="en-US" altLang="ja-JP" dirty="0" smtClean="0">
+                <a:latin typeface="Times New Roman" panose="02020603050405020304" pitchFamily="18" charset="0"/>
+                <a:cs typeface="Times New Roman" panose="02020603050405020304" pitchFamily="18" charset="0"/>
+              </a:rPr>
+              <a:t>13. </a:t>
+            </a:r>
+            <a:r>
+              <a:rPr lang="en-US" altLang="ja-JP" dirty="0">
+                <a:latin typeface="Times New Roman" panose="02020603050405020304" pitchFamily="18" charset="0"/>
+                <a:cs typeface="Times New Roman" panose="02020603050405020304" pitchFamily="18" charset="0"/>
+              </a:rPr>
+              <a:t>Drag force</a:t>
+            </a:r>
+            <a:endParaRPr kumimoji="1" lang="ja-JP" altLang="en-US" dirty="0">
+              <a:latin typeface="Times New Roman" panose="02020603050405020304" pitchFamily="18" charset="0"/>
+              <a:cs typeface="Times New Roman" panose="02020603050405020304" pitchFamily="18" charset="0"/>
+            </a:endParaRPr>
+          </a:p>
+        </p:txBody>
+      </p:sp>
+      <p:pic>
+        <p:nvPicPr>
+          <p:cNvPr id="3" name="図 2"/>
+          <p:cNvPicPr>
+            <a:picLocks noChangeAspect="1"/>
+          </p:cNvPicPr>
+          <p:nvPr/>
+        </p:nvPicPr>
+        <p:blipFill rotWithShape="1">
+          <a:blip r:embed="rId3">
+            <a:extLst>
+              <a:ext uri="{28A0092B-C50C-407E-A947-70E740481C1C}">
+                <a14:useLocalDpi xmlns:a14="http://schemas.microsoft.com/office/drawing/2010/main" val="0"/>
+              </a:ext>
+            </a:extLst>
+          </a:blip>
+          <a:srcRect l="20808" t="20606"/>
+          <a:stretch/>
+        </p:blipFill>
+        <p:spPr>
+          <a:xfrm>
+            <a:off x="211403" y="1305587"/>
+            <a:ext cx="5430982" cy="5444836"/>
+          </a:xfrm>
+          <a:prstGeom prst="rect">
+            <a:avLst/>
+          </a:prstGeom>
+        </p:spPr>
+      </p:pic>
+    </p:spTree>
+    <p:extLst>
+      <p:ext uri="{BB962C8B-B14F-4D97-AF65-F5344CB8AC3E}">
+        <p14:creationId xmlns:p14="http://schemas.microsoft.com/office/powerpoint/2010/main" val="1074977756"/>
+      </p:ext>
+    </p:extLst>
+  </p:cSld>
+  <p:clrMapOvr>
+    <a:masterClrMapping/>
+  </p:clrMapOvr>
+</p:sld>
+</file>
+
+<file path=ppt/slides/slide13.xml><?xml version="1.0" encoding="utf-8"?>
 <p:sld xmlns:a="http://schemas.openxmlformats.org/drawingml/2006/main" xmlns:r="http://schemas.openxmlformats.org/officeDocument/2006/relationships" xmlns:p="http://schemas.openxmlformats.org/presentationml/2006/main">
   <p:cSld>
     <p:spTree>
@@ -3600,14 +4046,28 @@
                 <a:latin typeface="Times New Roman" panose="02020603050405020304" pitchFamily="18" charset="0"/>
                 <a:cs typeface="Times New Roman" panose="02020603050405020304" pitchFamily="18" charset="0"/>
               </a:rPr>
-              <a:t>Figure 11</a:t>
+              <a:t>Figure </a:t>
+            </a:r>
+            <a:r>
+              <a:rPr kumimoji="1" lang="en-US" altLang="ja-JP" dirty="0" smtClean="0">
+                <a:latin typeface="Times New Roman" panose="02020603050405020304" pitchFamily="18" charset="0"/>
+                <a:cs typeface="Times New Roman" panose="02020603050405020304" pitchFamily="18" charset="0"/>
+              </a:rPr>
+              <a:t>14</a:t>
+            </a:r>
+            <a:r>
+              <a:rPr lang="en-US" altLang="ja-JP" dirty="0" smtClean="0">
+                <a:latin typeface="Times New Roman" panose="02020603050405020304" pitchFamily="18" charset="0"/>
+                <a:cs typeface="Times New Roman" panose="02020603050405020304" pitchFamily="18" charset="0"/>
+              </a:rPr>
+              <a:t>. </a:t>
             </a:r>
             <a:r>
               <a:rPr lang="en-US" altLang="ja-JP" dirty="0">
                 <a:latin typeface="Times New Roman" panose="02020603050405020304" pitchFamily="18" charset="0"/>
                 <a:cs typeface="Times New Roman" panose="02020603050405020304" pitchFamily="18" charset="0"/>
               </a:rPr>
-              <a:t>. Pressure force</a:t>
+              <a:t>Pressure force</a:t>
             </a:r>
             <a:endParaRPr kumimoji="1" lang="ja-JP" altLang="en-US" dirty="0">
               <a:latin typeface="Times New Roman" panose="02020603050405020304" pitchFamily="18" charset="0"/>
@@ -3658,7 +4118,7 @@
 </p:sld>
 </file>
 
-<file path=ppt/slides/slide11.xml><?xml version="1.0" encoding="utf-8"?>
+<file path=ppt/slides/slide14.xml><?xml version="1.0" encoding="utf-8"?>
 <p:sld xmlns:a="http://schemas.openxmlformats.org/drawingml/2006/main" xmlns:r="http://schemas.openxmlformats.org/officeDocument/2006/relationships" xmlns:p="http://schemas.openxmlformats.org/presentationml/2006/main">
   <p:cSld>
     <p:spTree>
@@ -3706,11 +4166,18 @@
               <a:t>Figure </a:t>
             </a:r>
             <a:r>
+              <a:rPr lang="en-US" altLang="ja-JP" dirty="0" smtClean="0">
+                <a:latin typeface="Times New Roman" panose="02020603050405020304" pitchFamily="18" charset="0"/>
+                <a:cs typeface="Times New Roman" panose="02020603050405020304" pitchFamily="18" charset="0"/>
+              </a:rPr>
+              <a:t>15. </a:t>
+            </a:r>
+            <a:r>
               <a:rPr lang="en-US" altLang="ja-JP" dirty="0">
                 <a:latin typeface="Times New Roman" panose="02020603050405020304" pitchFamily="18" charset="0"/>
                 <a:cs typeface="Times New Roman" panose="02020603050405020304" pitchFamily="18" charset="0"/>
               </a:rPr>
-              <a:t>12. Number of suctioned particles by drag force</a:t>
+              <a:t>Number of suctioned particles by drag force</a:t>
             </a:r>
             <a:endParaRPr kumimoji="1" lang="ja-JP" altLang="en-US" dirty="0">
               <a:latin typeface="Times New Roman" panose="02020603050405020304" pitchFamily="18" charset="0"/>
@@ -3750,11 +4217,18 @@
               <a:t>Figure </a:t>
             </a:r>
             <a:r>
+              <a:rPr lang="en-US" altLang="ja-JP" dirty="0" smtClean="0">
+                <a:latin typeface="Times New Roman" panose="02020603050405020304" pitchFamily="18" charset="0"/>
+                <a:cs typeface="Times New Roman" panose="02020603050405020304" pitchFamily="18" charset="0"/>
+              </a:rPr>
+              <a:t>16. </a:t>
+            </a:r>
+            <a:r>
               <a:rPr lang="en-US" altLang="ja-JP" dirty="0">
                 <a:latin typeface="Times New Roman" panose="02020603050405020304" pitchFamily="18" charset="0"/>
                 <a:cs typeface="Times New Roman" panose="02020603050405020304" pitchFamily="18" charset="0"/>
               </a:rPr>
-              <a:t>13. Number of suctioned particles by pressure gradient</a:t>
+              <a:t>Number of suctioned particles by pressure gradient</a:t>
             </a:r>
             <a:endParaRPr kumimoji="1" lang="ja-JP" altLang="en-US" dirty="0">
               <a:latin typeface="Times New Roman" panose="02020603050405020304" pitchFamily="18" charset="0"/>
@@ -3836,7 +4310,7 @@
 </p:sld>
 </file>
 
-<file path=ppt/slides/slide12.xml><?xml version="1.0" encoding="utf-8"?>
+<file path=ppt/slides/slide15.xml><?xml version="1.0" encoding="utf-8"?>
 <p:sld xmlns:a="http://schemas.openxmlformats.org/drawingml/2006/main" xmlns:r="http://schemas.openxmlformats.org/officeDocument/2006/relationships" xmlns:p="http://schemas.openxmlformats.org/presentationml/2006/main">
   <p:cSld>
     <p:spTree>
@@ -3907,18 +4381,18 @@
           <a:p>
             <a:pPr algn="ctr"/>
             <a:r>
-              <a:rPr kumimoji="1" lang="en-US" altLang="ja-JP">
+              <a:rPr kumimoji="1" lang="en-US" altLang="ja-JP" dirty="0">
                 <a:latin typeface="Times New Roman" panose="02020603050405020304" pitchFamily="18" charset="0"/>
                 <a:cs typeface="Times New Roman" panose="02020603050405020304" pitchFamily="18" charset="0"/>
               </a:rPr>
               <a:t>Figure </a:t>
             </a:r>
             <a:r>
-              <a:rPr lang="en-US" altLang="ja-JP">
+              <a:rPr lang="en-US" altLang="ja-JP" dirty="0" smtClean="0">
                 <a:latin typeface="Times New Roman" panose="02020603050405020304" pitchFamily="18" charset="0"/>
                 <a:cs typeface="Times New Roman" panose="02020603050405020304" pitchFamily="18" charset="0"/>
               </a:rPr>
-              <a:t>14. </a:t>
+              <a:t>17. </a:t>
             </a:r>
             <a:r>
               <a:rPr lang="en-US" altLang="ja-JP" dirty="0">
@@ -3976,7 +4450,7 @@
 </p:sld>
 </file>
 
-<file path=ppt/slides/slide13.xml><?xml version="1.0" encoding="utf-8"?>
+<file path=ppt/slides/slide16.xml><?xml version="1.0" encoding="utf-8"?>
 <p:sld xmlns:a="http://schemas.openxmlformats.org/drawingml/2006/main" xmlns:r="http://schemas.openxmlformats.org/officeDocument/2006/relationships" xmlns:p="http://schemas.openxmlformats.org/presentationml/2006/main">
   <p:cSld>
     <p:spTree>
@@ -4047,18 +4521,25 @@
           <a:p>
             <a:pPr algn="ctr"/>
             <a:r>
-              <a:rPr kumimoji="1" lang="en-US" altLang="ja-JP" dirty="0">
+              <a:rPr kumimoji="1" lang="en-US" altLang="ja-JP">
                 <a:latin typeface="Times New Roman" panose="02020603050405020304" pitchFamily="18" charset="0"/>
                 <a:cs typeface="Times New Roman" panose="02020603050405020304" pitchFamily="18" charset="0"/>
               </a:rPr>
               <a:t>Figure </a:t>
             </a:r>
             <a:r>
+              <a:rPr lang="en-US" altLang="ja-JP" smtClean="0">
+                <a:latin typeface="Times New Roman" panose="02020603050405020304" pitchFamily="18" charset="0"/>
+                <a:cs typeface="Times New Roman" panose="02020603050405020304" pitchFamily="18" charset="0"/>
+              </a:rPr>
+              <a:t>18. </a:t>
+            </a:r>
+            <a:r>
               <a:rPr lang="en-US" altLang="ja-JP" dirty="0">
                 <a:latin typeface="Times New Roman" panose="02020603050405020304" pitchFamily="18" charset="0"/>
                 <a:cs typeface="Times New Roman" panose="02020603050405020304" pitchFamily="18" charset="0"/>
               </a:rPr>
-              <a:t>12. Rate of air volume change</a:t>
+              <a:t>Rate of air volume change</a:t>
             </a:r>
             <a:endParaRPr kumimoji="1" lang="ja-JP" altLang="en-US" dirty="0">
               <a:latin typeface="Times New Roman" panose="02020603050405020304" pitchFamily="18" charset="0"/>
@@ -4081,6 +4562,110 @@
 </file>
 
 <file path=ppt/slides/slide2.xml><?xml version="1.0" encoding="utf-8"?>
+<p:sld xmlns:a="http://schemas.openxmlformats.org/drawingml/2006/main" xmlns:r="http://schemas.openxmlformats.org/officeDocument/2006/relationships" xmlns:p="http://schemas.openxmlformats.org/presentationml/2006/main">
+  <p:cSld>
+    <p:spTree>
+      <p:nvGrpSpPr>
+        <p:cNvPr id="1" name=""/>
+        <p:cNvGrpSpPr/>
+        <p:nvPr/>
+      </p:nvGrpSpPr>
+      <p:grpSpPr>
+        <a:xfrm>
+          <a:off x="0" y="0"/>
+          <a:ext cx="0" cy="0"/>
+          <a:chOff x="0" y="0"/>
+          <a:chExt cx="0" cy="0"/>
+        </a:xfrm>
+      </p:grpSpPr>
+      <p:pic>
+        <p:nvPicPr>
+          <p:cNvPr id="2" name="図 1"/>
+          <p:cNvPicPr>
+            <a:picLocks noChangeAspect="1"/>
+          </p:cNvPicPr>
+          <p:nvPr/>
+        </p:nvPicPr>
+        <p:blipFill>
+          <a:blip r:embed="rId2">
+            <a:extLst>
+              <a:ext uri="{28A0092B-C50C-407E-A947-70E740481C1C}">
+                <a14:useLocalDpi xmlns:a14="http://schemas.microsoft.com/office/drawing/2010/main" val="0"/>
+              </a:ext>
+            </a:extLst>
+          </a:blip>
+          <a:stretch>
+            <a:fillRect/>
+          </a:stretch>
+        </p:blipFill>
+        <p:spPr>
+          <a:xfrm>
+            <a:off x="0" y="2634443"/>
+            <a:ext cx="6858000" cy="3857625"/>
+          </a:xfrm>
+          <a:prstGeom prst="rect">
+            <a:avLst/>
+          </a:prstGeom>
+        </p:spPr>
+      </p:pic>
+      <p:sp>
+        <p:nvSpPr>
+          <p:cNvPr id="3" name="テキスト ボックス 2"/>
+          <p:cNvSpPr txBox="1"/>
+          <p:nvPr/>
+        </p:nvSpPr>
+        <p:spPr>
+          <a:xfrm>
+            <a:off x="446645" y="6492068"/>
+            <a:ext cx="5964709" cy="369332"/>
+          </a:xfrm>
+          <a:prstGeom prst="rect">
+            <a:avLst/>
+          </a:prstGeom>
+          <a:noFill/>
+        </p:spPr>
+        <p:txBody>
+          <a:bodyPr wrap="square" rtlCol="0">
+            <a:spAutoFit/>
+          </a:bodyPr>
+          <a:lstStyle/>
+          <a:p>
+            <a:pPr algn="ctr"/>
+            <a:r>
+              <a:rPr kumimoji="1" lang="en-US" altLang="ja-JP" dirty="0">
+                <a:latin typeface="Times New Roman" panose="02020603050405020304" pitchFamily="18" charset="0"/>
+                <a:cs typeface="Times New Roman" panose="02020603050405020304" pitchFamily="18" charset="0"/>
+              </a:rPr>
+              <a:t>Figure </a:t>
+            </a:r>
+            <a:r>
+              <a:rPr lang="en-US" altLang="ja-JP" dirty="0" smtClean="0">
+                <a:latin typeface="Times New Roman" panose="02020603050405020304" pitchFamily="18" charset="0"/>
+                <a:cs typeface="Times New Roman" panose="02020603050405020304" pitchFamily="18" charset="0"/>
+              </a:rPr>
+              <a:t>2. SDF and IBM</a:t>
+            </a:r>
+            <a:endParaRPr kumimoji="1" lang="ja-JP" altLang="en-US" dirty="0">
+              <a:latin typeface="Times New Roman" panose="02020603050405020304" pitchFamily="18" charset="0"/>
+              <a:cs typeface="Times New Roman" panose="02020603050405020304" pitchFamily="18" charset="0"/>
+            </a:endParaRPr>
+          </a:p>
+        </p:txBody>
+      </p:sp>
+    </p:spTree>
+    <p:extLst>
+      <p:ext uri="{BB962C8B-B14F-4D97-AF65-F5344CB8AC3E}">
+        <p14:creationId xmlns:p14="http://schemas.microsoft.com/office/powerpoint/2010/main" val="499531053"/>
+      </p:ext>
+    </p:extLst>
+  </p:cSld>
+  <p:clrMapOvr>
+    <a:masterClrMapping/>
+  </p:clrMapOvr>
+</p:sld>
+</file>
+
+<file path=ppt/slides/slide3.xml><?xml version="1.0" encoding="utf-8"?>
 <p:sld xmlns:a="http://schemas.openxmlformats.org/drawingml/2006/main" xmlns:r="http://schemas.openxmlformats.org/officeDocument/2006/relationships" xmlns:p="http://schemas.openxmlformats.org/presentationml/2006/main">
   <p:cSld>
     <p:spTree>
@@ -4123,14 +4708,14 @@
                 <a:gridCol w="2218240">
                   <a:extLst>
                     <a:ext uri="{9D8B030D-6E8A-4147-A177-3AD203B41FA5}">
-                      <a16:colId xmlns="" xmlns:a16="http://schemas.microsoft.com/office/drawing/2014/main" val="20000"/>
+                      <a16:colId xmlns:a16="http://schemas.microsoft.com/office/drawing/2014/main" xmlns="" val="20000"/>
                     </a:ext>
                   </a:extLst>
                 </a:gridCol>
                 <a:gridCol w="1864062">
                   <a:extLst>
                     <a:ext uri="{9D8B030D-6E8A-4147-A177-3AD203B41FA5}">
-                      <a16:colId xmlns="" xmlns:a16="http://schemas.microsoft.com/office/drawing/2014/main" val="20001"/>
+                      <a16:colId xmlns:a16="http://schemas.microsoft.com/office/drawing/2014/main" xmlns="" val="20001"/>
                     </a:ext>
                   </a:extLst>
                 </a:gridCol>
@@ -4252,7 +4837,7 @@
                 </a:tc>
                 <a:extLst>
                   <a:ext uri="{0D108BD9-81ED-4DB2-BD59-A6C34878D82A}">
-                    <a16:rowId xmlns="" xmlns:a16="http://schemas.microsoft.com/office/drawing/2014/main" val="10000"/>
+                    <a16:rowId xmlns:a16="http://schemas.microsoft.com/office/drawing/2014/main" xmlns="" val="10000"/>
                   </a:ext>
                 </a:extLst>
               </a:tr>
@@ -4409,7 +4994,7 @@
                 </a:tc>
                 <a:extLst>
                   <a:ext uri="{0D108BD9-81ED-4DB2-BD59-A6C34878D82A}">
-                    <a16:rowId xmlns="" xmlns:a16="http://schemas.microsoft.com/office/drawing/2014/main" val="10001"/>
+                    <a16:rowId xmlns:a16="http://schemas.microsoft.com/office/drawing/2014/main" xmlns="" val="10001"/>
                   </a:ext>
                 </a:extLst>
               </a:tr>
@@ -4530,7 +5115,7 @@
                 </a:tc>
                 <a:extLst>
                   <a:ext uri="{0D108BD9-81ED-4DB2-BD59-A6C34878D82A}">
-                    <a16:rowId xmlns="" xmlns:a16="http://schemas.microsoft.com/office/drawing/2014/main" val="10002"/>
+                    <a16:rowId xmlns:a16="http://schemas.microsoft.com/office/drawing/2014/main" xmlns="" val="10002"/>
                   </a:ext>
                 </a:extLst>
               </a:tr>
@@ -4651,7 +5236,7 @@
                 </a:tc>
                 <a:extLst>
                   <a:ext uri="{0D108BD9-81ED-4DB2-BD59-A6C34878D82A}">
-                    <a16:rowId xmlns="" xmlns:a16="http://schemas.microsoft.com/office/drawing/2014/main" val="10003"/>
+                    <a16:rowId xmlns:a16="http://schemas.microsoft.com/office/drawing/2014/main" xmlns="" val="10003"/>
                   </a:ext>
                 </a:extLst>
               </a:tr>
@@ -4772,7 +5357,7 @@
                 </a:tc>
                 <a:extLst>
                   <a:ext uri="{0D108BD9-81ED-4DB2-BD59-A6C34878D82A}">
-                    <a16:rowId xmlns="" xmlns:a16="http://schemas.microsoft.com/office/drawing/2014/main" val="10004"/>
+                    <a16:rowId xmlns:a16="http://schemas.microsoft.com/office/drawing/2014/main" xmlns="" val="10004"/>
                   </a:ext>
                 </a:extLst>
               </a:tr>
@@ -4869,7 +5454,7 @@
                 </a:tc>
                 <a:extLst>
                   <a:ext uri="{0D108BD9-81ED-4DB2-BD59-A6C34878D82A}">
-                    <a16:rowId xmlns="" xmlns:a16="http://schemas.microsoft.com/office/drawing/2014/main" val="10005"/>
+                    <a16:rowId xmlns:a16="http://schemas.microsoft.com/office/drawing/2014/main" xmlns="" val="10005"/>
                   </a:ext>
                 </a:extLst>
               </a:tr>
@@ -4966,7 +5551,7 @@
                 </a:tc>
                 <a:extLst>
                   <a:ext uri="{0D108BD9-81ED-4DB2-BD59-A6C34878D82A}">
-                    <a16:rowId xmlns="" xmlns:a16="http://schemas.microsoft.com/office/drawing/2014/main" val="10006"/>
+                    <a16:rowId xmlns:a16="http://schemas.microsoft.com/office/drawing/2014/main" xmlns="" val="10006"/>
                   </a:ext>
                 </a:extLst>
               </a:tr>
@@ -5075,7 +5660,7 @@
                 </a:tc>
                 <a:extLst>
                   <a:ext uri="{0D108BD9-81ED-4DB2-BD59-A6C34878D82A}">
-                    <a16:rowId xmlns="" xmlns:a16="http://schemas.microsoft.com/office/drawing/2014/main" val="10007"/>
+                    <a16:rowId xmlns:a16="http://schemas.microsoft.com/office/drawing/2014/main" xmlns="" val="10007"/>
                   </a:ext>
                 </a:extLst>
               </a:tr>
@@ -5109,14 +5694,14 @@
                 <a:gridCol w="1891798">
                   <a:extLst>
                     <a:ext uri="{9D8B030D-6E8A-4147-A177-3AD203B41FA5}">
-                      <a16:colId xmlns="" xmlns:a16="http://schemas.microsoft.com/office/drawing/2014/main" val="20000"/>
+                      <a16:colId xmlns:a16="http://schemas.microsoft.com/office/drawing/2014/main" xmlns="" val="20000"/>
                     </a:ext>
                   </a:extLst>
                 </a:gridCol>
                 <a:gridCol w="2190504">
                   <a:extLst>
                     <a:ext uri="{9D8B030D-6E8A-4147-A177-3AD203B41FA5}">
-                      <a16:colId xmlns="" xmlns:a16="http://schemas.microsoft.com/office/drawing/2014/main" val="20001"/>
+                      <a16:colId xmlns:a16="http://schemas.microsoft.com/office/drawing/2014/main" xmlns="" val="20001"/>
                     </a:ext>
                   </a:extLst>
                 </a:gridCol>
@@ -5226,7 +5811,7 @@
                 </a:tc>
                 <a:extLst>
                   <a:ext uri="{0D108BD9-81ED-4DB2-BD59-A6C34878D82A}">
-                    <a16:rowId xmlns="" xmlns:a16="http://schemas.microsoft.com/office/drawing/2014/main" val="10000"/>
+                    <a16:rowId xmlns:a16="http://schemas.microsoft.com/office/drawing/2014/main" xmlns="" val="10000"/>
                   </a:ext>
                 </a:extLst>
               </a:tr>
@@ -5323,7 +5908,7 @@
                 </a:tc>
                 <a:extLst>
                   <a:ext uri="{0D108BD9-81ED-4DB2-BD59-A6C34878D82A}">
-                    <a16:rowId xmlns="" xmlns:a16="http://schemas.microsoft.com/office/drawing/2014/main" val="10001"/>
+                    <a16:rowId xmlns:a16="http://schemas.microsoft.com/office/drawing/2014/main" xmlns="" val="10001"/>
                   </a:ext>
                 </a:extLst>
               </a:tr>
@@ -5420,7 +6005,7 @@
                 </a:tc>
                 <a:extLst>
                   <a:ext uri="{0D108BD9-81ED-4DB2-BD59-A6C34878D82A}">
-                    <a16:rowId xmlns="" xmlns:a16="http://schemas.microsoft.com/office/drawing/2014/main" val="10002"/>
+                    <a16:rowId xmlns:a16="http://schemas.microsoft.com/office/drawing/2014/main" xmlns="" val="10002"/>
                   </a:ext>
                 </a:extLst>
               </a:tr>
@@ -5529,7 +6114,7 @@
                 </a:tc>
                 <a:extLst>
                   <a:ext uri="{0D108BD9-81ED-4DB2-BD59-A6C34878D82A}">
-                    <a16:rowId xmlns="" xmlns:a16="http://schemas.microsoft.com/office/drawing/2014/main" val="10003"/>
+                    <a16:rowId xmlns:a16="http://schemas.microsoft.com/office/drawing/2014/main" xmlns="" val="10003"/>
                   </a:ext>
                 </a:extLst>
               </a:tr>
@@ -5624,7 +6209,7 @@
 </p:sld>
 </file>
 
-<file path=ppt/slides/slide3.xml><?xml version="1.0" encoding="utf-8"?>
+<file path=ppt/slides/slide4.xml><?xml version="1.0" encoding="utf-8"?>
 <p:sld xmlns:a="http://schemas.openxmlformats.org/drawingml/2006/main" xmlns:r="http://schemas.openxmlformats.org/officeDocument/2006/relationships" xmlns:p="http://schemas.openxmlformats.org/presentationml/2006/main">
   <p:cSld>
     <p:spTree>
@@ -5643,155 +6228,14 @@
       </p:grpSpPr>
       <p:pic>
         <p:nvPicPr>
-          <p:cNvPr id="3" name="図 2"/>
-          <p:cNvPicPr>
-            <a:picLocks noChangeAspect="1"/>
-          </p:cNvPicPr>
-          <p:nvPr/>
-        </p:nvPicPr>
-        <p:blipFill rotWithShape="1">
-          <a:blip r:embed="rId2">
-            <a:extLst>
-              <a:ext uri="{28A0092B-C50C-407E-A947-70E740481C1C}">
-                <a14:useLocalDpi xmlns:a14="http://schemas.microsoft.com/office/drawing/2010/main" val="0"/>
-              </a:ext>
-            </a:extLst>
-          </a:blip>
-          <a:srcRect b="48889"/>
-          <a:stretch/>
-        </p:blipFill>
-        <p:spPr>
-          <a:xfrm>
-            <a:off x="0" y="5979"/>
-            <a:ext cx="6858000" cy="3505200"/>
-          </a:xfrm>
-          <a:prstGeom prst="rect">
-            <a:avLst/>
-          </a:prstGeom>
-        </p:spPr>
-      </p:pic>
-      <p:sp>
-        <p:nvSpPr>
-          <p:cNvPr id="20" name="テキスト ボックス 19"/>
-          <p:cNvSpPr txBox="1"/>
-          <p:nvPr/>
-        </p:nvSpPr>
-        <p:spPr>
-          <a:xfrm>
-            <a:off x="540000" y="3637226"/>
-            <a:ext cx="5778000" cy="646331"/>
-          </a:xfrm>
-          <a:prstGeom prst="rect">
-            <a:avLst/>
-          </a:prstGeom>
-          <a:noFill/>
-        </p:spPr>
-        <p:txBody>
-          <a:bodyPr wrap="square" rtlCol="0">
-            <a:spAutoFit/>
-          </a:bodyPr>
-          <a:lstStyle/>
-          <a:p>
-            <a:pPr algn="ctr"/>
-            <a:r>
-              <a:rPr kumimoji="1" lang="en-US" altLang="ja-JP" dirty="0">
-                <a:latin typeface="Times New Roman" panose="02020603050405020304" pitchFamily="18" charset="0"/>
-                <a:cs typeface="Times New Roman" panose="02020603050405020304" pitchFamily="18" charset="0"/>
-              </a:rPr>
-              <a:t>Figure </a:t>
-            </a:r>
-            <a:r>
-              <a:rPr lang="en-US" altLang="ja-JP" dirty="0">
-                <a:latin typeface="Times New Roman" panose="02020603050405020304" pitchFamily="18" charset="0"/>
-                <a:cs typeface="Times New Roman" panose="02020603050405020304" pitchFamily="18" charset="0"/>
-              </a:rPr>
-              <a:t>2</a:t>
-            </a:r>
-            <a:r>
-              <a:rPr kumimoji="1" lang="en-US" altLang="ja-JP" dirty="0">
-                <a:latin typeface="Times New Roman" panose="02020603050405020304" pitchFamily="18" charset="0"/>
-                <a:cs typeface="Times New Roman" panose="02020603050405020304" pitchFamily="18" charset="0"/>
-              </a:rPr>
-              <a:t>. </a:t>
-            </a:r>
-            <a:r>
-              <a:rPr lang="en-US" altLang="ja-JP" dirty="0">
-                <a:latin typeface="Times New Roman" panose="02020603050405020304" pitchFamily="18" charset="0"/>
-                <a:cs typeface="Times New Roman" panose="02020603050405020304" pitchFamily="18" charset="0"/>
-              </a:rPr>
-              <a:t>Powder distribution</a:t>
-            </a:r>
-          </a:p>
-          <a:p>
-            <a:pPr algn="ctr"/>
-            <a:r>
-              <a:rPr lang="en-US" altLang="ja-JP" dirty="0">
-                <a:latin typeface="Times New Roman" panose="02020603050405020304" pitchFamily="18" charset="0"/>
-                <a:cs typeface="Times New Roman" panose="02020603050405020304" pitchFamily="18" charset="0"/>
-              </a:rPr>
-              <a:t>In case suction filling, the punch speed was 500 mm/s.</a:t>
-            </a:r>
-            <a:endParaRPr kumimoji="1" lang="ja-JP" altLang="en-US" dirty="0">
-              <a:latin typeface="Times New Roman" panose="02020603050405020304" pitchFamily="18" charset="0"/>
-              <a:cs typeface="Times New Roman" panose="02020603050405020304" pitchFamily="18" charset="0"/>
-            </a:endParaRPr>
-          </a:p>
-        </p:txBody>
-      </p:sp>
-      <p:sp>
-        <p:nvSpPr>
-          <p:cNvPr id="7" name="テキスト ボックス 6"/>
-          <p:cNvSpPr txBox="1"/>
-          <p:nvPr/>
-        </p:nvSpPr>
-        <p:spPr>
-          <a:xfrm>
-            <a:off x="752094" y="8393615"/>
-            <a:ext cx="5778000" cy="369332"/>
-          </a:xfrm>
-          <a:prstGeom prst="rect">
-            <a:avLst/>
-          </a:prstGeom>
-          <a:noFill/>
-        </p:spPr>
-        <p:txBody>
-          <a:bodyPr wrap="square" rtlCol="0">
-            <a:spAutoFit/>
-          </a:bodyPr>
-          <a:lstStyle/>
-          <a:p>
-            <a:pPr algn="ctr"/>
-            <a:r>
-              <a:rPr kumimoji="1" lang="en-US" altLang="ja-JP" dirty="0">
-                <a:latin typeface="Times New Roman" panose="02020603050405020304" pitchFamily="18" charset="0"/>
-                <a:cs typeface="Times New Roman" panose="02020603050405020304" pitchFamily="18" charset="0"/>
-              </a:rPr>
-              <a:t>Figure </a:t>
-            </a:r>
-            <a:r>
-              <a:rPr lang="en-US" altLang="ja-JP" dirty="0">
-                <a:latin typeface="Times New Roman" panose="02020603050405020304" pitchFamily="18" charset="0"/>
-                <a:cs typeface="Times New Roman" panose="02020603050405020304" pitchFamily="18" charset="0"/>
-              </a:rPr>
-              <a:t>3. Flux of powder into die region</a:t>
-            </a:r>
-            <a:endParaRPr kumimoji="1" lang="ja-JP" altLang="en-US" dirty="0">
-              <a:latin typeface="Times New Roman" panose="02020603050405020304" pitchFamily="18" charset="0"/>
-              <a:cs typeface="Times New Roman" panose="02020603050405020304" pitchFamily="18" charset="0"/>
-            </a:endParaRPr>
-          </a:p>
-        </p:txBody>
-      </p:sp>
-      <p:pic>
-        <p:nvPicPr>
-          <p:cNvPr id="2" name="図 1"/>
+          <p:cNvPr id="4" name="図 3"/>
           <p:cNvPicPr>
             <a:picLocks noChangeAspect="1"/>
           </p:cNvPicPr>
           <p:nvPr/>
         </p:nvPicPr>
         <p:blipFill>
-          <a:blip r:embed="rId3">
+          <a:blip r:embed="rId2">
             <a:extLst>
               <a:ext uri="{28A0092B-C50C-407E-A947-70E740481C1C}">
                 <a14:useLocalDpi xmlns:a14="http://schemas.microsoft.com/office/drawing/2010/main" val="0"/>
@@ -5812,6 +6256,265 @@
           </a:prstGeom>
         </p:spPr>
       </p:pic>
+      <p:pic>
+        <p:nvPicPr>
+          <p:cNvPr id="3" name="図 2"/>
+          <p:cNvPicPr>
+            <a:picLocks noChangeAspect="1"/>
+          </p:cNvPicPr>
+          <p:nvPr/>
+        </p:nvPicPr>
+        <p:blipFill rotWithShape="1">
+          <a:blip r:embed="rId3">
+            <a:extLst>
+              <a:ext uri="{28A0092B-C50C-407E-A947-70E740481C1C}">
+                <a14:useLocalDpi xmlns:a14="http://schemas.microsoft.com/office/drawing/2010/main" val="0"/>
+              </a:ext>
+            </a:extLst>
+          </a:blip>
+          <a:srcRect b="48889"/>
+          <a:stretch/>
+        </p:blipFill>
+        <p:spPr>
+          <a:xfrm>
+            <a:off x="0" y="5979"/>
+            <a:ext cx="6858000" cy="3505200"/>
+          </a:xfrm>
+          <a:prstGeom prst="rect">
+            <a:avLst/>
+          </a:prstGeom>
+        </p:spPr>
+      </p:pic>
+      <p:sp>
+        <p:nvSpPr>
+          <p:cNvPr id="20" name="テキスト ボックス 19"/>
+          <p:cNvSpPr txBox="1"/>
+          <p:nvPr/>
+        </p:nvSpPr>
+        <p:spPr>
+          <a:xfrm>
+            <a:off x="540000" y="3637226"/>
+            <a:ext cx="5778000" cy="646331"/>
+          </a:xfrm>
+          <a:prstGeom prst="rect">
+            <a:avLst/>
+          </a:prstGeom>
+          <a:noFill/>
+        </p:spPr>
+        <p:txBody>
+          <a:bodyPr wrap="square" rtlCol="0">
+            <a:spAutoFit/>
+          </a:bodyPr>
+          <a:lstStyle/>
+          <a:p>
+            <a:pPr algn="ctr"/>
+            <a:r>
+              <a:rPr kumimoji="1" lang="en-US" altLang="ja-JP" dirty="0">
+                <a:latin typeface="Times New Roman" panose="02020603050405020304" pitchFamily="18" charset="0"/>
+                <a:cs typeface="Times New Roman" panose="02020603050405020304" pitchFamily="18" charset="0"/>
+              </a:rPr>
+              <a:t>Figure </a:t>
+            </a:r>
+            <a:r>
+              <a:rPr kumimoji="1" lang="en-US" altLang="ja-JP" dirty="0" smtClean="0">
+                <a:latin typeface="Times New Roman" panose="02020603050405020304" pitchFamily="18" charset="0"/>
+                <a:cs typeface="Times New Roman" panose="02020603050405020304" pitchFamily="18" charset="0"/>
+              </a:rPr>
+              <a:t>3. </a:t>
+            </a:r>
+            <a:r>
+              <a:rPr lang="en-US" altLang="ja-JP" dirty="0">
+                <a:latin typeface="Times New Roman" panose="02020603050405020304" pitchFamily="18" charset="0"/>
+                <a:cs typeface="Times New Roman" panose="02020603050405020304" pitchFamily="18" charset="0"/>
+              </a:rPr>
+              <a:t>Powder distribution</a:t>
+            </a:r>
+          </a:p>
+          <a:p>
+            <a:pPr algn="ctr"/>
+            <a:r>
+              <a:rPr lang="en-US" altLang="ja-JP" dirty="0">
+                <a:latin typeface="Times New Roman" panose="02020603050405020304" pitchFamily="18" charset="0"/>
+                <a:cs typeface="Times New Roman" panose="02020603050405020304" pitchFamily="18" charset="0"/>
+              </a:rPr>
+              <a:t>In case suction filling, the punch speed was 500 mm/s.</a:t>
+            </a:r>
+            <a:endParaRPr kumimoji="1" lang="ja-JP" altLang="en-US" dirty="0">
+              <a:latin typeface="Times New Roman" panose="02020603050405020304" pitchFamily="18" charset="0"/>
+              <a:cs typeface="Times New Roman" panose="02020603050405020304" pitchFamily="18" charset="0"/>
+            </a:endParaRPr>
+          </a:p>
+        </p:txBody>
+      </p:sp>
+      <p:sp>
+        <p:nvSpPr>
+          <p:cNvPr id="7" name="テキスト ボックス 6"/>
+          <p:cNvSpPr txBox="1"/>
+          <p:nvPr/>
+        </p:nvSpPr>
+        <p:spPr>
+          <a:xfrm>
+            <a:off x="752094" y="8393615"/>
+            <a:ext cx="5778000" cy="369332"/>
+          </a:xfrm>
+          <a:prstGeom prst="rect">
+            <a:avLst/>
+          </a:prstGeom>
+          <a:noFill/>
+        </p:spPr>
+        <p:txBody>
+          <a:bodyPr wrap="square" rtlCol="0">
+            <a:spAutoFit/>
+          </a:bodyPr>
+          <a:lstStyle/>
+          <a:p>
+            <a:pPr algn="ctr"/>
+            <a:r>
+              <a:rPr kumimoji="1" lang="en-US" altLang="ja-JP" dirty="0">
+                <a:latin typeface="Times New Roman" panose="02020603050405020304" pitchFamily="18" charset="0"/>
+                <a:cs typeface="Times New Roman" panose="02020603050405020304" pitchFamily="18" charset="0"/>
+              </a:rPr>
+              <a:t>Figure </a:t>
+            </a:r>
+            <a:r>
+              <a:rPr lang="en-US" altLang="ja-JP" dirty="0">
+                <a:latin typeface="Times New Roman" panose="02020603050405020304" pitchFamily="18" charset="0"/>
+                <a:cs typeface="Times New Roman" panose="02020603050405020304" pitchFamily="18" charset="0"/>
+              </a:rPr>
+              <a:t>4</a:t>
+            </a:r>
+            <a:r>
+              <a:rPr lang="en-US" altLang="ja-JP" dirty="0" smtClean="0">
+                <a:latin typeface="Times New Roman" panose="02020603050405020304" pitchFamily="18" charset="0"/>
+                <a:cs typeface="Times New Roman" panose="02020603050405020304" pitchFamily="18" charset="0"/>
+              </a:rPr>
+              <a:t>. Number of particles in die region</a:t>
+            </a:r>
+            <a:endParaRPr kumimoji="1" lang="ja-JP" altLang="en-US" dirty="0">
+              <a:latin typeface="Times New Roman" panose="02020603050405020304" pitchFamily="18" charset="0"/>
+              <a:cs typeface="Times New Roman" panose="02020603050405020304" pitchFamily="18" charset="0"/>
+            </a:endParaRPr>
+          </a:p>
+        </p:txBody>
+      </p:sp>
+    </p:spTree>
+    <p:extLst>
+      <p:ext uri="{BB962C8B-B14F-4D97-AF65-F5344CB8AC3E}">
+        <p14:creationId xmlns:p14="http://schemas.microsoft.com/office/powerpoint/2010/main" val="941420738"/>
+      </p:ext>
+    </p:extLst>
+  </p:cSld>
+  <p:clrMapOvr>
+    <a:masterClrMapping/>
+  </p:clrMapOvr>
+</p:sld>
+</file>
+
+<file path=ppt/slides/slide5.xml><?xml version="1.0" encoding="utf-8"?>
+<p:sld xmlns:a="http://schemas.openxmlformats.org/drawingml/2006/main" xmlns:r="http://schemas.openxmlformats.org/officeDocument/2006/relationships" xmlns:p="http://schemas.openxmlformats.org/presentationml/2006/main">
+  <p:cSld>
+    <p:spTree>
+      <p:nvGrpSpPr>
+        <p:cNvPr id="1" name=""/>
+        <p:cNvGrpSpPr/>
+        <p:nvPr/>
+      </p:nvGrpSpPr>
+      <p:grpSpPr>
+        <a:xfrm>
+          <a:off x="0" y="0"/>
+          <a:ext cx="0" cy="0"/>
+          <a:chOff x="0" y="0"/>
+          <a:chExt cx="0" cy="0"/>
+        </a:xfrm>
+      </p:grpSpPr>
+      <p:sp>
+        <p:nvSpPr>
+          <p:cNvPr id="7" name="テキスト ボックス 6"/>
+          <p:cNvSpPr txBox="1"/>
+          <p:nvPr/>
+        </p:nvSpPr>
+        <p:spPr>
+          <a:xfrm>
+            <a:off x="585840" y="4154124"/>
+            <a:ext cx="5778000" cy="369332"/>
+          </a:xfrm>
+          <a:prstGeom prst="rect">
+            <a:avLst/>
+          </a:prstGeom>
+          <a:noFill/>
+        </p:spPr>
+        <p:txBody>
+          <a:bodyPr wrap="square" rtlCol="0">
+            <a:spAutoFit/>
+          </a:bodyPr>
+          <a:lstStyle/>
+          <a:p>
+            <a:pPr algn="ctr"/>
+            <a:r>
+              <a:rPr kumimoji="1" lang="en-US" altLang="ja-JP" dirty="0">
+                <a:latin typeface="Times New Roman" panose="02020603050405020304" pitchFamily="18" charset="0"/>
+                <a:cs typeface="Times New Roman" panose="02020603050405020304" pitchFamily="18" charset="0"/>
+              </a:rPr>
+              <a:t>Figure </a:t>
+            </a:r>
+            <a:r>
+              <a:rPr lang="en-US" altLang="ja-JP" dirty="0">
+                <a:latin typeface="Times New Roman" panose="02020603050405020304" pitchFamily="18" charset="0"/>
+                <a:cs typeface="Times New Roman" panose="02020603050405020304" pitchFamily="18" charset="0"/>
+              </a:rPr>
+              <a:t>5</a:t>
+            </a:r>
+            <a:r>
+              <a:rPr lang="en-US" altLang="ja-JP" dirty="0" smtClean="0">
+                <a:latin typeface="Times New Roman" panose="02020603050405020304" pitchFamily="18" charset="0"/>
+                <a:cs typeface="Times New Roman" panose="02020603050405020304" pitchFamily="18" charset="0"/>
+              </a:rPr>
+              <a:t>. </a:t>
+            </a:r>
+            <a:r>
+              <a:rPr lang="en-US" altLang="ja-JP" dirty="0">
+                <a:latin typeface="Times New Roman" panose="02020603050405020304" pitchFamily="18" charset="0"/>
+                <a:cs typeface="Times New Roman" panose="02020603050405020304" pitchFamily="18" charset="0"/>
+              </a:rPr>
+              <a:t>Flux of powder into die region</a:t>
+            </a:r>
+            <a:endParaRPr kumimoji="1" lang="ja-JP" altLang="en-US" dirty="0">
+              <a:latin typeface="Times New Roman" panose="02020603050405020304" pitchFamily="18" charset="0"/>
+              <a:cs typeface="Times New Roman" panose="02020603050405020304" pitchFamily="18" charset="0"/>
+            </a:endParaRPr>
+          </a:p>
+        </p:txBody>
+      </p:sp>
+      <p:pic>
+        <p:nvPicPr>
+          <p:cNvPr id="2" name="図 1"/>
+          <p:cNvPicPr>
+            <a:picLocks noChangeAspect="1"/>
+          </p:cNvPicPr>
+          <p:nvPr/>
+        </p:nvPicPr>
+        <p:blipFill>
+          <a:blip r:embed="rId2">
+            <a:extLst>
+              <a:ext uri="{28A0092B-C50C-407E-A947-70E740481C1C}">
+                <a14:useLocalDpi xmlns:a14="http://schemas.microsoft.com/office/drawing/2010/main" val="0"/>
+              </a:ext>
+            </a:extLst>
+          </a:blip>
+          <a:stretch>
+            <a:fillRect/>
+          </a:stretch>
+        </p:blipFill>
+        <p:spPr>
+          <a:xfrm>
+            <a:off x="907392" y="296161"/>
+            <a:ext cx="5134895" cy="3857963"/>
+          </a:xfrm>
+          <a:prstGeom prst="rect">
+            <a:avLst/>
+          </a:prstGeom>
+        </p:spPr>
+      </p:pic>
     </p:spTree>
     <p:extLst>
       <p:ext uri="{BB962C8B-B14F-4D97-AF65-F5344CB8AC3E}">
@@ -5825,7 +6528,7 @@
 </p:sld>
 </file>
 
-<file path=ppt/slides/slide4.xml><?xml version="1.0" encoding="utf-8"?>
+<file path=ppt/slides/slide6.xml><?xml version="1.0" encoding="utf-8"?>
 <p:sld xmlns:a="http://schemas.openxmlformats.org/drawingml/2006/main" xmlns:r="http://schemas.openxmlformats.org/officeDocument/2006/relationships" xmlns:p="http://schemas.openxmlformats.org/presentationml/2006/main">
   <p:cSld>
     <p:spTree>
@@ -5903,11 +6606,25 @@
               <a:t>Figure </a:t>
             </a:r>
             <a:r>
+              <a:rPr kumimoji="1" lang="en-US" altLang="ja-JP" dirty="0" smtClean="0">
+                <a:latin typeface="Times New Roman" panose="02020603050405020304" pitchFamily="18" charset="0"/>
+                <a:cs typeface="Times New Roman" panose="02020603050405020304" pitchFamily="18" charset="0"/>
+              </a:rPr>
+              <a:t>6</a:t>
+            </a:r>
+            <a:r>
+              <a:rPr lang="en-US" altLang="ja-JP" dirty="0" smtClean="0">
+                <a:latin typeface="Times New Roman" panose="02020603050405020304" pitchFamily="18" charset="0"/>
+                <a:cs typeface="Times New Roman" panose="02020603050405020304" pitchFamily="18" charset="0"/>
+              </a:rPr>
+              <a:t>. </a:t>
+            </a:r>
+            <a:r>
               <a:rPr lang="en-US" altLang="ja-JP" dirty="0">
                 <a:latin typeface="Times New Roman" panose="02020603050405020304" pitchFamily="18" charset="0"/>
                 <a:cs typeface="Times New Roman" panose="02020603050405020304" pitchFamily="18" charset="0"/>
               </a:rPr>
-              <a:t>4. Drag force</a:t>
+              <a:t>Drag force</a:t>
             </a:r>
             <a:endParaRPr kumimoji="1" lang="ja-JP" altLang="en-US" dirty="0">
               <a:latin typeface="Times New Roman" panose="02020603050405020304" pitchFamily="18" charset="0"/>
@@ -5958,7 +6675,7 @@
 </p:sld>
 </file>
 
-<file path=ppt/slides/slide5.xml><?xml version="1.0" encoding="utf-8"?>
+<file path=ppt/slides/slide7.xml><?xml version="1.0" encoding="utf-8"?>
 <p:sld xmlns:a="http://schemas.openxmlformats.org/drawingml/2006/main" xmlns:r="http://schemas.openxmlformats.org/officeDocument/2006/relationships" xmlns:p="http://schemas.openxmlformats.org/presentationml/2006/main">
   <p:cSld>
     <p:spTree>
@@ -6069,7 +6786,21 @@
                 <a:latin typeface="Times New Roman" panose="02020603050405020304" pitchFamily="18" charset="0"/>
                 <a:cs typeface="Times New Roman" panose="02020603050405020304" pitchFamily="18" charset="0"/>
               </a:rPr>
-              <a:t>5. Pressure force</a:t>
+              <a:t>7</a:t>
+            </a:r>
+            <a:r>
+              <a:rPr lang="en-US" altLang="ja-JP" dirty="0" smtClean="0">
+                <a:latin typeface="Times New Roman" panose="02020603050405020304" pitchFamily="18" charset="0"/>
+                <a:cs typeface="Times New Roman" panose="02020603050405020304" pitchFamily="18" charset="0"/>
+              </a:rPr>
+              <a:t>. </a:t>
+            </a:r>
+            <a:r>
+              <a:rPr lang="en-US" altLang="ja-JP" dirty="0">
+                <a:latin typeface="Times New Roman" panose="02020603050405020304" pitchFamily="18" charset="0"/>
+                <a:cs typeface="Times New Roman" panose="02020603050405020304" pitchFamily="18" charset="0"/>
+              </a:rPr>
+              <a:t>Pressure force</a:t>
             </a:r>
             <a:endParaRPr kumimoji="1" lang="ja-JP" altLang="en-US" dirty="0">
               <a:latin typeface="Times New Roman" panose="02020603050405020304" pitchFamily="18" charset="0"/>
@@ -6091,7 +6822,7 @@
 </p:sld>
 </file>
 
-<file path=ppt/slides/slide6.xml><?xml version="1.0" encoding="utf-8"?>
+<file path=ppt/slides/slide8.xml><?xml version="1.0" encoding="utf-8"?>
 <p:sld xmlns:a="http://schemas.openxmlformats.org/drawingml/2006/main" xmlns:r="http://schemas.openxmlformats.org/officeDocument/2006/relationships" xmlns:p="http://schemas.openxmlformats.org/presentationml/2006/main">
   <p:cSld>
     <p:spTree>
@@ -6143,7 +6874,21 @@
                 <a:latin typeface="Times New Roman" panose="02020603050405020304" pitchFamily="18" charset="0"/>
                 <a:cs typeface="Times New Roman" panose="02020603050405020304" pitchFamily="18" charset="0"/>
               </a:rPr>
-              <a:t>6. Number of suctioned particles</a:t>
+              <a:t>8</a:t>
+            </a:r>
+            <a:r>
+              <a:rPr lang="en-US" altLang="ja-JP" dirty="0" smtClean="0">
+                <a:latin typeface="Times New Roman" panose="02020603050405020304" pitchFamily="18" charset="0"/>
+                <a:cs typeface="Times New Roman" panose="02020603050405020304" pitchFamily="18" charset="0"/>
+              </a:rPr>
+              <a:t>. </a:t>
+            </a:r>
+            <a:r>
+              <a:rPr lang="en-US" altLang="ja-JP" dirty="0">
+                <a:latin typeface="Times New Roman" panose="02020603050405020304" pitchFamily="18" charset="0"/>
+                <a:cs typeface="Times New Roman" panose="02020603050405020304" pitchFamily="18" charset="0"/>
+              </a:rPr>
+              <a:t>Number of suctioned particles</a:t>
             </a:r>
           </a:p>
         </p:txBody>
@@ -6182,288 +6927,6 @@
     <p:extLst>
       <p:ext uri="{BB962C8B-B14F-4D97-AF65-F5344CB8AC3E}">
         <p14:creationId xmlns:p14="http://schemas.microsoft.com/office/powerpoint/2010/main" val="1443679414"/>
-      </p:ext>
-    </p:extLst>
-  </p:cSld>
-  <p:clrMapOvr>
-    <a:masterClrMapping/>
-  </p:clrMapOvr>
-</p:sld>
-</file>
-
-<file path=ppt/slides/slide7.xml><?xml version="1.0" encoding="utf-8"?>
-<p:sld xmlns:a="http://schemas.openxmlformats.org/drawingml/2006/main" xmlns:r="http://schemas.openxmlformats.org/officeDocument/2006/relationships" xmlns:p="http://schemas.openxmlformats.org/presentationml/2006/main">
-  <p:cSld>
-    <p:spTree>
-      <p:nvGrpSpPr>
-        <p:cNvPr id="1" name=""/>
-        <p:cNvGrpSpPr/>
-        <p:nvPr/>
-      </p:nvGrpSpPr>
-      <p:grpSpPr>
-        <a:xfrm>
-          <a:off x="0" y="0"/>
-          <a:ext cx="0" cy="0"/>
-          <a:chOff x="0" y="0"/>
-          <a:chExt cx="0" cy="0"/>
-        </a:xfrm>
-      </p:grpSpPr>
-      <p:pic>
-        <p:nvPicPr>
-          <p:cNvPr id="2" name="図 1"/>
-          <p:cNvPicPr>
-            <a:picLocks noChangeAspect="1"/>
-          </p:cNvPicPr>
-          <p:nvPr/>
-        </p:nvPicPr>
-        <p:blipFill>
-          <a:blip r:embed="rId2">
-            <a:extLst>
-              <a:ext uri="{28A0092B-C50C-407E-A947-70E740481C1C}">
-                <a14:useLocalDpi xmlns:a14="http://schemas.microsoft.com/office/drawing/2010/main" val="0"/>
-              </a:ext>
-            </a:extLst>
-          </a:blip>
-          <a:stretch>
-            <a:fillRect/>
-          </a:stretch>
-        </p:blipFill>
-        <p:spPr>
-          <a:xfrm>
-            <a:off x="0" y="860612"/>
-            <a:ext cx="6858000" cy="6858000"/>
-          </a:xfrm>
-          <a:prstGeom prst="rect">
-            <a:avLst/>
-          </a:prstGeom>
-        </p:spPr>
-      </p:pic>
-      <p:sp>
-        <p:nvSpPr>
-          <p:cNvPr id="41" name="テキスト ボックス 40"/>
-          <p:cNvSpPr txBox="1"/>
-          <p:nvPr/>
-        </p:nvSpPr>
-        <p:spPr>
-          <a:xfrm>
-            <a:off x="540000" y="7718612"/>
-            <a:ext cx="5778000" cy="369332"/>
-          </a:xfrm>
-          <a:prstGeom prst="rect">
-            <a:avLst/>
-          </a:prstGeom>
-          <a:noFill/>
-        </p:spPr>
-        <p:txBody>
-          <a:bodyPr wrap="square" rtlCol="0">
-            <a:spAutoFit/>
-          </a:bodyPr>
-          <a:lstStyle/>
-          <a:p>
-            <a:pPr algn="ctr"/>
-            <a:r>
-              <a:rPr kumimoji="1" lang="en-US" altLang="ja-JP" dirty="0">
-                <a:latin typeface="Times New Roman" panose="02020603050405020304" pitchFamily="18" charset="0"/>
-                <a:cs typeface="Times New Roman" panose="02020603050405020304" pitchFamily="18" charset="0"/>
-              </a:rPr>
-              <a:t>Figure </a:t>
-            </a:r>
-            <a:r>
-              <a:rPr lang="en-US" altLang="ja-JP" dirty="0">
-                <a:latin typeface="Times New Roman" panose="02020603050405020304" pitchFamily="18" charset="0"/>
-                <a:cs typeface="Times New Roman" panose="02020603050405020304" pitchFamily="18" charset="0"/>
-              </a:rPr>
-              <a:t>7. Powder distribution</a:t>
-            </a:r>
-            <a:endParaRPr kumimoji="1" lang="ja-JP" altLang="en-US" dirty="0">
-              <a:latin typeface="Times New Roman" panose="02020603050405020304" pitchFamily="18" charset="0"/>
-              <a:cs typeface="Times New Roman" panose="02020603050405020304" pitchFamily="18" charset="0"/>
-            </a:endParaRPr>
-          </a:p>
-        </p:txBody>
-      </p:sp>
-    </p:spTree>
-    <p:extLst>
-      <p:ext uri="{BB962C8B-B14F-4D97-AF65-F5344CB8AC3E}">
-        <p14:creationId xmlns:p14="http://schemas.microsoft.com/office/powerpoint/2010/main" val="3234837308"/>
-      </p:ext>
-    </p:extLst>
-  </p:cSld>
-  <p:clrMapOvr>
-    <a:masterClrMapping/>
-  </p:clrMapOvr>
-</p:sld>
-</file>
-
-<file path=ppt/slides/slide8.xml><?xml version="1.0" encoding="utf-8"?>
-<p:sld xmlns:a="http://schemas.openxmlformats.org/drawingml/2006/main" xmlns:r="http://schemas.openxmlformats.org/officeDocument/2006/relationships" xmlns:p="http://schemas.openxmlformats.org/presentationml/2006/main">
-  <p:cSld>
-    <p:spTree>
-      <p:nvGrpSpPr>
-        <p:cNvPr id="1" name=""/>
-        <p:cNvGrpSpPr/>
-        <p:nvPr/>
-      </p:nvGrpSpPr>
-      <p:grpSpPr>
-        <a:xfrm>
-          <a:off x="0" y="0"/>
-          <a:ext cx="0" cy="0"/>
-          <a:chOff x="0" y="0"/>
-          <a:chExt cx="0" cy="0"/>
-        </a:xfrm>
-      </p:grpSpPr>
-      <p:sp>
-        <p:nvSpPr>
-          <p:cNvPr id="5" name="テキスト ボックス 4"/>
-          <p:cNvSpPr txBox="1"/>
-          <p:nvPr/>
-        </p:nvSpPr>
-        <p:spPr>
-          <a:xfrm>
-            <a:off x="627403" y="4417360"/>
-            <a:ext cx="5778000" cy="369332"/>
-          </a:xfrm>
-          <a:prstGeom prst="rect">
-            <a:avLst/>
-          </a:prstGeom>
-          <a:noFill/>
-        </p:spPr>
-        <p:txBody>
-          <a:bodyPr wrap="square" rtlCol="0">
-            <a:spAutoFit/>
-          </a:bodyPr>
-          <a:lstStyle/>
-          <a:p>
-            <a:pPr algn="ctr"/>
-            <a:r>
-              <a:rPr kumimoji="1" lang="en-US" altLang="ja-JP" dirty="0">
-                <a:latin typeface="Times New Roman" panose="02020603050405020304" pitchFamily="18" charset="0"/>
-                <a:cs typeface="Times New Roman" panose="02020603050405020304" pitchFamily="18" charset="0"/>
-              </a:rPr>
-              <a:t>Figure </a:t>
-            </a:r>
-            <a:r>
-              <a:rPr lang="en-US" altLang="ja-JP" dirty="0">
-                <a:latin typeface="Times New Roman" panose="02020603050405020304" pitchFamily="18" charset="0"/>
-                <a:cs typeface="Times New Roman" panose="02020603050405020304" pitchFamily="18" charset="0"/>
-              </a:rPr>
-              <a:t>8. Filling time</a:t>
-            </a:r>
-            <a:endParaRPr kumimoji="1" lang="ja-JP" altLang="en-US" dirty="0">
-              <a:latin typeface="Times New Roman" panose="02020603050405020304" pitchFamily="18" charset="0"/>
-              <a:cs typeface="Times New Roman" panose="02020603050405020304" pitchFamily="18" charset="0"/>
-            </a:endParaRPr>
-          </a:p>
-        </p:txBody>
-      </p:sp>
-      <p:sp>
-        <p:nvSpPr>
-          <p:cNvPr id="7" name="テキスト ボックス 6"/>
-          <p:cNvSpPr txBox="1"/>
-          <p:nvPr/>
-        </p:nvSpPr>
-        <p:spPr>
-          <a:xfrm>
-            <a:off x="627403" y="8608158"/>
-            <a:ext cx="5778000" cy="369332"/>
-          </a:xfrm>
-          <a:prstGeom prst="rect">
-            <a:avLst/>
-          </a:prstGeom>
-          <a:noFill/>
-        </p:spPr>
-        <p:txBody>
-          <a:bodyPr wrap="square" rtlCol="0">
-            <a:spAutoFit/>
-          </a:bodyPr>
-          <a:lstStyle/>
-          <a:p>
-            <a:pPr algn="ctr"/>
-            <a:r>
-              <a:rPr kumimoji="1" lang="en-US" altLang="ja-JP" dirty="0">
-                <a:latin typeface="Times New Roman" panose="02020603050405020304" pitchFamily="18" charset="0"/>
-                <a:cs typeface="Times New Roman" panose="02020603050405020304" pitchFamily="18" charset="0"/>
-              </a:rPr>
-              <a:t>Figure </a:t>
-            </a:r>
-            <a:r>
-              <a:rPr lang="en-US" altLang="ja-JP" dirty="0">
-                <a:latin typeface="Times New Roman" panose="02020603050405020304" pitchFamily="18" charset="0"/>
-                <a:cs typeface="Times New Roman" panose="02020603050405020304" pitchFamily="18" charset="0"/>
-              </a:rPr>
-              <a:t>9. Flux of powder into die region</a:t>
-            </a:r>
-            <a:endParaRPr kumimoji="1" lang="ja-JP" altLang="en-US" dirty="0">
-              <a:latin typeface="Times New Roman" panose="02020603050405020304" pitchFamily="18" charset="0"/>
-              <a:cs typeface="Times New Roman" panose="02020603050405020304" pitchFamily="18" charset="0"/>
-            </a:endParaRPr>
-          </a:p>
-        </p:txBody>
-      </p:sp>
-      <p:pic>
-        <p:nvPicPr>
-          <p:cNvPr id="4" name="図 3"/>
-          <p:cNvPicPr>
-            <a:picLocks noChangeAspect="1"/>
-          </p:cNvPicPr>
-          <p:nvPr/>
-        </p:nvPicPr>
-        <p:blipFill>
-          <a:blip r:embed="rId2">
-            <a:extLst>
-              <a:ext uri="{28A0092B-C50C-407E-A947-70E740481C1C}">
-                <a14:useLocalDpi xmlns:a14="http://schemas.microsoft.com/office/drawing/2010/main" val="0"/>
-              </a:ext>
-            </a:extLst>
-          </a:blip>
-          <a:stretch>
-            <a:fillRect/>
-          </a:stretch>
-        </p:blipFill>
-        <p:spPr>
-          <a:xfrm>
-            <a:off x="1097290" y="840869"/>
-            <a:ext cx="4760260" cy="3576491"/>
-          </a:xfrm>
-          <a:prstGeom prst="rect">
-            <a:avLst/>
-          </a:prstGeom>
-        </p:spPr>
-      </p:pic>
-      <p:pic>
-        <p:nvPicPr>
-          <p:cNvPr id="6" name="図 5"/>
-          <p:cNvPicPr>
-            <a:picLocks noChangeAspect="1"/>
-          </p:cNvPicPr>
-          <p:nvPr/>
-        </p:nvPicPr>
-        <p:blipFill>
-          <a:blip r:embed="rId3">
-            <a:extLst>
-              <a:ext uri="{28A0092B-C50C-407E-A947-70E740481C1C}">
-                <a14:useLocalDpi xmlns:a14="http://schemas.microsoft.com/office/drawing/2010/main" val="0"/>
-              </a:ext>
-            </a:extLst>
-          </a:blip>
-          <a:stretch>
-            <a:fillRect/>
-          </a:stretch>
-        </p:blipFill>
-        <p:spPr>
-          <a:xfrm>
-            <a:off x="1097290" y="5031667"/>
-            <a:ext cx="4760260" cy="3576491"/>
-          </a:xfrm>
-          <a:prstGeom prst="rect">
-            <a:avLst/>
-          </a:prstGeom>
-        </p:spPr>
-      </p:pic>
-    </p:spTree>
-    <p:extLst>
-      <p:ext uri="{BB962C8B-B14F-4D97-AF65-F5344CB8AC3E}">
-        <p14:creationId xmlns:p14="http://schemas.microsoft.com/office/powerpoint/2010/main" val="2632708965"/>
       </p:ext>
     </p:extLst>
   </p:cSld>
@@ -6512,8 +6975,8 @@
         </p:blipFill>
         <p:spPr>
           <a:xfrm>
-            <a:off x="5642385" y="2403657"/>
-            <a:ext cx="1215615" cy="3039038"/>
+            <a:off x="0" y="860612"/>
+            <a:ext cx="6858000" cy="6858000"/>
           </a:xfrm>
           <a:prstGeom prst="rect">
             <a:avLst/>
@@ -6528,7 +6991,7 @@
         </p:nvSpPr>
         <p:spPr>
           <a:xfrm>
-            <a:off x="527896" y="6750423"/>
+            <a:off x="540000" y="7718612"/>
             <a:ext cx="5778000" cy="369332"/>
           </a:xfrm>
           <a:prstGeom prst="rect">
@@ -6555,7 +7018,21 @@
                 <a:latin typeface="Times New Roman" panose="02020603050405020304" pitchFamily="18" charset="0"/>
                 <a:cs typeface="Times New Roman" panose="02020603050405020304" pitchFamily="18" charset="0"/>
               </a:rPr>
-              <a:t>10. Drag force</a:t>
+              <a:t>9</a:t>
+            </a:r>
+            <a:r>
+              <a:rPr lang="en-US" altLang="ja-JP" dirty="0" smtClean="0">
+                <a:latin typeface="Times New Roman" panose="02020603050405020304" pitchFamily="18" charset="0"/>
+                <a:cs typeface="Times New Roman" panose="02020603050405020304" pitchFamily="18" charset="0"/>
+              </a:rPr>
+              <a:t>. </a:t>
+            </a:r>
+            <a:r>
+              <a:rPr lang="en-US" altLang="ja-JP" dirty="0">
+                <a:latin typeface="Times New Roman" panose="02020603050405020304" pitchFamily="18" charset="0"/>
+                <a:cs typeface="Times New Roman" panose="02020603050405020304" pitchFamily="18" charset="0"/>
+              </a:rPr>
+              <a:t>Powder distribution</a:t>
             </a:r>
             <a:endParaRPr kumimoji="1" lang="ja-JP" altLang="en-US" dirty="0">
               <a:latin typeface="Times New Roman" panose="02020603050405020304" pitchFamily="18" charset="0"/>
@@ -6564,39 +7041,10 @@
           </a:p>
         </p:txBody>
       </p:sp>
-      <p:pic>
-        <p:nvPicPr>
-          <p:cNvPr id="3" name="図 2"/>
-          <p:cNvPicPr>
-            <a:picLocks noChangeAspect="1"/>
-          </p:cNvPicPr>
-          <p:nvPr/>
-        </p:nvPicPr>
-        <p:blipFill rotWithShape="1">
-          <a:blip r:embed="rId3">
-            <a:extLst>
-              <a:ext uri="{28A0092B-C50C-407E-A947-70E740481C1C}">
-                <a14:useLocalDpi xmlns:a14="http://schemas.microsoft.com/office/drawing/2010/main" val="0"/>
-              </a:ext>
-            </a:extLst>
-          </a:blip>
-          <a:srcRect l="20808" t="20606"/>
-          <a:stretch/>
-        </p:blipFill>
-        <p:spPr>
-          <a:xfrm>
-            <a:off x="211403" y="1305587"/>
-            <a:ext cx="5430982" cy="5444836"/>
-          </a:xfrm>
-          <a:prstGeom prst="rect">
-            <a:avLst/>
-          </a:prstGeom>
-        </p:spPr>
-      </p:pic>
     </p:spTree>
     <p:extLst>
       <p:ext uri="{BB962C8B-B14F-4D97-AF65-F5344CB8AC3E}">
-        <p14:creationId xmlns:p14="http://schemas.microsoft.com/office/powerpoint/2010/main" val="1074977756"/>
+        <p14:creationId xmlns:p14="http://schemas.microsoft.com/office/powerpoint/2010/main" val="3234837308"/>
       </p:ext>
     </p:extLst>
   </p:cSld>

--- a/論文/figures/Figures&Tables.pptx
+++ b/論文/figures/Figures&Tables.pptx
@@ -8,7 +8,7 @@
     <p:handoutMasterId r:id="rId18"/>
   </p:handoutMasterIdLst>
   <p:sldIdLst>
-    <p:sldId id="257" r:id="rId2"/>
+    <p:sldId id="284" r:id="rId2"/>
     <p:sldId id="283" r:id="rId3"/>
     <p:sldId id="258" r:id="rId4"/>
     <p:sldId id="282" r:id="rId5"/>
@@ -212,7 +212,7 @@
           <a:p>
             <a:fld id="{CF2BC990-631B-44C0-9708-8FFAA36D913C}" type="datetimeFigureOut">
               <a:rPr kumimoji="1" lang="ja-JP" altLang="en-US" smtClean="0"/>
-              <a:t>2019/10/11</a:t>
+              <a:t>2020/2/14</a:t>
             </a:fld>
             <a:endParaRPr kumimoji="1" lang="ja-JP" altLang="en-US"/>
           </a:p>
@@ -426,7 +426,7 @@
           <a:p>
             <a:fld id="{0BA0E0C8-02F0-4E03-83F6-93C841C817A4}" type="datetimeFigureOut">
               <a:rPr kumimoji="1" lang="ja-JP" altLang="en-US" smtClean="0"/>
-              <a:t>2019/10/11</a:t>
+              <a:t>2020/2/14</a:t>
             </a:fld>
             <a:endParaRPr kumimoji="1" lang="ja-JP" altLang="en-US"/>
           </a:p>
@@ -628,7 +628,7 @@
           <a:p>
             <a:fld id="{0BA0E0C8-02F0-4E03-83F6-93C841C817A4}" type="datetimeFigureOut">
               <a:rPr kumimoji="1" lang="ja-JP" altLang="en-US" smtClean="0"/>
-              <a:t>2019/10/11</a:t>
+              <a:t>2020/2/14</a:t>
             </a:fld>
             <a:endParaRPr kumimoji="1" lang="ja-JP" altLang="en-US"/>
           </a:p>
@@ -840,7 +840,7 @@
           <a:p>
             <a:fld id="{0BA0E0C8-02F0-4E03-83F6-93C841C817A4}" type="datetimeFigureOut">
               <a:rPr kumimoji="1" lang="ja-JP" altLang="en-US" smtClean="0"/>
-              <a:t>2019/10/11</a:t>
+              <a:t>2020/2/14</a:t>
             </a:fld>
             <a:endParaRPr kumimoji="1" lang="ja-JP" altLang="en-US"/>
           </a:p>
@@ -1042,7 +1042,7 @@
           <a:p>
             <a:fld id="{0BA0E0C8-02F0-4E03-83F6-93C841C817A4}" type="datetimeFigureOut">
               <a:rPr kumimoji="1" lang="ja-JP" altLang="en-US" smtClean="0"/>
-              <a:t>2019/10/11</a:t>
+              <a:t>2020/2/14</a:t>
             </a:fld>
             <a:endParaRPr kumimoji="1" lang="ja-JP" altLang="en-US"/>
           </a:p>
@@ -1286,7 +1286,7 @@
           <a:p>
             <a:fld id="{0BA0E0C8-02F0-4E03-83F6-93C841C817A4}" type="datetimeFigureOut">
               <a:rPr kumimoji="1" lang="ja-JP" altLang="en-US" smtClean="0"/>
-              <a:t>2019/10/11</a:t>
+              <a:t>2020/2/14</a:t>
             </a:fld>
             <a:endParaRPr kumimoji="1" lang="ja-JP" altLang="en-US"/>
           </a:p>
@@ -1582,7 +1582,7 @@
           <a:p>
             <a:fld id="{0BA0E0C8-02F0-4E03-83F6-93C841C817A4}" type="datetimeFigureOut">
               <a:rPr kumimoji="1" lang="ja-JP" altLang="en-US" smtClean="0"/>
-              <a:t>2019/10/11</a:t>
+              <a:t>2020/2/14</a:t>
             </a:fld>
             <a:endParaRPr kumimoji="1" lang="ja-JP" altLang="en-US"/>
           </a:p>
@@ -2013,7 +2013,7 @@
           <a:p>
             <a:fld id="{0BA0E0C8-02F0-4E03-83F6-93C841C817A4}" type="datetimeFigureOut">
               <a:rPr kumimoji="1" lang="ja-JP" altLang="en-US" smtClean="0"/>
-              <a:t>2019/10/11</a:t>
+              <a:t>2020/2/14</a:t>
             </a:fld>
             <a:endParaRPr kumimoji="1" lang="ja-JP" altLang="en-US"/>
           </a:p>
@@ -2131,7 +2131,7 @@
           <a:p>
             <a:fld id="{0BA0E0C8-02F0-4E03-83F6-93C841C817A4}" type="datetimeFigureOut">
               <a:rPr kumimoji="1" lang="ja-JP" altLang="en-US" smtClean="0"/>
-              <a:t>2019/10/11</a:t>
+              <a:t>2020/2/14</a:t>
             </a:fld>
             <a:endParaRPr kumimoji="1" lang="ja-JP" altLang="en-US"/>
           </a:p>
@@ -2226,7 +2226,7 @@
           <a:p>
             <a:fld id="{0BA0E0C8-02F0-4E03-83F6-93C841C817A4}" type="datetimeFigureOut">
               <a:rPr kumimoji="1" lang="ja-JP" altLang="en-US" smtClean="0"/>
-              <a:t>2019/10/11</a:t>
+              <a:t>2020/2/14</a:t>
             </a:fld>
             <a:endParaRPr kumimoji="1" lang="ja-JP" altLang="en-US"/>
           </a:p>
@@ -2535,7 +2535,7 @@
           <a:p>
             <a:fld id="{0BA0E0C8-02F0-4E03-83F6-93C841C817A4}" type="datetimeFigureOut">
               <a:rPr kumimoji="1" lang="ja-JP" altLang="en-US" smtClean="0"/>
-              <a:t>2019/10/11</a:t>
+              <a:t>2020/2/14</a:t>
             </a:fld>
             <a:endParaRPr kumimoji="1" lang="ja-JP" altLang="en-US"/>
           </a:p>
@@ -2792,7 +2792,7 @@
           <a:p>
             <a:fld id="{0BA0E0C8-02F0-4E03-83F6-93C841C817A4}" type="datetimeFigureOut">
               <a:rPr kumimoji="1" lang="ja-JP" altLang="en-US" smtClean="0"/>
-              <a:t>2019/10/11</a:t>
+              <a:t>2020/2/14</a:t>
             </a:fld>
             <a:endParaRPr kumimoji="1" lang="ja-JP" altLang="en-US"/>
           </a:p>
@@ -3037,7 +3037,7 @@
           <a:p>
             <a:fld id="{0BA0E0C8-02F0-4E03-83F6-93C841C817A4}" type="datetimeFigureOut">
               <a:rPr kumimoji="1" lang="ja-JP" altLang="en-US" smtClean="0"/>
-              <a:t>2019/10/11</a:t>
+              <a:t>2020/2/14</a:t>
             </a:fld>
             <a:endParaRPr kumimoji="1" lang="ja-JP" altLang="en-US"/>
           </a:p>
@@ -3447,7 +3447,7 @@
           <p:cNvPr id="4" name="図 3">
             <a:extLst>
               <a:ext uri="{FF2B5EF4-FFF2-40B4-BE49-F238E27FC236}">
-                <a16:creationId xmlns:a16="http://schemas.microsoft.com/office/drawing/2014/main" xmlns="" id="{302C1514-DB19-C840-B74D-7CF67DCBC311}"/>
+                <a16:creationId xmlns:a16="http://schemas.microsoft.com/office/drawing/2014/main" id="{302C1514-DB19-C840-B74D-7CF67DCBC311}"/>
               </a:ext>
             </a:extLst>
           </p:cNvPr>
@@ -3456,7 +3456,7 @@
           </p:cNvPicPr>
           <p:nvPr/>
         </p:nvPicPr>
-        <p:blipFill>
+        <p:blipFill rotWithShape="1">
           <a:blip r:embed="rId2">
             <a:extLst>
               <a:ext uri="{28A0092B-C50C-407E-A947-70E740481C1C}">
@@ -3464,14 +3464,13 @@
               </a:ext>
             </a:extLst>
           </a:blip>
-          <a:stretch>
-            <a:fillRect/>
-          </a:stretch>
+          <a:srcRect l="12043" t="24973" r="22614" b="11506"/>
+          <a:stretch/>
         </p:blipFill>
         <p:spPr>
           <a:xfrm>
-            <a:off x="432376" y="1018717"/>
-            <a:ext cx="6026727" cy="6026727"/>
+            <a:off x="1292352" y="2523744"/>
+            <a:ext cx="3938016" cy="3828288"/>
           </a:xfrm>
           <a:prstGeom prst="rect">
             <a:avLst/>
@@ -3515,10 +3514,45 @@
           </a:p>
         </p:txBody>
       </p:sp>
+      <p:pic>
+        <p:nvPicPr>
+          <p:cNvPr id="6" name="図 5">
+            <a:extLst>
+              <a:ext uri="{FF2B5EF4-FFF2-40B4-BE49-F238E27FC236}">
+                <a16:creationId xmlns:a16="http://schemas.microsoft.com/office/drawing/2014/main" id="{302C1514-DB19-C840-B74D-7CF67DCBC311}"/>
+              </a:ext>
+            </a:extLst>
+          </p:cNvPr>
+          <p:cNvPicPr>
+            <a:picLocks noChangeAspect="1"/>
+          </p:cNvPicPr>
+          <p:nvPr/>
+        </p:nvPicPr>
+        <p:blipFill rotWithShape="1">
+          <a:blip r:embed="rId2">
+            <a:extLst>
+              <a:ext uri="{28A0092B-C50C-407E-A947-70E740481C1C}">
+                <a14:useLocalDpi xmlns:a14="http://schemas.microsoft.com/office/drawing/2010/main" val="0"/>
+              </a:ext>
+            </a:extLst>
+          </a:blip>
+          <a:srcRect l="74959" t="89505" r="5216" b="3819"/>
+          <a:stretch/>
+        </p:blipFill>
+        <p:spPr>
+          <a:xfrm>
+            <a:off x="4035552" y="5949696"/>
+            <a:ext cx="1194816" cy="402336"/>
+          </a:xfrm>
+          <a:prstGeom prst="rect">
+            <a:avLst/>
+          </a:prstGeom>
+        </p:spPr>
+      </p:pic>
     </p:spTree>
     <p:extLst>
       <p:ext uri="{BB962C8B-B14F-4D97-AF65-F5344CB8AC3E}">
-        <p14:creationId xmlns:p14="http://schemas.microsoft.com/office/powerpoint/2010/main" val="980845053"/>
+        <p14:creationId xmlns:p14="http://schemas.microsoft.com/office/powerpoint/2010/main" val="3430467276"/>
       </p:ext>
     </p:extLst>
   </p:cSld>
@@ -3606,18 +3640,11 @@
               <a:t>Figure </a:t>
             </a:r>
             <a:r>
-              <a:rPr lang="en-US" altLang="ja-JP" dirty="0" smtClean="0">
-                <a:latin typeface="Times New Roman" panose="02020603050405020304" pitchFamily="18" charset="0"/>
-                <a:cs typeface="Times New Roman" panose="02020603050405020304" pitchFamily="18" charset="0"/>
-              </a:rPr>
-              <a:t>10. </a:t>
-            </a:r>
-            <a:r>
               <a:rPr lang="en-US" altLang="ja-JP" dirty="0">
                 <a:latin typeface="Times New Roman" panose="02020603050405020304" pitchFamily="18" charset="0"/>
                 <a:cs typeface="Times New Roman" panose="02020603050405020304" pitchFamily="18" charset="0"/>
               </a:rPr>
-              <a:t>Number of particles in die region</a:t>
+              <a:t>10. Number of particles in die region</a:t>
             </a:r>
             <a:endParaRPr kumimoji="1" lang="ja-JP" altLang="en-US" dirty="0">
               <a:latin typeface="Times New Roman" panose="02020603050405020304" pitchFamily="18" charset="0"/>
@@ -3687,18 +3714,11 @@
               <a:t>Figure </a:t>
             </a:r>
             <a:r>
-              <a:rPr lang="en-US" altLang="ja-JP" dirty="0" smtClean="0">
-                <a:latin typeface="Times New Roman" panose="02020603050405020304" pitchFamily="18" charset="0"/>
-                <a:cs typeface="Times New Roman" panose="02020603050405020304" pitchFamily="18" charset="0"/>
-              </a:rPr>
-              <a:t>11. </a:t>
-            </a:r>
-            <a:r>
               <a:rPr lang="en-US" altLang="ja-JP" dirty="0">
                 <a:latin typeface="Times New Roman" panose="02020603050405020304" pitchFamily="18" charset="0"/>
                 <a:cs typeface="Times New Roman" panose="02020603050405020304" pitchFamily="18" charset="0"/>
               </a:rPr>
-              <a:t>Filling time</a:t>
+              <a:t>11. Filling time</a:t>
             </a:r>
             <a:endParaRPr kumimoji="1" lang="ja-JP" altLang="en-US" dirty="0">
               <a:latin typeface="Times New Roman" panose="02020603050405020304" pitchFamily="18" charset="0"/>
@@ -3738,18 +3758,11 @@
               <a:t>Figure </a:t>
             </a:r>
             <a:r>
-              <a:rPr lang="en-US" altLang="ja-JP" dirty="0" smtClean="0">
-                <a:latin typeface="Times New Roman" panose="02020603050405020304" pitchFamily="18" charset="0"/>
-                <a:cs typeface="Times New Roman" panose="02020603050405020304" pitchFamily="18" charset="0"/>
-              </a:rPr>
-              <a:t>12. </a:t>
-            </a:r>
-            <a:r>
               <a:rPr lang="en-US" altLang="ja-JP" dirty="0">
                 <a:latin typeface="Times New Roman" panose="02020603050405020304" pitchFamily="18" charset="0"/>
                 <a:cs typeface="Times New Roman" panose="02020603050405020304" pitchFamily="18" charset="0"/>
               </a:rPr>
-              <a:t>Flux of powder into die region</a:t>
+              <a:t>12. Flux of powder into die region</a:t>
             </a:r>
             <a:endParaRPr kumimoji="1" lang="ja-JP" altLang="en-US" dirty="0">
               <a:latin typeface="Times New Roman" panose="02020603050405020304" pitchFamily="18" charset="0"/>
@@ -3909,18 +3922,11 @@
               <a:t>Figure </a:t>
             </a:r>
             <a:r>
-              <a:rPr lang="en-US" altLang="ja-JP" dirty="0" smtClean="0">
-                <a:latin typeface="Times New Roman" panose="02020603050405020304" pitchFamily="18" charset="0"/>
-                <a:cs typeface="Times New Roman" panose="02020603050405020304" pitchFamily="18" charset="0"/>
-              </a:rPr>
-              <a:t>13. </a:t>
-            </a:r>
-            <a:r>
               <a:rPr lang="en-US" altLang="ja-JP" dirty="0">
                 <a:latin typeface="Times New Roman" panose="02020603050405020304" pitchFamily="18" charset="0"/>
                 <a:cs typeface="Times New Roman" panose="02020603050405020304" pitchFamily="18" charset="0"/>
               </a:rPr>
-              <a:t>Drag force</a:t>
+              <a:t>13. Drag force</a:t>
             </a:r>
             <a:endParaRPr kumimoji="1" lang="ja-JP" altLang="en-US" dirty="0">
               <a:latin typeface="Times New Roman" panose="02020603050405020304" pitchFamily="18" charset="0"/>
@@ -4046,28 +4052,14 @@
                 <a:latin typeface="Times New Roman" panose="02020603050405020304" pitchFamily="18" charset="0"/>
                 <a:cs typeface="Times New Roman" panose="02020603050405020304" pitchFamily="18" charset="0"/>
               </a:rPr>
-              <a:t>Figure </a:t>
-            </a:r>
-            <a:r>
-              <a:rPr kumimoji="1" lang="en-US" altLang="ja-JP" dirty="0" smtClean="0">
-                <a:latin typeface="Times New Roman" panose="02020603050405020304" pitchFamily="18" charset="0"/>
-                <a:cs typeface="Times New Roman" panose="02020603050405020304" pitchFamily="18" charset="0"/>
-              </a:rPr>
-              <a:t>14</a:t>
-            </a:r>
-            <a:r>
-              <a:rPr lang="en-US" altLang="ja-JP" dirty="0" smtClean="0">
-                <a:latin typeface="Times New Roman" panose="02020603050405020304" pitchFamily="18" charset="0"/>
-                <a:cs typeface="Times New Roman" panose="02020603050405020304" pitchFamily="18" charset="0"/>
-              </a:rPr>
-              <a:t>. </a:t>
+              <a:t>Figure 14</a:t>
             </a:r>
             <a:r>
               <a:rPr lang="en-US" altLang="ja-JP" dirty="0">
                 <a:latin typeface="Times New Roman" panose="02020603050405020304" pitchFamily="18" charset="0"/>
                 <a:cs typeface="Times New Roman" panose="02020603050405020304" pitchFamily="18" charset="0"/>
               </a:rPr>
-              <a:t>Pressure force</a:t>
+              <a:t>. Pressure force</a:t>
             </a:r>
             <a:endParaRPr kumimoji="1" lang="ja-JP" altLang="en-US" dirty="0">
               <a:latin typeface="Times New Roman" panose="02020603050405020304" pitchFamily="18" charset="0"/>
@@ -4166,18 +4158,11 @@
               <a:t>Figure </a:t>
             </a:r>
             <a:r>
-              <a:rPr lang="en-US" altLang="ja-JP" dirty="0" smtClean="0">
-                <a:latin typeface="Times New Roman" panose="02020603050405020304" pitchFamily="18" charset="0"/>
-                <a:cs typeface="Times New Roman" panose="02020603050405020304" pitchFamily="18" charset="0"/>
-              </a:rPr>
-              <a:t>15. </a:t>
-            </a:r>
-            <a:r>
               <a:rPr lang="en-US" altLang="ja-JP" dirty="0">
                 <a:latin typeface="Times New Roman" panose="02020603050405020304" pitchFamily="18" charset="0"/>
                 <a:cs typeface="Times New Roman" panose="02020603050405020304" pitchFamily="18" charset="0"/>
               </a:rPr>
-              <a:t>Number of suctioned particles by drag force</a:t>
+              <a:t>15. Number of suctioned particles by drag force</a:t>
             </a:r>
             <a:endParaRPr kumimoji="1" lang="ja-JP" altLang="en-US" dirty="0">
               <a:latin typeface="Times New Roman" panose="02020603050405020304" pitchFamily="18" charset="0"/>
@@ -4217,18 +4202,11 @@
               <a:t>Figure </a:t>
             </a:r>
             <a:r>
-              <a:rPr lang="en-US" altLang="ja-JP" dirty="0" smtClean="0">
-                <a:latin typeface="Times New Roman" panose="02020603050405020304" pitchFamily="18" charset="0"/>
-                <a:cs typeface="Times New Roman" panose="02020603050405020304" pitchFamily="18" charset="0"/>
-              </a:rPr>
-              <a:t>16. </a:t>
-            </a:r>
-            <a:r>
               <a:rPr lang="en-US" altLang="ja-JP" dirty="0">
                 <a:latin typeface="Times New Roman" panose="02020603050405020304" pitchFamily="18" charset="0"/>
                 <a:cs typeface="Times New Roman" panose="02020603050405020304" pitchFamily="18" charset="0"/>
               </a:rPr>
-              <a:t>Number of suctioned particles by pressure gradient</a:t>
+              <a:t>16. Number of suctioned particles by pressure gradient</a:t>
             </a:r>
             <a:endParaRPr kumimoji="1" lang="ja-JP" altLang="en-US" dirty="0">
               <a:latin typeface="Times New Roman" panose="02020603050405020304" pitchFamily="18" charset="0"/>
@@ -4388,18 +4366,11 @@
               <a:t>Figure </a:t>
             </a:r>
             <a:r>
-              <a:rPr lang="en-US" altLang="ja-JP" dirty="0" smtClean="0">
-                <a:latin typeface="Times New Roman" panose="02020603050405020304" pitchFamily="18" charset="0"/>
-                <a:cs typeface="Times New Roman" panose="02020603050405020304" pitchFamily="18" charset="0"/>
-              </a:rPr>
-              <a:t>17. </a:t>
-            </a:r>
-            <a:r>
               <a:rPr lang="en-US" altLang="ja-JP" dirty="0">
                 <a:latin typeface="Times New Roman" panose="02020603050405020304" pitchFamily="18" charset="0"/>
                 <a:cs typeface="Times New Roman" panose="02020603050405020304" pitchFamily="18" charset="0"/>
               </a:rPr>
-              <a:t>Bubble movement</a:t>
+              <a:t>17. Bubble movement</a:t>
             </a:r>
             <a:endParaRPr kumimoji="1" lang="ja-JP" altLang="en-US" dirty="0">
               <a:latin typeface="Times New Roman" panose="02020603050405020304" pitchFamily="18" charset="0"/>
@@ -4528,7 +4499,7 @@
               <a:t>Figure </a:t>
             </a:r>
             <a:r>
-              <a:rPr lang="en-US" altLang="ja-JP" smtClean="0">
+              <a:rPr lang="en-US" altLang="ja-JP">
                 <a:latin typeface="Times New Roman" panose="02020603050405020304" pitchFamily="18" charset="0"/>
                 <a:cs typeface="Times New Roman" panose="02020603050405020304" pitchFamily="18" charset="0"/>
               </a:rPr>
@@ -4639,7 +4610,7 @@
               <a:t>Figure </a:t>
             </a:r>
             <a:r>
-              <a:rPr lang="en-US" altLang="ja-JP" dirty="0" smtClean="0">
+              <a:rPr lang="en-US" altLang="ja-JP" dirty="0">
                 <a:latin typeface="Times New Roman" panose="02020603050405020304" pitchFamily="18" charset="0"/>
                 <a:cs typeface="Times New Roman" panose="02020603050405020304" pitchFamily="18" charset="0"/>
               </a:rPr>
@@ -4708,14 +4679,14 @@
                 <a:gridCol w="2218240">
                   <a:extLst>
                     <a:ext uri="{9D8B030D-6E8A-4147-A177-3AD203B41FA5}">
-                      <a16:colId xmlns:a16="http://schemas.microsoft.com/office/drawing/2014/main" xmlns="" val="20000"/>
+                      <a16:colId xmlns:a16="http://schemas.microsoft.com/office/drawing/2014/main" val="20000"/>
                     </a:ext>
                   </a:extLst>
                 </a:gridCol>
                 <a:gridCol w="1864062">
                   <a:extLst>
                     <a:ext uri="{9D8B030D-6E8A-4147-A177-3AD203B41FA5}">
-                      <a16:colId xmlns:a16="http://schemas.microsoft.com/office/drawing/2014/main" xmlns="" val="20001"/>
+                      <a16:colId xmlns:a16="http://schemas.microsoft.com/office/drawing/2014/main" val="20001"/>
                     </a:ext>
                   </a:extLst>
                 </a:gridCol>
@@ -4837,7 +4808,7 @@
                 </a:tc>
                 <a:extLst>
                   <a:ext uri="{0D108BD9-81ED-4DB2-BD59-A6C34878D82A}">
-                    <a16:rowId xmlns:a16="http://schemas.microsoft.com/office/drawing/2014/main" xmlns="" val="10000"/>
+                    <a16:rowId xmlns:a16="http://schemas.microsoft.com/office/drawing/2014/main" val="10000"/>
                   </a:ext>
                 </a:extLst>
               </a:tr>
@@ -4994,7 +4965,7 @@
                 </a:tc>
                 <a:extLst>
                   <a:ext uri="{0D108BD9-81ED-4DB2-BD59-A6C34878D82A}">
-                    <a16:rowId xmlns:a16="http://schemas.microsoft.com/office/drawing/2014/main" xmlns="" val="10001"/>
+                    <a16:rowId xmlns:a16="http://schemas.microsoft.com/office/drawing/2014/main" val="10001"/>
                   </a:ext>
                 </a:extLst>
               </a:tr>
@@ -5115,7 +5086,7 @@
                 </a:tc>
                 <a:extLst>
                   <a:ext uri="{0D108BD9-81ED-4DB2-BD59-A6C34878D82A}">
-                    <a16:rowId xmlns:a16="http://schemas.microsoft.com/office/drawing/2014/main" xmlns="" val="10002"/>
+                    <a16:rowId xmlns:a16="http://schemas.microsoft.com/office/drawing/2014/main" val="10002"/>
                   </a:ext>
                 </a:extLst>
               </a:tr>
@@ -5236,7 +5207,7 @@
                 </a:tc>
                 <a:extLst>
                   <a:ext uri="{0D108BD9-81ED-4DB2-BD59-A6C34878D82A}">
-                    <a16:rowId xmlns:a16="http://schemas.microsoft.com/office/drawing/2014/main" xmlns="" val="10003"/>
+                    <a16:rowId xmlns:a16="http://schemas.microsoft.com/office/drawing/2014/main" val="10003"/>
                   </a:ext>
                 </a:extLst>
               </a:tr>
@@ -5357,7 +5328,7 @@
                 </a:tc>
                 <a:extLst>
                   <a:ext uri="{0D108BD9-81ED-4DB2-BD59-A6C34878D82A}">
-                    <a16:rowId xmlns:a16="http://schemas.microsoft.com/office/drawing/2014/main" xmlns="" val="10004"/>
+                    <a16:rowId xmlns:a16="http://schemas.microsoft.com/office/drawing/2014/main" val="10004"/>
                   </a:ext>
                 </a:extLst>
               </a:tr>
@@ -5454,7 +5425,7 @@
                 </a:tc>
                 <a:extLst>
                   <a:ext uri="{0D108BD9-81ED-4DB2-BD59-A6C34878D82A}">
-                    <a16:rowId xmlns:a16="http://schemas.microsoft.com/office/drawing/2014/main" xmlns="" val="10005"/>
+                    <a16:rowId xmlns:a16="http://schemas.microsoft.com/office/drawing/2014/main" val="10005"/>
                   </a:ext>
                 </a:extLst>
               </a:tr>
@@ -5551,7 +5522,7 @@
                 </a:tc>
                 <a:extLst>
                   <a:ext uri="{0D108BD9-81ED-4DB2-BD59-A6C34878D82A}">
-                    <a16:rowId xmlns:a16="http://schemas.microsoft.com/office/drawing/2014/main" xmlns="" val="10006"/>
+                    <a16:rowId xmlns:a16="http://schemas.microsoft.com/office/drawing/2014/main" val="10006"/>
                   </a:ext>
                 </a:extLst>
               </a:tr>
@@ -5660,7 +5631,7 @@
                 </a:tc>
                 <a:extLst>
                   <a:ext uri="{0D108BD9-81ED-4DB2-BD59-A6C34878D82A}">
-                    <a16:rowId xmlns:a16="http://schemas.microsoft.com/office/drawing/2014/main" xmlns="" val="10007"/>
+                    <a16:rowId xmlns:a16="http://schemas.microsoft.com/office/drawing/2014/main" val="10007"/>
                   </a:ext>
                 </a:extLst>
               </a:tr>
@@ -5694,14 +5665,14 @@
                 <a:gridCol w="1891798">
                   <a:extLst>
                     <a:ext uri="{9D8B030D-6E8A-4147-A177-3AD203B41FA5}">
-                      <a16:colId xmlns:a16="http://schemas.microsoft.com/office/drawing/2014/main" xmlns="" val="20000"/>
+                      <a16:colId xmlns:a16="http://schemas.microsoft.com/office/drawing/2014/main" val="20000"/>
                     </a:ext>
                   </a:extLst>
                 </a:gridCol>
                 <a:gridCol w="2190504">
                   <a:extLst>
                     <a:ext uri="{9D8B030D-6E8A-4147-A177-3AD203B41FA5}">
-                      <a16:colId xmlns:a16="http://schemas.microsoft.com/office/drawing/2014/main" xmlns="" val="20001"/>
+                      <a16:colId xmlns:a16="http://schemas.microsoft.com/office/drawing/2014/main" val="20001"/>
                     </a:ext>
                   </a:extLst>
                 </a:gridCol>
@@ -5811,7 +5782,7 @@
                 </a:tc>
                 <a:extLst>
                   <a:ext uri="{0D108BD9-81ED-4DB2-BD59-A6C34878D82A}">
-                    <a16:rowId xmlns:a16="http://schemas.microsoft.com/office/drawing/2014/main" xmlns="" val="10000"/>
+                    <a16:rowId xmlns:a16="http://schemas.microsoft.com/office/drawing/2014/main" val="10000"/>
                   </a:ext>
                 </a:extLst>
               </a:tr>
@@ -5908,7 +5879,7 @@
                 </a:tc>
                 <a:extLst>
                   <a:ext uri="{0D108BD9-81ED-4DB2-BD59-A6C34878D82A}">
-                    <a16:rowId xmlns:a16="http://schemas.microsoft.com/office/drawing/2014/main" xmlns="" val="10001"/>
+                    <a16:rowId xmlns:a16="http://schemas.microsoft.com/office/drawing/2014/main" val="10001"/>
                   </a:ext>
                 </a:extLst>
               </a:tr>
@@ -6005,7 +5976,7 @@
                 </a:tc>
                 <a:extLst>
                   <a:ext uri="{0D108BD9-81ED-4DB2-BD59-A6C34878D82A}">
-                    <a16:rowId xmlns:a16="http://schemas.microsoft.com/office/drawing/2014/main" xmlns="" val="10002"/>
+                    <a16:rowId xmlns:a16="http://schemas.microsoft.com/office/drawing/2014/main" val="10002"/>
                   </a:ext>
                 </a:extLst>
               </a:tr>
@@ -6114,7 +6085,7 @@
                 </a:tc>
                 <a:extLst>
                   <a:ext uri="{0D108BD9-81ED-4DB2-BD59-A6C34878D82A}">
-                    <a16:rowId xmlns:a16="http://schemas.microsoft.com/office/drawing/2014/main" xmlns="" val="10003"/>
+                    <a16:rowId xmlns:a16="http://schemas.microsoft.com/office/drawing/2014/main" val="10003"/>
                   </a:ext>
                 </a:extLst>
               </a:tr>
@@ -6313,14 +6284,7 @@
                 <a:latin typeface="Times New Roman" panose="02020603050405020304" pitchFamily="18" charset="0"/>
                 <a:cs typeface="Times New Roman" panose="02020603050405020304" pitchFamily="18" charset="0"/>
               </a:rPr>
-              <a:t>Figure </a:t>
-            </a:r>
-            <a:r>
-              <a:rPr kumimoji="1" lang="en-US" altLang="ja-JP" dirty="0" smtClean="0">
-                <a:latin typeface="Times New Roman" panose="02020603050405020304" pitchFamily="18" charset="0"/>
-                <a:cs typeface="Times New Roman" panose="02020603050405020304" pitchFamily="18" charset="0"/>
-              </a:rPr>
-              <a:t>3. </a:t>
+              <a:t>Figure 3. </a:t>
             </a:r>
             <a:r>
               <a:rPr lang="en-US" altLang="ja-JP" dirty="0">
@@ -6381,14 +6345,7 @@
                 <a:latin typeface="Times New Roman" panose="02020603050405020304" pitchFamily="18" charset="0"/>
                 <a:cs typeface="Times New Roman" panose="02020603050405020304" pitchFamily="18" charset="0"/>
               </a:rPr>
-              <a:t>4</a:t>
-            </a:r>
-            <a:r>
-              <a:rPr lang="en-US" altLang="ja-JP" dirty="0" smtClean="0">
-                <a:latin typeface="Times New Roman" panose="02020603050405020304" pitchFamily="18" charset="0"/>
-                <a:cs typeface="Times New Roman" panose="02020603050405020304" pitchFamily="18" charset="0"/>
-              </a:rPr>
-              <a:t>. Number of particles in die region</a:t>
+              <a:t>4. Number of particles in die region</a:t>
             </a:r>
             <a:endParaRPr kumimoji="1" lang="ja-JP" altLang="en-US" dirty="0">
               <a:latin typeface="Times New Roman" panose="02020603050405020304" pitchFamily="18" charset="0"/>
@@ -6462,21 +6419,7 @@
                 <a:latin typeface="Times New Roman" panose="02020603050405020304" pitchFamily="18" charset="0"/>
                 <a:cs typeface="Times New Roman" panose="02020603050405020304" pitchFamily="18" charset="0"/>
               </a:rPr>
-              <a:t>5</a:t>
-            </a:r>
-            <a:r>
-              <a:rPr lang="en-US" altLang="ja-JP" dirty="0" smtClean="0">
-                <a:latin typeface="Times New Roman" panose="02020603050405020304" pitchFamily="18" charset="0"/>
-                <a:cs typeface="Times New Roman" panose="02020603050405020304" pitchFamily="18" charset="0"/>
-              </a:rPr>
-              <a:t>. </a:t>
-            </a:r>
-            <a:r>
-              <a:rPr lang="en-US" altLang="ja-JP" dirty="0">
-                <a:latin typeface="Times New Roman" panose="02020603050405020304" pitchFamily="18" charset="0"/>
-                <a:cs typeface="Times New Roman" panose="02020603050405020304" pitchFamily="18" charset="0"/>
-              </a:rPr>
-              <a:t>Flux of powder into die region</a:t>
+              <a:t>5. Flux of powder into die region</a:t>
             </a:r>
             <a:endParaRPr kumimoji="1" lang="ja-JP" altLang="en-US" dirty="0">
               <a:latin typeface="Times New Roman" panose="02020603050405020304" pitchFamily="18" charset="0"/>
@@ -6603,28 +6546,14 @@
                 <a:latin typeface="Times New Roman" panose="02020603050405020304" pitchFamily="18" charset="0"/>
                 <a:cs typeface="Times New Roman" panose="02020603050405020304" pitchFamily="18" charset="0"/>
               </a:rPr>
-              <a:t>Figure </a:t>
-            </a:r>
-            <a:r>
-              <a:rPr kumimoji="1" lang="en-US" altLang="ja-JP" dirty="0" smtClean="0">
-                <a:latin typeface="Times New Roman" panose="02020603050405020304" pitchFamily="18" charset="0"/>
-                <a:cs typeface="Times New Roman" panose="02020603050405020304" pitchFamily="18" charset="0"/>
-              </a:rPr>
-              <a:t>6</a:t>
-            </a:r>
-            <a:r>
-              <a:rPr lang="en-US" altLang="ja-JP" dirty="0" smtClean="0">
-                <a:latin typeface="Times New Roman" panose="02020603050405020304" pitchFamily="18" charset="0"/>
-                <a:cs typeface="Times New Roman" panose="02020603050405020304" pitchFamily="18" charset="0"/>
-              </a:rPr>
-              <a:t>. </a:t>
+              <a:t>Figure 6</a:t>
             </a:r>
             <a:r>
               <a:rPr lang="en-US" altLang="ja-JP" dirty="0">
                 <a:latin typeface="Times New Roman" panose="02020603050405020304" pitchFamily="18" charset="0"/>
                 <a:cs typeface="Times New Roman" panose="02020603050405020304" pitchFamily="18" charset="0"/>
               </a:rPr>
-              <a:t>Drag force</a:t>
+              <a:t>. Drag force</a:t>
             </a:r>
             <a:endParaRPr kumimoji="1" lang="ja-JP" altLang="en-US" dirty="0">
               <a:latin typeface="Times New Roman" panose="02020603050405020304" pitchFamily="18" charset="0"/>
@@ -6786,21 +6715,7 @@
                 <a:latin typeface="Times New Roman" panose="02020603050405020304" pitchFamily="18" charset="0"/>
                 <a:cs typeface="Times New Roman" panose="02020603050405020304" pitchFamily="18" charset="0"/>
               </a:rPr>
-              <a:t>7</a:t>
-            </a:r>
-            <a:r>
-              <a:rPr lang="en-US" altLang="ja-JP" dirty="0" smtClean="0">
-                <a:latin typeface="Times New Roman" panose="02020603050405020304" pitchFamily="18" charset="0"/>
-                <a:cs typeface="Times New Roman" panose="02020603050405020304" pitchFamily="18" charset="0"/>
-              </a:rPr>
-              <a:t>. </a:t>
-            </a:r>
-            <a:r>
-              <a:rPr lang="en-US" altLang="ja-JP" dirty="0">
-                <a:latin typeface="Times New Roman" panose="02020603050405020304" pitchFamily="18" charset="0"/>
-                <a:cs typeface="Times New Roman" panose="02020603050405020304" pitchFamily="18" charset="0"/>
-              </a:rPr>
-              <a:t>Pressure force</a:t>
+              <a:t>7. Pressure force</a:t>
             </a:r>
             <a:endParaRPr kumimoji="1" lang="ja-JP" altLang="en-US" dirty="0">
               <a:latin typeface="Times New Roman" panose="02020603050405020304" pitchFamily="18" charset="0"/>
@@ -6874,21 +6789,7 @@
                 <a:latin typeface="Times New Roman" panose="02020603050405020304" pitchFamily="18" charset="0"/>
                 <a:cs typeface="Times New Roman" panose="02020603050405020304" pitchFamily="18" charset="0"/>
               </a:rPr>
-              <a:t>8</a:t>
-            </a:r>
-            <a:r>
-              <a:rPr lang="en-US" altLang="ja-JP" dirty="0" smtClean="0">
-                <a:latin typeface="Times New Roman" panose="02020603050405020304" pitchFamily="18" charset="0"/>
-                <a:cs typeface="Times New Roman" panose="02020603050405020304" pitchFamily="18" charset="0"/>
-              </a:rPr>
-              <a:t>. </a:t>
-            </a:r>
-            <a:r>
-              <a:rPr lang="en-US" altLang="ja-JP" dirty="0">
-                <a:latin typeface="Times New Roman" panose="02020603050405020304" pitchFamily="18" charset="0"/>
-                <a:cs typeface="Times New Roman" panose="02020603050405020304" pitchFamily="18" charset="0"/>
-              </a:rPr>
-              <a:t>Number of suctioned particles</a:t>
+              <a:t>8. Number of suctioned particles</a:t>
             </a:r>
           </a:p>
         </p:txBody>
@@ -7018,21 +6919,7 @@
                 <a:latin typeface="Times New Roman" panose="02020603050405020304" pitchFamily="18" charset="0"/>
                 <a:cs typeface="Times New Roman" panose="02020603050405020304" pitchFamily="18" charset="0"/>
               </a:rPr>
-              <a:t>9</a:t>
-            </a:r>
-            <a:r>
-              <a:rPr lang="en-US" altLang="ja-JP" dirty="0" smtClean="0">
-                <a:latin typeface="Times New Roman" panose="02020603050405020304" pitchFamily="18" charset="0"/>
-                <a:cs typeface="Times New Roman" panose="02020603050405020304" pitchFamily="18" charset="0"/>
-              </a:rPr>
-              <a:t>. </a:t>
-            </a:r>
-            <a:r>
-              <a:rPr lang="en-US" altLang="ja-JP" dirty="0">
-                <a:latin typeface="Times New Roman" panose="02020603050405020304" pitchFamily="18" charset="0"/>
-                <a:cs typeface="Times New Roman" panose="02020603050405020304" pitchFamily="18" charset="0"/>
-              </a:rPr>
-              <a:t>Powder distribution</a:t>
+              <a:t>9. Powder distribution</a:t>
             </a:r>
             <a:endParaRPr kumimoji="1" lang="ja-JP" altLang="en-US" dirty="0">
               <a:latin typeface="Times New Roman" panose="02020603050405020304" pitchFamily="18" charset="0"/>

--- a/論文/figures/Figures&Tables.pptx
+++ b/論文/figures/Figures&Tables.pptx
@@ -5,7 +5,7 @@
     <p:sldMasterId id="2147483660" r:id="rId1"/>
   </p:sldMasterIdLst>
   <p:handoutMasterIdLst>
-    <p:handoutMasterId r:id="rId18"/>
+    <p:handoutMasterId r:id="rId17"/>
   </p:handoutMasterIdLst>
   <p:sldIdLst>
     <p:sldId id="284" r:id="rId2"/>
@@ -23,7 +23,6 @@
     <p:sldId id="279" r:id="rId14"/>
     <p:sldId id="277" r:id="rId15"/>
     <p:sldId id="271" r:id="rId16"/>
-    <p:sldId id="280" r:id="rId17"/>
   </p:sldIdLst>
   <p:sldSz cx="6858000" cy="9906000" type="A4"/>
   <p:notesSz cx="9144000" cy="6858000"/>
@@ -212,7 +211,7 @@
           <a:p>
             <a:fld id="{CF2BC990-631B-44C0-9708-8FFAA36D913C}" type="datetimeFigureOut">
               <a:rPr kumimoji="1" lang="ja-JP" altLang="en-US" smtClean="0"/>
-              <a:t>2020/2/14</a:t>
+              <a:t>2020/2/21</a:t>
             </a:fld>
             <a:endParaRPr kumimoji="1" lang="ja-JP" altLang="en-US"/>
           </a:p>
@@ -426,7 +425,7 @@
           <a:p>
             <a:fld id="{0BA0E0C8-02F0-4E03-83F6-93C841C817A4}" type="datetimeFigureOut">
               <a:rPr kumimoji="1" lang="ja-JP" altLang="en-US" smtClean="0"/>
-              <a:t>2020/2/14</a:t>
+              <a:t>2020/2/21</a:t>
             </a:fld>
             <a:endParaRPr kumimoji="1" lang="ja-JP" altLang="en-US"/>
           </a:p>
@@ -628,7 +627,7 @@
           <a:p>
             <a:fld id="{0BA0E0C8-02F0-4E03-83F6-93C841C817A4}" type="datetimeFigureOut">
               <a:rPr kumimoji="1" lang="ja-JP" altLang="en-US" smtClean="0"/>
-              <a:t>2020/2/14</a:t>
+              <a:t>2020/2/21</a:t>
             </a:fld>
             <a:endParaRPr kumimoji="1" lang="ja-JP" altLang="en-US"/>
           </a:p>
@@ -840,7 +839,7 @@
           <a:p>
             <a:fld id="{0BA0E0C8-02F0-4E03-83F6-93C841C817A4}" type="datetimeFigureOut">
               <a:rPr kumimoji="1" lang="ja-JP" altLang="en-US" smtClean="0"/>
-              <a:t>2020/2/14</a:t>
+              <a:t>2020/2/21</a:t>
             </a:fld>
             <a:endParaRPr kumimoji="1" lang="ja-JP" altLang="en-US"/>
           </a:p>
@@ -1042,7 +1041,7 @@
           <a:p>
             <a:fld id="{0BA0E0C8-02F0-4E03-83F6-93C841C817A4}" type="datetimeFigureOut">
               <a:rPr kumimoji="1" lang="ja-JP" altLang="en-US" smtClean="0"/>
-              <a:t>2020/2/14</a:t>
+              <a:t>2020/2/21</a:t>
             </a:fld>
             <a:endParaRPr kumimoji="1" lang="ja-JP" altLang="en-US"/>
           </a:p>
@@ -1286,7 +1285,7 @@
           <a:p>
             <a:fld id="{0BA0E0C8-02F0-4E03-83F6-93C841C817A4}" type="datetimeFigureOut">
               <a:rPr kumimoji="1" lang="ja-JP" altLang="en-US" smtClean="0"/>
-              <a:t>2020/2/14</a:t>
+              <a:t>2020/2/21</a:t>
             </a:fld>
             <a:endParaRPr kumimoji="1" lang="ja-JP" altLang="en-US"/>
           </a:p>
@@ -1582,7 +1581,7 @@
           <a:p>
             <a:fld id="{0BA0E0C8-02F0-4E03-83F6-93C841C817A4}" type="datetimeFigureOut">
               <a:rPr kumimoji="1" lang="ja-JP" altLang="en-US" smtClean="0"/>
-              <a:t>2020/2/14</a:t>
+              <a:t>2020/2/21</a:t>
             </a:fld>
             <a:endParaRPr kumimoji="1" lang="ja-JP" altLang="en-US"/>
           </a:p>
@@ -2013,7 +2012,7 @@
           <a:p>
             <a:fld id="{0BA0E0C8-02F0-4E03-83F6-93C841C817A4}" type="datetimeFigureOut">
               <a:rPr kumimoji="1" lang="ja-JP" altLang="en-US" smtClean="0"/>
-              <a:t>2020/2/14</a:t>
+              <a:t>2020/2/21</a:t>
             </a:fld>
             <a:endParaRPr kumimoji="1" lang="ja-JP" altLang="en-US"/>
           </a:p>
@@ -2131,7 +2130,7 @@
           <a:p>
             <a:fld id="{0BA0E0C8-02F0-4E03-83F6-93C841C817A4}" type="datetimeFigureOut">
               <a:rPr kumimoji="1" lang="ja-JP" altLang="en-US" smtClean="0"/>
-              <a:t>2020/2/14</a:t>
+              <a:t>2020/2/21</a:t>
             </a:fld>
             <a:endParaRPr kumimoji="1" lang="ja-JP" altLang="en-US"/>
           </a:p>
@@ -2226,7 +2225,7 @@
           <a:p>
             <a:fld id="{0BA0E0C8-02F0-4E03-83F6-93C841C817A4}" type="datetimeFigureOut">
               <a:rPr kumimoji="1" lang="ja-JP" altLang="en-US" smtClean="0"/>
-              <a:t>2020/2/14</a:t>
+              <a:t>2020/2/21</a:t>
             </a:fld>
             <a:endParaRPr kumimoji="1" lang="ja-JP" altLang="en-US"/>
           </a:p>
@@ -2535,7 +2534,7 @@
           <a:p>
             <a:fld id="{0BA0E0C8-02F0-4E03-83F6-93C841C817A4}" type="datetimeFigureOut">
               <a:rPr kumimoji="1" lang="ja-JP" altLang="en-US" smtClean="0"/>
-              <a:t>2020/2/14</a:t>
+              <a:t>2020/2/21</a:t>
             </a:fld>
             <a:endParaRPr kumimoji="1" lang="ja-JP" altLang="en-US"/>
           </a:p>
@@ -2792,7 +2791,7 @@
           <a:p>
             <a:fld id="{0BA0E0C8-02F0-4E03-83F6-93C841C817A4}" type="datetimeFigureOut">
               <a:rPr kumimoji="1" lang="ja-JP" altLang="en-US" smtClean="0"/>
-              <a:t>2020/2/14</a:t>
+              <a:t>2020/2/21</a:t>
             </a:fld>
             <a:endParaRPr kumimoji="1" lang="ja-JP" altLang="en-US"/>
           </a:p>
@@ -3037,7 +3036,7 @@
           <a:p>
             <a:fld id="{0BA0E0C8-02F0-4E03-83F6-93C841C817A4}" type="datetimeFigureOut">
               <a:rPr kumimoji="1" lang="ja-JP" altLang="en-US" smtClean="0"/>
-              <a:t>2020/2/14</a:t>
+              <a:t>2020/2/21</a:t>
             </a:fld>
             <a:endParaRPr kumimoji="1" lang="ja-JP" altLang="en-US"/>
           </a:p>
@@ -4305,36 +4304,6 @@
           <a:chExt cx="0" cy="0"/>
         </a:xfrm>
       </p:grpSpPr>
-      <p:pic>
-        <p:nvPicPr>
-          <p:cNvPr id="2" name="図 1"/>
-          <p:cNvPicPr>
-            <a:picLocks noChangeAspect="1"/>
-          </p:cNvPicPr>
-          <p:nvPr/>
-        </p:nvPicPr>
-        <p:blipFill>
-          <a:blip r:embed="rId2">
-            <a:extLst>
-              <a:ext uri="{28A0092B-C50C-407E-A947-70E740481C1C}">
-                <a14:useLocalDpi xmlns:a14="http://schemas.microsoft.com/office/drawing/2010/main" val="0"/>
-              </a:ext>
-            </a:extLst>
-          </a:blip>
-          <a:stretch>
-            <a:fillRect/>
-          </a:stretch>
-        </p:blipFill>
-        <p:spPr>
-          <a:xfrm>
-            <a:off x="5279052" y="2363932"/>
-            <a:ext cx="1298864" cy="3247159"/>
-          </a:xfrm>
-          <a:prstGeom prst="rect">
-            <a:avLst/>
-          </a:prstGeom>
-        </p:spPr>
-      </p:pic>
       <p:sp>
         <p:nvSpPr>
           <p:cNvPr id="41" name="テキスト ボックス 40"/>
@@ -4370,7 +4339,7 @@
                 <a:latin typeface="Times New Roman" panose="02020603050405020304" pitchFamily="18" charset="0"/>
                 <a:cs typeface="Times New Roman" panose="02020603050405020304" pitchFamily="18" charset="0"/>
               </a:rPr>
-              <a:t>17. Bubble movement</a:t>
+              <a:t>17. Air velocity</a:t>
             </a:r>
             <a:endParaRPr kumimoji="1" lang="ja-JP" altLang="en-US" dirty="0">
               <a:latin typeface="Times New Roman" panose="02020603050405020304" pitchFamily="18" charset="0"/>
@@ -4381,7 +4350,48 @@
       </p:sp>
       <p:pic>
         <p:nvPicPr>
-          <p:cNvPr id="4" name="図 3"/>
+          <p:cNvPr id="5" name="図 4">
+            <a:extLst>
+              <a:ext uri="{FF2B5EF4-FFF2-40B4-BE49-F238E27FC236}">
+                <a16:creationId xmlns:a16="http://schemas.microsoft.com/office/drawing/2014/main" id="{F249EEFB-BB98-469D-9DEE-C5D34CED8257}"/>
+              </a:ext>
+            </a:extLst>
+          </p:cNvPr>
+          <p:cNvPicPr>
+            <a:picLocks noChangeAspect="1"/>
+          </p:cNvPicPr>
+          <p:nvPr/>
+        </p:nvPicPr>
+        <p:blipFill rotWithShape="1">
+          <a:blip r:embed="rId2">
+            <a:extLst>
+              <a:ext uri="{28A0092B-C50C-407E-A947-70E740481C1C}">
+                <a14:useLocalDpi xmlns:a14="http://schemas.microsoft.com/office/drawing/2010/main" val="0"/>
+              </a:ext>
+            </a:extLst>
+          </a:blip>
+          <a:srcRect l="21233"/>
+          <a:stretch/>
+        </p:blipFill>
+        <p:spPr>
+          <a:xfrm>
+            <a:off x="1001278" y="2111188"/>
+            <a:ext cx="4277774" cy="5430880"/>
+          </a:xfrm>
+          <a:prstGeom prst="rect">
+            <a:avLst/>
+          </a:prstGeom>
+        </p:spPr>
+      </p:pic>
+      <p:pic>
+        <p:nvPicPr>
+          <p:cNvPr id="9" name="図 8" descr="文字と数字と文字の加工写真&#10;&#10;自動的に生成された説明">
+            <a:extLst>
+              <a:ext uri="{FF2B5EF4-FFF2-40B4-BE49-F238E27FC236}">
+                <a16:creationId xmlns:a16="http://schemas.microsoft.com/office/drawing/2014/main" id="{4C5C4EBB-47A2-472A-AC95-5CAC9DC45249}"/>
+              </a:ext>
+            </a:extLst>
+          </p:cNvPr>
           <p:cNvPicPr>
             <a:picLocks noChangeAspect="1"/>
           </p:cNvPicPr>
@@ -4395,13 +4405,48 @@
               </a:ext>
             </a:extLst>
           </a:blip>
-          <a:srcRect l="22222"/>
+          <a:srcRect l="20448" r="22239"/>
           <a:stretch/>
         </p:blipFill>
         <p:spPr>
           <a:xfrm>
-            <a:off x="939820" y="2111188"/>
-            <a:ext cx="4339232" cy="5579012"/>
+            <a:off x="5513695" y="1371885"/>
+            <a:ext cx="820984" cy="3581115"/>
+          </a:xfrm>
+          <a:prstGeom prst="rect">
+            <a:avLst/>
+          </a:prstGeom>
+        </p:spPr>
+      </p:pic>
+      <p:pic>
+        <p:nvPicPr>
+          <p:cNvPr id="11" name="図 10" descr="時計 が含まれている画像&#10;&#10;自動的に生成された説明">
+            <a:extLst>
+              <a:ext uri="{FF2B5EF4-FFF2-40B4-BE49-F238E27FC236}">
+                <a16:creationId xmlns:a16="http://schemas.microsoft.com/office/drawing/2014/main" id="{F5C5E1C5-2596-4BE6-9168-94D23C13EE13}"/>
+              </a:ext>
+            </a:extLst>
+          </p:cNvPr>
+          <p:cNvPicPr>
+            <a:picLocks noChangeAspect="1"/>
+          </p:cNvPicPr>
+          <p:nvPr/>
+        </p:nvPicPr>
+        <p:blipFill rotWithShape="1">
+          <a:blip r:embed="rId4">
+            <a:extLst>
+              <a:ext uri="{28A0092B-C50C-407E-A947-70E740481C1C}">
+                <a14:useLocalDpi xmlns:a14="http://schemas.microsoft.com/office/drawing/2010/main" val="0"/>
+              </a:ext>
+            </a:extLst>
+          </a:blip>
+          <a:srcRect l="20448" r="22239"/>
+          <a:stretch/>
+        </p:blipFill>
+        <p:spPr>
+          <a:xfrm>
+            <a:off x="5513695" y="4545249"/>
+            <a:ext cx="820984" cy="3581115"/>
           </a:xfrm>
           <a:prstGeom prst="rect">
             <a:avLst/>
@@ -4412,117 +4457,6 @@
     <p:extLst>
       <p:ext uri="{BB962C8B-B14F-4D97-AF65-F5344CB8AC3E}">
         <p14:creationId xmlns:p14="http://schemas.microsoft.com/office/powerpoint/2010/main" val="1018302082"/>
-      </p:ext>
-    </p:extLst>
-  </p:cSld>
-  <p:clrMapOvr>
-    <a:masterClrMapping/>
-  </p:clrMapOvr>
-</p:sld>
-</file>
-
-<file path=ppt/slides/slide16.xml><?xml version="1.0" encoding="utf-8"?>
-<p:sld xmlns:a="http://schemas.openxmlformats.org/drawingml/2006/main" xmlns:r="http://schemas.openxmlformats.org/officeDocument/2006/relationships" xmlns:p="http://schemas.openxmlformats.org/presentationml/2006/main">
-  <p:cSld>
-    <p:spTree>
-      <p:nvGrpSpPr>
-        <p:cNvPr id="1" name=""/>
-        <p:cNvGrpSpPr/>
-        <p:nvPr/>
-      </p:nvGrpSpPr>
-      <p:grpSpPr>
-        <a:xfrm>
-          <a:off x="0" y="0"/>
-          <a:ext cx="0" cy="0"/>
-          <a:chOff x="0" y="0"/>
-          <a:chExt cx="0" cy="0"/>
-        </a:xfrm>
-      </p:grpSpPr>
-      <p:pic>
-        <p:nvPicPr>
-          <p:cNvPr id="2" name="図 1"/>
-          <p:cNvPicPr>
-            <a:picLocks noChangeAspect="1"/>
-          </p:cNvPicPr>
-          <p:nvPr/>
-        </p:nvPicPr>
-        <p:blipFill>
-          <a:blip r:embed="rId2">
-            <a:extLst>
-              <a:ext uri="{28A0092B-C50C-407E-A947-70E740481C1C}">
-                <a14:useLocalDpi xmlns:a14="http://schemas.microsoft.com/office/drawing/2010/main" val="0"/>
-              </a:ext>
-            </a:extLst>
-          </a:blip>
-          <a:stretch>
-            <a:fillRect/>
-          </a:stretch>
-        </p:blipFill>
-        <p:spPr>
-          <a:xfrm>
-            <a:off x="734290" y="327109"/>
-            <a:ext cx="5375563" cy="4038783"/>
-          </a:xfrm>
-          <a:prstGeom prst="rect">
-            <a:avLst/>
-          </a:prstGeom>
-        </p:spPr>
-      </p:pic>
-      <p:sp>
-        <p:nvSpPr>
-          <p:cNvPr id="3" name="テキスト ボックス 2"/>
-          <p:cNvSpPr txBox="1"/>
-          <p:nvPr/>
-        </p:nvSpPr>
-        <p:spPr>
-          <a:xfrm>
-            <a:off x="533072" y="4365892"/>
-            <a:ext cx="5778000" cy="369332"/>
-          </a:xfrm>
-          <a:prstGeom prst="rect">
-            <a:avLst/>
-          </a:prstGeom>
-          <a:noFill/>
-        </p:spPr>
-        <p:txBody>
-          <a:bodyPr wrap="square" rtlCol="0">
-            <a:spAutoFit/>
-          </a:bodyPr>
-          <a:lstStyle/>
-          <a:p>
-            <a:pPr algn="ctr"/>
-            <a:r>
-              <a:rPr kumimoji="1" lang="en-US" altLang="ja-JP">
-                <a:latin typeface="Times New Roman" panose="02020603050405020304" pitchFamily="18" charset="0"/>
-                <a:cs typeface="Times New Roman" panose="02020603050405020304" pitchFamily="18" charset="0"/>
-              </a:rPr>
-              <a:t>Figure </a:t>
-            </a:r>
-            <a:r>
-              <a:rPr lang="en-US" altLang="ja-JP">
-                <a:latin typeface="Times New Roman" panose="02020603050405020304" pitchFamily="18" charset="0"/>
-                <a:cs typeface="Times New Roman" panose="02020603050405020304" pitchFamily="18" charset="0"/>
-              </a:rPr>
-              <a:t>18. </a:t>
-            </a:r>
-            <a:r>
-              <a:rPr lang="en-US" altLang="ja-JP" dirty="0">
-                <a:latin typeface="Times New Roman" panose="02020603050405020304" pitchFamily="18" charset="0"/>
-                <a:cs typeface="Times New Roman" panose="02020603050405020304" pitchFamily="18" charset="0"/>
-              </a:rPr>
-              <a:t>Rate of air volume change</a:t>
-            </a:r>
-            <a:endParaRPr kumimoji="1" lang="ja-JP" altLang="en-US" dirty="0">
-              <a:latin typeface="Times New Roman" panose="02020603050405020304" pitchFamily="18" charset="0"/>
-              <a:cs typeface="Times New Roman" panose="02020603050405020304" pitchFamily="18" charset="0"/>
-            </a:endParaRPr>
-          </a:p>
-        </p:txBody>
-      </p:sp>
-    </p:spTree>
-    <p:extLst>
-      <p:ext uri="{BB962C8B-B14F-4D97-AF65-F5344CB8AC3E}">
-        <p14:creationId xmlns:p14="http://schemas.microsoft.com/office/powerpoint/2010/main" val="1111429432"/>
       </p:ext>
     </p:extLst>
   </p:cSld>

--- a/論文/figures/Figures&Tables.pptx
+++ b/論文/figures/Figures&Tables.pptx
@@ -211,7 +211,7 @@
           <a:p>
             <a:fld id="{CF2BC990-631B-44C0-9708-8FFAA36D913C}" type="datetimeFigureOut">
               <a:rPr kumimoji="1" lang="ja-JP" altLang="en-US" smtClean="0"/>
-              <a:t>2020/2/21</a:t>
+              <a:t>2020/2/22</a:t>
             </a:fld>
             <a:endParaRPr kumimoji="1" lang="ja-JP" altLang="en-US"/>
           </a:p>
@@ -425,7 +425,7 @@
           <a:p>
             <a:fld id="{0BA0E0C8-02F0-4E03-83F6-93C841C817A4}" type="datetimeFigureOut">
               <a:rPr kumimoji="1" lang="ja-JP" altLang="en-US" smtClean="0"/>
-              <a:t>2020/2/21</a:t>
+              <a:t>2020/2/22</a:t>
             </a:fld>
             <a:endParaRPr kumimoji="1" lang="ja-JP" altLang="en-US"/>
           </a:p>
@@ -627,7 +627,7 @@
           <a:p>
             <a:fld id="{0BA0E0C8-02F0-4E03-83F6-93C841C817A4}" type="datetimeFigureOut">
               <a:rPr kumimoji="1" lang="ja-JP" altLang="en-US" smtClean="0"/>
-              <a:t>2020/2/21</a:t>
+              <a:t>2020/2/22</a:t>
             </a:fld>
             <a:endParaRPr kumimoji="1" lang="ja-JP" altLang="en-US"/>
           </a:p>
@@ -839,7 +839,7 @@
           <a:p>
             <a:fld id="{0BA0E0C8-02F0-4E03-83F6-93C841C817A4}" type="datetimeFigureOut">
               <a:rPr kumimoji="1" lang="ja-JP" altLang="en-US" smtClean="0"/>
-              <a:t>2020/2/21</a:t>
+              <a:t>2020/2/22</a:t>
             </a:fld>
             <a:endParaRPr kumimoji="1" lang="ja-JP" altLang="en-US"/>
           </a:p>
@@ -1041,7 +1041,7 @@
           <a:p>
             <a:fld id="{0BA0E0C8-02F0-4E03-83F6-93C841C817A4}" type="datetimeFigureOut">
               <a:rPr kumimoji="1" lang="ja-JP" altLang="en-US" smtClean="0"/>
-              <a:t>2020/2/21</a:t>
+              <a:t>2020/2/22</a:t>
             </a:fld>
             <a:endParaRPr kumimoji="1" lang="ja-JP" altLang="en-US"/>
           </a:p>
@@ -1285,7 +1285,7 @@
           <a:p>
             <a:fld id="{0BA0E0C8-02F0-4E03-83F6-93C841C817A4}" type="datetimeFigureOut">
               <a:rPr kumimoji="1" lang="ja-JP" altLang="en-US" smtClean="0"/>
-              <a:t>2020/2/21</a:t>
+              <a:t>2020/2/22</a:t>
             </a:fld>
             <a:endParaRPr kumimoji="1" lang="ja-JP" altLang="en-US"/>
           </a:p>
@@ -1581,7 +1581,7 @@
           <a:p>
             <a:fld id="{0BA0E0C8-02F0-4E03-83F6-93C841C817A4}" type="datetimeFigureOut">
               <a:rPr kumimoji="1" lang="ja-JP" altLang="en-US" smtClean="0"/>
-              <a:t>2020/2/21</a:t>
+              <a:t>2020/2/22</a:t>
             </a:fld>
             <a:endParaRPr kumimoji="1" lang="ja-JP" altLang="en-US"/>
           </a:p>
@@ -2012,7 +2012,7 @@
           <a:p>
             <a:fld id="{0BA0E0C8-02F0-4E03-83F6-93C841C817A4}" type="datetimeFigureOut">
               <a:rPr kumimoji="1" lang="ja-JP" altLang="en-US" smtClean="0"/>
-              <a:t>2020/2/21</a:t>
+              <a:t>2020/2/22</a:t>
             </a:fld>
             <a:endParaRPr kumimoji="1" lang="ja-JP" altLang="en-US"/>
           </a:p>
@@ -2130,7 +2130,7 @@
           <a:p>
             <a:fld id="{0BA0E0C8-02F0-4E03-83F6-93C841C817A4}" type="datetimeFigureOut">
               <a:rPr kumimoji="1" lang="ja-JP" altLang="en-US" smtClean="0"/>
-              <a:t>2020/2/21</a:t>
+              <a:t>2020/2/22</a:t>
             </a:fld>
             <a:endParaRPr kumimoji="1" lang="ja-JP" altLang="en-US"/>
           </a:p>
@@ -2225,7 +2225,7 @@
           <a:p>
             <a:fld id="{0BA0E0C8-02F0-4E03-83F6-93C841C817A4}" type="datetimeFigureOut">
               <a:rPr kumimoji="1" lang="ja-JP" altLang="en-US" smtClean="0"/>
-              <a:t>2020/2/21</a:t>
+              <a:t>2020/2/22</a:t>
             </a:fld>
             <a:endParaRPr kumimoji="1" lang="ja-JP" altLang="en-US"/>
           </a:p>
@@ -2534,7 +2534,7 @@
           <a:p>
             <a:fld id="{0BA0E0C8-02F0-4E03-83F6-93C841C817A4}" type="datetimeFigureOut">
               <a:rPr kumimoji="1" lang="ja-JP" altLang="en-US" smtClean="0"/>
-              <a:t>2020/2/21</a:t>
+              <a:t>2020/2/22</a:t>
             </a:fld>
             <a:endParaRPr kumimoji="1" lang="ja-JP" altLang="en-US"/>
           </a:p>
@@ -2791,7 +2791,7 @@
           <a:p>
             <a:fld id="{0BA0E0C8-02F0-4E03-83F6-93C841C817A4}" type="datetimeFigureOut">
               <a:rPr kumimoji="1" lang="ja-JP" altLang="en-US" smtClean="0"/>
-              <a:t>2020/2/21</a:t>
+              <a:t>2020/2/22</a:t>
             </a:fld>
             <a:endParaRPr kumimoji="1" lang="ja-JP" altLang="en-US"/>
           </a:p>
@@ -3036,7 +3036,7 @@
           <a:p>
             <a:fld id="{0BA0E0C8-02F0-4E03-83F6-93C841C817A4}" type="datetimeFigureOut">
               <a:rPr kumimoji="1" lang="ja-JP" altLang="en-US" smtClean="0"/>
-              <a:t>2020/2/21</a:t>
+              <a:t>2020/2/22</a:t>
             </a:fld>
             <a:endParaRPr kumimoji="1" lang="ja-JP" altLang="en-US"/>
           </a:p>
@@ -3578,9 +3578,59 @@
           <a:chExt cx="0" cy="0"/>
         </a:xfrm>
       </p:grpSpPr>
+      <p:sp>
+        <p:nvSpPr>
+          <p:cNvPr id="2" name="テキスト ボックス 1"/>
+          <p:cNvSpPr txBox="1"/>
+          <p:nvPr/>
+        </p:nvSpPr>
+        <p:spPr>
+          <a:xfrm>
+            <a:off x="627403" y="4417360"/>
+            <a:ext cx="5778000" cy="369332"/>
+          </a:xfrm>
+          <a:prstGeom prst="rect">
+            <a:avLst/>
+          </a:prstGeom>
+          <a:noFill/>
+        </p:spPr>
+        <p:txBody>
+          <a:bodyPr wrap="square" rtlCol="0">
+            <a:spAutoFit/>
+          </a:bodyPr>
+          <a:lstStyle/>
+          <a:p>
+            <a:pPr algn="ctr"/>
+            <a:r>
+              <a:rPr kumimoji="1" lang="en-US" altLang="ja-JP" dirty="0">
+                <a:latin typeface="Times New Roman" panose="02020603050405020304" pitchFamily="18" charset="0"/>
+                <a:cs typeface="Times New Roman" panose="02020603050405020304" pitchFamily="18" charset="0"/>
+              </a:rPr>
+              <a:t>Figure </a:t>
+            </a:r>
+            <a:r>
+              <a:rPr lang="en-US" altLang="ja-JP" dirty="0">
+                <a:latin typeface="Times New Roman" panose="02020603050405020304" pitchFamily="18" charset="0"/>
+                <a:cs typeface="Times New Roman" panose="02020603050405020304" pitchFamily="18" charset="0"/>
+              </a:rPr>
+              <a:t>10. Number of particles in die region</a:t>
+            </a:r>
+            <a:endParaRPr kumimoji="1" lang="ja-JP" altLang="en-US" dirty="0">
+              <a:latin typeface="Times New Roman" panose="02020603050405020304" pitchFamily="18" charset="0"/>
+              <a:cs typeface="Times New Roman" panose="02020603050405020304" pitchFamily="18" charset="0"/>
+            </a:endParaRPr>
+          </a:p>
+        </p:txBody>
+      </p:sp>
       <p:pic>
         <p:nvPicPr>
-          <p:cNvPr id="4" name="図 3"/>
+          <p:cNvPr id="5" name="図 4">
+            <a:extLst>
+              <a:ext uri="{FF2B5EF4-FFF2-40B4-BE49-F238E27FC236}">
+                <a16:creationId xmlns:a16="http://schemas.microsoft.com/office/drawing/2014/main" id="{82DF5117-AD75-4FB9-9976-98C5F97EAF4C}"/>
+              </a:ext>
+            </a:extLst>
+          </p:cNvPr>
           <p:cNvPicPr>
             <a:picLocks noChangeAspect="1"/>
           </p:cNvPicPr>
@@ -3600,58 +3650,14 @@
         </p:blipFill>
         <p:spPr>
           <a:xfrm>
-            <a:off x="1097290" y="840869"/>
-            <a:ext cx="4760260" cy="3576491"/>
+            <a:off x="728662" y="359710"/>
+            <a:ext cx="5400675" cy="4057650"/>
           </a:xfrm>
           <a:prstGeom prst="rect">
             <a:avLst/>
           </a:prstGeom>
         </p:spPr>
       </p:pic>
-      <p:sp>
-        <p:nvSpPr>
-          <p:cNvPr id="2" name="テキスト ボックス 1"/>
-          <p:cNvSpPr txBox="1"/>
-          <p:nvPr/>
-        </p:nvSpPr>
-        <p:spPr>
-          <a:xfrm>
-            <a:off x="627403" y="4417360"/>
-            <a:ext cx="5778000" cy="369332"/>
-          </a:xfrm>
-          <a:prstGeom prst="rect">
-            <a:avLst/>
-          </a:prstGeom>
-          <a:noFill/>
-        </p:spPr>
-        <p:txBody>
-          <a:bodyPr wrap="square" rtlCol="0">
-            <a:spAutoFit/>
-          </a:bodyPr>
-          <a:lstStyle/>
-          <a:p>
-            <a:pPr algn="ctr"/>
-            <a:r>
-              <a:rPr kumimoji="1" lang="en-US" altLang="ja-JP" dirty="0">
-                <a:latin typeface="Times New Roman" panose="02020603050405020304" pitchFamily="18" charset="0"/>
-                <a:cs typeface="Times New Roman" panose="02020603050405020304" pitchFamily="18" charset="0"/>
-              </a:rPr>
-              <a:t>Figure </a:t>
-            </a:r>
-            <a:r>
-              <a:rPr lang="en-US" altLang="ja-JP" dirty="0">
-                <a:latin typeface="Times New Roman" panose="02020603050405020304" pitchFamily="18" charset="0"/>
-                <a:cs typeface="Times New Roman" panose="02020603050405020304" pitchFamily="18" charset="0"/>
-              </a:rPr>
-              <a:t>10. Number of particles in die region</a:t>
-            </a:r>
-            <a:endParaRPr kumimoji="1" lang="ja-JP" altLang="en-US" dirty="0">
-              <a:latin typeface="Times New Roman" panose="02020603050405020304" pitchFamily="18" charset="0"/>
-              <a:cs typeface="Times New Roman" panose="02020603050405020304" pitchFamily="18" charset="0"/>
-            </a:endParaRPr>
-          </a:p>
-        </p:txBody>
-      </p:sp>
     </p:spTree>
     <p:extLst>
       <p:ext uri="{BB962C8B-B14F-4D97-AF65-F5344CB8AC3E}">
@@ -3802,7 +3808,13 @@
       </p:pic>
       <p:pic>
         <p:nvPicPr>
-          <p:cNvPr id="6" name="図 5"/>
+          <p:cNvPr id="9" name="図 8">
+            <a:extLst>
+              <a:ext uri="{FF2B5EF4-FFF2-40B4-BE49-F238E27FC236}">
+                <a16:creationId xmlns:a16="http://schemas.microsoft.com/office/drawing/2014/main" id="{68C353D0-9D14-4B21-B828-7F6B7D5FBC6C}"/>
+              </a:ext>
+            </a:extLst>
+          </p:cNvPr>
           <p:cNvPicPr>
             <a:picLocks noChangeAspect="1"/>
           </p:cNvPicPr>
@@ -3822,7 +3834,7 @@
         </p:blipFill>
         <p:spPr>
           <a:xfrm>
-            <a:off x="1097290" y="5031667"/>
+            <a:off x="1136273" y="5031667"/>
             <a:ext cx="4760260" cy="3576491"/>
           </a:xfrm>
           <a:prstGeom prst="rect">
@@ -3862,6 +3874,41 @@
       </p:grpSpPr>
       <p:pic>
         <p:nvPicPr>
+          <p:cNvPr id="5" name="図 4" descr="ベッド が含まれている画像&#10;&#10;自動的に生成された説明">
+            <a:extLst>
+              <a:ext uri="{FF2B5EF4-FFF2-40B4-BE49-F238E27FC236}">
+                <a16:creationId xmlns:a16="http://schemas.microsoft.com/office/drawing/2014/main" id="{4F8E8ABE-4257-4CE6-A410-B4133C4293DC}"/>
+              </a:ext>
+            </a:extLst>
+          </p:cNvPr>
+          <p:cNvPicPr>
+            <a:picLocks noChangeAspect="1"/>
+          </p:cNvPicPr>
+          <p:nvPr/>
+        </p:nvPicPr>
+        <p:blipFill rotWithShape="1">
+          <a:blip r:embed="rId2">
+            <a:extLst>
+              <a:ext uri="{28A0092B-C50C-407E-A947-70E740481C1C}">
+                <a14:useLocalDpi xmlns:a14="http://schemas.microsoft.com/office/drawing/2010/main" val="0"/>
+              </a:ext>
+            </a:extLst>
+          </a:blip>
+          <a:srcRect l="20808" t="20606"/>
+          <a:stretch/>
+        </p:blipFill>
+        <p:spPr>
+          <a:xfrm>
+            <a:off x="211403" y="1305587"/>
+            <a:ext cx="5430983" cy="5444837"/>
+          </a:xfrm>
+          <a:prstGeom prst="rect">
+            <a:avLst/>
+          </a:prstGeom>
+        </p:spPr>
+      </p:pic>
+      <p:pic>
+        <p:nvPicPr>
           <p:cNvPr id="2" name="図 1"/>
           <p:cNvPicPr>
             <a:picLocks noChangeAspect="1"/>
@@ -3869,7 +3916,7 @@
           <p:nvPr/>
         </p:nvPicPr>
         <p:blipFill>
-          <a:blip r:embed="rId2">
+          <a:blip r:embed="rId3">
             <a:extLst>
               <a:ext uri="{28A0092B-C50C-407E-A947-70E740481C1C}">
                 <a14:useLocalDpi xmlns:a14="http://schemas.microsoft.com/office/drawing/2010/main" val="0"/>
@@ -3934,35 +3981,6 @@
           </a:p>
         </p:txBody>
       </p:sp>
-      <p:pic>
-        <p:nvPicPr>
-          <p:cNvPr id="3" name="図 2"/>
-          <p:cNvPicPr>
-            <a:picLocks noChangeAspect="1"/>
-          </p:cNvPicPr>
-          <p:nvPr/>
-        </p:nvPicPr>
-        <p:blipFill rotWithShape="1">
-          <a:blip r:embed="rId3">
-            <a:extLst>
-              <a:ext uri="{28A0092B-C50C-407E-A947-70E740481C1C}">
-                <a14:useLocalDpi xmlns:a14="http://schemas.microsoft.com/office/drawing/2010/main" val="0"/>
-              </a:ext>
-            </a:extLst>
-          </a:blip>
-          <a:srcRect l="20808" t="20606"/>
-          <a:stretch/>
-        </p:blipFill>
-        <p:spPr>
-          <a:xfrm>
-            <a:off x="211403" y="1305587"/>
-            <a:ext cx="5430982" cy="5444836"/>
-          </a:xfrm>
-          <a:prstGeom prst="rect">
-            <a:avLst/>
-          </a:prstGeom>
-        </p:spPr>
-      </p:pic>
     </p:spTree>
     <p:extLst>
       <p:ext uri="{BB962C8B-B14F-4D97-AF65-F5344CB8AC3E}">
@@ -3995,6 +4013,41 @@
       </p:grpSpPr>
       <p:pic>
         <p:nvPicPr>
+          <p:cNvPr id="5" name="図 4" descr="ベッド が含まれている画像&#10;&#10;自動的に生成された説明">
+            <a:extLst>
+              <a:ext uri="{FF2B5EF4-FFF2-40B4-BE49-F238E27FC236}">
+                <a16:creationId xmlns:a16="http://schemas.microsoft.com/office/drawing/2014/main" id="{F7DC35E4-16C7-4F05-9B61-839B9539284B}"/>
+              </a:ext>
+            </a:extLst>
+          </p:cNvPr>
+          <p:cNvPicPr>
+            <a:picLocks noChangeAspect="1"/>
+          </p:cNvPicPr>
+          <p:nvPr/>
+        </p:nvPicPr>
+        <p:blipFill rotWithShape="1">
+          <a:blip r:embed="rId2">
+            <a:extLst>
+              <a:ext uri="{28A0092B-C50C-407E-A947-70E740481C1C}">
+                <a14:useLocalDpi xmlns:a14="http://schemas.microsoft.com/office/drawing/2010/main" val="0"/>
+              </a:ext>
+            </a:extLst>
+          </a:blip>
+          <a:srcRect l="19143" t="22020"/>
+          <a:stretch/>
+        </p:blipFill>
+        <p:spPr>
+          <a:xfrm>
+            <a:off x="97187" y="1402567"/>
+            <a:ext cx="5545198" cy="5347855"/>
+          </a:xfrm>
+          <a:prstGeom prst="rect">
+            <a:avLst/>
+          </a:prstGeom>
+        </p:spPr>
+      </p:pic>
+      <p:pic>
+        <p:nvPicPr>
           <p:cNvPr id="3" name="図 2"/>
           <p:cNvPicPr>
             <a:picLocks noChangeAspect="1"/>
@@ -4002,7 +4055,7 @@
           <p:nvPr/>
         </p:nvPicPr>
         <p:blipFill>
-          <a:blip r:embed="rId2">
+          <a:blip r:embed="rId3">
             <a:extLst>
               <a:ext uri="{28A0092B-C50C-407E-A947-70E740481C1C}">
                 <a14:useLocalDpi xmlns:a14="http://schemas.microsoft.com/office/drawing/2010/main" val="0"/>
@@ -4067,35 +4120,6 @@
           </a:p>
         </p:txBody>
       </p:sp>
-      <p:pic>
-        <p:nvPicPr>
-          <p:cNvPr id="2" name="図 1"/>
-          <p:cNvPicPr>
-            <a:picLocks noChangeAspect="1"/>
-          </p:cNvPicPr>
-          <p:nvPr/>
-        </p:nvPicPr>
-        <p:blipFill rotWithShape="1">
-          <a:blip r:embed="rId3">
-            <a:extLst>
-              <a:ext uri="{28A0092B-C50C-407E-A947-70E740481C1C}">
-                <a14:useLocalDpi xmlns:a14="http://schemas.microsoft.com/office/drawing/2010/main" val="0"/>
-              </a:ext>
-            </a:extLst>
-          </a:blip>
-          <a:srcRect l="22626" t="22020"/>
-          <a:stretch/>
-        </p:blipFill>
-        <p:spPr>
-          <a:xfrm>
-            <a:off x="336094" y="1402568"/>
-            <a:ext cx="5306291" cy="5347855"/>
-          </a:xfrm>
-          <a:prstGeom prst="rect">
-            <a:avLst/>
-          </a:prstGeom>
-        </p:spPr>
-      </p:pic>
     </p:spTree>
     <p:extLst>
       <p:ext uri="{BB962C8B-B14F-4D97-AF65-F5344CB8AC3E}">
@@ -4216,7 +4240,13 @@
       </p:sp>
       <p:pic>
         <p:nvPicPr>
-          <p:cNvPr id="2" name="図 1"/>
+          <p:cNvPr id="7" name="図 6">
+            <a:extLst>
+              <a:ext uri="{FF2B5EF4-FFF2-40B4-BE49-F238E27FC236}">
+                <a16:creationId xmlns:a16="http://schemas.microsoft.com/office/drawing/2014/main" id="{7D89AC6F-1EBB-45A9-ABD7-C2F94D564B93}"/>
+              </a:ext>
+            </a:extLst>
+          </p:cNvPr>
           <p:cNvPicPr>
             <a:picLocks noChangeAspect="1"/>
           </p:cNvPicPr>
@@ -4236,8 +4266,8 @@
         </p:blipFill>
         <p:spPr>
           <a:xfrm>
-            <a:off x="901327" y="217379"/>
-            <a:ext cx="5230151" cy="3929531"/>
+            <a:off x="901326" y="217378"/>
+            <a:ext cx="5230152" cy="3929532"/>
           </a:xfrm>
           <a:prstGeom prst="rect">
             <a:avLst/>
@@ -4246,7 +4276,13 @@
       </p:pic>
       <p:pic>
         <p:nvPicPr>
-          <p:cNvPr id="3" name="図 2"/>
+          <p:cNvPr id="9" name="図 8">
+            <a:extLst>
+              <a:ext uri="{FF2B5EF4-FFF2-40B4-BE49-F238E27FC236}">
+                <a16:creationId xmlns:a16="http://schemas.microsoft.com/office/drawing/2014/main" id="{CD886433-ABAD-4E11-8088-EB8B6223BBEC}"/>
+              </a:ext>
+            </a:extLst>
+          </p:cNvPr>
           <p:cNvPicPr>
             <a:picLocks noChangeAspect="1"/>
           </p:cNvPicPr>
@@ -4304,56 +4340,12 @@
           <a:chExt cx="0" cy="0"/>
         </a:xfrm>
       </p:grpSpPr>
-      <p:sp>
-        <p:nvSpPr>
-          <p:cNvPr id="41" name="テキスト ボックス 40"/>
-          <p:cNvSpPr txBox="1"/>
-          <p:nvPr/>
-        </p:nvSpPr>
-        <p:spPr>
-          <a:xfrm>
-            <a:off x="540000" y="7718612"/>
-            <a:ext cx="5778000" cy="369332"/>
-          </a:xfrm>
-          <a:prstGeom prst="rect">
-            <a:avLst/>
-          </a:prstGeom>
-          <a:noFill/>
-        </p:spPr>
-        <p:txBody>
-          <a:bodyPr wrap="square" rtlCol="0">
-            <a:spAutoFit/>
-          </a:bodyPr>
-          <a:lstStyle/>
-          <a:p>
-            <a:pPr algn="ctr"/>
-            <a:r>
-              <a:rPr kumimoji="1" lang="en-US" altLang="ja-JP" dirty="0">
-                <a:latin typeface="Times New Roman" panose="02020603050405020304" pitchFamily="18" charset="0"/>
-                <a:cs typeface="Times New Roman" panose="02020603050405020304" pitchFamily="18" charset="0"/>
-              </a:rPr>
-              <a:t>Figure </a:t>
-            </a:r>
-            <a:r>
-              <a:rPr lang="en-US" altLang="ja-JP" dirty="0">
-                <a:latin typeface="Times New Roman" panose="02020603050405020304" pitchFamily="18" charset="0"/>
-                <a:cs typeface="Times New Roman" panose="02020603050405020304" pitchFamily="18" charset="0"/>
-              </a:rPr>
-              <a:t>17. Air velocity</a:t>
-            </a:r>
-            <a:endParaRPr kumimoji="1" lang="ja-JP" altLang="en-US" dirty="0">
-              <a:latin typeface="Times New Roman" panose="02020603050405020304" pitchFamily="18" charset="0"/>
-              <a:cs typeface="Times New Roman" panose="02020603050405020304" pitchFamily="18" charset="0"/>
-            </a:endParaRPr>
-          </a:p>
-        </p:txBody>
-      </p:sp>
       <p:pic>
         <p:nvPicPr>
-          <p:cNvPr id="5" name="図 4">
+          <p:cNvPr id="3" name="図 2" descr="建物 が含まれている画像&#10;&#10;自動的に生成された説明">
             <a:extLst>
               <a:ext uri="{FF2B5EF4-FFF2-40B4-BE49-F238E27FC236}">
-                <a16:creationId xmlns:a16="http://schemas.microsoft.com/office/drawing/2014/main" id="{F249EEFB-BB98-469D-9DEE-C5D34CED8257}"/>
+                <a16:creationId xmlns:a16="http://schemas.microsoft.com/office/drawing/2014/main" id="{6934E126-4A34-4D29-94E7-2AE093D7D558}"/>
               </a:ext>
             </a:extLst>
           </p:cNvPr>
@@ -4370,19 +4362,63 @@
               </a:ext>
             </a:extLst>
           </a:blip>
-          <a:srcRect l="21233"/>
+          <a:srcRect l="23024"/>
           <a:stretch/>
         </p:blipFill>
         <p:spPr>
           <a:xfrm>
-            <a:off x="1001278" y="2111188"/>
-            <a:ext cx="4277774" cy="5430880"/>
+            <a:off x="387322" y="860612"/>
+            <a:ext cx="5279052" cy="6858000"/>
           </a:xfrm>
           <a:prstGeom prst="rect">
             <a:avLst/>
           </a:prstGeom>
         </p:spPr>
       </p:pic>
+      <p:sp>
+        <p:nvSpPr>
+          <p:cNvPr id="41" name="テキスト ボックス 40"/>
+          <p:cNvSpPr txBox="1"/>
+          <p:nvPr/>
+        </p:nvSpPr>
+        <p:spPr>
+          <a:xfrm>
+            <a:off x="540000" y="7718612"/>
+            <a:ext cx="5778000" cy="369332"/>
+          </a:xfrm>
+          <a:prstGeom prst="rect">
+            <a:avLst/>
+          </a:prstGeom>
+          <a:noFill/>
+        </p:spPr>
+        <p:txBody>
+          <a:bodyPr wrap="square" rtlCol="0">
+            <a:spAutoFit/>
+          </a:bodyPr>
+          <a:lstStyle/>
+          <a:p>
+            <a:pPr algn="ctr"/>
+            <a:r>
+              <a:rPr kumimoji="1" lang="en-US" altLang="ja-JP" dirty="0">
+                <a:latin typeface="Times New Roman" panose="02020603050405020304" pitchFamily="18" charset="0"/>
+                <a:cs typeface="Times New Roman" panose="02020603050405020304" pitchFamily="18" charset="0"/>
+              </a:rPr>
+              <a:t>Figure </a:t>
+            </a:r>
+            <a:r>
+              <a:rPr lang="en-US" altLang="ja-JP" dirty="0">
+                <a:latin typeface="Times New Roman" panose="02020603050405020304" pitchFamily="18" charset="0"/>
+                <a:cs typeface="Times New Roman" panose="02020603050405020304" pitchFamily="18" charset="0"/>
+              </a:rPr>
+              <a:t>17. Air velocity</a:t>
+            </a:r>
+            <a:endParaRPr kumimoji="1" lang="ja-JP" altLang="en-US" dirty="0">
+              <a:latin typeface="Times New Roman" panose="02020603050405020304" pitchFamily="18" charset="0"/>
+              <a:cs typeface="Times New Roman" panose="02020603050405020304" pitchFamily="18" charset="0"/>
+            </a:endParaRPr>
+          </a:p>
+        </p:txBody>
+      </p:sp>
       <p:pic>
         <p:nvPicPr>
           <p:cNvPr id="9" name="図 8" descr="文字と数字と文字の加工写真&#10;&#10;自動的に生成された説明">
@@ -4410,7 +4446,7 @@
         </p:blipFill>
         <p:spPr>
           <a:xfrm>
-            <a:off x="5513695" y="1371885"/>
+            <a:off x="5666374" y="964133"/>
             <a:ext cx="820984" cy="3581115"/>
           </a:xfrm>
           <a:prstGeom prst="rect">
@@ -4445,7 +4481,7 @@
         </p:blipFill>
         <p:spPr>
           <a:xfrm>
-            <a:off x="5513695" y="4545249"/>
+            <a:off x="5666374" y="4137497"/>
             <a:ext cx="820984" cy="3581115"/>
           </a:xfrm>
           <a:prstGeom prst="rect">
@@ -6133,14 +6169,153 @@
       </p:grpSpPr>
       <p:pic>
         <p:nvPicPr>
-          <p:cNvPr id="4" name="図 3"/>
+          <p:cNvPr id="5" name="図 4" descr="黒い背景と白い文字&#10;&#10;自動的に生成された説明">
+            <a:extLst>
+              <a:ext uri="{FF2B5EF4-FFF2-40B4-BE49-F238E27FC236}">
+                <a16:creationId xmlns:a16="http://schemas.microsoft.com/office/drawing/2014/main" id="{17BA8047-D5B6-47BF-9F31-A3880737CB5D}"/>
+              </a:ext>
+            </a:extLst>
+          </p:cNvPr>
+          <p:cNvPicPr>
+            <a:picLocks noChangeAspect="1"/>
+          </p:cNvPicPr>
+          <p:nvPr/>
+        </p:nvPicPr>
+        <p:blipFill rotWithShape="1">
+          <a:blip r:embed="rId2">
+            <a:extLst>
+              <a:ext uri="{28A0092B-C50C-407E-A947-70E740481C1C}">
+                <a14:useLocalDpi xmlns:a14="http://schemas.microsoft.com/office/drawing/2010/main" val="0"/>
+              </a:ext>
+            </a:extLst>
+          </a:blip>
+          <a:srcRect b="48889"/>
+          <a:stretch/>
+        </p:blipFill>
+        <p:spPr>
+          <a:xfrm>
+            <a:off x="0" y="0"/>
+            <a:ext cx="6858000" cy="3505200"/>
+          </a:xfrm>
+          <a:prstGeom prst="rect">
+            <a:avLst/>
+          </a:prstGeom>
+        </p:spPr>
+      </p:pic>
+      <p:sp>
+        <p:nvSpPr>
+          <p:cNvPr id="20" name="テキスト ボックス 19"/>
+          <p:cNvSpPr txBox="1"/>
+          <p:nvPr/>
+        </p:nvSpPr>
+        <p:spPr>
+          <a:xfrm>
+            <a:off x="540000" y="3637226"/>
+            <a:ext cx="5778000" cy="646331"/>
+          </a:xfrm>
+          <a:prstGeom prst="rect">
+            <a:avLst/>
+          </a:prstGeom>
+          <a:noFill/>
+        </p:spPr>
+        <p:txBody>
+          <a:bodyPr wrap="square" rtlCol="0">
+            <a:spAutoFit/>
+          </a:bodyPr>
+          <a:lstStyle/>
+          <a:p>
+            <a:pPr algn="ctr"/>
+            <a:r>
+              <a:rPr kumimoji="1" lang="en-US" altLang="ja-JP" dirty="0">
+                <a:latin typeface="Times New Roman" panose="02020603050405020304" pitchFamily="18" charset="0"/>
+                <a:cs typeface="Times New Roman" panose="02020603050405020304" pitchFamily="18" charset="0"/>
+              </a:rPr>
+              <a:t>Figure 3. </a:t>
+            </a:r>
+            <a:r>
+              <a:rPr lang="en-US" altLang="ja-JP" dirty="0">
+                <a:latin typeface="Times New Roman" panose="02020603050405020304" pitchFamily="18" charset="0"/>
+                <a:cs typeface="Times New Roman" panose="02020603050405020304" pitchFamily="18" charset="0"/>
+              </a:rPr>
+              <a:t>Powder distribution</a:t>
+            </a:r>
+          </a:p>
+          <a:p>
+            <a:pPr algn="ctr"/>
+            <a:r>
+              <a:rPr lang="en-US" altLang="ja-JP" dirty="0">
+                <a:latin typeface="Times New Roman" panose="02020603050405020304" pitchFamily="18" charset="0"/>
+                <a:cs typeface="Times New Roman" panose="02020603050405020304" pitchFamily="18" charset="0"/>
+              </a:rPr>
+              <a:t>In case suction filling, the punch speed was 500 mm/s.</a:t>
+            </a:r>
+            <a:endParaRPr kumimoji="1" lang="ja-JP" altLang="en-US" dirty="0">
+              <a:latin typeface="Times New Roman" panose="02020603050405020304" pitchFamily="18" charset="0"/>
+              <a:cs typeface="Times New Roman" panose="02020603050405020304" pitchFamily="18" charset="0"/>
+            </a:endParaRPr>
+          </a:p>
+        </p:txBody>
+      </p:sp>
+      <p:sp>
+        <p:nvSpPr>
+          <p:cNvPr id="7" name="テキスト ボックス 6"/>
+          <p:cNvSpPr txBox="1"/>
+          <p:nvPr/>
+        </p:nvSpPr>
+        <p:spPr>
+          <a:xfrm>
+            <a:off x="752094" y="8393615"/>
+            <a:ext cx="5778000" cy="369332"/>
+          </a:xfrm>
+          <a:prstGeom prst="rect">
+            <a:avLst/>
+          </a:prstGeom>
+          <a:noFill/>
+        </p:spPr>
+        <p:txBody>
+          <a:bodyPr wrap="square" rtlCol="0">
+            <a:spAutoFit/>
+          </a:bodyPr>
+          <a:lstStyle/>
+          <a:p>
+            <a:pPr algn="ctr"/>
+            <a:r>
+              <a:rPr kumimoji="1" lang="en-US" altLang="ja-JP" dirty="0">
+                <a:latin typeface="Times New Roman" panose="02020603050405020304" pitchFamily="18" charset="0"/>
+                <a:cs typeface="Times New Roman" panose="02020603050405020304" pitchFamily="18" charset="0"/>
+              </a:rPr>
+              <a:t>Figure </a:t>
+            </a:r>
+            <a:r>
+              <a:rPr lang="en-US" altLang="ja-JP" dirty="0">
+                <a:latin typeface="Times New Roman" panose="02020603050405020304" pitchFamily="18" charset="0"/>
+                <a:cs typeface="Times New Roman" panose="02020603050405020304" pitchFamily="18" charset="0"/>
+              </a:rPr>
+              <a:t>4. Number of particles in die region</a:t>
+            </a:r>
+            <a:endParaRPr kumimoji="1" lang="ja-JP" altLang="en-US" dirty="0">
+              <a:latin typeface="Times New Roman" panose="02020603050405020304" pitchFamily="18" charset="0"/>
+              <a:cs typeface="Times New Roman" panose="02020603050405020304" pitchFamily="18" charset="0"/>
+            </a:endParaRPr>
+          </a:p>
+        </p:txBody>
+      </p:sp>
+      <p:pic>
+        <p:nvPicPr>
+          <p:cNvPr id="8" name="図 7">
+            <a:extLst>
+              <a:ext uri="{FF2B5EF4-FFF2-40B4-BE49-F238E27FC236}">
+                <a16:creationId xmlns:a16="http://schemas.microsoft.com/office/drawing/2014/main" id="{438F6544-E6E5-4957-AF7B-85B2100E59BC}"/>
+              </a:ext>
+            </a:extLst>
+          </p:cNvPr>
           <p:cNvPicPr>
             <a:picLocks noChangeAspect="1"/>
           </p:cNvPicPr>
           <p:nvPr/>
         </p:nvPicPr>
         <p:blipFill>
-          <a:blip r:embed="rId2">
+          <a:blip r:embed="rId3">
             <a:extLst>
               <a:ext uri="{28A0092B-C50C-407E-A947-70E740481C1C}">
                 <a14:useLocalDpi xmlns:a14="http://schemas.microsoft.com/office/drawing/2010/main" val="0"/>
@@ -6161,133 +6336,6 @@
           </a:prstGeom>
         </p:spPr>
       </p:pic>
-      <p:pic>
-        <p:nvPicPr>
-          <p:cNvPr id="3" name="図 2"/>
-          <p:cNvPicPr>
-            <a:picLocks noChangeAspect="1"/>
-          </p:cNvPicPr>
-          <p:nvPr/>
-        </p:nvPicPr>
-        <p:blipFill rotWithShape="1">
-          <a:blip r:embed="rId3">
-            <a:extLst>
-              <a:ext uri="{28A0092B-C50C-407E-A947-70E740481C1C}">
-                <a14:useLocalDpi xmlns:a14="http://schemas.microsoft.com/office/drawing/2010/main" val="0"/>
-              </a:ext>
-            </a:extLst>
-          </a:blip>
-          <a:srcRect b="48889"/>
-          <a:stretch/>
-        </p:blipFill>
-        <p:spPr>
-          <a:xfrm>
-            <a:off x="0" y="5979"/>
-            <a:ext cx="6858000" cy="3505200"/>
-          </a:xfrm>
-          <a:prstGeom prst="rect">
-            <a:avLst/>
-          </a:prstGeom>
-        </p:spPr>
-      </p:pic>
-      <p:sp>
-        <p:nvSpPr>
-          <p:cNvPr id="20" name="テキスト ボックス 19"/>
-          <p:cNvSpPr txBox="1"/>
-          <p:nvPr/>
-        </p:nvSpPr>
-        <p:spPr>
-          <a:xfrm>
-            <a:off x="540000" y="3637226"/>
-            <a:ext cx="5778000" cy="646331"/>
-          </a:xfrm>
-          <a:prstGeom prst="rect">
-            <a:avLst/>
-          </a:prstGeom>
-          <a:noFill/>
-        </p:spPr>
-        <p:txBody>
-          <a:bodyPr wrap="square" rtlCol="0">
-            <a:spAutoFit/>
-          </a:bodyPr>
-          <a:lstStyle/>
-          <a:p>
-            <a:pPr algn="ctr"/>
-            <a:r>
-              <a:rPr kumimoji="1" lang="en-US" altLang="ja-JP" dirty="0">
-                <a:latin typeface="Times New Roman" panose="02020603050405020304" pitchFamily="18" charset="0"/>
-                <a:cs typeface="Times New Roman" panose="02020603050405020304" pitchFamily="18" charset="0"/>
-              </a:rPr>
-              <a:t>Figure 3. </a:t>
-            </a:r>
-            <a:r>
-              <a:rPr lang="en-US" altLang="ja-JP" dirty="0">
-                <a:latin typeface="Times New Roman" panose="02020603050405020304" pitchFamily="18" charset="0"/>
-                <a:cs typeface="Times New Roman" panose="02020603050405020304" pitchFamily="18" charset="0"/>
-              </a:rPr>
-              <a:t>Powder distribution</a:t>
-            </a:r>
-          </a:p>
-          <a:p>
-            <a:pPr algn="ctr"/>
-            <a:r>
-              <a:rPr lang="en-US" altLang="ja-JP" dirty="0">
-                <a:latin typeface="Times New Roman" panose="02020603050405020304" pitchFamily="18" charset="0"/>
-                <a:cs typeface="Times New Roman" panose="02020603050405020304" pitchFamily="18" charset="0"/>
-              </a:rPr>
-              <a:t>In case suction filling, the punch speed was 500 mm/s.</a:t>
-            </a:r>
-            <a:endParaRPr kumimoji="1" lang="ja-JP" altLang="en-US" dirty="0">
-              <a:latin typeface="Times New Roman" panose="02020603050405020304" pitchFamily="18" charset="0"/>
-              <a:cs typeface="Times New Roman" panose="02020603050405020304" pitchFamily="18" charset="0"/>
-            </a:endParaRPr>
-          </a:p>
-        </p:txBody>
-      </p:sp>
-      <p:sp>
-        <p:nvSpPr>
-          <p:cNvPr id="7" name="テキスト ボックス 6"/>
-          <p:cNvSpPr txBox="1"/>
-          <p:nvPr/>
-        </p:nvSpPr>
-        <p:spPr>
-          <a:xfrm>
-            <a:off x="752094" y="8393615"/>
-            <a:ext cx="5778000" cy="369332"/>
-          </a:xfrm>
-          <a:prstGeom prst="rect">
-            <a:avLst/>
-          </a:prstGeom>
-          <a:noFill/>
-        </p:spPr>
-        <p:txBody>
-          <a:bodyPr wrap="square" rtlCol="0">
-            <a:spAutoFit/>
-          </a:bodyPr>
-          <a:lstStyle/>
-          <a:p>
-            <a:pPr algn="ctr"/>
-            <a:r>
-              <a:rPr kumimoji="1" lang="en-US" altLang="ja-JP" dirty="0">
-                <a:latin typeface="Times New Roman" panose="02020603050405020304" pitchFamily="18" charset="0"/>
-                <a:cs typeface="Times New Roman" panose="02020603050405020304" pitchFamily="18" charset="0"/>
-              </a:rPr>
-              <a:t>Figure </a:t>
-            </a:r>
-            <a:r>
-              <a:rPr lang="en-US" altLang="ja-JP" dirty="0">
-                <a:latin typeface="Times New Roman" panose="02020603050405020304" pitchFamily="18" charset="0"/>
-                <a:cs typeface="Times New Roman" panose="02020603050405020304" pitchFamily="18" charset="0"/>
-              </a:rPr>
-              <a:t>4. Number of particles in die region</a:t>
-            </a:r>
-            <a:endParaRPr kumimoji="1" lang="ja-JP" altLang="en-US" dirty="0">
-              <a:latin typeface="Times New Roman" panose="02020603050405020304" pitchFamily="18" charset="0"/>
-              <a:cs typeface="Times New Roman" panose="02020603050405020304" pitchFamily="18" charset="0"/>
-            </a:endParaRPr>
-          </a:p>
-        </p:txBody>
-      </p:sp>
     </p:spTree>
     <p:extLst>
       <p:ext uri="{BB962C8B-B14F-4D97-AF65-F5344CB8AC3E}">
@@ -6364,7 +6412,13 @@
       </p:sp>
       <p:pic>
         <p:nvPicPr>
-          <p:cNvPr id="2" name="図 1"/>
+          <p:cNvPr id="4" name="図 3">
+            <a:extLst>
+              <a:ext uri="{FF2B5EF4-FFF2-40B4-BE49-F238E27FC236}">
+                <a16:creationId xmlns:a16="http://schemas.microsoft.com/office/drawing/2014/main" id="{557A3FB5-2B55-44F4-8AA6-A3344594E404}"/>
+              </a:ext>
+            </a:extLst>
+          </p:cNvPr>
           <p:cNvPicPr>
             <a:picLocks noChangeAspect="1"/>
           </p:cNvPicPr>
@@ -6384,7 +6438,7 @@
         </p:blipFill>
         <p:spPr>
           <a:xfrm>
-            <a:off x="907392" y="296161"/>
+            <a:off x="907392" y="480827"/>
             <a:ext cx="5134895" cy="3857963"/>
           </a:xfrm>
           <a:prstGeom prst="rect">
@@ -6498,7 +6552,13 @@
       </p:sp>
       <p:pic>
         <p:nvPicPr>
-          <p:cNvPr id="2" name="図 1"/>
+          <p:cNvPr id="5" name="図 4">
+            <a:extLst>
+              <a:ext uri="{FF2B5EF4-FFF2-40B4-BE49-F238E27FC236}">
+                <a16:creationId xmlns:a16="http://schemas.microsoft.com/office/drawing/2014/main" id="{701206AC-489B-4199-988F-2A6C30D0B3D3}"/>
+              </a:ext>
+            </a:extLst>
+          </p:cNvPr>
           <p:cNvPicPr>
             <a:picLocks noChangeAspect="1"/>
           </p:cNvPicPr>
@@ -6512,13 +6572,13 @@
               </a:ext>
             </a:extLst>
           </a:blip>
-          <a:srcRect t="21212" r="40000"/>
+          <a:srcRect t="19650" r="40000"/>
           <a:stretch/>
         </p:blipFill>
         <p:spPr>
           <a:xfrm>
-            <a:off x="1108363" y="1347149"/>
-            <a:ext cx="4114801" cy="5403273"/>
+            <a:off x="1108362" y="1240010"/>
+            <a:ext cx="4114801" cy="5510412"/>
           </a:xfrm>
           <a:prstGeom prst="rect">
             <a:avLst/>
@@ -6557,6 +6617,41 @@
       </p:grpSpPr>
       <p:pic>
         <p:nvPicPr>
+          <p:cNvPr id="5" name="図 4">
+            <a:extLst>
+              <a:ext uri="{FF2B5EF4-FFF2-40B4-BE49-F238E27FC236}">
+                <a16:creationId xmlns:a16="http://schemas.microsoft.com/office/drawing/2014/main" id="{BE8C517F-DCA5-4706-BF9F-B6D90A3B80CC}"/>
+              </a:ext>
+            </a:extLst>
+          </p:cNvPr>
+          <p:cNvPicPr>
+            <a:picLocks noChangeAspect="1"/>
+          </p:cNvPicPr>
+          <p:nvPr/>
+        </p:nvPicPr>
+        <p:blipFill rotWithShape="1">
+          <a:blip r:embed="rId2">
+            <a:extLst>
+              <a:ext uri="{28A0092B-C50C-407E-A947-70E740481C1C}">
+                <a14:useLocalDpi xmlns:a14="http://schemas.microsoft.com/office/drawing/2010/main" val="0"/>
+              </a:ext>
+            </a:extLst>
+          </a:blip>
+          <a:srcRect t="19650" r="40000"/>
+          <a:stretch/>
+        </p:blipFill>
+        <p:spPr>
+          <a:xfrm>
+            <a:off x="1163782" y="1240011"/>
+            <a:ext cx="4114801" cy="5510412"/>
+          </a:xfrm>
+          <a:prstGeom prst="rect">
+            <a:avLst/>
+          </a:prstGeom>
+        </p:spPr>
+      </p:pic>
+      <p:pic>
+        <p:nvPicPr>
           <p:cNvPr id="4" name="図 3"/>
           <p:cNvPicPr>
             <a:picLocks noChangeAspect="1"/>
@@ -6564,7 +6659,7 @@
           <p:nvPr/>
         </p:nvPicPr>
         <p:blipFill>
-          <a:blip r:embed="rId2">
+          <a:blip r:embed="rId3">
             <a:extLst>
               <a:ext uri="{28A0092B-C50C-407E-A947-70E740481C1C}">
                 <a14:useLocalDpi xmlns:a14="http://schemas.microsoft.com/office/drawing/2010/main" val="0"/>
@@ -6579,35 +6674,6 @@
           <a:xfrm>
             <a:off x="5644463" y="2357255"/>
             <a:ext cx="1218286" cy="3045716"/>
-          </a:xfrm>
-          <a:prstGeom prst="rect">
-            <a:avLst/>
-          </a:prstGeom>
-        </p:spPr>
-      </p:pic>
-      <p:pic>
-        <p:nvPicPr>
-          <p:cNvPr id="3" name="図 2"/>
-          <p:cNvPicPr>
-            <a:picLocks noChangeAspect="1"/>
-          </p:cNvPicPr>
-          <p:nvPr/>
-        </p:nvPicPr>
-        <p:blipFill rotWithShape="1">
-          <a:blip r:embed="rId3">
-            <a:extLst>
-              <a:ext uri="{28A0092B-C50C-407E-A947-70E740481C1C}">
-                <a14:useLocalDpi xmlns:a14="http://schemas.microsoft.com/office/drawing/2010/main" val="0"/>
-              </a:ext>
-            </a:extLst>
-          </a:blip>
-          <a:srcRect t="21414" r="40808"/>
-          <a:stretch/>
-        </p:blipFill>
-        <p:spPr>
-          <a:xfrm>
-            <a:off x="1163782" y="1361005"/>
-            <a:ext cx="4059382" cy="5389418"/>
           </a:xfrm>
           <a:prstGeom prst="rect">
             <a:avLst/>
@@ -6730,7 +6796,13 @@
       </p:sp>
       <p:pic>
         <p:nvPicPr>
-          <p:cNvPr id="2" name="図 1"/>
+          <p:cNvPr id="4" name="図 3">
+            <a:extLst>
+              <a:ext uri="{FF2B5EF4-FFF2-40B4-BE49-F238E27FC236}">
+                <a16:creationId xmlns:a16="http://schemas.microsoft.com/office/drawing/2014/main" id="{BE8EFC33-0EC5-4183-9B0E-F99E89EB24F4}"/>
+              </a:ext>
+            </a:extLst>
+          </p:cNvPr>
           <p:cNvPicPr>
             <a:picLocks noChangeAspect="1"/>
           </p:cNvPicPr>
@@ -6750,7 +6822,7 @@
         </p:blipFill>
         <p:spPr>
           <a:xfrm>
-            <a:off x="627403" y="121698"/>
+            <a:off x="570267" y="121698"/>
             <a:ext cx="5717466" cy="4295662"/>
           </a:xfrm>
           <a:prstGeom prst="rect">
@@ -6790,7 +6862,13 @@
       </p:grpSpPr>
       <p:pic>
         <p:nvPicPr>
-          <p:cNvPr id="2" name="図 1"/>
+          <p:cNvPr id="4" name="図 3" descr="黒い背景と白い文字&#10;&#10;自動的に生成された説明">
+            <a:extLst>
+              <a:ext uri="{FF2B5EF4-FFF2-40B4-BE49-F238E27FC236}">
+                <a16:creationId xmlns:a16="http://schemas.microsoft.com/office/drawing/2014/main" id="{A6B30339-3539-43C7-A1D1-6A2728E5E1A2}"/>
+              </a:ext>
+            </a:extLst>
+          </p:cNvPr>
           <p:cNvPicPr>
             <a:picLocks noChangeAspect="1"/>
           </p:cNvPicPr>
